--- a/blog/WeirdMachinePresentation-ODU.pptx
+++ b/blog/WeirdMachinePresentation-ODU.pptx
@@ -28,16 +28,17 @@
     <p:sldId id="272" r:id="rId22"/>
     <p:sldId id="273" r:id="rId23"/>
     <p:sldId id="274" r:id="rId24"/>
+    <p:sldId id="275" r:id="rId25"/>
   </p:sldIdLst>
   <p:sldSz cy="6858000" cx="12192000"/>
   <p:notesSz cx="6858000" cy="9144000"/>
   <p:embeddedFontLst>
     <p:embeddedFont>
       <p:font typeface="Roboto"/>
-      <p:regular r:id="rId25"/>
-      <p:bold r:id="rId26"/>
-      <p:italic r:id="rId27"/>
-      <p:boldItalic r:id="rId28"/>
+      <p:regular r:id="rId26"/>
+      <p:bold r:id="rId27"/>
+      <p:italic r:id="rId28"/>
+      <p:boldItalic r:id="rId29"/>
     </p:embeddedFont>
   </p:embeddedFontLst>
   <p:defaultTextStyle>
@@ -271,7 +272,7 @@
   </p:defaultTextStyle>
   <p:extLst>
     <p:ext uri="GoogleSlidesCustomDataVersion2">
-      <go:slidesCustomData xmlns:go="http://customooxmlschemas.google.com/" r:id="rId29" roundtripDataSignature="AMtx7mjtBxjeCmwKoEcGzVvOsgA5KcAdJQ=="/>
+      <go:slidesCustomData xmlns:go="http://customooxmlschemas.google.com/" r:id="rId30" roundtripDataSignature="AMtx7miOkfqKv4vPITrbLCQBwBo7gK/0MQ=="/>
     </p:ext>
   </p:extLst>
 </p:presentation>
@@ -807,7 +808,7 @@
   <p:cSld>
     <p:spTree>
       <p:nvGrpSpPr>
-        <p:cNvPr id="167" name="Shape 167"/>
+        <p:cNvPr id="169" name="Shape 169"/>
         <p:cNvGrpSpPr/>
         <p:nvPr/>
       </p:nvGrpSpPr>
@@ -821,7 +822,291 @@
       </p:grpSpPr>
       <p:sp>
         <p:nvSpPr>
-          <p:cNvPr id="168" name="Google Shape;168;g3b0d07ae252_9_2:notes"/>
+          <p:cNvPr id="170" name="Google Shape;170;p7:notes"/>
+          <p:cNvSpPr txBox="1"/>
+          <p:nvPr>
+            <p:ph idx="1" type="body"/>
+          </p:nvPr>
+        </p:nvSpPr>
+        <p:spPr>
+          <a:xfrm>
+            <a:off x="685800" y="4343400"/>
+            <a:ext cx="5486400" cy="4114800"/>
+          </a:xfrm>
+          <a:prstGeom prst="rect">
+            <a:avLst/>
+          </a:prstGeom>
+        </p:spPr>
+        <p:txBody>
+          <a:bodyPr anchorCtr="0" anchor="t" bIns="91425" lIns="91425" spcFirstLastPara="1" rIns="91425" wrap="square" tIns="91425">
+            <a:noAutofit/>
+          </a:bodyPr>
+          <a:lstStyle/>
+          <a:p>
+            <a:pPr indent="0" lvl="0" marL="0" rtl="0" algn="l">
+              <a:spcBef>
+                <a:spcPts val="0"/>
+              </a:spcBef>
+              <a:spcAft>
+                <a:spcPts val="0"/>
+              </a:spcAft>
+              <a:buClr>
+                <a:schemeClr val="dk1"/>
+              </a:buClr>
+              <a:buSzPts val="1100"/>
+              <a:buFont typeface="Arial"/>
+              <a:buNone/>
+            </a:pPr>
+            <a:r>
+              <a:rPr lang="en-US"/>
+              <a:t>The wind energy test bed is built as a scaled-down wind farm that connects physical turbines, industrial controllers, and a SCADA system into a single cyber‑physical environment. At a high level, the slide shows how device‑level control, field networks, secure gateways, and the Rapid SCADA server fit together into that architecture.​</a:t>
+            </a:r>
+            <a:endParaRPr/>
+          </a:p>
+          <a:p>
+            <a:pPr indent="0" lvl="0" marL="0" rtl="0" algn="l">
+              <a:spcBef>
+                <a:spcPts val="0"/>
+              </a:spcBef>
+              <a:spcAft>
+                <a:spcPts val="0"/>
+              </a:spcAft>
+              <a:buClr>
+                <a:schemeClr val="dk1"/>
+              </a:buClr>
+              <a:buSzPts val="1100"/>
+              <a:buFont typeface="Arial"/>
+              <a:buNone/>
+            </a:pPr>
+            <a:r>
+              <a:t/>
+            </a:r>
+            <a:endParaRPr/>
+          </a:p>
+          <a:p>
+            <a:pPr indent="0" lvl="0" marL="0" rtl="0" algn="l">
+              <a:spcBef>
+                <a:spcPts val="0"/>
+              </a:spcBef>
+              <a:spcAft>
+                <a:spcPts val="0"/>
+              </a:spcAft>
+              <a:buClr>
+                <a:schemeClr val="dk1"/>
+              </a:buClr>
+              <a:buSzPts val="1100"/>
+              <a:buFont typeface="Arial"/>
+              <a:buNone/>
+            </a:pPr>
+            <a:r>
+              <a:rPr lang="en-US"/>
+              <a:t>At the edge, scaled and emulated wind turbines are instrumented with motors and sensors, then controlled by a mix of industrial PLCs and Raspberry Pi units. These controllers handle local logic such as RPM limits and shutdown routines, and expose their data and commands over industrial protocols like Modbus TCP and other vendor‑specific fieldbuses.​</a:t>
+            </a:r>
+            <a:endParaRPr/>
+          </a:p>
+          <a:p>
+            <a:pPr indent="0" lvl="0" marL="0" rtl="0" algn="l">
+              <a:spcBef>
+                <a:spcPts val="0"/>
+              </a:spcBef>
+              <a:spcAft>
+                <a:spcPts val="0"/>
+              </a:spcAft>
+              <a:buClr>
+                <a:schemeClr val="dk1"/>
+              </a:buClr>
+              <a:buSzPts val="1100"/>
+              <a:buFont typeface="Arial"/>
+              <a:buNone/>
+            </a:pPr>
+            <a:r>
+              <a:t/>
+            </a:r>
+            <a:endParaRPr/>
+          </a:p>
+          <a:p>
+            <a:pPr indent="0" lvl="0" marL="0" rtl="0" algn="l">
+              <a:spcBef>
+                <a:spcPts val="0"/>
+              </a:spcBef>
+              <a:spcAft>
+                <a:spcPts val="0"/>
+              </a:spcAft>
+              <a:buClr>
+                <a:schemeClr val="dk1"/>
+              </a:buClr>
+              <a:buSzPts val="1100"/>
+              <a:buFont typeface="Arial"/>
+              <a:buNone/>
+            </a:pPr>
+            <a:r>
+              <a:rPr lang="en-US"/>
+              <a:t>The PLCs and emulated PLCs connect over Ethernet to the test bed network, where traffic is segmented and routed toward the SCADA environment. A Python‑based proxy with certificates and credentials sits in the path of Modbus TCP, authenticating devices and only forwarding traffic for nodes that prove their identity. This effectively creates a secure Modbus gateway in front of the SCADA server.​</a:t>
+            </a:r>
+            <a:endParaRPr/>
+          </a:p>
+          <a:p>
+            <a:pPr indent="0" lvl="0" marL="0" rtl="0" algn="l">
+              <a:spcBef>
+                <a:spcPts val="0"/>
+              </a:spcBef>
+              <a:spcAft>
+                <a:spcPts val="0"/>
+              </a:spcAft>
+              <a:buClr>
+                <a:schemeClr val="dk1"/>
+              </a:buClr>
+              <a:buSzPts val="1100"/>
+              <a:buFont typeface="Arial"/>
+              <a:buNone/>
+            </a:pPr>
+            <a:r>
+              <a:t/>
+            </a:r>
+            <a:endParaRPr/>
+          </a:p>
+          <a:p>
+            <a:pPr indent="0" lvl="0" marL="0" rtl="0" algn="l">
+              <a:spcBef>
+                <a:spcPts val="0"/>
+              </a:spcBef>
+              <a:spcAft>
+                <a:spcPts val="0"/>
+              </a:spcAft>
+              <a:buClr>
+                <a:schemeClr val="dk1"/>
+              </a:buClr>
+              <a:buSzPts val="1100"/>
+              <a:buFont typeface="Arial"/>
+              <a:buNone/>
+            </a:pPr>
+            <a:r>
+              <a:rPr lang="en-US"/>
+              <a:t>The Rapid SCADA server is configured with multiple communication lines, simultaneously polling and controlling devices using Modbus and a REST API. These lines connect to PLCs, simulation servers, and an ambient weather station, with each line mapped into channels, devices, and logs.</a:t>
+            </a:r>
+            <a:endParaRPr/>
+          </a:p>
+          <a:p>
+            <a:pPr indent="0" lvl="0" marL="0" rtl="0" algn="l">
+              <a:spcBef>
+                <a:spcPts val="0"/>
+              </a:spcBef>
+              <a:spcAft>
+                <a:spcPts val="0"/>
+              </a:spcAft>
+              <a:buClr>
+                <a:schemeClr val="dk1"/>
+              </a:buClr>
+              <a:buSzPts val="1100"/>
+              <a:buFont typeface="Arial"/>
+              <a:buNone/>
+            </a:pPr>
+            <a:r>
+              <a:t/>
+            </a:r>
+            <a:endParaRPr/>
+          </a:p>
+          <a:p>
+            <a:pPr indent="0" lvl="0" marL="0" rtl="0" algn="l">
+              <a:spcBef>
+                <a:spcPts val="0"/>
+              </a:spcBef>
+              <a:spcAft>
+                <a:spcPts val="0"/>
+              </a:spcAft>
+              <a:buClr>
+                <a:schemeClr val="dk1"/>
+              </a:buClr>
+              <a:buSzPts val="1100"/>
+              <a:buFont typeface="Arial"/>
+              <a:buNone/>
+            </a:pPr>
+            <a:r>
+              <a:rPr lang="en-US"/>
+              <a:t>Operators interact with the system through Rapid SCADA’s web‑based interface, which presents turbine status, weather measurements, control commands, and alarms in dashboards. This architecture allows experiments that closely mirror how a real wind farm’s supervisory control and cybersecurity stack would be organized.</a:t>
+            </a:r>
+            <a:endParaRPr/>
+          </a:p>
+          <a:p>
+            <a:pPr indent="0" lvl="0" marL="0" rtl="0" algn="l">
+              <a:spcBef>
+                <a:spcPts val="0"/>
+              </a:spcBef>
+              <a:spcAft>
+                <a:spcPts val="0"/>
+              </a:spcAft>
+              <a:buNone/>
+            </a:pPr>
+            <a:r>
+              <a:t/>
+            </a:r>
+            <a:endParaRPr/>
+          </a:p>
+        </p:txBody>
+      </p:sp>
+      <p:sp>
+        <p:nvSpPr>
+          <p:cNvPr id="171" name="Google Shape;171;p7:notes"/>
+          <p:cNvSpPr/>
+          <p:nvPr>
+            <p:ph idx="2" type="sldImg"/>
+          </p:nvPr>
+        </p:nvSpPr>
+        <p:spPr>
+          <a:xfrm>
+            <a:off x="1143225" y="685800"/>
+            <a:ext cx="4572225" cy="3429000"/>
+          </a:xfrm>
+          <a:custGeom>
+            <a:rect b="b" l="l" r="r" t="t"/>
+            <a:pathLst>
+              <a:path extrusionOk="0" h="120000" w="120000">
+                <a:moveTo>
+                  <a:pt x="0" y="0"/>
+                </a:moveTo>
+                <a:lnTo>
+                  <a:pt x="120000" y="0"/>
+                </a:lnTo>
+                <a:lnTo>
+                  <a:pt x="120000" y="120000"/>
+                </a:lnTo>
+                <a:lnTo>
+                  <a:pt x="0" y="120000"/>
+                </a:lnTo>
+                <a:close/>
+              </a:path>
+            </a:pathLst>
+          </a:custGeom>
+        </p:spPr>
+      </p:sp>
+    </p:spTree>
+  </p:cSld>
+  <p:clrMapOvr>
+    <a:masterClrMapping/>
+  </p:clrMapOvr>
+</p:notes>
+</file>
+
+<file path=ppt/notesSlides/notesSlide11.xml><?xml version="1.0" encoding="utf-8"?>
+<p:notes xmlns:a="http://schemas.openxmlformats.org/drawingml/2006/main" xmlns:r="http://schemas.openxmlformats.org/officeDocument/2006/relationships" xmlns:mc="http://schemas.openxmlformats.org/markup-compatibility/2006" xmlns:mv="urn:schemas-microsoft-com:mac:vml" xmlns:p="http://schemas.openxmlformats.org/presentationml/2006/main" xmlns:c="http://schemas.openxmlformats.org/drawingml/2006/chart" xmlns:dgm="http://schemas.openxmlformats.org/drawingml/2006/diagram" xmlns:o="urn:schemas-microsoft-com:office:office" xmlns:v="urn:schemas-microsoft-com:vml" xmlns:pvml="urn:schemas-microsoft-com:office:powerpoint" xmlns:com="http://schemas.openxmlformats.org/drawingml/2006/compatibility" xmlns:p14="http://schemas.microsoft.com/office/powerpoint/2010/main" xmlns:p15="http://schemas.microsoft.com/office/powerpoint/2012/main" xmlns:ahyp="http://schemas.microsoft.com/office/drawing/2018/hyperlinkcolor" showMasterPhAnim="0" showMasterSp="0">
+  <p:cSld>
+    <p:spTree>
+      <p:nvGrpSpPr>
+        <p:cNvPr id="175" name="Shape 175"/>
+        <p:cNvGrpSpPr/>
+        <p:nvPr/>
+      </p:nvGrpSpPr>
+      <p:grpSpPr>
+        <a:xfrm>
+          <a:off x="0" y="0"/>
+          <a:ext cx="0" cy="0"/>
+          <a:chOff x="0" y="0"/>
+          <a:chExt cx="0" cy="0"/>
+        </a:xfrm>
+      </p:grpSpPr>
+      <p:sp>
+        <p:nvSpPr>
+          <p:cNvPr id="176" name="Google Shape;176;g3b0d07ae252_9_2:notes"/>
           <p:cNvSpPr txBox="1"/>
           <p:nvPr>
             <p:ph idx="1" type="body"/>
@@ -868,189 +1153,7 @@
       </p:sp>
       <p:sp>
         <p:nvSpPr>
-          <p:cNvPr id="169" name="Google Shape;169;g3b0d07ae252_9_2:notes"/>
-          <p:cNvSpPr/>
-          <p:nvPr>
-            <p:ph idx="2" type="sldImg"/>
-          </p:nvPr>
-        </p:nvSpPr>
-        <p:spPr>
-          <a:xfrm>
-            <a:off x="1143225" y="685800"/>
-            <a:ext cx="4572300" cy="3429000"/>
-          </a:xfrm>
-          <a:custGeom>
-            <a:rect b="b" l="l" r="r" t="t"/>
-            <a:pathLst>
-              <a:path extrusionOk="0" h="120000" w="120000">
-                <a:moveTo>
-                  <a:pt x="0" y="0"/>
-                </a:moveTo>
-                <a:lnTo>
-                  <a:pt x="120000" y="0"/>
-                </a:lnTo>
-                <a:lnTo>
-                  <a:pt x="120000" y="120000"/>
-                </a:lnTo>
-                <a:lnTo>
-                  <a:pt x="0" y="120000"/>
-                </a:lnTo>
-                <a:close/>
-              </a:path>
-            </a:pathLst>
-          </a:custGeom>
-          <a:noFill/>
-          <a:ln cap="flat" cmpd="sng" w="9525">
-            <a:solidFill>
-              <a:srgbClr val="000000"/>
-            </a:solidFill>
-            <a:prstDash val="solid"/>
-            <a:round/>
-            <a:headEnd len="sm" w="sm" type="none"/>
-            <a:tailEnd len="sm" w="sm" type="none"/>
-          </a:ln>
-        </p:spPr>
-      </p:sp>
-    </p:spTree>
-  </p:cSld>
-  <p:clrMapOvr>
-    <a:masterClrMapping/>
-  </p:clrMapOvr>
-</p:notes>
-</file>
-
-<file path=ppt/notesSlides/notesSlide11.xml><?xml version="1.0" encoding="utf-8"?>
-<p:notes xmlns:a="http://schemas.openxmlformats.org/drawingml/2006/main" xmlns:r="http://schemas.openxmlformats.org/officeDocument/2006/relationships" xmlns:mc="http://schemas.openxmlformats.org/markup-compatibility/2006" xmlns:mv="urn:schemas-microsoft-com:mac:vml" xmlns:p="http://schemas.openxmlformats.org/presentationml/2006/main" xmlns:c="http://schemas.openxmlformats.org/drawingml/2006/chart" xmlns:dgm="http://schemas.openxmlformats.org/drawingml/2006/diagram" xmlns:o="urn:schemas-microsoft-com:office:office" xmlns:v="urn:schemas-microsoft-com:vml" xmlns:pvml="urn:schemas-microsoft-com:office:powerpoint" xmlns:com="http://schemas.openxmlformats.org/drawingml/2006/compatibility" xmlns:p14="http://schemas.microsoft.com/office/powerpoint/2010/main" xmlns:p15="http://schemas.microsoft.com/office/powerpoint/2012/main" xmlns:ahyp="http://schemas.microsoft.com/office/drawing/2018/hyperlinkcolor" showMasterPhAnim="0" showMasterSp="0">
-  <p:cSld>
-    <p:spTree>
-      <p:nvGrpSpPr>
-        <p:cNvPr id="174" name="Shape 174"/>
-        <p:cNvGrpSpPr/>
-        <p:nvPr/>
-      </p:nvGrpSpPr>
-      <p:grpSpPr>
-        <a:xfrm>
-          <a:off x="0" y="0"/>
-          <a:ext cx="0" cy="0"/>
-          <a:chOff x="0" y="0"/>
-          <a:chExt cx="0" cy="0"/>
-        </a:xfrm>
-      </p:grpSpPr>
-      <p:sp>
-        <p:nvSpPr>
-          <p:cNvPr id="175" name="Google Shape;175;g3b0d07ae252_5_0:notes"/>
-          <p:cNvSpPr txBox="1"/>
-          <p:nvPr>
-            <p:ph idx="1" type="body"/>
-          </p:nvPr>
-        </p:nvSpPr>
-        <p:spPr>
-          <a:xfrm>
-            <a:off x="685800" y="4343400"/>
-            <a:ext cx="5486400" cy="4114800"/>
-          </a:xfrm>
-          <a:prstGeom prst="rect">
-            <a:avLst/>
-          </a:prstGeom>
-          <a:noFill/>
-          <a:ln>
-            <a:noFill/>
-          </a:ln>
-        </p:spPr>
-        <p:txBody>
-          <a:bodyPr anchorCtr="0" anchor="t" bIns="91425" lIns="91425" spcFirstLastPara="1" rIns="91425" wrap="square" tIns="91425">
-            <a:noAutofit/>
-          </a:bodyPr>
-          <a:lstStyle/>
-          <a:p>
-            <a:pPr indent="0" lvl="0" marL="0" rtl="0" algn="l">
-              <a:lnSpc>
-                <a:spcPct val="200000"/>
-              </a:lnSpc>
-              <a:spcBef>
-                <a:spcPts val="0"/>
-              </a:spcBef>
-              <a:spcAft>
-                <a:spcPts val="0"/>
-              </a:spcAft>
-              <a:buSzPts val="1100"/>
-              <a:buNone/>
-            </a:pPr>
-            <a:r>
-              <a:rPr lang="en-US">
-                <a:solidFill>
-                  <a:schemeClr val="dk1"/>
-                </a:solidFill>
-              </a:rPr>
-              <a:t>In the wind-energy testbed, we treat Modbus-like operations as primitives. By sequencing register/coil reads and writes, </a:t>
-            </a:r>
-            <a:endParaRPr>
-              <a:solidFill>
-                <a:schemeClr val="dk1"/>
-              </a:solidFill>
-            </a:endParaRPr>
-          </a:p>
-          <a:p>
-            <a:pPr indent="0" lvl="0" marL="0" rtl="0" algn="l">
-              <a:lnSpc>
-                <a:spcPct val="200000"/>
-              </a:lnSpc>
-              <a:spcBef>
-                <a:spcPts val="0"/>
-              </a:spcBef>
-              <a:spcAft>
-                <a:spcPts val="0"/>
-              </a:spcAft>
-              <a:buSzPts val="1100"/>
-              <a:buNone/>
-            </a:pPr>
-            <a:r>
-              <a:rPr lang="en-US">
-                <a:solidFill>
-                  <a:schemeClr val="dk1"/>
-                </a:solidFill>
-              </a:rPr>
-              <a:t>then adding control gadgets like wait/conditional/loop, we can build composite behaviors like counters, timers, </a:t>
-            </a:r>
-            <a:endParaRPr>
-              <a:solidFill>
-                <a:schemeClr val="dk1"/>
-              </a:solidFill>
-            </a:endParaRPr>
-          </a:p>
-          <a:p>
-            <a:pPr indent="0" lvl="0" marL="0" rtl="0" algn="l">
-              <a:lnSpc>
-                <a:spcPct val="200000"/>
-              </a:lnSpc>
-              <a:spcBef>
-                <a:spcPts val="0"/>
-              </a:spcBef>
-              <a:spcAft>
-                <a:spcPts val="0"/>
-              </a:spcAft>
-              <a:buClr>
-                <a:schemeClr val="dk1"/>
-              </a:buClr>
-              <a:buSzPts val="1100"/>
-              <a:buFont typeface="Arial"/>
-              <a:buNone/>
-            </a:pPr>
-            <a:r>
-              <a:rPr lang="en-US">
-                <a:solidFill>
-                  <a:schemeClr val="dk1"/>
-                </a:solidFill>
-              </a:rPr>
-              <a:t>and even state machines computation emerging from the protocol itself. Allowing unintended computational structure to emerge within a non-computational control protocol.</a:t>
-            </a:r>
-            <a:endParaRPr/>
-          </a:p>
-        </p:txBody>
-      </p:sp>
-      <p:sp>
-        <p:nvSpPr>
-          <p:cNvPr id="176" name="Google Shape;176;g3b0d07ae252_5_0:notes"/>
+          <p:cNvPr id="177" name="Google Shape;177;g3b0d07ae252_9_2:notes"/>
           <p:cNvSpPr/>
           <p:nvPr>
             <p:ph idx="2" type="sldImg"/>
@@ -1106,7 +1209,7 @@
   <p:cSld>
     <p:spTree>
       <p:nvGrpSpPr>
-        <p:cNvPr id="181" name="Shape 181"/>
+        <p:cNvPr id="182" name="Shape 182"/>
         <p:cNvGrpSpPr/>
         <p:nvPr/>
       </p:nvGrpSpPr>
@@ -1120,7 +1223,189 @@
       </p:grpSpPr>
       <p:sp>
         <p:nvSpPr>
-          <p:cNvPr id="182" name="Google Shape;182;p9:notes"/>
+          <p:cNvPr id="183" name="Google Shape;183;g3b0d07ae252_5_0:notes"/>
+          <p:cNvSpPr txBox="1"/>
+          <p:nvPr>
+            <p:ph idx="1" type="body"/>
+          </p:nvPr>
+        </p:nvSpPr>
+        <p:spPr>
+          <a:xfrm>
+            <a:off x="685800" y="4343400"/>
+            <a:ext cx="5486400" cy="4114800"/>
+          </a:xfrm>
+          <a:prstGeom prst="rect">
+            <a:avLst/>
+          </a:prstGeom>
+          <a:noFill/>
+          <a:ln>
+            <a:noFill/>
+          </a:ln>
+        </p:spPr>
+        <p:txBody>
+          <a:bodyPr anchorCtr="0" anchor="t" bIns="91425" lIns="91425" spcFirstLastPara="1" rIns="91425" wrap="square" tIns="91425">
+            <a:noAutofit/>
+          </a:bodyPr>
+          <a:lstStyle/>
+          <a:p>
+            <a:pPr indent="0" lvl="0" marL="0" rtl="0" algn="l">
+              <a:lnSpc>
+                <a:spcPct val="200000"/>
+              </a:lnSpc>
+              <a:spcBef>
+                <a:spcPts val="0"/>
+              </a:spcBef>
+              <a:spcAft>
+                <a:spcPts val="0"/>
+              </a:spcAft>
+              <a:buSzPts val="1100"/>
+              <a:buNone/>
+            </a:pPr>
+            <a:r>
+              <a:rPr lang="en-US">
+                <a:solidFill>
+                  <a:schemeClr val="dk1"/>
+                </a:solidFill>
+              </a:rPr>
+              <a:t>In the wind-energy testbed, we treat Modbus-like operations as primitives. By sequencing register/coil reads and writes, </a:t>
+            </a:r>
+            <a:endParaRPr>
+              <a:solidFill>
+                <a:schemeClr val="dk1"/>
+              </a:solidFill>
+            </a:endParaRPr>
+          </a:p>
+          <a:p>
+            <a:pPr indent="0" lvl="0" marL="0" rtl="0" algn="l">
+              <a:lnSpc>
+                <a:spcPct val="200000"/>
+              </a:lnSpc>
+              <a:spcBef>
+                <a:spcPts val="0"/>
+              </a:spcBef>
+              <a:spcAft>
+                <a:spcPts val="0"/>
+              </a:spcAft>
+              <a:buSzPts val="1100"/>
+              <a:buNone/>
+            </a:pPr>
+            <a:r>
+              <a:rPr lang="en-US">
+                <a:solidFill>
+                  <a:schemeClr val="dk1"/>
+                </a:solidFill>
+              </a:rPr>
+              <a:t>then adding control gadgets like wait/conditional/loop, we can build composite behaviors like counters, timers, </a:t>
+            </a:r>
+            <a:endParaRPr>
+              <a:solidFill>
+                <a:schemeClr val="dk1"/>
+              </a:solidFill>
+            </a:endParaRPr>
+          </a:p>
+          <a:p>
+            <a:pPr indent="0" lvl="0" marL="0" rtl="0" algn="l">
+              <a:lnSpc>
+                <a:spcPct val="200000"/>
+              </a:lnSpc>
+              <a:spcBef>
+                <a:spcPts val="0"/>
+              </a:spcBef>
+              <a:spcAft>
+                <a:spcPts val="0"/>
+              </a:spcAft>
+              <a:buClr>
+                <a:schemeClr val="dk1"/>
+              </a:buClr>
+              <a:buSzPts val="1100"/>
+              <a:buFont typeface="Arial"/>
+              <a:buNone/>
+            </a:pPr>
+            <a:r>
+              <a:rPr lang="en-US">
+                <a:solidFill>
+                  <a:schemeClr val="dk1"/>
+                </a:solidFill>
+              </a:rPr>
+              <a:t>and even state machines computation emerging from the protocol itself. Allowing unintended computational structure to emerge within a non-computational control protocol.</a:t>
+            </a:r>
+            <a:endParaRPr/>
+          </a:p>
+        </p:txBody>
+      </p:sp>
+      <p:sp>
+        <p:nvSpPr>
+          <p:cNvPr id="184" name="Google Shape;184;g3b0d07ae252_5_0:notes"/>
+          <p:cNvSpPr/>
+          <p:nvPr>
+            <p:ph idx="2" type="sldImg"/>
+          </p:nvPr>
+        </p:nvSpPr>
+        <p:spPr>
+          <a:xfrm>
+            <a:off x="1143225" y="685800"/>
+            <a:ext cx="4572300" cy="3429000"/>
+          </a:xfrm>
+          <a:custGeom>
+            <a:rect b="b" l="l" r="r" t="t"/>
+            <a:pathLst>
+              <a:path extrusionOk="0" h="120000" w="120000">
+                <a:moveTo>
+                  <a:pt x="0" y="0"/>
+                </a:moveTo>
+                <a:lnTo>
+                  <a:pt x="120000" y="0"/>
+                </a:lnTo>
+                <a:lnTo>
+                  <a:pt x="120000" y="120000"/>
+                </a:lnTo>
+                <a:lnTo>
+                  <a:pt x="0" y="120000"/>
+                </a:lnTo>
+                <a:close/>
+              </a:path>
+            </a:pathLst>
+          </a:custGeom>
+          <a:noFill/>
+          <a:ln cap="flat" cmpd="sng" w="9525">
+            <a:solidFill>
+              <a:srgbClr val="000000"/>
+            </a:solidFill>
+            <a:prstDash val="solid"/>
+            <a:round/>
+            <a:headEnd len="sm" w="sm" type="none"/>
+            <a:tailEnd len="sm" w="sm" type="none"/>
+          </a:ln>
+        </p:spPr>
+      </p:sp>
+    </p:spTree>
+  </p:cSld>
+  <p:clrMapOvr>
+    <a:masterClrMapping/>
+  </p:clrMapOvr>
+</p:notes>
+</file>
+
+<file path=ppt/notesSlides/notesSlide13.xml><?xml version="1.0" encoding="utf-8"?>
+<p:notes xmlns:a="http://schemas.openxmlformats.org/drawingml/2006/main" xmlns:r="http://schemas.openxmlformats.org/officeDocument/2006/relationships" xmlns:mc="http://schemas.openxmlformats.org/markup-compatibility/2006" xmlns:mv="urn:schemas-microsoft-com:mac:vml" xmlns:p="http://schemas.openxmlformats.org/presentationml/2006/main" xmlns:c="http://schemas.openxmlformats.org/drawingml/2006/chart" xmlns:dgm="http://schemas.openxmlformats.org/drawingml/2006/diagram" xmlns:o="urn:schemas-microsoft-com:office:office" xmlns:v="urn:schemas-microsoft-com:vml" xmlns:pvml="urn:schemas-microsoft-com:office:powerpoint" xmlns:com="http://schemas.openxmlformats.org/drawingml/2006/compatibility" xmlns:p14="http://schemas.microsoft.com/office/powerpoint/2010/main" xmlns:p15="http://schemas.microsoft.com/office/powerpoint/2012/main" xmlns:ahyp="http://schemas.microsoft.com/office/drawing/2018/hyperlinkcolor" showMasterPhAnim="0" showMasterSp="0">
+  <p:cSld>
+    <p:spTree>
+      <p:nvGrpSpPr>
+        <p:cNvPr id="189" name="Shape 189"/>
+        <p:cNvGrpSpPr/>
+        <p:nvPr/>
+      </p:nvGrpSpPr>
+      <p:grpSpPr>
+        <a:xfrm>
+          <a:off x="0" y="0"/>
+          <a:ext cx="0" cy="0"/>
+          <a:chOff x="0" y="0"/>
+          <a:chExt cx="0" cy="0"/>
+        </a:xfrm>
+      </p:grpSpPr>
+      <p:sp>
+        <p:nvSpPr>
+          <p:cNvPr id="190" name="Google Shape;190;p9:notes"/>
           <p:cNvSpPr txBox="1"/>
           <p:nvPr>
             <p:ph idx="1" type="body"/>
@@ -1403,106 +1688,7 @@
       </p:sp>
       <p:sp>
         <p:nvSpPr>
-          <p:cNvPr id="183" name="Google Shape;183;p9:notes"/>
-          <p:cNvSpPr/>
-          <p:nvPr>
-            <p:ph idx="2" type="sldImg"/>
-          </p:nvPr>
-        </p:nvSpPr>
-        <p:spPr>
-          <a:xfrm>
-            <a:off x="1143225" y="685800"/>
-            <a:ext cx="4572225" cy="3429000"/>
-          </a:xfrm>
-          <a:custGeom>
-            <a:rect b="b" l="l" r="r" t="t"/>
-            <a:pathLst>
-              <a:path extrusionOk="0" h="120000" w="120000">
-                <a:moveTo>
-                  <a:pt x="0" y="0"/>
-                </a:moveTo>
-                <a:lnTo>
-                  <a:pt x="120000" y="0"/>
-                </a:lnTo>
-                <a:lnTo>
-                  <a:pt x="120000" y="120000"/>
-                </a:lnTo>
-                <a:lnTo>
-                  <a:pt x="0" y="120000"/>
-                </a:lnTo>
-                <a:close/>
-              </a:path>
-            </a:pathLst>
-          </a:custGeom>
-        </p:spPr>
-      </p:sp>
-    </p:spTree>
-  </p:cSld>
-  <p:clrMapOvr>
-    <a:masterClrMapping/>
-  </p:clrMapOvr>
-</p:notes>
-</file>
-
-<file path=ppt/notesSlides/notesSlide13.xml><?xml version="1.0" encoding="utf-8"?>
-<p:notes xmlns:a="http://schemas.openxmlformats.org/drawingml/2006/main" xmlns:r="http://schemas.openxmlformats.org/officeDocument/2006/relationships" xmlns:mc="http://schemas.openxmlformats.org/markup-compatibility/2006" xmlns:mv="urn:schemas-microsoft-com:mac:vml" xmlns:p="http://schemas.openxmlformats.org/presentationml/2006/main" xmlns:c="http://schemas.openxmlformats.org/drawingml/2006/chart" xmlns:dgm="http://schemas.openxmlformats.org/drawingml/2006/diagram" xmlns:o="urn:schemas-microsoft-com:office:office" xmlns:v="urn:schemas-microsoft-com:vml" xmlns:pvml="urn:schemas-microsoft-com:office:powerpoint" xmlns:com="http://schemas.openxmlformats.org/drawingml/2006/compatibility" xmlns:p14="http://schemas.microsoft.com/office/powerpoint/2010/main" xmlns:p15="http://schemas.microsoft.com/office/powerpoint/2012/main" xmlns:ahyp="http://schemas.microsoft.com/office/drawing/2018/hyperlinkcolor" showMasterPhAnim="0" showMasterSp="0">
-  <p:cSld>
-    <p:spTree>
-      <p:nvGrpSpPr>
-        <p:cNvPr id="191" name="Shape 191"/>
-        <p:cNvGrpSpPr/>
-        <p:nvPr/>
-      </p:nvGrpSpPr>
-      <p:grpSpPr>
-        <a:xfrm>
-          <a:off x="0" y="0"/>
-          <a:ext cx="0" cy="0"/>
-          <a:chOff x="0" y="0"/>
-          <a:chExt cx="0" cy="0"/>
-        </a:xfrm>
-      </p:grpSpPr>
-      <p:sp>
-        <p:nvSpPr>
-          <p:cNvPr id="192" name="Google Shape;192;p10:notes"/>
-          <p:cNvSpPr txBox="1"/>
-          <p:nvPr>
-            <p:ph idx="1" type="body"/>
-          </p:nvPr>
-        </p:nvSpPr>
-        <p:spPr>
-          <a:xfrm>
-            <a:off x="685800" y="4343400"/>
-            <a:ext cx="5486400" cy="4114800"/>
-          </a:xfrm>
-          <a:prstGeom prst="rect">
-            <a:avLst/>
-          </a:prstGeom>
-        </p:spPr>
-        <p:txBody>
-          <a:bodyPr anchorCtr="0" anchor="t" bIns="91425" lIns="91425" spcFirstLastPara="1" rIns="91425" wrap="square" tIns="91425">
-            <a:noAutofit/>
-          </a:bodyPr>
-          <a:lstStyle/>
-          <a:p>
-            <a:pPr indent="0" lvl="0" marL="0" rtl="0" algn="l">
-              <a:spcBef>
-                <a:spcPts val="0"/>
-              </a:spcBef>
-              <a:spcAft>
-                <a:spcPts val="0"/>
-              </a:spcAft>
-              <a:buNone/>
-            </a:pPr>
-            <a:r>
-              <a:t/>
-            </a:r>
-            <a:endParaRPr/>
-          </a:p>
-        </p:txBody>
-      </p:sp>
-      <p:sp>
-        <p:nvSpPr>
-          <p:cNvPr id="193" name="Google Shape;193;p10:notes"/>
+          <p:cNvPr id="191" name="Google Shape;191;p9:notes"/>
           <p:cNvSpPr/>
           <p:nvPr>
             <p:ph idx="2" type="sldImg"/>
@@ -1548,7 +1734,7 @@
   <p:cSld>
     <p:spTree>
       <p:nvGrpSpPr>
-        <p:cNvPr id="198" name="Shape 198"/>
+        <p:cNvPr id="199" name="Shape 199"/>
         <p:cNvGrpSpPr/>
         <p:nvPr/>
       </p:nvGrpSpPr>
@@ -1562,7 +1748,7 @@
       </p:grpSpPr>
       <p:sp>
         <p:nvSpPr>
-          <p:cNvPr id="199" name="Google Shape;199;g3b0d07ae252_3_0:notes"/>
+          <p:cNvPr id="200" name="Google Shape;200;p10:notes"/>
           <p:cNvSpPr txBox="1"/>
           <p:nvPr>
             <p:ph idx="1" type="body"/>
@@ -1601,7 +1787,7 @@
       </p:sp>
       <p:sp>
         <p:nvSpPr>
-          <p:cNvPr id="200" name="Google Shape;200;g3b0d07ae252_3_0:notes"/>
+          <p:cNvPr id="201" name="Google Shape;201;p10:notes"/>
           <p:cNvSpPr/>
           <p:nvPr>
             <p:ph idx="2" type="sldImg"/>
@@ -1610,7 +1796,7 @@
         <p:spPr>
           <a:xfrm>
             <a:off x="1143225" y="685800"/>
-            <a:ext cx="4572300" cy="3429000"/>
+            <a:ext cx="4572225" cy="3429000"/>
           </a:xfrm>
           <a:custGeom>
             <a:rect b="b" l="l" r="r" t="t"/>
@@ -1647,7 +1833,7 @@
   <p:cSld>
     <p:spTree>
       <p:nvGrpSpPr>
-        <p:cNvPr id="205" name="Shape 205"/>
+        <p:cNvPr id="206" name="Shape 206"/>
         <p:cNvGrpSpPr/>
         <p:nvPr/>
       </p:nvGrpSpPr>
@@ -1661,7 +1847,7 @@
       </p:grpSpPr>
       <p:sp>
         <p:nvSpPr>
-          <p:cNvPr id="206" name="Google Shape;206;g3b0d07ae252_2_20:notes"/>
+          <p:cNvPr id="207" name="Google Shape;207;g3b0d07ae252_3_0:notes"/>
           <p:cNvSpPr txBox="1"/>
           <p:nvPr>
             <p:ph idx="1" type="body"/>
@@ -1692,99 +1878,6 @@
               <a:buNone/>
             </a:pPr>
             <a:r>
-              <a:rPr lang="en-US"/>
-              <a:t>This implementation of the Weird Gadgets creates a remote mailbox system where messages can be read and written. There is a segmented implementation, where messages of arbitrary size can be sent one character at a time, and an unsegmented implementation, where messages less than some memory size are converted to raw bytes and stored for retrieval. Both pseudo programs make use of conditionals and read/write functions with both integer registers and binary foils. The segmented program also uses loops to iterate through each character of the message. </a:t>
-            </a:r>
-            <a:endParaRPr/>
-          </a:p>
-          <a:p>
-            <a:pPr indent="0" lvl="0" marL="0" rtl="0" algn="l">
-              <a:spcBef>
-                <a:spcPts val="0"/>
-              </a:spcBef>
-              <a:spcAft>
-                <a:spcPts val="0"/>
-              </a:spcAft>
-              <a:buNone/>
-            </a:pPr>
-            <a:r>
-              <a:t/>
-            </a:r>
-            <a:endParaRPr/>
-          </a:p>
-          <a:p>
-            <a:pPr indent="0" lvl="0" marL="0" rtl="0" algn="l">
-              <a:spcBef>
-                <a:spcPts val="0"/>
-              </a:spcBef>
-              <a:spcAft>
-                <a:spcPts val="0"/>
-              </a:spcAft>
-              <a:buNone/>
-            </a:pPr>
-            <a:r>
-              <a:rPr lang="en-US"/>
-              <a:t>The included screenshot shows one iteration of the segmented messaging system. One system starts by writing a character ASCII value to the specified integer register and changing the “unread message” coil to “On” (logically, “True”). The host checks to see if there is a message by reading the “unread message” coil and goes to read the associated message register if it is on. The character is output to the screen and the “unread message” coil is turned off to mark the message as read. This occurs for each letter in the message, terminating when there are no more characters left to send.</a:t>
-            </a:r>
-            <a:endParaRPr/>
-          </a:p>
-          <a:p>
-            <a:pPr indent="0" lvl="0" marL="0" rtl="0" algn="l">
-              <a:spcBef>
-                <a:spcPts val="0"/>
-              </a:spcBef>
-              <a:spcAft>
-                <a:spcPts val="0"/>
-              </a:spcAft>
-              <a:buNone/>
-            </a:pPr>
-            <a:r>
-              <a:t/>
-            </a:r>
-            <a:endParaRPr/>
-          </a:p>
-          <a:p>
-            <a:pPr indent="0" lvl="0" marL="0" rtl="0" algn="l">
-              <a:spcBef>
-                <a:spcPts val="0"/>
-              </a:spcBef>
-              <a:spcAft>
-                <a:spcPts val="0"/>
-              </a:spcAft>
-              <a:buNone/>
-            </a:pPr>
-            <a:r>
-              <a:rPr lang="en-US"/>
-              <a:t>These two programs demonstrate the flexibility of Weird Machines and Architectural Gadgets to create functionality outside of the intended set. </a:t>
-            </a:r>
-            <a:endParaRPr/>
-          </a:p>
-          <a:p>
-            <a:pPr indent="0" lvl="0" marL="0" rtl="0" algn="l">
-              <a:spcBef>
-                <a:spcPts val="0"/>
-              </a:spcBef>
-              <a:spcAft>
-                <a:spcPts val="0"/>
-              </a:spcAft>
-              <a:buNone/>
-            </a:pPr>
-            <a:r>
-              <a:t/>
-            </a:r>
-            <a:endParaRPr/>
-          </a:p>
-          <a:p>
-            <a:pPr indent="0" lvl="0" marL="0" rtl="0" algn="l">
-              <a:spcBef>
-                <a:spcPts val="0"/>
-              </a:spcBef>
-              <a:spcAft>
-                <a:spcPts val="0"/>
-              </a:spcAft>
-              <a:buNone/>
-            </a:pPr>
-            <a:r>
               <a:t/>
             </a:r>
             <a:endParaRPr/>
@@ -1793,7 +1886,7 @@
       </p:sp>
       <p:sp>
         <p:nvSpPr>
-          <p:cNvPr id="207" name="Google Shape;207;g3b0d07ae252_2_20:notes"/>
+          <p:cNvPr id="208" name="Google Shape;208;g3b0d07ae252_3_0:notes"/>
           <p:cNvSpPr/>
           <p:nvPr>
             <p:ph idx="2" type="sldImg"/>
@@ -1839,7 +1932,7 @@
   <p:cSld>
     <p:spTree>
       <p:nvGrpSpPr>
-        <p:cNvPr id="212" name="Shape 212"/>
+        <p:cNvPr id="213" name="Shape 213"/>
         <p:cNvGrpSpPr/>
         <p:nvPr/>
       </p:nvGrpSpPr>
@@ -1853,7 +1946,199 @@
       </p:grpSpPr>
       <p:sp>
         <p:nvSpPr>
-          <p:cNvPr id="213" name="Google Shape;213;g3b0d07ae252_2_10:notes"/>
+          <p:cNvPr id="214" name="Google Shape;214;g3b0d07ae252_2_20:notes"/>
+          <p:cNvSpPr txBox="1"/>
+          <p:nvPr>
+            <p:ph idx="1" type="body"/>
+          </p:nvPr>
+        </p:nvSpPr>
+        <p:spPr>
+          <a:xfrm>
+            <a:off x="685800" y="4343400"/>
+            <a:ext cx="5486400" cy="4114800"/>
+          </a:xfrm>
+          <a:prstGeom prst="rect">
+            <a:avLst/>
+          </a:prstGeom>
+        </p:spPr>
+        <p:txBody>
+          <a:bodyPr anchorCtr="0" anchor="t" bIns="91425" lIns="91425" spcFirstLastPara="1" rIns="91425" wrap="square" tIns="91425">
+            <a:noAutofit/>
+          </a:bodyPr>
+          <a:lstStyle/>
+          <a:p>
+            <a:pPr indent="0" lvl="0" marL="0" rtl="0" algn="l">
+              <a:spcBef>
+                <a:spcPts val="0"/>
+              </a:spcBef>
+              <a:spcAft>
+                <a:spcPts val="0"/>
+              </a:spcAft>
+              <a:buNone/>
+            </a:pPr>
+            <a:r>
+              <a:rPr lang="en-US"/>
+              <a:t>This implementation of the Weird Gadgets creates a remote mailbox system where messages can be read and written. There is a segmented implementation, where messages of arbitrary size can be sent one character at a time, and an unsegmented implementation, where messages less than some memory size are converted to raw bytes and stored for retrieval. Both pseudo programs make use of conditionals and read/write functions with both integer registers and binary foils. The segmented program also uses loops to iterate through each character of the message. </a:t>
+            </a:r>
+            <a:endParaRPr/>
+          </a:p>
+          <a:p>
+            <a:pPr indent="0" lvl="0" marL="0" rtl="0" algn="l">
+              <a:spcBef>
+                <a:spcPts val="0"/>
+              </a:spcBef>
+              <a:spcAft>
+                <a:spcPts val="0"/>
+              </a:spcAft>
+              <a:buNone/>
+            </a:pPr>
+            <a:r>
+              <a:t/>
+            </a:r>
+            <a:endParaRPr/>
+          </a:p>
+          <a:p>
+            <a:pPr indent="0" lvl="0" marL="0" rtl="0" algn="l">
+              <a:spcBef>
+                <a:spcPts val="0"/>
+              </a:spcBef>
+              <a:spcAft>
+                <a:spcPts val="0"/>
+              </a:spcAft>
+              <a:buNone/>
+            </a:pPr>
+            <a:r>
+              <a:rPr lang="en-US"/>
+              <a:t>The included screenshot shows one iteration of the segmented messaging system. One system starts by writing a character ASCII value to the specified integer register and changing the “unread message” coil to “On” (logically, “True”). The host checks to see if there is a message by reading the “unread message” coil and goes to read the associated message register if it is on. The character is output to the screen and the “unread message” coil is turned off to mark the message as read. This occurs for each letter in the message, terminating when there are no more characters left to send.</a:t>
+            </a:r>
+            <a:endParaRPr/>
+          </a:p>
+          <a:p>
+            <a:pPr indent="0" lvl="0" marL="0" rtl="0" algn="l">
+              <a:spcBef>
+                <a:spcPts val="0"/>
+              </a:spcBef>
+              <a:spcAft>
+                <a:spcPts val="0"/>
+              </a:spcAft>
+              <a:buNone/>
+            </a:pPr>
+            <a:r>
+              <a:t/>
+            </a:r>
+            <a:endParaRPr/>
+          </a:p>
+          <a:p>
+            <a:pPr indent="0" lvl="0" marL="0" rtl="0" algn="l">
+              <a:spcBef>
+                <a:spcPts val="0"/>
+              </a:spcBef>
+              <a:spcAft>
+                <a:spcPts val="0"/>
+              </a:spcAft>
+              <a:buNone/>
+            </a:pPr>
+            <a:r>
+              <a:rPr lang="en-US"/>
+              <a:t>These two programs demonstrate the flexibility of Weird Machines and Architectural Gadgets to create functionality outside of the intended set. </a:t>
+            </a:r>
+            <a:endParaRPr/>
+          </a:p>
+          <a:p>
+            <a:pPr indent="0" lvl="0" marL="0" rtl="0" algn="l">
+              <a:spcBef>
+                <a:spcPts val="0"/>
+              </a:spcBef>
+              <a:spcAft>
+                <a:spcPts val="0"/>
+              </a:spcAft>
+              <a:buNone/>
+            </a:pPr>
+            <a:r>
+              <a:t/>
+            </a:r>
+            <a:endParaRPr/>
+          </a:p>
+          <a:p>
+            <a:pPr indent="0" lvl="0" marL="0" rtl="0" algn="l">
+              <a:spcBef>
+                <a:spcPts val="0"/>
+              </a:spcBef>
+              <a:spcAft>
+                <a:spcPts val="0"/>
+              </a:spcAft>
+              <a:buNone/>
+            </a:pPr>
+            <a:r>
+              <a:t/>
+            </a:r>
+            <a:endParaRPr/>
+          </a:p>
+        </p:txBody>
+      </p:sp>
+      <p:sp>
+        <p:nvSpPr>
+          <p:cNvPr id="215" name="Google Shape;215;g3b0d07ae252_2_20:notes"/>
+          <p:cNvSpPr/>
+          <p:nvPr>
+            <p:ph idx="2" type="sldImg"/>
+          </p:nvPr>
+        </p:nvSpPr>
+        <p:spPr>
+          <a:xfrm>
+            <a:off x="1143225" y="685800"/>
+            <a:ext cx="4572300" cy="3429000"/>
+          </a:xfrm>
+          <a:custGeom>
+            <a:rect b="b" l="l" r="r" t="t"/>
+            <a:pathLst>
+              <a:path extrusionOk="0" h="120000" w="120000">
+                <a:moveTo>
+                  <a:pt x="0" y="0"/>
+                </a:moveTo>
+                <a:lnTo>
+                  <a:pt x="120000" y="0"/>
+                </a:lnTo>
+                <a:lnTo>
+                  <a:pt x="120000" y="120000"/>
+                </a:lnTo>
+                <a:lnTo>
+                  <a:pt x="0" y="120000"/>
+                </a:lnTo>
+                <a:close/>
+              </a:path>
+            </a:pathLst>
+          </a:custGeom>
+        </p:spPr>
+      </p:sp>
+    </p:spTree>
+  </p:cSld>
+  <p:clrMapOvr>
+    <a:masterClrMapping/>
+  </p:clrMapOvr>
+</p:notes>
+</file>
+
+<file path=ppt/notesSlides/notesSlide17.xml><?xml version="1.0" encoding="utf-8"?>
+<p:notes xmlns:a="http://schemas.openxmlformats.org/drawingml/2006/main" xmlns:r="http://schemas.openxmlformats.org/officeDocument/2006/relationships" xmlns:mc="http://schemas.openxmlformats.org/markup-compatibility/2006" xmlns:mv="urn:schemas-microsoft-com:mac:vml" xmlns:p="http://schemas.openxmlformats.org/presentationml/2006/main" xmlns:c="http://schemas.openxmlformats.org/drawingml/2006/chart" xmlns:dgm="http://schemas.openxmlformats.org/drawingml/2006/diagram" xmlns:o="urn:schemas-microsoft-com:office:office" xmlns:v="urn:schemas-microsoft-com:vml" xmlns:pvml="urn:schemas-microsoft-com:office:powerpoint" xmlns:com="http://schemas.openxmlformats.org/drawingml/2006/compatibility" xmlns:p14="http://schemas.microsoft.com/office/powerpoint/2010/main" xmlns:p15="http://schemas.microsoft.com/office/powerpoint/2012/main" xmlns:ahyp="http://schemas.microsoft.com/office/drawing/2018/hyperlinkcolor" showMasterPhAnim="0" showMasterSp="0">
+  <p:cSld>
+    <p:spTree>
+      <p:nvGrpSpPr>
+        <p:cNvPr id="220" name="Shape 220"/>
+        <p:cNvGrpSpPr/>
+        <p:nvPr/>
+      </p:nvGrpSpPr>
+      <p:grpSpPr>
+        <a:xfrm>
+          <a:off x="0" y="0"/>
+          <a:ext cx="0" cy="0"/>
+          <a:chOff x="0" y="0"/>
+          <a:chExt cx="0" cy="0"/>
+        </a:xfrm>
+      </p:grpSpPr>
+      <p:sp>
+        <p:nvSpPr>
+          <p:cNvPr id="221" name="Google Shape;221;g3b0d07ae252_2_10:notes"/>
           <p:cNvSpPr/>
           <p:nvPr>
             <p:ph idx="2" type="sldImg"/>
@@ -1888,7 +2173,7 @@
       </p:sp>
       <p:sp>
         <p:nvSpPr>
-          <p:cNvPr id="214" name="Google Shape;214;g3b0d07ae252_2_10:notes"/>
+          <p:cNvPr id="222" name="Google Shape;222;g3b0d07ae252_2_10:notes"/>
           <p:cNvSpPr txBox="1"/>
           <p:nvPr>
             <p:ph idx="1" type="body"/>
@@ -1981,12 +2266,12 @@
 </p:notes>
 </file>
 
-<file path=ppt/notesSlides/notesSlide17.xml><?xml version="1.0" encoding="utf-8"?>
+<file path=ppt/notesSlides/notesSlide18.xml><?xml version="1.0" encoding="utf-8"?>
 <p:notes xmlns:a="http://schemas.openxmlformats.org/drawingml/2006/main" xmlns:r="http://schemas.openxmlformats.org/officeDocument/2006/relationships" xmlns:mc="http://schemas.openxmlformats.org/markup-compatibility/2006" xmlns:mv="urn:schemas-microsoft-com:mac:vml" xmlns:p="http://schemas.openxmlformats.org/presentationml/2006/main" xmlns:c="http://schemas.openxmlformats.org/drawingml/2006/chart" xmlns:dgm="http://schemas.openxmlformats.org/drawingml/2006/diagram" xmlns:o="urn:schemas-microsoft-com:office:office" xmlns:v="urn:schemas-microsoft-com:vml" xmlns:pvml="urn:schemas-microsoft-com:office:powerpoint" xmlns:com="http://schemas.openxmlformats.org/drawingml/2006/compatibility" xmlns:p14="http://schemas.microsoft.com/office/powerpoint/2010/main" xmlns:p15="http://schemas.microsoft.com/office/powerpoint/2012/main" xmlns:ahyp="http://schemas.microsoft.com/office/drawing/2018/hyperlinkcolor" showMasterPhAnim="0" showMasterSp="0">
   <p:cSld>
     <p:spTree>
       <p:nvGrpSpPr>
-        <p:cNvPr id="222" name="Shape 222"/>
+        <p:cNvPr id="230" name="Shape 230"/>
         <p:cNvGrpSpPr/>
         <p:nvPr/>
       </p:nvGrpSpPr>
@@ -2000,7 +2285,7 @@
       </p:grpSpPr>
       <p:sp>
         <p:nvSpPr>
-          <p:cNvPr id="223" name="Google Shape;223;p11:notes"/>
+          <p:cNvPr id="231" name="Google Shape;231;p11:notes"/>
           <p:cNvSpPr txBox="1"/>
           <p:nvPr>
             <p:ph idx="1" type="body"/>
@@ -2039,144 +2324,7 @@
       </p:sp>
       <p:sp>
         <p:nvSpPr>
-          <p:cNvPr id="224" name="Google Shape;224;p11:notes"/>
-          <p:cNvSpPr/>
-          <p:nvPr>
-            <p:ph idx="2" type="sldImg"/>
-          </p:nvPr>
-        </p:nvSpPr>
-        <p:spPr>
-          <a:xfrm>
-            <a:off x="1143225" y="685800"/>
-            <a:ext cx="4572225" cy="3429000"/>
-          </a:xfrm>
-          <a:custGeom>
-            <a:rect b="b" l="l" r="r" t="t"/>
-            <a:pathLst>
-              <a:path extrusionOk="0" h="120000" w="120000">
-                <a:moveTo>
-                  <a:pt x="0" y="0"/>
-                </a:moveTo>
-                <a:lnTo>
-                  <a:pt x="120000" y="0"/>
-                </a:lnTo>
-                <a:lnTo>
-                  <a:pt x="120000" y="120000"/>
-                </a:lnTo>
-                <a:lnTo>
-                  <a:pt x="0" y="120000"/>
-                </a:lnTo>
-                <a:close/>
-              </a:path>
-            </a:pathLst>
-          </a:custGeom>
-        </p:spPr>
-      </p:sp>
-    </p:spTree>
-  </p:cSld>
-  <p:clrMapOvr>
-    <a:masterClrMapping/>
-  </p:clrMapOvr>
-</p:notes>
-</file>
-
-<file path=ppt/notesSlides/notesSlide18.xml><?xml version="1.0" encoding="utf-8"?>
-<p:notes xmlns:a="http://schemas.openxmlformats.org/drawingml/2006/main" xmlns:r="http://schemas.openxmlformats.org/officeDocument/2006/relationships" xmlns:mc="http://schemas.openxmlformats.org/markup-compatibility/2006" xmlns:mv="urn:schemas-microsoft-com:mac:vml" xmlns:p="http://schemas.openxmlformats.org/presentationml/2006/main" xmlns:c="http://schemas.openxmlformats.org/drawingml/2006/chart" xmlns:dgm="http://schemas.openxmlformats.org/drawingml/2006/diagram" xmlns:o="urn:schemas-microsoft-com:office:office" xmlns:v="urn:schemas-microsoft-com:vml" xmlns:pvml="urn:schemas-microsoft-com:office:powerpoint" xmlns:com="http://schemas.openxmlformats.org/drawingml/2006/compatibility" xmlns:p14="http://schemas.microsoft.com/office/powerpoint/2010/main" xmlns:p15="http://schemas.microsoft.com/office/powerpoint/2012/main" xmlns:ahyp="http://schemas.microsoft.com/office/drawing/2018/hyperlinkcolor" showMasterPhAnim="0" showMasterSp="0">
-  <p:cSld>
-    <p:spTree>
-      <p:nvGrpSpPr>
-        <p:cNvPr id="229" name="Shape 229"/>
-        <p:cNvGrpSpPr/>
-        <p:nvPr/>
-      </p:nvGrpSpPr>
-      <p:grpSpPr>
-        <a:xfrm>
-          <a:off x="0" y="0"/>
-          <a:ext cx="0" cy="0"/>
-          <a:chOff x="0" y="0"/>
-          <a:chExt cx="0" cy="0"/>
-        </a:xfrm>
-      </p:grpSpPr>
-      <p:sp>
-        <p:nvSpPr>
-          <p:cNvPr id="230" name="Google Shape;230;p12:notes"/>
-          <p:cNvSpPr txBox="1"/>
-          <p:nvPr>
-            <p:ph idx="1" type="body"/>
-          </p:nvPr>
-        </p:nvSpPr>
-        <p:spPr>
-          <a:xfrm>
-            <a:off x="685800" y="4343400"/>
-            <a:ext cx="5486400" cy="4114800"/>
-          </a:xfrm>
-          <a:prstGeom prst="rect">
-            <a:avLst/>
-          </a:prstGeom>
-        </p:spPr>
-        <p:txBody>
-          <a:bodyPr anchorCtr="0" anchor="t" bIns="91425" lIns="91425" spcFirstLastPara="1" rIns="91425" wrap="square" tIns="91425">
-            <a:noAutofit/>
-          </a:bodyPr>
-          <a:lstStyle/>
-          <a:p>
-            <a:pPr indent="0" lvl="0" marL="0" marR="381000" rtl="0" algn="l">
-              <a:lnSpc>
-                <a:spcPct val="200000"/>
-              </a:lnSpc>
-              <a:spcBef>
-                <a:spcPts val="1200"/>
-              </a:spcBef>
-              <a:spcAft>
-                <a:spcPts val="0"/>
-              </a:spcAft>
-              <a:buNone/>
-            </a:pPr>
-            <a:r>
-              <a:rPr lang="en-US"/>
-              <a:t>This work doesn’t end with the prototype gadgets we built. The next step is formalizing the research, reflecting on the tooling that enabled it, </a:t>
-            </a:r>
-            <a:endParaRPr/>
-          </a:p>
-          <a:p>
-            <a:pPr indent="0" lvl="0" marL="0" marR="381000" rtl="0" algn="l">
-              <a:lnSpc>
-                <a:spcPct val="200000"/>
-              </a:lnSpc>
-              <a:spcBef>
-                <a:spcPts val="1200"/>
-              </a:spcBef>
-              <a:spcAft>
-                <a:spcPts val="0"/>
-              </a:spcAft>
-              <a:buNone/>
-            </a:pPr>
-            <a:r>
-              <a:rPr lang="en-US"/>
-              <a:t>and exploring how LLMs could help scale weird-machine discovery across cyber physical systems such as our Wind Energy Testbed.</a:t>
-            </a:r>
-            <a:endParaRPr/>
-          </a:p>
-          <a:p>
-            <a:pPr indent="0" lvl="0" marL="0" rtl="0" algn="l">
-              <a:spcBef>
-                <a:spcPts val="1200"/>
-              </a:spcBef>
-              <a:spcAft>
-                <a:spcPts val="0"/>
-              </a:spcAft>
-              <a:buNone/>
-            </a:pPr>
-            <a:r>
-              <a:t/>
-            </a:r>
-            <a:endParaRPr/>
-          </a:p>
-        </p:txBody>
-      </p:sp>
-      <p:sp>
-        <p:nvSpPr>
-          <p:cNvPr id="231" name="Google Shape;231;p12:notes"/>
+          <p:cNvPr id="232" name="Google Shape;232;p11:notes"/>
           <p:cNvSpPr/>
           <p:nvPr>
             <p:ph idx="2" type="sldImg"/>
@@ -2222,7 +2370,7 @@
   <p:cSld>
     <p:spTree>
       <p:nvGrpSpPr>
-        <p:cNvPr id="235" name="Shape 235"/>
+        <p:cNvPr id="237" name="Shape 237"/>
         <p:cNvGrpSpPr/>
         <p:nvPr/>
       </p:nvGrpSpPr>
@@ -2236,7 +2384,7 @@
       </p:grpSpPr>
       <p:sp>
         <p:nvSpPr>
-          <p:cNvPr id="236" name="Google Shape;236;p13:notes"/>
+          <p:cNvPr id="238" name="Google Shape;238;p12:notes"/>
           <p:cNvSpPr txBox="1"/>
           <p:nvPr>
             <p:ph idx="1" type="body"/>
@@ -2257,395 +2405,63 @@
           </a:bodyPr>
           <a:lstStyle/>
           <a:p>
-            <a:pPr indent="0" lvl="0" marL="0" rtl="0" algn="l">
-              <a:spcBef>
-                <a:spcPts val="0"/>
-              </a:spcBef>
-              <a:spcAft>
-                <a:spcPts val="0"/>
-              </a:spcAft>
-              <a:buClr>
-                <a:schemeClr val="dk1"/>
-              </a:buClr>
-              <a:buSzPts val="1100"/>
-              <a:buFont typeface="Arial"/>
+            <a:pPr indent="0" lvl="0" marL="0" marR="381000" rtl="0" algn="l">
+              <a:lnSpc>
+                <a:spcPct val="200000"/>
+              </a:lnSpc>
+              <a:spcBef>
+                <a:spcPts val="1200"/>
+              </a:spcBef>
+              <a:spcAft>
+                <a:spcPts val="0"/>
+              </a:spcAft>
               <a:buNone/>
             </a:pPr>
             <a:r>
-              <a:rPr lang="en-US" sz="1200">
-                <a:solidFill>
-                  <a:schemeClr val="dk1"/>
-                </a:solidFill>
-                <a:latin typeface="Roboto"/>
-                <a:ea typeface="Roboto"/>
-                <a:cs typeface="Roboto"/>
-                <a:sym typeface="Roboto"/>
-              </a:rPr>
-              <a:t>A consortium LLM is essentially a team of specialized models plus a reasoning “conductor” that turns many opinions into one justified decision.​</a:t>
-            </a:r>
-            <a:endParaRPr sz="1200">
-              <a:solidFill>
-                <a:schemeClr val="dk1"/>
-              </a:solidFill>
-              <a:latin typeface="Roboto"/>
-              <a:ea typeface="Roboto"/>
-              <a:cs typeface="Roboto"/>
-              <a:sym typeface="Roboto"/>
-            </a:endParaRPr>
+              <a:rPr lang="en-US"/>
+              <a:t>This work doesn’t end with the prototype gadgets we built. The next step is formalizing the research, reflecting on the tooling that enabled it, </a:t>
+            </a:r>
+            <a:endParaRPr/>
+          </a:p>
+          <a:p>
+            <a:pPr indent="0" lvl="0" marL="0" marR="381000" rtl="0" algn="l">
+              <a:lnSpc>
+                <a:spcPct val="200000"/>
+              </a:lnSpc>
+              <a:spcBef>
+                <a:spcPts val="1200"/>
+              </a:spcBef>
+              <a:spcAft>
+                <a:spcPts val="0"/>
+              </a:spcAft>
+              <a:buNone/>
+            </a:pPr>
+            <a:r>
+              <a:rPr lang="en-US"/>
+              <a:t>and exploring how LLMs could help scale weird-machine discovery across cyber physical systems such as our Wind Energy Testbed.</a:t>
+            </a:r>
+            <a:endParaRPr/>
           </a:p>
           <a:p>
             <a:pPr indent="0" lvl="0" marL="0" rtl="0" algn="l">
               <a:spcBef>
-                <a:spcPts val="0"/>
-              </a:spcBef>
-              <a:spcAft>
-                <a:spcPts val="0"/>
-              </a:spcAft>
-              <a:buClr>
-                <a:schemeClr val="dk1"/>
-              </a:buClr>
-              <a:buSzPts val="1100"/>
-              <a:buFont typeface="Arial"/>
+                <a:spcPts val="1200"/>
+              </a:spcBef>
+              <a:spcAft>
+                <a:spcPts val="0"/>
+              </a:spcAft>
               <a:buNone/>
             </a:pPr>
             <a:r>
               <a:t/>
             </a:r>
-            <a:endParaRPr sz="1200">
-              <a:solidFill>
-                <a:schemeClr val="dk1"/>
-              </a:solidFill>
-              <a:latin typeface="Roboto"/>
-              <a:ea typeface="Roboto"/>
-              <a:cs typeface="Roboto"/>
-              <a:sym typeface="Roboto"/>
-            </a:endParaRPr>
-          </a:p>
-          <a:p>
-            <a:pPr indent="0" lvl="0" marL="0" rtl="0" algn="l">
-              <a:spcBef>
-                <a:spcPts val="0"/>
-              </a:spcBef>
-              <a:spcAft>
-                <a:spcPts val="0"/>
-              </a:spcAft>
-              <a:buClr>
-                <a:schemeClr val="dk1"/>
-              </a:buClr>
-              <a:buSzPts val="1100"/>
-              <a:buFont typeface="Arial"/>
-              <a:buNone/>
-            </a:pPr>
-            <a:r>
-              <a:rPr lang="en-US" sz="1200">
-                <a:solidFill>
-                  <a:schemeClr val="dk1"/>
-                </a:solidFill>
-                <a:latin typeface="Roboto"/>
-                <a:ea typeface="Roboto"/>
-                <a:cs typeface="Roboto"/>
-                <a:sym typeface="Roboto"/>
-              </a:rPr>
-              <a:t>Instead of relying on a single large language model to make important decisions, we can build a consortium: several smaller, specialized models that each look at the same input from a slightly different perspective. This ensemble mimics a team of experts in a case conference, where diversity of views leads to better, more reliable answers than any one expert working alone.​</a:t>
-            </a:r>
-            <a:endParaRPr sz="1200">
-              <a:solidFill>
-                <a:schemeClr val="dk1"/>
-              </a:solidFill>
-              <a:latin typeface="Roboto"/>
-              <a:ea typeface="Roboto"/>
-              <a:cs typeface="Roboto"/>
-              <a:sym typeface="Roboto"/>
-            </a:endParaRPr>
-          </a:p>
-          <a:p>
-            <a:pPr indent="0" lvl="0" marL="0" rtl="0" algn="l">
-              <a:spcBef>
-                <a:spcPts val="0"/>
-              </a:spcBef>
-              <a:spcAft>
-                <a:spcPts val="0"/>
-              </a:spcAft>
-              <a:buClr>
-                <a:schemeClr val="dk1"/>
-              </a:buClr>
-              <a:buSzPts val="1100"/>
-              <a:buFont typeface="Arial"/>
-              <a:buNone/>
-            </a:pPr>
-            <a:r>
-              <a:t/>
-            </a:r>
-            <a:endParaRPr sz="1200">
-              <a:solidFill>
-                <a:schemeClr val="dk1"/>
-              </a:solidFill>
-              <a:latin typeface="Roboto"/>
-              <a:ea typeface="Roboto"/>
-              <a:cs typeface="Roboto"/>
-              <a:sym typeface="Roboto"/>
-            </a:endParaRPr>
-          </a:p>
-          <a:p>
-            <a:pPr indent="0" lvl="0" marL="0" rtl="0" algn="l">
-              <a:spcBef>
-                <a:spcPts val="0"/>
-              </a:spcBef>
-              <a:spcAft>
-                <a:spcPts val="0"/>
-              </a:spcAft>
-              <a:buClr>
-                <a:schemeClr val="dk1"/>
-              </a:buClr>
-              <a:buSzPts val="1100"/>
-              <a:buFont typeface="Arial"/>
-              <a:buNone/>
-            </a:pPr>
-            <a:r>
-              <a:rPr lang="en-US" sz="1200">
-                <a:solidFill>
-                  <a:schemeClr val="dk1"/>
-                </a:solidFill>
-                <a:latin typeface="Roboto"/>
-                <a:ea typeface="Roboto"/>
-                <a:cs typeface="Roboto"/>
-                <a:sym typeface="Roboto"/>
-              </a:rPr>
-              <a:t>Each member of the consortium starts as a general‑purpose model, but then gets fine‑tuned on domain‑specific data and task‑specific output formats. In our case this is fine tuning the models on identifying weird gadgets based on system architecture documentation and descriptions. This is just like we did manually for our wind energy test bed. That fine‑tuning is what teaches a model to speak the local language of the domain.​</a:t>
-            </a:r>
-            <a:endParaRPr sz="1200">
-              <a:solidFill>
-                <a:schemeClr val="dk1"/>
-              </a:solidFill>
-              <a:latin typeface="Roboto"/>
-              <a:ea typeface="Roboto"/>
-              <a:cs typeface="Roboto"/>
-              <a:sym typeface="Roboto"/>
-            </a:endParaRPr>
-          </a:p>
-          <a:p>
-            <a:pPr indent="0" lvl="0" marL="0" rtl="0" algn="l">
-              <a:spcBef>
-                <a:spcPts val="0"/>
-              </a:spcBef>
-              <a:spcAft>
-                <a:spcPts val="0"/>
-              </a:spcAft>
-              <a:buClr>
-                <a:schemeClr val="dk1"/>
-              </a:buClr>
-              <a:buSzPts val="1100"/>
-              <a:buFont typeface="Arial"/>
-              <a:buNone/>
-            </a:pPr>
-            <a:r>
-              <a:t/>
-            </a:r>
-            <a:endParaRPr sz="1200">
-              <a:solidFill>
-                <a:schemeClr val="dk1"/>
-              </a:solidFill>
-              <a:latin typeface="Roboto"/>
-              <a:ea typeface="Roboto"/>
-              <a:cs typeface="Roboto"/>
-              <a:sym typeface="Roboto"/>
-            </a:endParaRPr>
-          </a:p>
-          <a:p>
-            <a:pPr indent="0" lvl="0" marL="0" rtl="0" algn="l">
-              <a:spcBef>
-                <a:spcPts val="0"/>
-              </a:spcBef>
-              <a:spcAft>
-                <a:spcPts val="0"/>
-              </a:spcAft>
-              <a:buClr>
-                <a:schemeClr val="dk1"/>
-              </a:buClr>
-              <a:buSzPts val="1100"/>
-              <a:buFont typeface="Arial"/>
-              <a:buNone/>
-            </a:pPr>
-            <a:r>
-              <a:rPr lang="en-US" sz="1200">
-                <a:solidFill>
-                  <a:schemeClr val="dk1"/>
-                </a:solidFill>
-                <a:latin typeface="Roboto"/>
-                <a:ea typeface="Roboto"/>
-                <a:cs typeface="Roboto"/>
-                <a:sym typeface="Roboto"/>
-              </a:rPr>
-              <a:t>On top of these models sits a reasoning LLM that acts as the orchestrator. It receives the individual outputs, compares them, detects agreement and disagreement, and then applies explicit step‑by‑step deliberation to synthesize a final answer with an accompanying rationale.​</a:t>
-            </a:r>
-            <a:endParaRPr sz="1200">
-              <a:solidFill>
-                <a:schemeClr val="dk1"/>
-              </a:solidFill>
-              <a:latin typeface="Roboto"/>
-              <a:ea typeface="Roboto"/>
-              <a:cs typeface="Roboto"/>
-              <a:sym typeface="Roboto"/>
-            </a:endParaRPr>
-          </a:p>
-          <a:p>
-            <a:pPr indent="0" lvl="0" marL="0" rtl="0" algn="l">
-              <a:spcBef>
-                <a:spcPts val="0"/>
-              </a:spcBef>
-              <a:spcAft>
-                <a:spcPts val="0"/>
-              </a:spcAft>
-              <a:buClr>
-                <a:schemeClr val="dk1"/>
-              </a:buClr>
-              <a:buSzPts val="1100"/>
-              <a:buFont typeface="Arial"/>
-              <a:buNone/>
-            </a:pPr>
-            <a:r>
-              <a:t/>
-            </a:r>
-            <a:endParaRPr sz="1200">
-              <a:solidFill>
-                <a:schemeClr val="dk1"/>
-              </a:solidFill>
-              <a:latin typeface="Roboto"/>
-              <a:ea typeface="Roboto"/>
-              <a:cs typeface="Roboto"/>
-              <a:sym typeface="Roboto"/>
-            </a:endParaRPr>
-          </a:p>
-          <a:p>
-            <a:pPr indent="0" lvl="0" marL="0" rtl="0" algn="l">
-              <a:spcBef>
-                <a:spcPts val="0"/>
-              </a:spcBef>
-              <a:spcAft>
-                <a:spcPts val="0"/>
-              </a:spcAft>
-              <a:buClr>
-                <a:schemeClr val="dk1"/>
-              </a:buClr>
-              <a:buSzPts val="1100"/>
-              <a:buFont typeface="Arial"/>
-              <a:buNone/>
-            </a:pPr>
-            <a:r>
-              <a:rPr lang="en-US" sz="1200">
-                <a:solidFill>
-                  <a:schemeClr val="dk1"/>
-                </a:solidFill>
-                <a:latin typeface="Roboto"/>
-                <a:ea typeface="Roboto"/>
-                <a:cs typeface="Roboto"/>
-                <a:sym typeface="Roboto"/>
-              </a:rPr>
-              <a:t>This reasoner is critical for three reasons. First, it turns raw diversity into structured consensus, improving accuracy and robustness over simple voting or averaging. Second, it makes the process more transparent: because it sees all intermediate outputs, it can explain why a particular conclusion was chosen and when the ensemble is uncertain. Third, it enables escalating to a human when disagreement stays high.​</a:t>
-            </a:r>
-            <a:endParaRPr sz="1200">
-              <a:solidFill>
-                <a:schemeClr val="dk1"/>
-              </a:solidFill>
-              <a:latin typeface="Roboto"/>
-              <a:ea typeface="Roboto"/>
-              <a:cs typeface="Roboto"/>
-              <a:sym typeface="Roboto"/>
-            </a:endParaRPr>
-          </a:p>
-          <a:p>
-            <a:pPr indent="0" lvl="0" marL="0" rtl="0" algn="l">
-              <a:spcBef>
-                <a:spcPts val="0"/>
-              </a:spcBef>
-              <a:spcAft>
-                <a:spcPts val="0"/>
-              </a:spcAft>
-              <a:buClr>
-                <a:schemeClr val="dk1"/>
-              </a:buClr>
-              <a:buSzPts val="1100"/>
-              <a:buFont typeface="Arial"/>
-              <a:buNone/>
-            </a:pPr>
-            <a:r>
-              <a:t/>
-            </a:r>
-            <a:endParaRPr sz="1200">
-              <a:solidFill>
-                <a:schemeClr val="dk1"/>
-              </a:solidFill>
-              <a:latin typeface="Roboto"/>
-              <a:ea typeface="Roboto"/>
-              <a:cs typeface="Roboto"/>
-              <a:sym typeface="Roboto"/>
-            </a:endParaRPr>
-          </a:p>
-          <a:p>
-            <a:pPr indent="0" lvl="0" marL="0" rtl="0" algn="l">
-              <a:spcBef>
-                <a:spcPts val="0"/>
-              </a:spcBef>
-              <a:spcAft>
-                <a:spcPts val="0"/>
-              </a:spcAft>
-              <a:buClr>
-                <a:schemeClr val="dk1"/>
-              </a:buClr>
-              <a:buSzPts val="1100"/>
-              <a:buFont typeface="Arial"/>
-              <a:buNone/>
-            </a:pPr>
-            <a:r>
-              <a:rPr lang="en-US" sz="1200">
-                <a:solidFill>
-                  <a:schemeClr val="dk1"/>
-                </a:solidFill>
-                <a:latin typeface="Roboto"/>
-                <a:ea typeface="Roboto"/>
-                <a:cs typeface="Roboto"/>
-                <a:sym typeface="Roboto"/>
-              </a:rPr>
-              <a:t>Detecting weird machine gadgets from architecture documentation and description decisions into structured outputs efficiently requires a consortium with targeted fine‑tuning and an explicit reasoning layer. These capabilities deliver more reliable, interpretable, and domain‑aligned results than a single monolithic model.</a:t>
-            </a:r>
-            <a:endParaRPr sz="1200">
-              <a:solidFill>
-                <a:schemeClr val="dk1"/>
-              </a:solidFill>
-              <a:latin typeface="Roboto"/>
-              <a:ea typeface="Roboto"/>
-              <a:cs typeface="Roboto"/>
-              <a:sym typeface="Roboto"/>
-            </a:endParaRPr>
-          </a:p>
-          <a:p>
-            <a:pPr indent="0" lvl="0" marL="0" rtl="0" algn="l">
-              <a:spcBef>
-                <a:spcPts val="0"/>
-              </a:spcBef>
-              <a:spcAft>
-                <a:spcPts val="0"/>
-              </a:spcAft>
-              <a:buNone/>
-            </a:pPr>
-            <a:r>
-              <a:t/>
-            </a:r>
-            <a:endParaRPr sz="1200">
-              <a:solidFill>
-                <a:schemeClr val="dk1"/>
-              </a:solidFill>
-              <a:latin typeface="Roboto"/>
-              <a:ea typeface="Roboto"/>
-              <a:cs typeface="Roboto"/>
-              <a:sym typeface="Roboto"/>
-            </a:endParaRPr>
+            <a:endParaRPr/>
           </a:p>
         </p:txBody>
       </p:sp>
       <p:sp>
         <p:nvSpPr>
-          <p:cNvPr id="237" name="Google Shape;237;p13:notes"/>
+          <p:cNvPr id="239" name="Google Shape;239;p12:notes"/>
           <p:cNvSpPr/>
           <p:nvPr>
             <p:ph idx="2" type="sldImg"/>
@@ -2818,6 +2634,475 @@
 </p:notes>
 </file>
 
+<file path=ppt/notesSlides/notesSlide20.xml><?xml version="1.0" encoding="utf-8"?>
+<p:notes xmlns:a="http://schemas.openxmlformats.org/drawingml/2006/main" xmlns:r="http://schemas.openxmlformats.org/officeDocument/2006/relationships" xmlns:mc="http://schemas.openxmlformats.org/markup-compatibility/2006" xmlns:mv="urn:schemas-microsoft-com:mac:vml" xmlns:p="http://schemas.openxmlformats.org/presentationml/2006/main" xmlns:c="http://schemas.openxmlformats.org/drawingml/2006/chart" xmlns:dgm="http://schemas.openxmlformats.org/drawingml/2006/diagram" xmlns:o="urn:schemas-microsoft-com:office:office" xmlns:v="urn:schemas-microsoft-com:vml" xmlns:pvml="urn:schemas-microsoft-com:office:powerpoint" xmlns:com="http://schemas.openxmlformats.org/drawingml/2006/compatibility" xmlns:p14="http://schemas.microsoft.com/office/powerpoint/2010/main" xmlns:p15="http://schemas.microsoft.com/office/powerpoint/2012/main" xmlns:ahyp="http://schemas.microsoft.com/office/drawing/2018/hyperlinkcolor" showMasterPhAnim="0" showMasterSp="0">
+  <p:cSld>
+    <p:spTree>
+      <p:nvGrpSpPr>
+        <p:cNvPr id="243" name="Shape 243"/>
+        <p:cNvGrpSpPr/>
+        <p:nvPr/>
+      </p:nvGrpSpPr>
+      <p:grpSpPr>
+        <a:xfrm>
+          <a:off x="0" y="0"/>
+          <a:ext cx="0" cy="0"/>
+          <a:chOff x="0" y="0"/>
+          <a:chExt cx="0" cy="0"/>
+        </a:xfrm>
+      </p:grpSpPr>
+      <p:sp>
+        <p:nvSpPr>
+          <p:cNvPr id="244" name="Google Shape;244;p13:notes"/>
+          <p:cNvSpPr txBox="1"/>
+          <p:nvPr>
+            <p:ph idx="1" type="body"/>
+          </p:nvPr>
+        </p:nvSpPr>
+        <p:spPr>
+          <a:xfrm>
+            <a:off x="685800" y="4343400"/>
+            <a:ext cx="5486400" cy="4114800"/>
+          </a:xfrm>
+          <a:prstGeom prst="rect">
+            <a:avLst/>
+          </a:prstGeom>
+        </p:spPr>
+        <p:txBody>
+          <a:bodyPr anchorCtr="0" anchor="t" bIns="91425" lIns="91425" spcFirstLastPara="1" rIns="91425" wrap="square" tIns="91425">
+            <a:noAutofit/>
+          </a:bodyPr>
+          <a:lstStyle/>
+          <a:p>
+            <a:pPr indent="0" lvl="0" marL="0" rtl="0" algn="l">
+              <a:spcBef>
+                <a:spcPts val="0"/>
+              </a:spcBef>
+              <a:spcAft>
+                <a:spcPts val="0"/>
+              </a:spcAft>
+              <a:buClr>
+                <a:schemeClr val="dk1"/>
+              </a:buClr>
+              <a:buSzPts val="1100"/>
+              <a:buFont typeface="Arial"/>
+              <a:buNone/>
+            </a:pPr>
+            <a:r>
+              <a:rPr lang="en-US" sz="1200">
+                <a:solidFill>
+                  <a:schemeClr val="dk1"/>
+                </a:solidFill>
+                <a:latin typeface="Roboto"/>
+                <a:ea typeface="Roboto"/>
+                <a:cs typeface="Roboto"/>
+                <a:sym typeface="Roboto"/>
+              </a:rPr>
+              <a:t>A consortium LLM is essentially a team of specialized models plus a reasoning “conductor” that turns many opinions into one justified decision.​</a:t>
+            </a:r>
+            <a:endParaRPr sz="1200">
+              <a:solidFill>
+                <a:schemeClr val="dk1"/>
+              </a:solidFill>
+              <a:latin typeface="Roboto"/>
+              <a:ea typeface="Roboto"/>
+              <a:cs typeface="Roboto"/>
+              <a:sym typeface="Roboto"/>
+            </a:endParaRPr>
+          </a:p>
+          <a:p>
+            <a:pPr indent="0" lvl="0" marL="0" rtl="0" algn="l">
+              <a:spcBef>
+                <a:spcPts val="0"/>
+              </a:spcBef>
+              <a:spcAft>
+                <a:spcPts val="0"/>
+              </a:spcAft>
+              <a:buClr>
+                <a:schemeClr val="dk1"/>
+              </a:buClr>
+              <a:buSzPts val="1100"/>
+              <a:buFont typeface="Arial"/>
+              <a:buNone/>
+            </a:pPr>
+            <a:r>
+              <a:t/>
+            </a:r>
+            <a:endParaRPr sz="1200">
+              <a:solidFill>
+                <a:schemeClr val="dk1"/>
+              </a:solidFill>
+              <a:latin typeface="Roboto"/>
+              <a:ea typeface="Roboto"/>
+              <a:cs typeface="Roboto"/>
+              <a:sym typeface="Roboto"/>
+            </a:endParaRPr>
+          </a:p>
+          <a:p>
+            <a:pPr indent="0" lvl="0" marL="0" rtl="0" algn="l">
+              <a:spcBef>
+                <a:spcPts val="0"/>
+              </a:spcBef>
+              <a:spcAft>
+                <a:spcPts val="0"/>
+              </a:spcAft>
+              <a:buClr>
+                <a:schemeClr val="dk1"/>
+              </a:buClr>
+              <a:buSzPts val="1100"/>
+              <a:buFont typeface="Arial"/>
+              <a:buNone/>
+            </a:pPr>
+            <a:r>
+              <a:rPr lang="en-US" sz="1200">
+                <a:solidFill>
+                  <a:schemeClr val="dk1"/>
+                </a:solidFill>
+                <a:latin typeface="Roboto"/>
+                <a:ea typeface="Roboto"/>
+                <a:cs typeface="Roboto"/>
+                <a:sym typeface="Roboto"/>
+              </a:rPr>
+              <a:t>Instead of relying on a single large language model to make important decisions, we can build a consortium: several smaller, specialized models that each look at the same input from a slightly different perspective. This ensemble mimics a team of experts in a case conference, where diversity of views leads to better, more reliable answers than any one expert working alone.​</a:t>
+            </a:r>
+            <a:endParaRPr sz="1200">
+              <a:solidFill>
+                <a:schemeClr val="dk1"/>
+              </a:solidFill>
+              <a:latin typeface="Roboto"/>
+              <a:ea typeface="Roboto"/>
+              <a:cs typeface="Roboto"/>
+              <a:sym typeface="Roboto"/>
+            </a:endParaRPr>
+          </a:p>
+          <a:p>
+            <a:pPr indent="0" lvl="0" marL="0" rtl="0" algn="l">
+              <a:spcBef>
+                <a:spcPts val="0"/>
+              </a:spcBef>
+              <a:spcAft>
+                <a:spcPts val="0"/>
+              </a:spcAft>
+              <a:buClr>
+                <a:schemeClr val="dk1"/>
+              </a:buClr>
+              <a:buSzPts val="1100"/>
+              <a:buFont typeface="Arial"/>
+              <a:buNone/>
+            </a:pPr>
+            <a:r>
+              <a:t/>
+            </a:r>
+            <a:endParaRPr sz="1200">
+              <a:solidFill>
+                <a:schemeClr val="dk1"/>
+              </a:solidFill>
+              <a:latin typeface="Roboto"/>
+              <a:ea typeface="Roboto"/>
+              <a:cs typeface="Roboto"/>
+              <a:sym typeface="Roboto"/>
+            </a:endParaRPr>
+          </a:p>
+          <a:p>
+            <a:pPr indent="0" lvl="0" marL="0" rtl="0" algn="l">
+              <a:spcBef>
+                <a:spcPts val="0"/>
+              </a:spcBef>
+              <a:spcAft>
+                <a:spcPts val="0"/>
+              </a:spcAft>
+              <a:buClr>
+                <a:schemeClr val="dk1"/>
+              </a:buClr>
+              <a:buSzPts val="1100"/>
+              <a:buFont typeface="Arial"/>
+              <a:buNone/>
+            </a:pPr>
+            <a:r>
+              <a:rPr lang="en-US" sz="1200">
+                <a:solidFill>
+                  <a:schemeClr val="dk1"/>
+                </a:solidFill>
+                <a:latin typeface="Roboto"/>
+                <a:ea typeface="Roboto"/>
+                <a:cs typeface="Roboto"/>
+                <a:sym typeface="Roboto"/>
+              </a:rPr>
+              <a:t>Each member of the consortium starts as a general‑purpose model, but then gets fine‑tuned on domain‑specific data and task‑specific output formats. In our case this is fine tuning the models on identifying weird gadgets based on system architecture documentation and descriptions. This is just like we did manually for our wind energy test bed. That fine‑tuning is what teaches a model to speak the local language of the domain.​</a:t>
+            </a:r>
+            <a:endParaRPr sz="1200">
+              <a:solidFill>
+                <a:schemeClr val="dk1"/>
+              </a:solidFill>
+              <a:latin typeface="Roboto"/>
+              <a:ea typeface="Roboto"/>
+              <a:cs typeface="Roboto"/>
+              <a:sym typeface="Roboto"/>
+            </a:endParaRPr>
+          </a:p>
+          <a:p>
+            <a:pPr indent="0" lvl="0" marL="0" rtl="0" algn="l">
+              <a:spcBef>
+                <a:spcPts val="0"/>
+              </a:spcBef>
+              <a:spcAft>
+                <a:spcPts val="0"/>
+              </a:spcAft>
+              <a:buClr>
+                <a:schemeClr val="dk1"/>
+              </a:buClr>
+              <a:buSzPts val="1100"/>
+              <a:buFont typeface="Arial"/>
+              <a:buNone/>
+            </a:pPr>
+            <a:r>
+              <a:t/>
+            </a:r>
+            <a:endParaRPr sz="1200">
+              <a:solidFill>
+                <a:schemeClr val="dk1"/>
+              </a:solidFill>
+              <a:latin typeface="Roboto"/>
+              <a:ea typeface="Roboto"/>
+              <a:cs typeface="Roboto"/>
+              <a:sym typeface="Roboto"/>
+            </a:endParaRPr>
+          </a:p>
+          <a:p>
+            <a:pPr indent="0" lvl="0" marL="0" rtl="0" algn="l">
+              <a:spcBef>
+                <a:spcPts val="0"/>
+              </a:spcBef>
+              <a:spcAft>
+                <a:spcPts val="0"/>
+              </a:spcAft>
+              <a:buClr>
+                <a:schemeClr val="dk1"/>
+              </a:buClr>
+              <a:buSzPts val="1100"/>
+              <a:buFont typeface="Arial"/>
+              <a:buNone/>
+            </a:pPr>
+            <a:r>
+              <a:rPr lang="en-US" sz="1200">
+                <a:solidFill>
+                  <a:schemeClr val="dk1"/>
+                </a:solidFill>
+                <a:latin typeface="Roboto"/>
+                <a:ea typeface="Roboto"/>
+                <a:cs typeface="Roboto"/>
+                <a:sym typeface="Roboto"/>
+              </a:rPr>
+              <a:t>On top of these models sits a reasoning LLM that acts as the orchestrator. It receives the individual outputs, compares them, detects agreement and disagreement, and then applies explicit step‑by‑step deliberation to synthesize a final answer with an accompanying rationale.​</a:t>
+            </a:r>
+            <a:endParaRPr sz="1200">
+              <a:solidFill>
+                <a:schemeClr val="dk1"/>
+              </a:solidFill>
+              <a:latin typeface="Roboto"/>
+              <a:ea typeface="Roboto"/>
+              <a:cs typeface="Roboto"/>
+              <a:sym typeface="Roboto"/>
+            </a:endParaRPr>
+          </a:p>
+          <a:p>
+            <a:pPr indent="0" lvl="0" marL="0" rtl="0" algn="l">
+              <a:spcBef>
+                <a:spcPts val="0"/>
+              </a:spcBef>
+              <a:spcAft>
+                <a:spcPts val="0"/>
+              </a:spcAft>
+              <a:buClr>
+                <a:schemeClr val="dk1"/>
+              </a:buClr>
+              <a:buSzPts val="1100"/>
+              <a:buFont typeface="Arial"/>
+              <a:buNone/>
+            </a:pPr>
+            <a:r>
+              <a:t/>
+            </a:r>
+            <a:endParaRPr sz="1200">
+              <a:solidFill>
+                <a:schemeClr val="dk1"/>
+              </a:solidFill>
+              <a:latin typeface="Roboto"/>
+              <a:ea typeface="Roboto"/>
+              <a:cs typeface="Roboto"/>
+              <a:sym typeface="Roboto"/>
+            </a:endParaRPr>
+          </a:p>
+          <a:p>
+            <a:pPr indent="0" lvl="0" marL="0" rtl="0" algn="l">
+              <a:spcBef>
+                <a:spcPts val="0"/>
+              </a:spcBef>
+              <a:spcAft>
+                <a:spcPts val="0"/>
+              </a:spcAft>
+              <a:buClr>
+                <a:schemeClr val="dk1"/>
+              </a:buClr>
+              <a:buSzPts val="1100"/>
+              <a:buFont typeface="Arial"/>
+              <a:buNone/>
+            </a:pPr>
+            <a:r>
+              <a:rPr lang="en-US" sz="1200">
+                <a:solidFill>
+                  <a:schemeClr val="dk1"/>
+                </a:solidFill>
+                <a:latin typeface="Roboto"/>
+                <a:ea typeface="Roboto"/>
+                <a:cs typeface="Roboto"/>
+                <a:sym typeface="Roboto"/>
+              </a:rPr>
+              <a:t>This reasoner is critical for three reasons. First, it turns raw diversity into structured consensus, improving accuracy and robustness over simple voting or averaging. Second, it makes the process more transparent: because it sees all intermediate outputs, it can explain why a particular conclusion was chosen and when the ensemble is uncertain. Third, it enables escalating to a human when disagreement stays high.​</a:t>
+            </a:r>
+            <a:endParaRPr sz="1200">
+              <a:solidFill>
+                <a:schemeClr val="dk1"/>
+              </a:solidFill>
+              <a:latin typeface="Roboto"/>
+              <a:ea typeface="Roboto"/>
+              <a:cs typeface="Roboto"/>
+              <a:sym typeface="Roboto"/>
+            </a:endParaRPr>
+          </a:p>
+          <a:p>
+            <a:pPr indent="0" lvl="0" marL="0" rtl="0" algn="l">
+              <a:spcBef>
+                <a:spcPts val="0"/>
+              </a:spcBef>
+              <a:spcAft>
+                <a:spcPts val="0"/>
+              </a:spcAft>
+              <a:buClr>
+                <a:schemeClr val="dk1"/>
+              </a:buClr>
+              <a:buSzPts val="1100"/>
+              <a:buFont typeface="Arial"/>
+              <a:buNone/>
+            </a:pPr>
+            <a:r>
+              <a:t/>
+            </a:r>
+            <a:endParaRPr sz="1200">
+              <a:solidFill>
+                <a:schemeClr val="dk1"/>
+              </a:solidFill>
+              <a:latin typeface="Roboto"/>
+              <a:ea typeface="Roboto"/>
+              <a:cs typeface="Roboto"/>
+              <a:sym typeface="Roboto"/>
+            </a:endParaRPr>
+          </a:p>
+          <a:p>
+            <a:pPr indent="0" lvl="0" marL="0" rtl="0" algn="l">
+              <a:spcBef>
+                <a:spcPts val="0"/>
+              </a:spcBef>
+              <a:spcAft>
+                <a:spcPts val="0"/>
+              </a:spcAft>
+              <a:buClr>
+                <a:schemeClr val="dk1"/>
+              </a:buClr>
+              <a:buSzPts val="1100"/>
+              <a:buFont typeface="Arial"/>
+              <a:buNone/>
+            </a:pPr>
+            <a:r>
+              <a:rPr lang="en-US" sz="1200">
+                <a:solidFill>
+                  <a:schemeClr val="dk1"/>
+                </a:solidFill>
+                <a:latin typeface="Roboto"/>
+                <a:ea typeface="Roboto"/>
+                <a:cs typeface="Roboto"/>
+                <a:sym typeface="Roboto"/>
+              </a:rPr>
+              <a:t>Detecting weird machine gadgets from architecture documentation and description decisions into structured outputs efficiently requires a consortium with targeted fine‑tuning and an explicit reasoning layer. These capabilities deliver more reliable, interpretable, and domain‑aligned results than a single monolithic model.</a:t>
+            </a:r>
+            <a:endParaRPr sz="1200">
+              <a:solidFill>
+                <a:schemeClr val="dk1"/>
+              </a:solidFill>
+              <a:latin typeface="Roboto"/>
+              <a:ea typeface="Roboto"/>
+              <a:cs typeface="Roboto"/>
+              <a:sym typeface="Roboto"/>
+            </a:endParaRPr>
+          </a:p>
+          <a:p>
+            <a:pPr indent="0" lvl="0" marL="0" rtl="0" algn="l">
+              <a:spcBef>
+                <a:spcPts val="0"/>
+              </a:spcBef>
+              <a:spcAft>
+                <a:spcPts val="0"/>
+              </a:spcAft>
+              <a:buNone/>
+            </a:pPr>
+            <a:r>
+              <a:t/>
+            </a:r>
+            <a:endParaRPr sz="1200">
+              <a:solidFill>
+                <a:schemeClr val="dk1"/>
+              </a:solidFill>
+              <a:latin typeface="Roboto"/>
+              <a:ea typeface="Roboto"/>
+              <a:cs typeface="Roboto"/>
+              <a:sym typeface="Roboto"/>
+            </a:endParaRPr>
+          </a:p>
+        </p:txBody>
+      </p:sp>
+      <p:sp>
+        <p:nvSpPr>
+          <p:cNvPr id="245" name="Google Shape;245;p13:notes"/>
+          <p:cNvSpPr/>
+          <p:nvPr>
+            <p:ph idx="2" type="sldImg"/>
+          </p:nvPr>
+        </p:nvSpPr>
+        <p:spPr>
+          <a:xfrm>
+            <a:off x="1143225" y="685800"/>
+            <a:ext cx="4572225" cy="3429000"/>
+          </a:xfrm>
+          <a:custGeom>
+            <a:rect b="b" l="l" r="r" t="t"/>
+            <a:pathLst>
+              <a:path extrusionOk="0" h="120000" w="120000">
+                <a:moveTo>
+                  <a:pt x="0" y="0"/>
+                </a:moveTo>
+                <a:lnTo>
+                  <a:pt x="120000" y="0"/>
+                </a:lnTo>
+                <a:lnTo>
+                  <a:pt x="120000" y="120000"/>
+                </a:lnTo>
+                <a:lnTo>
+                  <a:pt x="0" y="120000"/>
+                </a:lnTo>
+                <a:close/>
+              </a:path>
+            </a:pathLst>
+          </a:custGeom>
+        </p:spPr>
+      </p:sp>
+    </p:spTree>
+  </p:cSld>
+  <p:clrMapOvr>
+    <a:masterClrMapping/>
+  </p:clrMapOvr>
+</p:notes>
+</file>
+
 <file path=ppt/notesSlides/notesSlide3.xml><?xml version="1.0" encoding="utf-8"?>
 <p:notes xmlns:a="http://schemas.openxmlformats.org/drawingml/2006/main" xmlns:r="http://schemas.openxmlformats.org/officeDocument/2006/relationships" xmlns:mc="http://schemas.openxmlformats.org/markup-compatibility/2006" xmlns:mv="urn:schemas-microsoft-com:mac:vml" xmlns:p="http://schemas.openxmlformats.org/presentationml/2006/main" xmlns:c="http://schemas.openxmlformats.org/drawingml/2006/chart" xmlns:dgm="http://schemas.openxmlformats.org/drawingml/2006/diagram" xmlns:o="urn:schemas-microsoft-com:office:office" xmlns:v="urn:schemas-microsoft-com:vml" xmlns:pvml="urn:schemas-microsoft-com:office:powerpoint" xmlns:com="http://schemas.openxmlformats.org/drawingml/2006/compatibility" xmlns:p14="http://schemas.microsoft.com/office/powerpoint/2010/main" xmlns:p15="http://schemas.microsoft.com/office/powerpoint/2012/main" xmlns:ahyp="http://schemas.microsoft.com/office/drawing/2018/hyperlinkcolor" showMasterPhAnim="0" showMasterSp="0">
   <p:cSld>
@@ -3680,46 +3965,7 @@
       </p:grpSpPr>
       <p:sp>
         <p:nvSpPr>
-          <p:cNvPr id="153" name="Google Shape;153;p6:notes"/>
-          <p:cNvSpPr txBox="1"/>
-          <p:nvPr>
-            <p:ph idx="1" type="body"/>
-          </p:nvPr>
-        </p:nvSpPr>
-        <p:spPr>
-          <a:xfrm>
-            <a:off x="685800" y="4343400"/>
-            <a:ext cx="5486400" cy="4114800"/>
-          </a:xfrm>
-          <a:prstGeom prst="rect">
-            <a:avLst/>
-          </a:prstGeom>
-        </p:spPr>
-        <p:txBody>
-          <a:bodyPr anchorCtr="0" anchor="t" bIns="91425" lIns="91425" spcFirstLastPara="1" rIns="91425" wrap="square" tIns="91425">
-            <a:noAutofit/>
-          </a:bodyPr>
-          <a:lstStyle/>
-          <a:p>
-            <a:pPr indent="0" lvl="0" marL="0" rtl="0" algn="l">
-              <a:spcBef>
-                <a:spcPts val="0"/>
-              </a:spcBef>
-              <a:spcAft>
-                <a:spcPts val="0"/>
-              </a:spcAft>
-              <a:buNone/>
-            </a:pPr>
-            <a:r>
-              <a:t/>
-            </a:r>
-            <a:endParaRPr/>
-          </a:p>
-        </p:txBody>
-      </p:sp>
-      <p:sp>
-        <p:nvSpPr>
-          <p:cNvPr id="154" name="Google Shape;154;p6:notes"/>
+          <p:cNvPr id="153" name="Google Shape;153;g3a71945877e_0_0:notes"/>
           <p:cNvSpPr/>
           <p:nvPr>
             <p:ph idx="2" type="sldImg"/>
@@ -3728,7 +3974,7 @@
         <p:spPr>
           <a:xfrm>
             <a:off x="1143225" y="685800"/>
-            <a:ext cx="4572225" cy="3429000"/>
+            <a:ext cx="4572300" cy="3429000"/>
           </a:xfrm>
           <a:custGeom>
             <a:rect b="b" l="l" r="r" t="t"/>
@@ -3752,34 +3998,9 @@
           </a:custGeom>
         </p:spPr>
       </p:sp>
-    </p:spTree>
-  </p:cSld>
-  <p:clrMapOvr>
-    <a:masterClrMapping/>
-  </p:clrMapOvr>
-</p:notes>
-</file>
-
-<file path=ppt/notesSlides/notesSlide9.xml><?xml version="1.0" encoding="utf-8"?>
-<p:notes xmlns:a="http://schemas.openxmlformats.org/drawingml/2006/main" xmlns:r="http://schemas.openxmlformats.org/officeDocument/2006/relationships" xmlns:mc="http://schemas.openxmlformats.org/markup-compatibility/2006" xmlns:mv="urn:schemas-microsoft-com:mac:vml" xmlns:p="http://schemas.openxmlformats.org/presentationml/2006/main" xmlns:c="http://schemas.openxmlformats.org/drawingml/2006/chart" xmlns:dgm="http://schemas.openxmlformats.org/drawingml/2006/diagram" xmlns:o="urn:schemas-microsoft-com:office:office" xmlns:v="urn:schemas-microsoft-com:vml" xmlns:pvml="urn:schemas-microsoft-com:office:powerpoint" xmlns:com="http://schemas.openxmlformats.org/drawingml/2006/compatibility" xmlns:p14="http://schemas.microsoft.com/office/powerpoint/2010/main" xmlns:p15="http://schemas.microsoft.com/office/powerpoint/2012/main" xmlns:ahyp="http://schemas.microsoft.com/office/drawing/2018/hyperlinkcolor" showMasterPhAnim="0" showMasterSp="0">
-  <p:cSld>
-    <p:spTree>
-      <p:nvGrpSpPr>
-        <p:cNvPr id="161" name="Shape 161"/>
-        <p:cNvGrpSpPr/>
-        <p:nvPr/>
-      </p:nvGrpSpPr>
-      <p:grpSpPr>
-        <a:xfrm>
-          <a:off x="0" y="0"/>
-          <a:ext cx="0" cy="0"/>
-          <a:chOff x="0" y="0"/>
-          <a:chExt cx="0" cy="0"/>
-        </a:xfrm>
-      </p:grpSpPr>
       <p:sp>
         <p:nvSpPr>
-          <p:cNvPr id="162" name="Google Shape;162;p7:notes"/>
+          <p:cNvPr id="154" name="Google Shape;154;g3a71945877e_0_0:notes"/>
           <p:cNvSpPr txBox="1"/>
           <p:nvPr>
             <p:ph idx="1" type="body"/>
@@ -3801,6 +4022,9 @@
           <a:lstStyle/>
           <a:p>
             <a:pPr indent="0" lvl="0" marL="0" rtl="0" algn="l">
+              <a:lnSpc>
+                <a:spcPct val="115000"/>
+              </a:lnSpc>
               <a:spcBef>
                 <a:spcPts val="0"/>
               </a:spcBef>
@@ -3815,35 +4039,69 @@
               <a:buNone/>
             </a:pPr>
             <a:r>
-              <a:rPr lang="en-US"/>
-              <a:t>The wind energy test bed is built as a scaled-down wind farm that connects physical turbines, industrial controllers, and a SCADA system into a single cyber‑physical environment. At a high level, the slide shows how device‑level control, field networks, secure gateways, and the Rapid SCADA server fit together into that architecture.​</a:t>
-            </a:r>
-            <a:endParaRPr/>
+              <a:rPr lang="en-US" sz="1200">
+                <a:solidFill>
+                  <a:schemeClr val="dk1"/>
+                </a:solidFill>
+                <a:latin typeface="Roboto"/>
+                <a:ea typeface="Roboto"/>
+                <a:cs typeface="Roboto"/>
+                <a:sym typeface="Roboto"/>
+              </a:rPr>
+              <a:t>A weird machine gadget is just a set of pieces in a system that were never meant to be a programming language, but that you can still “wire together” to make the system follow your instructions. Think of it as finding Lego bricks hidden inside something that was supposed to be finished and fixed.</a:t>
+            </a:r>
+            <a:endParaRPr sz="1200">
+              <a:solidFill>
+                <a:schemeClr val="dk1"/>
+              </a:solidFill>
+              <a:latin typeface="Roboto"/>
+              <a:ea typeface="Roboto"/>
+              <a:cs typeface="Roboto"/>
+              <a:sym typeface="Roboto"/>
+            </a:endParaRPr>
           </a:p>
           <a:p>
             <a:pPr indent="0" lvl="0" marL="0" rtl="0" algn="l">
-              <a:spcBef>
-                <a:spcPts val="0"/>
-              </a:spcBef>
-              <a:spcAft>
-                <a:spcPts val="0"/>
-              </a:spcAft>
-              <a:buClr>
-                <a:schemeClr val="dk1"/>
-              </a:buClr>
-              <a:buSzPts val="1100"/>
-              <a:buFont typeface="Arial"/>
+              <a:lnSpc>
+                <a:spcPct val="115000"/>
+              </a:lnSpc>
+              <a:spcBef>
+                <a:spcPts val="1200"/>
+              </a:spcBef>
+              <a:spcAft>
+                <a:spcPts val="0"/>
+              </a:spcAft>
               <a:buNone/>
             </a:pPr>
             <a:r>
-              <a:t/>
-            </a:r>
-            <a:endParaRPr/>
+              <a:rPr lang="en-US" sz="1200">
+                <a:solidFill>
+                  <a:schemeClr val="dk1"/>
+                </a:solidFill>
+                <a:latin typeface="Roboto"/>
+                <a:ea typeface="Roboto"/>
+                <a:cs typeface="Roboto"/>
+                <a:sym typeface="Roboto"/>
+              </a:rPr>
+              <a:t>In the video game world, a famous example showed up in Final Fantasy VII. Players discovered that by performing a particular sequence of actions around saving, loading, or exiting, the game would write inconsistent state to disk and then reload it as if the same item existed in two places. Players ended up with duplicate high-value gear or endgame items much earlier than intended, effectively “programming” the game into giving them extra items without touching the code directly</a:t>
+            </a:r>
+            <a:endParaRPr sz="1200">
+              <a:solidFill>
+                <a:schemeClr val="dk1"/>
+              </a:solidFill>
+              <a:latin typeface="Roboto"/>
+              <a:ea typeface="Roboto"/>
+              <a:cs typeface="Roboto"/>
+              <a:sym typeface="Roboto"/>
+            </a:endParaRPr>
           </a:p>
           <a:p>
             <a:pPr indent="0" lvl="0" marL="0" rtl="0" algn="l">
-              <a:spcBef>
-                <a:spcPts val="0"/>
+              <a:lnSpc>
+                <a:spcPct val="115000"/>
+              </a:lnSpc>
+              <a:spcBef>
+                <a:spcPts val="1200"/>
               </a:spcBef>
               <a:spcAft>
                 <a:spcPts val="0"/>
@@ -3856,24 +4114,35 @@
               <a:buNone/>
             </a:pPr>
             <a:r>
-              <a:rPr lang="en-US"/>
-              <a:t>At the edge, scaled and emulated wind turbines are instrumented with motors and sensors, then controlled by a mix of industrial PLCs and Raspberry Pi units. These controllers handle local logic such as RPM limits and shutdown routines, and expose their data and commands over industrial protocols like Modbus TCP and other vendor‑specific fieldbuses.​</a:t>
-            </a:r>
-            <a:endParaRPr/>
+              <a:rPr lang="en-US" sz="1200">
+                <a:solidFill>
+                  <a:schemeClr val="dk1"/>
+                </a:solidFill>
+                <a:latin typeface="Roboto"/>
+                <a:ea typeface="Roboto"/>
+                <a:cs typeface="Roboto"/>
+                <a:sym typeface="Roboto"/>
+              </a:rPr>
+              <a:t>So the save file, the game’s loader, and the console’s memory layout together form a gadget: controllable pieces that, when combined carefully, behave like a little unintended program. The designers never meant for save files to be code, but attackers turned them into exactly that.</a:t>
+            </a:r>
+            <a:endParaRPr sz="1200">
+              <a:solidFill>
+                <a:schemeClr val="dk1"/>
+              </a:solidFill>
+              <a:latin typeface="Roboto"/>
+              <a:ea typeface="Roboto"/>
+              <a:cs typeface="Roboto"/>
+              <a:sym typeface="Roboto"/>
+            </a:endParaRPr>
           </a:p>
           <a:p>
             <a:pPr indent="0" lvl="0" marL="0" rtl="0" algn="l">
               <a:spcBef>
-                <a:spcPts val="0"/>
-              </a:spcBef>
-              <a:spcAft>
-                <a:spcPts val="0"/>
-              </a:spcAft>
-              <a:buClr>
-                <a:schemeClr val="dk1"/>
-              </a:buClr>
-              <a:buSzPts val="1100"/>
-              <a:buFont typeface="Arial"/>
+                <a:spcPts val="600"/>
+              </a:spcBef>
+              <a:spcAft>
+                <a:spcPts val="0"/>
+              </a:spcAft>
               <a:buNone/>
             </a:pPr>
             <a:r>
@@ -3881,109 +4150,55 @@
             </a:r>
             <a:endParaRPr/>
           </a:p>
-          <a:p>
-            <a:pPr indent="0" lvl="0" marL="0" rtl="0" algn="l">
-              <a:spcBef>
-                <a:spcPts val="0"/>
-              </a:spcBef>
-              <a:spcAft>
-                <a:spcPts val="0"/>
-              </a:spcAft>
-              <a:buClr>
-                <a:schemeClr val="dk1"/>
-              </a:buClr>
-              <a:buSzPts val="1100"/>
-              <a:buFont typeface="Arial"/>
-              <a:buNone/>
-            </a:pPr>
-            <a:r>
-              <a:rPr lang="en-US"/>
-              <a:t>The PLCs and emulated PLCs connect over Ethernet to the test bed network, where traffic is segmented and routed toward the SCADA environment. A Python‑based proxy with certificates and credentials sits in the path of Modbus TCP, authenticating devices and only forwarding traffic for nodes that prove their identity. This effectively creates a secure Modbus gateway in front of the SCADA server.​</a:t>
-            </a:r>
-            <a:endParaRPr/>
-          </a:p>
-          <a:p>
-            <a:pPr indent="0" lvl="0" marL="0" rtl="0" algn="l">
-              <a:spcBef>
-                <a:spcPts val="0"/>
-              </a:spcBef>
-              <a:spcAft>
-                <a:spcPts val="0"/>
-              </a:spcAft>
-              <a:buClr>
-                <a:schemeClr val="dk1"/>
-              </a:buClr>
-              <a:buSzPts val="1100"/>
-              <a:buFont typeface="Arial"/>
-              <a:buNone/>
-            </a:pPr>
-            <a:r>
-              <a:t/>
-            </a:r>
-            <a:endParaRPr/>
-          </a:p>
-          <a:p>
-            <a:pPr indent="0" lvl="0" marL="0" rtl="0" algn="l">
-              <a:spcBef>
-                <a:spcPts val="0"/>
-              </a:spcBef>
-              <a:spcAft>
-                <a:spcPts val="0"/>
-              </a:spcAft>
-              <a:buClr>
-                <a:schemeClr val="dk1"/>
-              </a:buClr>
-              <a:buSzPts val="1100"/>
-              <a:buFont typeface="Arial"/>
-              <a:buNone/>
-            </a:pPr>
-            <a:r>
-              <a:rPr lang="en-US"/>
-              <a:t>The Rapid SCADA server is configured with multiple communication lines, simultaneously polling and controlling devices using Modbus and a REST API. These lines connect to PLCs, simulation servers, and an ambient weather station, with each line mapped into channels, devices, and logs.</a:t>
-            </a:r>
-            <a:endParaRPr/>
-          </a:p>
-          <a:p>
-            <a:pPr indent="0" lvl="0" marL="0" rtl="0" algn="l">
-              <a:spcBef>
-                <a:spcPts val="0"/>
-              </a:spcBef>
-              <a:spcAft>
-                <a:spcPts val="0"/>
-              </a:spcAft>
-              <a:buClr>
-                <a:schemeClr val="dk1"/>
-              </a:buClr>
-              <a:buSzPts val="1100"/>
-              <a:buFont typeface="Arial"/>
-              <a:buNone/>
-            </a:pPr>
-            <a:r>
-              <a:t/>
-            </a:r>
-            <a:endParaRPr/>
-          </a:p>
-          <a:p>
-            <a:pPr indent="0" lvl="0" marL="0" rtl="0" algn="l">
-              <a:spcBef>
-                <a:spcPts val="0"/>
-              </a:spcBef>
-              <a:spcAft>
-                <a:spcPts val="0"/>
-              </a:spcAft>
-              <a:buClr>
-                <a:schemeClr val="dk1"/>
-              </a:buClr>
-              <a:buSzPts val="1100"/>
-              <a:buFont typeface="Arial"/>
-              <a:buNone/>
-            </a:pPr>
-            <a:r>
-              <a:rPr lang="en-US"/>
-              <a:t>Operators interact with the system through Rapid SCADA’s web‑based interface, which presents turbine status, weather measurements, control commands, and alarms in dashboards. This architecture allows experiments that closely mirror how a real wind farm’s supervisory control and cybersecurity stack would be organized.</a:t>
-            </a:r>
-            <a:endParaRPr/>
-          </a:p>
+        </p:txBody>
+      </p:sp>
+    </p:spTree>
+  </p:cSld>
+  <p:clrMapOvr>
+    <a:masterClrMapping/>
+  </p:clrMapOvr>
+</p:notes>
+</file>
+
+<file path=ppt/notesSlides/notesSlide9.xml><?xml version="1.0" encoding="utf-8"?>
+<p:notes xmlns:a="http://schemas.openxmlformats.org/drawingml/2006/main" xmlns:r="http://schemas.openxmlformats.org/officeDocument/2006/relationships" xmlns:mc="http://schemas.openxmlformats.org/markup-compatibility/2006" xmlns:mv="urn:schemas-microsoft-com:mac:vml" xmlns:p="http://schemas.openxmlformats.org/presentationml/2006/main" xmlns:c="http://schemas.openxmlformats.org/drawingml/2006/chart" xmlns:dgm="http://schemas.openxmlformats.org/drawingml/2006/diagram" xmlns:o="urn:schemas-microsoft-com:office:office" xmlns:v="urn:schemas-microsoft-com:vml" xmlns:pvml="urn:schemas-microsoft-com:office:powerpoint" xmlns:com="http://schemas.openxmlformats.org/drawingml/2006/compatibility" xmlns:p14="http://schemas.microsoft.com/office/powerpoint/2010/main" xmlns:p15="http://schemas.microsoft.com/office/powerpoint/2012/main" xmlns:ahyp="http://schemas.microsoft.com/office/drawing/2018/hyperlinkcolor" showMasterPhAnim="0" showMasterSp="0">
+  <p:cSld>
+    <p:spTree>
+      <p:nvGrpSpPr>
+        <p:cNvPr id="160" name="Shape 160"/>
+        <p:cNvGrpSpPr/>
+        <p:nvPr/>
+      </p:nvGrpSpPr>
+      <p:grpSpPr>
+        <a:xfrm>
+          <a:off x="0" y="0"/>
+          <a:ext cx="0" cy="0"/>
+          <a:chOff x="0" y="0"/>
+          <a:chExt cx="0" cy="0"/>
+        </a:xfrm>
+      </p:grpSpPr>
+      <p:sp>
+        <p:nvSpPr>
+          <p:cNvPr id="161" name="Google Shape;161;p6:notes"/>
+          <p:cNvSpPr txBox="1"/>
+          <p:nvPr>
+            <p:ph idx="1" type="body"/>
+          </p:nvPr>
+        </p:nvSpPr>
+        <p:spPr>
+          <a:xfrm>
+            <a:off x="685800" y="4343400"/>
+            <a:ext cx="5486400" cy="4114800"/>
+          </a:xfrm>
+          <a:prstGeom prst="rect">
+            <a:avLst/>
+          </a:prstGeom>
+        </p:spPr>
+        <p:txBody>
+          <a:bodyPr anchorCtr="0" anchor="t" bIns="91425" lIns="91425" spcFirstLastPara="1" rIns="91425" wrap="square" tIns="91425">
+            <a:noAutofit/>
+          </a:bodyPr>
+          <a:lstStyle/>
           <a:p>
             <a:pPr indent="0" lvl="0" marL="0" rtl="0" algn="l">
               <a:spcBef>
@@ -4003,7 +4218,7 @@
       </p:sp>
       <p:sp>
         <p:nvSpPr>
-          <p:cNvPr id="163" name="Google Shape;163;p7:notes"/>
+          <p:cNvPr id="162" name="Google Shape;162;p6:notes"/>
           <p:cNvSpPr/>
           <p:nvPr>
             <p:ph idx="2" type="sldImg"/>
@@ -17173,7 +17388,7 @@
   <p:cSld>
     <p:spTree>
       <p:nvGrpSpPr>
-        <p:cNvPr id="170" name="Shape 170"/>
+        <p:cNvPr id="172" name="Shape 172"/>
         <p:cNvGrpSpPr/>
         <p:nvPr/>
       </p:nvGrpSpPr>
@@ -17187,7 +17402,112 @@
       </p:grpSpPr>
       <p:sp>
         <p:nvSpPr>
-          <p:cNvPr id="171" name="Google Shape;171;g3b0d07ae252_9_2"/>
+          <p:cNvPr id="173" name="Google Shape;173;p7"/>
+          <p:cNvSpPr txBox="1"/>
+          <p:nvPr>
+            <p:ph type="title"/>
+          </p:nvPr>
+        </p:nvSpPr>
+        <p:spPr>
+          <a:xfrm>
+            <a:off x="521208" y="978408"/>
+            <a:ext cx="11155680" cy="1463040"/>
+          </a:xfrm>
+          <a:prstGeom prst="rect">
+            <a:avLst/>
+          </a:prstGeom>
+          <a:noFill/>
+          <a:ln>
+            <a:noFill/>
+          </a:ln>
+        </p:spPr>
+        <p:txBody>
+          <a:bodyPr anchorCtr="0" anchor="t" bIns="45700" lIns="91425" spcFirstLastPara="1" rIns="91425" wrap="square" tIns="45700">
+            <a:normAutofit/>
+          </a:bodyPr>
+          <a:lstStyle/>
+          <a:p>
+            <a:pPr indent="0" lvl="0" marL="0" rtl="0" algn="l">
+              <a:lnSpc>
+                <a:spcPct val="100000"/>
+              </a:lnSpc>
+              <a:spcBef>
+                <a:spcPts val="0"/>
+              </a:spcBef>
+              <a:spcAft>
+                <a:spcPts val="0"/>
+              </a:spcAft>
+              <a:buClr>
+                <a:schemeClr val="dk1"/>
+              </a:buClr>
+              <a:buSzPts val="4400"/>
+              <a:buFont typeface="Arial"/>
+              <a:buNone/>
+            </a:pPr>
+            <a:r>
+              <a:rPr lang="en-US"/>
+              <a:t>Our Wind Energy Testbed</a:t>
+            </a:r>
+            <a:endParaRPr/>
+          </a:p>
+        </p:txBody>
+      </p:sp>
+      <p:pic>
+        <p:nvPicPr>
+          <p:cNvPr id="174" name="Google Shape;174;p7"/>
+          <p:cNvPicPr preferRelativeResize="0"/>
+          <p:nvPr/>
+        </p:nvPicPr>
+        <p:blipFill>
+          <a:blip r:embed="rId3">
+            <a:alphaModFix/>
+          </a:blip>
+          <a:stretch>
+            <a:fillRect/>
+          </a:stretch>
+        </p:blipFill>
+        <p:spPr>
+          <a:xfrm>
+            <a:off x="100325" y="1708400"/>
+            <a:ext cx="12192000" cy="5024438"/>
+          </a:xfrm>
+          <a:prstGeom prst="rect">
+            <a:avLst/>
+          </a:prstGeom>
+          <a:noFill/>
+          <a:ln>
+            <a:noFill/>
+          </a:ln>
+        </p:spPr>
+      </p:pic>
+    </p:spTree>
+  </p:cSld>
+  <p:clrMapOvr>
+    <a:masterClrMapping/>
+  </p:clrMapOvr>
+</p:sld>
+</file>
+
+<file path=ppt/slides/slide11.xml><?xml version="1.0" encoding="utf-8"?>
+<p:sld xmlns:a="http://schemas.openxmlformats.org/drawingml/2006/main" xmlns:r="http://schemas.openxmlformats.org/officeDocument/2006/relationships" xmlns:mc="http://schemas.openxmlformats.org/markup-compatibility/2006" xmlns:mv="urn:schemas-microsoft-com:mac:vml" xmlns:p="http://schemas.openxmlformats.org/presentationml/2006/main" xmlns:c="http://schemas.openxmlformats.org/drawingml/2006/chart" xmlns:dgm="http://schemas.openxmlformats.org/drawingml/2006/diagram" xmlns:o="urn:schemas-microsoft-com:office:office" xmlns:v="urn:schemas-microsoft-com:vml" xmlns:pvml="urn:schemas-microsoft-com:office:powerpoint" xmlns:com="http://schemas.openxmlformats.org/drawingml/2006/compatibility" xmlns:p14="http://schemas.microsoft.com/office/powerpoint/2010/main" xmlns:p15="http://schemas.microsoft.com/office/powerpoint/2012/main" xmlns:ahyp="http://schemas.microsoft.com/office/drawing/2018/hyperlinkcolor">
+  <p:cSld>
+    <p:spTree>
+      <p:nvGrpSpPr>
+        <p:cNvPr id="178" name="Shape 178"/>
+        <p:cNvGrpSpPr/>
+        <p:nvPr/>
+      </p:nvGrpSpPr>
+      <p:grpSpPr>
+        <a:xfrm>
+          <a:off x="0" y="0"/>
+          <a:ext cx="0" cy="0"/>
+          <a:chOff x="0" y="0"/>
+          <a:chExt cx="0" cy="0"/>
+        </a:xfrm>
+      </p:grpSpPr>
+      <p:sp>
+        <p:nvSpPr>
+          <p:cNvPr id="179" name="Google Shape;179;g3b0d07ae252_9_2"/>
           <p:cNvSpPr txBox="1"/>
           <p:nvPr>
             <p:ph type="title"/>
@@ -17239,7 +17559,7 @@
       </p:sp>
       <p:sp>
         <p:nvSpPr>
-          <p:cNvPr id="172" name="Google Shape;172;g3b0d07ae252_9_2"/>
+          <p:cNvPr id="180" name="Google Shape;180;g3b0d07ae252_9_2"/>
           <p:cNvSpPr txBox="1"/>
           <p:nvPr>
             <p:ph idx="1" type="body"/>
@@ -17396,7 +17716,7 @@
       </p:sp>
       <p:pic>
         <p:nvPicPr>
-          <p:cNvPr id="173" name="Google Shape;173;g3b0d07ae252_9_2"/>
+          <p:cNvPr id="181" name="Google Shape;181;g3b0d07ae252_9_2"/>
           <p:cNvPicPr preferRelativeResize="0"/>
           <p:nvPr/>
         </p:nvPicPr>
@@ -17430,12 +17750,12 @@
 </p:sld>
 </file>
 
-<file path=ppt/slides/slide11.xml><?xml version="1.0" encoding="utf-8"?>
+<file path=ppt/slides/slide12.xml><?xml version="1.0" encoding="utf-8"?>
 <p:sld xmlns:a="http://schemas.openxmlformats.org/drawingml/2006/main" xmlns:r="http://schemas.openxmlformats.org/officeDocument/2006/relationships" xmlns:mc="http://schemas.openxmlformats.org/markup-compatibility/2006" xmlns:mv="urn:schemas-microsoft-com:mac:vml" xmlns:p="http://schemas.openxmlformats.org/presentationml/2006/main" xmlns:c="http://schemas.openxmlformats.org/drawingml/2006/chart" xmlns:dgm="http://schemas.openxmlformats.org/drawingml/2006/diagram" xmlns:o="urn:schemas-microsoft-com:office:office" xmlns:v="urn:schemas-microsoft-com:vml" xmlns:pvml="urn:schemas-microsoft-com:office:powerpoint" xmlns:com="http://schemas.openxmlformats.org/drawingml/2006/compatibility" xmlns:p14="http://schemas.microsoft.com/office/powerpoint/2010/main" xmlns:p15="http://schemas.microsoft.com/office/powerpoint/2012/main" xmlns:ahyp="http://schemas.microsoft.com/office/drawing/2018/hyperlinkcolor">
   <p:cSld>
     <p:spTree>
       <p:nvGrpSpPr>
-        <p:cNvPr id="177" name="Shape 177"/>
+        <p:cNvPr id="185" name="Shape 185"/>
         <p:cNvGrpSpPr/>
         <p:nvPr/>
       </p:nvGrpSpPr>
@@ -17449,7 +17769,7 @@
       </p:grpSpPr>
       <p:sp>
         <p:nvSpPr>
-          <p:cNvPr id="178" name="Google Shape;178;g3b0d07ae252_5_0"/>
+          <p:cNvPr id="186" name="Google Shape;186;g3b0d07ae252_5_0"/>
           <p:cNvSpPr txBox="1"/>
           <p:nvPr>
             <p:ph type="title"/>
@@ -17501,7 +17821,7 @@
       </p:sp>
       <p:sp>
         <p:nvSpPr>
-          <p:cNvPr id="179" name="Google Shape;179;g3b0d07ae252_5_0"/>
+          <p:cNvPr id="187" name="Google Shape;187;g3b0d07ae252_5_0"/>
           <p:cNvSpPr txBox="1"/>
           <p:nvPr>
             <p:ph idx="1" type="body"/>
@@ -17700,7 +18020,7 @@
       </p:sp>
       <p:pic>
         <p:nvPicPr>
-          <p:cNvPr id="180" name="Google Shape;180;g3b0d07ae252_5_0"/>
+          <p:cNvPr id="188" name="Google Shape;188;g3b0d07ae252_5_0"/>
           <p:cNvPicPr preferRelativeResize="0"/>
           <p:nvPr/>
         </p:nvPicPr>
@@ -17734,12 +18054,12 @@
 </p:sld>
 </file>
 
-<file path=ppt/slides/slide12.xml><?xml version="1.0" encoding="utf-8"?>
+<file path=ppt/slides/slide13.xml><?xml version="1.0" encoding="utf-8"?>
 <p:sld xmlns:a="http://schemas.openxmlformats.org/drawingml/2006/main" xmlns:r="http://schemas.openxmlformats.org/officeDocument/2006/relationships" xmlns:mc="http://schemas.openxmlformats.org/markup-compatibility/2006" xmlns:mv="urn:schemas-microsoft-com:mac:vml" xmlns:p="http://schemas.openxmlformats.org/presentationml/2006/main" xmlns:c="http://schemas.openxmlformats.org/drawingml/2006/chart" xmlns:dgm="http://schemas.openxmlformats.org/drawingml/2006/diagram" xmlns:o="urn:schemas-microsoft-com:office:office" xmlns:v="urn:schemas-microsoft-com:vml" xmlns:pvml="urn:schemas-microsoft-com:office:powerpoint" xmlns:com="http://schemas.openxmlformats.org/drawingml/2006/compatibility" xmlns:p14="http://schemas.microsoft.com/office/powerpoint/2010/main" xmlns:p15="http://schemas.microsoft.com/office/powerpoint/2012/main" xmlns:ahyp="http://schemas.microsoft.com/office/drawing/2018/hyperlinkcolor">
   <p:cSld>
     <p:spTree>
       <p:nvGrpSpPr>
-        <p:cNvPr id="184" name="Shape 184"/>
+        <p:cNvPr id="192" name="Shape 192"/>
         <p:cNvGrpSpPr/>
         <p:nvPr/>
       </p:nvGrpSpPr>
@@ -17753,7 +18073,7 @@
       </p:grpSpPr>
       <p:sp>
         <p:nvSpPr>
-          <p:cNvPr id="185" name="Google Shape;185;p9"/>
+          <p:cNvPr id="193" name="Google Shape;193;p9"/>
           <p:cNvSpPr txBox="1"/>
           <p:nvPr/>
         </p:nvSpPr>
@@ -17803,7 +18123,7 @@
       </p:sp>
       <p:sp>
         <p:nvSpPr>
-          <p:cNvPr id="186" name="Google Shape;186;p9"/>
+          <p:cNvPr id="194" name="Google Shape;194;p9"/>
           <p:cNvSpPr txBox="1"/>
           <p:nvPr/>
         </p:nvSpPr>
@@ -17949,7 +18269,7 @@
       </p:sp>
       <p:sp>
         <p:nvSpPr>
-          <p:cNvPr id="187" name="Google Shape;187;p9"/>
+          <p:cNvPr id="195" name="Google Shape;195;p9"/>
           <p:cNvSpPr txBox="1"/>
           <p:nvPr/>
         </p:nvSpPr>
@@ -18002,7 +18322,7 @@
       </p:sp>
       <p:sp>
         <p:nvSpPr>
-          <p:cNvPr id="188" name="Google Shape;188;p9"/>
+          <p:cNvPr id="196" name="Google Shape;196;p9"/>
           <p:cNvSpPr txBox="1"/>
           <p:nvPr/>
         </p:nvSpPr>
@@ -18117,7 +18437,7 @@
       </p:sp>
       <p:sp>
         <p:nvSpPr>
-          <p:cNvPr id="189" name="Google Shape;189;p9"/>
+          <p:cNvPr id="197" name="Google Shape;197;p9"/>
           <p:cNvSpPr txBox="1"/>
           <p:nvPr/>
         </p:nvSpPr>
@@ -18201,7 +18521,7 @@
       </p:sp>
       <p:sp>
         <p:nvSpPr>
-          <p:cNvPr id="190" name="Google Shape;190;p9"/>
+          <p:cNvPr id="198" name="Google Shape;198;p9"/>
           <p:cNvSpPr txBox="1"/>
           <p:nvPr/>
         </p:nvSpPr>
@@ -18384,12 +18704,12 @@
 </p:sld>
 </file>
 
-<file path=ppt/slides/slide13.xml><?xml version="1.0" encoding="utf-8"?>
+<file path=ppt/slides/slide14.xml><?xml version="1.0" encoding="utf-8"?>
 <p:sld xmlns:a="http://schemas.openxmlformats.org/drawingml/2006/main" xmlns:r="http://schemas.openxmlformats.org/officeDocument/2006/relationships" xmlns:mc="http://schemas.openxmlformats.org/markup-compatibility/2006" xmlns:mv="urn:schemas-microsoft-com:mac:vml" xmlns:p="http://schemas.openxmlformats.org/presentationml/2006/main" xmlns:c="http://schemas.openxmlformats.org/drawingml/2006/chart" xmlns:dgm="http://schemas.openxmlformats.org/drawingml/2006/diagram" xmlns:o="urn:schemas-microsoft-com:office:office" xmlns:v="urn:schemas-microsoft-com:vml" xmlns:pvml="urn:schemas-microsoft-com:office:powerpoint" xmlns:com="http://schemas.openxmlformats.org/drawingml/2006/compatibility" xmlns:p14="http://schemas.microsoft.com/office/powerpoint/2010/main" xmlns:p15="http://schemas.microsoft.com/office/powerpoint/2012/main" xmlns:ahyp="http://schemas.microsoft.com/office/drawing/2018/hyperlinkcolor">
   <p:cSld>
     <p:spTree>
       <p:nvGrpSpPr>
-        <p:cNvPr id="194" name="Shape 194"/>
+        <p:cNvPr id="202" name="Shape 202"/>
         <p:cNvGrpSpPr/>
         <p:nvPr/>
       </p:nvGrpSpPr>
@@ -18403,7 +18723,7 @@
       </p:grpSpPr>
       <p:sp>
         <p:nvSpPr>
-          <p:cNvPr id="195" name="Google Shape;195;p10"/>
+          <p:cNvPr id="203" name="Google Shape;203;p10"/>
           <p:cNvSpPr txBox="1"/>
           <p:nvPr>
             <p:ph type="title"/>
@@ -18455,7 +18775,7 @@
       </p:sp>
       <p:sp>
         <p:nvSpPr>
-          <p:cNvPr id="196" name="Google Shape;196;p10"/>
+          <p:cNvPr id="204" name="Google Shape;204;p10"/>
           <p:cNvSpPr txBox="1"/>
           <p:nvPr>
             <p:ph idx="1" type="body"/>
@@ -18574,7 +18894,7 @@
       </p:sp>
       <p:pic>
         <p:nvPicPr>
-          <p:cNvPr id="197" name="Google Shape;197;p10"/>
+          <p:cNvPr id="205" name="Google Shape;205;p10"/>
           <p:cNvPicPr preferRelativeResize="0"/>
           <p:nvPr/>
         </p:nvPicPr>
@@ -18608,12 +18928,12 @@
 </p:sld>
 </file>
 
-<file path=ppt/slides/slide14.xml><?xml version="1.0" encoding="utf-8"?>
+<file path=ppt/slides/slide15.xml><?xml version="1.0" encoding="utf-8"?>
 <p:sld xmlns:a="http://schemas.openxmlformats.org/drawingml/2006/main" xmlns:r="http://schemas.openxmlformats.org/officeDocument/2006/relationships" xmlns:mc="http://schemas.openxmlformats.org/markup-compatibility/2006" xmlns:mv="urn:schemas-microsoft-com:mac:vml" xmlns:p="http://schemas.openxmlformats.org/presentationml/2006/main" xmlns:c="http://schemas.openxmlformats.org/drawingml/2006/chart" xmlns:dgm="http://schemas.openxmlformats.org/drawingml/2006/diagram" xmlns:o="urn:schemas-microsoft-com:office:office" xmlns:v="urn:schemas-microsoft-com:vml" xmlns:pvml="urn:schemas-microsoft-com:office:powerpoint" xmlns:com="http://schemas.openxmlformats.org/drawingml/2006/compatibility" xmlns:p14="http://schemas.microsoft.com/office/powerpoint/2010/main" xmlns:p15="http://schemas.microsoft.com/office/powerpoint/2012/main" xmlns:ahyp="http://schemas.microsoft.com/office/drawing/2018/hyperlinkcolor">
   <p:cSld>
     <p:spTree>
       <p:nvGrpSpPr>
-        <p:cNvPr id="201" name="Shape 201"/>
+        <p:cNvPr id="209" name="Shape 209"/>
         <p:cNvGrpSpPr/>
         <p:nvPr/>
       </p:nvGrpSpPr>
@@ -18627,7 +18947,7 @@
       </p:grpSpPr>
       <p:sp>
         <p:nvSpPr>
-          <p:cNvPr id="202" name="Google Shape;202;g3b0d07ae252_3_0"/>
+          <p:cNvPr id="210" name="Google Shape;210;g3b0d07ae252_3_0"/>
           <p:cNvSpPr txBox="1"/>
           <p:nvPr>
             <p:ph type="title"/>
@@ -18679,7 +18999,7 @@
       </p:sp>
       <p:sp>
         <p:nvSpPr>
-          <p:cNvPr id="203" name="Google Shape;203;g3b0d07ae252_3_0"/>
+          <p:cNvPr id="211" name="Google Shape;211;g3b0d07ae252_3_0"/>
           <p:cNvSpPr txBox="1"/>
           <p:nvPr>
             <p:ph idx="1" type="body"/>
@@ -18870,7 +19190,7 @@
       </p:sp>
       <p:pic>
         <p:nvPicPr>
-          <p:cNvPr id="204" name="Google Shape;204;g3b0d07ae252_3_0"/>
+          <p:cNvPr id="212" name="Google Shape;212;g3b0d07ae252_3_0"/>
           <p:cNvPicPr preferRelativeResize="0"/>
           <p:nvPr/>
         </p:nvPicPr>
@@ -18904,12 +19224,12 @@
 </p:sld>
 </file>
 
-<file path=ppt/slides/slide15.xml><?xml version="1.0" encoding="utf-8"?>
+<file path=ppt/slides/slide16.xml><?xml version="1.0" encoding="utf-8"?>
 <p:sld xmlns:a="http://schemas.openxmlformats.org/drawingml/2006/main" xmlns:r="http://schemas.openxmlformats.org/officeDocument/2006/relationships" xmlns:mc="http://schemas.openxmlformats.org/markup-compatibility/2006" xmlns:mv="urn:schemas-microsoft-com:mac:vml" xmlns:p="http://schemas.openxmlformats.org/presentationml/2006/main" xmlns:c="http://schemas.openxmlformats.org/drawingml/2006/chart" xmlns:dgm="http://schemas.openxmlformats.org/drawingml/2006/diagram" xmlns:o="urn:schemas-microsoft-com:office:office" xmlns:v="urn:schemas-microsoft-com:vml" xmlns:pvml="urn:schemas-microsoft-com:office:powerpoint" xmlns:com="http://schemas.openxmlformats.org/drawingml/2006/compatibility" xmlns:p14="http://schemas.microsoft.com/office/powerpoint/2010/main" xmlns:p15="http://schemas.microsoft.com/office/powerpoint/2012/main" xmlns:ahyp="http://schemas.microsoft.com/office/drawing/2018/hyperlinkcolor">
   <p:cSld>
     <p:spTree>
       <p:nvGrpSpPr>
-        <p:cNvPr id="208" name="Shape 208"/>
+        <p:cNvPr id="216" name="Shape 216"/>
         <p:cNvGrpSpPr/>
         <p:nvPr/>
       </p:nvGrpSpPr>
@@ -18923,7 +19243,7 @@
       </p:grpSpPr>
       <p:sp>
         <p:nvSpPr>
-          <p:cNvPr id="209" name="Google Shape;209;g3b0d07ae252_2_20"/>
+          <p:cNvPr id="217" name="Google Shape;217;g3b0d07ae252_2_20"/>
           <p:cNvSpPr txBox="1"/>
           <p:nvPr>
             <p:ph type="title"/>
@@ -18975,7 +19295,7 @@
       </p:sp>
       <p:sp>
         <p:nvSpPr>
-          <p:cNvPr id="210" name="Google Shape;210;g3b0d07ae252_2_20"/>
+          <p:cNvPr id="218" name="Google Shape;218;g3b0d07ae252_2_20"/>
           <p:cNvSpPr txBox="1"/>
           <p:nvPr>
             <p:ph idx="1" type="body"/>
@@ -19079,7 +19399,7 @@
       </p:sp>
       <p:pic>
         <p:nvPicPr>
-          <p:cNvPr id="211" name="Google Shape;211;g3b0d07ae252_2_20"/>
+          <p:cNvPr id="219" name="Google Shape;219;g3b0d07ae252_2_20"/>
           <p:cNvPicPr preferRelativeResize="0"/>
           <p:nvPr/>
         </p:nvPicPr>
@@ -19113,12 +19433,12 @@
 </p:sld>
 </file>
 
-<file path=ppt/slides/slide16.xml><?xml version="1.0" encoding="utf-8"?>
+<file path=ppt/slides/slide17.xml><?xml version="1.0" encoding="utf-8"?>
 <p:sld xmlns:a="http://schemas.openxmlformats.org/drawingml/2006/main" xmlns:r="http://schemas.openxmlformats.org/officeDocument/2006/relationships" xmlns:mc="http://schemas.openxmlformats.org/markup-compatibility/2006" xmlns:mv="urn:schemas-microsoft-com:mac:vml" xmlns:p="http://schemas.openxmlformats.org/presentationml/2006/main" xmlns:c="http://schemas.openxmlformats.org/drawingml/2006/chart" xmlns:dgm="http://schemas.openxmlformats.org/drawingml/2006/diagram" xmlns:o="urn:schemas-microsoft-com:office:office" xmlns:v="urn:schemas-microsoft-com:vml" xmlns:pvml="urn:schemas-microsoft-com:office:powerpoint" xmlns:com="http://schemas.openxmlformats.org/drawingml/2006/compatibility" xmlns:p14="http://schemas.microsoft.com/office/powerpoint/2010/main" xmlns:p15="http://schemas.microsoft.com/office/powerpoint/2012/main" xmlns:ahyp="http://schemas.microsoft.com/office/drawing/2018/hyperlinkcolor">
   <p:cSld>
     <p:spTree>
       <p:nvGrpSpPr>
-        <p:cNvPr id="215" name="Shape 215"/>
+        <p:cNvPr id="223" name="Shape 223"/>
         <p:cNvGrpSpPr/>
         <p:nvPr/>
       </p:nvGrpSpPr>
@@ -19132,7 +19452,7 @@
       </p:grpSpPr>
       <p:sp>
         <p:nvSpPr>
-          <p:cNvPr id="216" name="Google Shape;216;g3b0d07ae252_2_10"/>
+          <p:cNvPr id="224" name="Google Shape;224;g3b0d07ae252_2_10"/>
           <p:cNvSpPr txBox="1"/>
           <p:nvPr>
             <p:ph idx="1" type="body"/>
@@ -19236,7 +19556,7 @@
       </p:sp>
       <p:sp>
         <p:nvSpPr>
-          <p:cNvPr id="217" name="Google Shape;217;g3b0d07ae252_2_10"/>
+          <p:cNvPr id="225" name="Google Shape;225;g3b0d07ae252_2_10"/>
           <p:cNvSpPr txBox="1"/>
           <p:nvPr>
             <p:ph type="title"/>
@@ -19276,7 +19596,7 @@
       </p:sp>
       <p:pic>
         <p:nvPicPr>
-          <p:cNvPr descr="a blue and yellow python logo is shown on a white background (Provided by Tenor)" id="218" name="Google Shape;218;g3b0d07ae252_2_10"/>
+          <p:cNvPr descr="a blue and yellow python logo is shown on a white background (Provided by Tenor)" id="226" name="Google Shape;226;g3b0d07ae252_2_10"/>
           <p:cNvPicPr preferRelativeResize="0"/>
           <p:nvPr/>
         </p:nvPicPr>
@@ -19303,7 +19623,7 @@
       </p:pic>
       <p:pic>
         <p:nvPicPr>
-          <p:cNvPr descr="a blue hexagon with the letter c on it (Provided by Tenor)" id="219" name="Google Shape;219;g3b0d07ae252_2_10"/>
+          <p:cNvPr descr="a blue hexagon with the letter c on it (Provided by Tenor)" id="227" name="Google Shape;227;g3b0d07ae252_2_10"/>
           <p:cNvPicPr preferRelativeResize="0"/>
           <p:nvPr/>
         </p:nvPicPr>
@@ -19331,7 +19651,7 @@
       </p:pic>
       <p:pic>
         <p:nvPicPr>
-          <p:cNvPr descr="a logo for java with a cup of coffee and smoke (Provided by Tenor)" id="220" name="Google Shape;220;g3b0d07ae252_2_10"/>
+          <p:cNvPr descr="a logo for java with a cup of coffee and smoke (Provided by Tenor)" id="228" name="Google Shape;228;g3b0d07ae252_2_10"/>
           <p:cNvPicPr preferRelativeResize="0"/>
           <p:nvPr/>
         </p:nvPicPr>
@@ -19359,7 +19679,7 @@
       </p:pic>
       <p:pic>
         <p:nvPicPr>
-          <p:cNvPr descr="File:JavaScript-logo.png - Wikimedia Commons" id="221" name="Google Shape;221;g3b0d07ae252_2_10"/>
+          <p:cNvPr descr="File:JavaScript-logo.png - Wikimedia Commons" id="229" name="Google Shape;229;g3b0d07ae252_2_10"/>
           <p:cNvPicPr preferRelativeResize="0"/>
           <p:nvPr/>
         </p:nvPicPr>
@@ -19393,12 +19713,12 @@
 </p:sld>
 </file>
 
-<file path=ppt/slides/slide17.xml><?xml version="1.0" encoding="utf-8"?>
+<file path=ppt/slides/slide18.xml><?xml version="1.0" encoding="utf-8"?>
 <p:sld xmlns:a="http://schemas.openxmlformats.org/drawingml/2006/main" xmlns:r="http://schemas.openxmlformats.org/officeDocument/2006/relationships" xmlns:mc="http://schemas.openxmlformats.org/markup-compatibility/2006" xmlns:mv="urn:schemas-microsoft-com:mac:vml" xmlns:p="http://schemas.openxmlformats.org/presentationml/2006/main" xmlns:c="http://schemas.openxmlformats.org/drawingml/2006/chart" xmlns:dgm="http://schemas.openxmlformats.org/drawingml/2006/diagram" xmlns:o="urn:schemas-microsoft-com:office:office" xmlns:v="urn:schemas-microsoft-com:vml" xmlns:pvml="urn:schemas-microsoft-com:office:powerpoint" xmlns:com="http://schemas.openxmlformats.org/drawingml/2006/compatibility" xmlns:p14="http://schemas.microsoft.com/office/powerpoint/2010/main" xmlns:p15="http://schemas.microsoft.com/office/powerpoint/2012/main" xmlns:ahyp="http://schemas.microsoft.com/office/drawing/2018/hyperlinkcolor">
   <p:cSld>
     <p:spTree>
       <p:nvGrpSpPr>
-        <p:cNvPr id="225" name="Shape 225"/>
+        <p:cNvPr id="233" name="Shape 233"/>
         <p:cNvGrpSpPr/>
         <p:nvPr/>
       </p:nvGrpSpPr>
@@ -19412,7 +19732,7 @@
       </p:grpSpPr>
       <p:sp>
         <p:nvSpPr>
-          <p:cNvPr id="226" name="Google Shape;226;p11"/>
+          <p:cNvPr id="234" name="Google Shape;234;p11"/>
           <p:cNvSpPr txBox="1"/>
           <p:nvPr>
             <p:ph type="title"/>
@@ -19464,7 +19784,7 @@
       </p:sp>
       <p:sp>
         <p:nvSpPr>
-          <p:cNvPr id="227" name="Google Shape;227;p11"/>
+          <p:cNvPr id="235" name="Google Shape;235;p11"/>
           <p:cNvSpPr txBox="1"/>
           <p:nvPr>
             <p:ph idx="1" type="body"/>
@@ -19607,7 +19927,7 @@
       </p:sp>
       <p:sp>
         <p:nvSpPr>
-          <p:cNvPr id="228" name="Google Shape;228;p11"/>
+          <p:cNvPr id="236" name="Google Shape;236;p11"/>
           <p:cNvSpPr txBox="1"/>
           <p:nvPr/>
         </p:nvSpPr>
@@ -19679,12 +19999,12 @@
 </p:sld>
 </file>
 
-<file path=ppt/slides/slide18.xml><?xml version="1.0" encoding="utf-8"?>
+<file path=ppt/slides/slide19.xml><?xml version="1.0" encoding="utf-8"?>
 <p:sld xmlns:a="http://schemas.openxmlformats.org/drawingml/2006/main" xmlns:r="http://schemas.openxmlformats.org/officeDocument/2006/relationships" xmlns:mc="http://schemas.openxmlformats.org/markup-compatibility/2006" xmlns:mv="urn:schemas-microsoft-com:mac:vml" xmlns:p="http://schemas.openxmlformats.org/presentationml/2006/main" xmlns:c="http://schemas.openxmlformats.org/drawingml/2006/chart" xmlns:dgm="http://schemas.openxmlformats.org/drawingml/2006/diagram" xmlns:o="urn:schemas-microsoft-com:office:office" xmlns:v="urn:schemas-microsoft-com:vml" xmlns:pvml="urn:schemas-microsoft-com:office:powerpoint" xmlns:com="http://schemas.openxmlformats.org/drawingml/2006/compatibility" xmlns:p14="http://schemas.microsoft.com/office/powerpoint/2010/main" xmlns:p15="http://schemas.microsoft.com/office/powerpoint/2012/main" xmlns:ahyp="http://schemas.microsoft.com/office/drawing/2018/hyperlinkcolor">
   <p:cSld>
     <p:spTree>
       <p:nvGrpSpPr>
-        <p:cNvPr id="232" name="Shape 232"/>
+        <p:cNvPr id="240" name="Shape 240"/>
         <p:cNvGrpSpPr/>
         <p:nvPr/>
       </p:nvGrpSpPr>
@@ -19698,7 +20018,7 @@
       </p:grpSpPr>
       <p:sp>
         <p:nvSpPr>
-          <p:cNvPr id="233" name="Google Shape;233;p12"/>
+          <p:cNvPr id="241" name="Google Shape;241;p12"/>
           <p:cNvSpPr txBox="1"/>
           <p:nvPr>
             <p:ph idx="1" type="body"/>
@@ -19884,7 +20204,7 @@
       </p:sp>
       <p:sp>
         <p:nvSpPr>
-          <p:cNvPr id="234" name="Google Shape;234;p12"/>
+          <p:cNvPr id="242" name="Google Shape;242;p12"/>
           <p:cNvSpPr txBox="1"/>
           <p:nvPr>
             <p:ph type="title"/>
@@ -19929,481 +20249,6 @@
             <a:r>
               <a:rPr lang="en-US"/>
               <a:t>What is coming next?</a:t>
-            </a:r>
-            <a:endParaRPr/>
-          </a:p>
-        </p:txBody>
-      </p:sp>
-    </p:spTree>
-  </p:cSld>
-  <p:clrMapOvr>
-    <a:masterClrMapping/>
-  </p:clrMapOvr>
-</p:sld>
-</file>
-
-<file path=ppt/slides/slide19.xml><?xml version="1.0" encoding="utf-8"?>
-<p:sld xmlns:a="http://schemas.openxmlformats.org/drawingml/2006/main" xmlns:r="http://schemas.openxmlformats.org/officeDocument/2006/relationships" xmlns:mc="http://schemas.openxmlformats.org/markup-compatibility/2006" xmlns:mv="urn:schemas-microsoft-com:mac:vml" xmlns:p="http://schemas.openxmlformats.org/presentationml/2006/main" xmlns:c="http://schemas.openxmlformats.org/drawingml/2006/chart" xmlns:dgm="http://schemas.openxmlformats.org/drawingml/2006/diagram" xmlns:o="urn:schemas-microsoft-com:office:office" xmlns:v="urn:schemas-microsoft-com:vml" xmlns:pvml="urn:schemas-microsoft-com:office:powerpoint" xmlns:com="http://schemas.openxmlformats.org/drawingml/2006/compatibility" xmlns:p14="http://schemas.microsoft.com/office/powerpoint/2010/main" xmlns:p15="http://schemas.microsoft.com/office/powerpoint/2012/main" xmlns:ahyp="http://schemas.microsoft.com/office/drawing/2018/hyperlinkcolor">
-  <p:cSld>
-    <p:bg>
-      <p:bgPr>
-        <a:solidFill>
-          <a:schemeClr val="lt1"/>
-        </a:solidFill>
-      </p:bgPr>
-    </p:bg>
-    <p:spTree>
-      <p:nvGrpSpPr>
-        <p:cNvPr id="238" name="Shape 238"/>
-        <p:cNvGrpSpPr/>
-        <p:nvPr/>
-      </p:nvGrpSpPr>
-      <p:grpSpPr>
-        <a:xfrm>
-          <a:off x="0" y="0"/>
-          <a:ext cx="0" cy="0"/>
-          <a:chOff x="0" y="0"/>
-          <a:chExt cx="0" cy="0"/>
-        </a:xfrm>
-      </p:grpSpPr>
-      <p:sp>
-        <p:nvSpPr>
-          <p:cNvPr id="239" name="Google Shape;239;p13"/>
-          <p:cNvSpPr/>
-          <p:nvPr/>
-        </p:nvSpPr>
-        <p:spPr>
-          <a:xfrm>
-            <a:off x="517869" y="508090"/>
-            <a:ext cx="11153214" cy="149279"/>
-          </a:xfrm>
-          <a:custGeom>
-            <a:rect b="b" l="l" r="r" t="t"/>
-            <a:pathLst>
-              <a:path extrusionOk="0" h="149279" w="8085002">
-                <a:moveTo>
-                  <a:pt x="0" y="0"/>
-                </a:moveTo>
-                <a:lnTo>
-                  <a:pt x="8085002" y="0"/>
-                </a:lnTo>
-                <a:lnTo>
-                  <a:pt x="8085002" y="149279"/>
-                </a:lnTo>
-                <a:lnTo>
-                  <a:pt x="0" y="149279"/>
-                </a:lnTo>
-                <a:close/>
-              </a:path>
-            </a:pathLst>
-          </a:custGeom>
-          <a:solidFill>
-            <a:schemeClr val="dk1"/>
-          </a:solidFill>
-          <a:ln>
-            <a:noFill/>
-          </a:ln>
-        </p:spPr>
-        <p:txBody>
-          <a:bodyPr anchorCtr="0" anchor="ctr" bIns="45700" lIns="91425" spcFirstLastPara="1" rIns="91425" wrap="square" tIns="45700">
-            <a:noAutofit/>
-          </a:bodyPr>
-          <a:lstStyle/>
-          <a:p>
-            <a:pPr indent="0" lvl="0" marL="0" marR="0" rtl="0" algn="ctr">
-              <a:spcBef>
-                <a:spcPts val="0"/>
-              </a:spcBef>
-              <a:spcAft>
-                <a:spcPts val="0"/>
-              </a:spcAft>
-              <a:buNone/>
-            </a:pPr>
-            <a:r>
-              <a:t/>
-            </a:r>
-            <a:endParaRPr b="0" i="0" sz="1800" u="none" cap="none" strike="noStrike">
-              <a:solidFill>
-                <a:schemeClr val="lt1"/>
-              </a:solidFill>
-              <a:latin typeface="Arial"/>
-              <a:ea typeface="Arial"/>
-              <a:cs typeface="Arial"/>
-              <a:sym typeface="Arial"/>
-            </a:endParaRPr>
-          </a:p>
-        </p:txBody>
-      </p:sp>
-      <p:sp>
-        <p:nvSpPr>
-          <p:cNvPr id="240" name="Google Shape;240;p13"/>
-          <p:cNvSpPr/>
-          <p:nvPr/>
-        </p:nvSpPr>
-        <p:spPr>
-          <a:xfrm>
-            <a:off x="517870" y="6209925"/>
-            <a:ext cx="11155680" cy="45719"/>
-          </a:xfrm>
-          <a:custGeom>
-            <a:rect b="b" l="l" r="r" t="t"/>
-            <a:pathLst>
-              <a:path extrusionOk="0" h="45719" w="8715708">
-                <a:moveTo>
-                  <a:pt x="0" y="0"/>
-                </a:moveTo>
-                <a:lnTo>
-                  <a:pt x="3694525" y="0"/>
-                </a:lnTo>
-                <a:lnTo>
-                  <a:pt x="5021183" y="0"/>
-                </a:lnTo>
-                <a:lnTo>
-                  <a:pt x="8715708" y="0"/>
-                </a:lnTo>
-                <a:lnTo>
-                  <a:pt x="8715708" y="45719"/>
-                </a:lnTo>
-                <a:lnTo>
-                  <a:pt x="5021183" y="45719"/>
-                </a:lnTo>
-                <a:lnTo>
-                  <a:pt x="3694525" y="45719"/>
-                </a:lnTo>
-                <a:lnTo>
-                  <a:pt x="0" y="45719"/>
-                </a:lnTo>
-                <a:close/>
-              </a:path>
-            </a:pathLst>
-          </a:custGeom>
-          <a:solidFill>
-            <a:schemeClr val="dk1"/>
-          </a:solidFill>
-          <a:ln>
-            <a:noFill/>
-          </a:ln>
-        </p:spPr>
-        <p:txBody>
-          <a:bodyPr anchorCtr="0" anchor="ctr" bIns="45700" lIns="91425" spcFirstLastPara="1" rIns="91425" wrap="square" tIns="45700">
-            <a:noAutofit/>
-          </a:bodyPr>
-          <a:lstStyle/>
-          <a:p>
-            <a:pPr indent="0" lvl="0" marL="0" marR="0" rtl="0" algn="ctr">
-              <a:spcBef>
-                <a:spcPts val="0"/>
-              </a:spcBef>
-              <a:spcAft>
-                <a:spcPts val="0"/>
-              </a:spcAft>
-              <a:buNone/>
-            </a:pPr>
-            <a:r>
-              <a:t/>
-            </a:r>
-            <a:endParaRPr b="0" i="0" sz="1800" u="none" cap="none" strike="noStrike">
-              <a:solidFill>
-                <a:schemeClr val="lt1"/>
-              </a:solidFill>
-              <a:latin typeface="Arial"/>
-              <a:ea typeface="Arial"/>
-              <a:cs typeface="Arial"/>
-              <a:sym typeface="Arial"/>
-            </a:endParaRPr>
-          </a:p>
-        </p:txBody>
-      </p:sp>
-      <p:sp>
-        <p:nvSpPr>
-          <p:cNvPr id="241" name="Google Shape;241;p13"/>
-          <p:cNvSpPr/>
-          <p:nvPr/>
-        </p:nvSpPr>
-        <p:spPr>
-          <a:xfrm>
-            <a:off x="0" y="0"/>
-            <a:ext cx="12192000" cy="6858000"/>
-          </a:xfrm>
-          <a:prstGeom prst="rect">
-            <a:avLst/>
-          </a:prstGeom>
-          <a:solidFill>
-            <a:srgbClr val="FFFFFF"/>
-          </a:solidFill>
-          <a:ln>
-            <a:noFill/>
-          </a:ln>
-        </p:spPr>
-        <p:txBody>
-          <a:bodyPr anchorCtr="0" anchor="ctr" bIns="45700" lIns="91425" spcFirstLastPara="1" rIns="91425" wrap="square" tIns="45700">
-            <a:noAutofit/>
-          </a:bodyPr>
-          <a:lstStyle/>
-          <a:p>
-            <a:pPr indent="0" lvl="0" marL="0" marR="0" rtl="0" algn="ctr">
-              <a:spcBef>
-                <a:spcPts val="0"/>
-              </a:spcBef>
-              <a:spcAft>
-                <a:spcPts val="0"/>
-              </a:spcAft>
-              <a:buNone/>
-            </a:pPr>
-            <a:r>
-              <a:t/>
-            </a:r>
-            <a:endParaRPr b="0" i="0" sz="1800" u="none" cap="none" strike="noStrike">
-              <a:solidFill>
-                <a:schemeClr val="lt1"/>
-              </a:solidFill>
-              <a:latin typeface="Arial"/>
-              <a:ea typeface="Arial"/>
-              <a:cs typeface="Arial"/>
-              <a:sym typeface="Arial"/>
-            </a:endParaRPr>
-          </a:p>
-        </p:txBody>
-      </p:sp>
-      <p:sp>
-        <p:nvSpPr>
-          <p:cNvPr id="242" name="Google Shape;242;p13"/>
-          <p:cNvSpPr txBox="1"/>
-          <p:nvPr>
-            <p:ph type="title"/>
-          </p:nvPr>
-        </p:nvSpPr>
-        <p:spPr>
-          <a:xfrm>
-            <a:off x="521208" y="978408"/>
-            <a:ext cx="3397649" cy="3303764"/>
-          </a:xfrm>
-          <a:prstGeom prst="rect">
-            <a:avLst/>
-          </a:prstGeom>
-          <a:noFill/>
-          <a:ln>
-            <a:noFill/>
-          </a:ln>
-        </p:spPr>
-        <p:txBody>
-          <a:bodyPr anchorCtr="0" anchor="t" bIns="45700" lIns="91425" spcFirstLastPara="1" rIns="91425" wrap="square" tIns="45700">
-            <a:normAutofit/>
-          </a:bodyPr>
-          <a:lstStyle/>
-          <a:p>
-            <a:pPr indent="0" lvl="0" marL="0" rtl="0" algn="l">
-              <a:lnSpc>
-                <a:spcPct val="90000"/>
-              </a:lnSpc>
-              <a:spcBef>
-                <a:spcPts val="0"/>
-              </a:spcBef>
-              <a:spcAft>
-                <a:spcPts val="0"/>
-              </a:spcAft>
-              <a:buClr>
-                <a:schemeClr val="dk1"/>
-              </a:buClr>
-              <a:buSzPts val="3400"/>
-              <a:buFont typeface="Arial"/>
-              <a:buNone/>
-            </a:pPr>
-            <a:r>
-              <a:rPr lang="en-US" sz="3400"/>
-              <a:t>LLM Consortium For Identifying Weird Gadgets from System Documentation</a:t>
-            </a:r>
-            <a:endParaRPr/>
-          </a:p>
-        </p:txBody>
-      </p:sp>
-      <p:sp>
-        <p:nvSpPr>
-          <p:cNvPr id="243" name="Google Shape;243;p13"/>
-          <p:cNvSpPr/>
-          <p:nvPr/>
-        </p:nvSpPr>
-        <p:spPr>
-          <a:xfrm>
-            <a:off x="517869" y="508090"/>
-            <a:ext cx="11153214" cy="149279"/>
-          </a:xfrm>
-          <a:custGeom>
-            <a:rect b="b" l="l" r="r" t="t"/>
-            <a:pathLst>
-              <a:path extrusionOk="0" h="149279" w="8085002">
-                <a:moveTo>
-                  <a:pt x="0" y="0"/>
-                </a:moveTo>
-                <a:lnTo>
-                  <a:pt x="8085002" y="0"/>
-                </a:lnTo>
-                <a:lnTo>
-                  <a:pt x="8085002" y="149279"/>
-                </a:lnTo>
-                <a:lnTo>
-                  <a:pt x="0" y="149279"/>
-                </a:lnTo>
-                <a:close/>
-              </a:path>
-            </a:pathLst>
-          </a:custGeom>
-          <a:solidFill>
-            <a:schemeClr val="dk1"/>
-          </a:solidFill>
-          <a:ln>
-            <a:noFill/>
-          </a:ln>
-        </p:spPr>
-        <p:txBody>
-          <a:bodyPr anchorCtr="0" anchor="ctr" bIns="45700" lIns="91425" spcFirstLastPara="1" rIns="91425" wrap="square" tIns="45700">
-            <a:noAutofit/>
-          </a:bodyPr>
-          <a:lstStyle/>
-          <a:p>
-            <a:pPr indent="0" lvl="0" marL="0" marR="0" rtl="0" algn="ctr">
-              <a:spcBef>
-                <a:spcPts val="0"/>
-              </a:spcBef>
-              <a:spcAft>
-                <a:spcPts val="0"/>
-              </a:spcAft>
-              <a:buNone/>
-            </a:pPr>
-            <a:r>
-              <a:t/>
-            </a:r>
-            <a:endParaRPr b="0" i="0" sz="1800" u="none" cap="none" strike="noStrike">
-              <a:solidFill>
-                <a:schemeClr val="lt1"/>
-              </a:solidFill>
-              <a:latin typeface="Arial"/>
-              <a:ea typeface="Arial"/>
-              <a:cs typeface="Arial"/>
-              <a:sym typeface="Arial"/>
-            </a:endParaRPr>
-          </a:p>
-        </p:txBody>
-      </p:sp>
-      <p:pic>
-        <p:nvPicPr>
-          <p:cNvPr id="244" name="Google Shape;244;p13"/>
-          <p:cNvPicPr preferRelativeResize="0"/>
-          <p:nvPr/>
-        </p:nvPicPr>
-        <p:blipFill rotWithShape="1">
-          <a:blip r:embed="rId3">
-            <a:alphaModFix/>
-          </a:blip>
-          <a:srcRect b="0" l="0" r="0" t="0"/>
-          <a:stretch/>
-        </p:blipFill>
-        <p:spPr>
-          <a:xfrm>
-            <a:off x="5002501" y="965741"/>
-            <a:ext cx="6159870" cy="5728678"/>
-          </a:xfrm>
-          <a:prstGeom prst="rect">
-            <a:avLst/>
-          </a:prstGeom>
-          <a:noFill/>
-          <a:ln>
-            <a:noFill/>
-          </a:ln>
-        </p:spPr>
-      </p:pic>
-      <p:sp>
-        <p:nvSpPr>
-          <p:cNvPr id="245" name="Google Shape;245;p13"/>
-          <p:cNvSpPr txBox="1"/>
-          <p:nvPr/>
-        </p:nvSpPr>
-        <p:spPr>
-          <a:xfrm>
-            <a:off x="335626" y="4024422"/>
-            <a:ext cx="3768811" cy="2585323"/>
-          </a:xfrm>
-          <a:prstGeom prst="rect">
-            <a:avLst/>
-          </a:prstGeom>
-          <a:noFill/>
-          <a:ln>
-            <a:noFill/>
-          </a:ln>
-        </p:spPr>
-        <p:txBody>
-          <a:bodyPr anchorCtr="0" anchor="t" bIns="45700" lIns="91425" spcFirstLastPara="1" rIns="91425" wrap="square" tIns="45700">
-            <a:spAutoFit/>
-          </a:bodyPr>
-          <a:lstStyle/>
-          <a:p>
-            <a:pPr indent="0" lvl="0" marL="0" marR="0" rtl="0" algn="l">
-              <a:spcBef>
-                <a:spcPts val="0"/>
-              </a:spcBef>
-              <a:spcAft>
-                <a:spcPts val="0"/>
-              </a:spcAft>
-              <a:buNone/>
-            </a:pPr>
-            <a:r>
-              <a:rPr b="0" i="0" lang="en-US" sz="1800" u="none" cap="none" strike="noStrike">
-                <a:solidFill>
-                  <a:schemeClr val="dk1"/>
-                </a:solidFill>
-                <a:latin typeface="Arial"/>
-                <a:ea typeface="Arial"/>
-                <a:cs typeface="Arial"/>
-                <a:sym typeface="Arial"/>
-              </a:rPr>
-              <a:t>Multiple fine-tuned llms independently generate responses, creating redundancy and reducing bias / hallucination</a:t>
-            </a:r>
-            <a:endParaRPr/>
-          </a:p>
-          <a:p>
-            <a:pPr indent="0" lvl="0" marL="0" marR="0" rtl="0" algn="l">
-              <a:spcBef>
-                <a:spcPts val="0"/>
-              </a:spcBef>
-              <a:spcAft>
-                <a:spcPts val="0"/>
-              </a:spcAft>
-              <a:buNone/>
-            </a:pPr>
-            <a:r>
-              <a:t/>
-            </a:r>
-            <a:endParaRPr sz="1800">
-              <a:solidFill>
-                <a:schemeClr val="dk1"/>
-              </a:solidFill>
-              <a:latin typeface="Arial"/>
-              <a:ea typeface="Arial"/>
-              <a:cs typeface="Arial"/>
-              <a:sym typeface="Arial"/>
-            </a:endParaRPr>
-          </a:p>
-          <a:p>
-            <a:pPr indent="0" lvl="0" marL="0" marR="0" rtl="0" algn="l">
-              <a:spcBef>
-                <a:spcPts val="0"/>
-              </a:spcBef>
-              <a:spcAft>
-                <a:spcPts val="0"/>
-              </a:spcAft>
-              <a:buNone/>
-            </a:pPr>
-            <a:r>
-              <a:rPr lang="en-US" sz="1800">
-                <a:solidFill>
-                  <a:schemeClr val="dk1"/>
-                </a:solidFill>
-                <a:latin typeface="Arial"/>
-                <a:ea typeface="Arial"/>
-                <a:cs typeface="Arial"/>
-                <a:sym typeface="Arial"/>
-              </a:rPr>
-              <a:t>Dedicated reasoning model compares, validates, and synthesizes these outputs into a single trusted result</a:t>
             </a:r>
             <a:endParaRPr/>
           </a:p>
@@ -20530,6 +20375,481 @@
           </a:ln>
         </p:spPr>
       </p:pic>
+    </p:spTree>
+  </p:cSld>
+  <p:clrMapOvr>
+    <a:masterClrMapping/>
+  </p:clrMapOvr>
+</p:sld>
+</file>
+
+<file path=ppt/slides/slide20.xml><?xml version="1.0" encoding="utf-8"?>
+<p:sld xmlns:a="http://schemas.openxmlformats.org/drawingml/2006/main" xmlns:r="http://schemas.openxmlformats.org/officeDocument/2006/relationships" xmlns:mc="http://schemas.openxmlformats.org/markup-compatibility/2006" xmlns:mv="urn:schemas-microsoft-com:mac:vml" xmlns:p="http://schemas.openxmlformats.org/presentationml/2006/main" xmlns:c="http://schemas.openxmlformats.org/drawingml/2006/chart" xmlns:dgm="http://schemas.openxmlformats.org/drawingml/2006/diagram" xmlns:o="urn:schemas-microsoft-com:office:office" xmlns:v="urn:schemas-microsoft-com:vml" xmlns:pvml="urn:schemas-microsoft-com:office:powerpoint" xmlns:com="http://schemas.openxmlformats.org/drawingml/2006/compatibility" xmlns:p14="http://schemas.microsoft.com/office/powerpoint/2010/main" xmlns:p15="http://schemas.microsoft.com/office/powerpoint/2012/main" xmlns:ahyp="http://schemas.microsoft.com/office/drawing/2018/hyperlinkcolor">
+  <p:cSld>
+    <p:bg>
+      <p:bgPr>
+        <a:solidFill>
+          <a:schemeClr val="lt1"/>
+        </a:solidFill>
+      </p:bgPr>
+    </p:bg>
+    <p:spTree>
+      <p:nvGrpSpPr>
+        <p:cNvPr id="246" name="Shape 246"/>
+        <p:cNvGrpSpPr/>
+        <p:nvPr/>
+      </p:nvGrpSpPr>
+      <p:grpSpPr>
+        <a:xfrm>
+          <a:off x="0" y="0"/>
+          <a:ext cx="0" cy="0"/>
+          <a:chOff x="0" y="0"/>
+          <a:chExt cx="0" cy="0"/>
+        </a:xfrm>
+      </p:grpSpPr>
+      <p:sp>
+        <p:nvSpPr>
+          <p:cNvPr id="247" name="Google Shape;247;p13"/>
+          <p:cNvSpPr/>
+          <p:nvPr/>
+        </p:nvSpPr>
+        <p:spPr>
+          <a:xfrm>
+            <a:off x="517869" y="508090"/>
+            <a:ext cx="11153214" cy="149279"/>
+          </a:xfrm>
+          <a:custGeom>
+            <a:rect b="b" l="l" r="r" t="t"/>
+            <a:pathLst>
+              <a:path extrusionOk="0" h="149279" w="8085002">
+                <a:moveTo>
+                  <a:pt x="0" y="0"/>
+                </a:moveTo>
+                <a:lnTo>
+                  <a:pt x="8085002" y="0"/>
+                </a:lnTo>
+                <a:lnTo>
+                  <a:pt x="8085002" y="149279"/>
+                </a:lnTo>
+                <a:lnTo>
+                  <a:pt x="0" y="149279"/>
+                </a:lnTo>
+                <a:close/>
+              </a:path>
+            </a:pathLst>
+          </a:custGeom>
+          <a:solidFill>
+            <a:schemeClr val="dk1"/>
+          </a:solidFill>
+          <a:ln>
+            <a:noFill/>
+          </a:ln>
+        </p:spPr>
+        <p:txBody>
+          <a:bodyPr anchorCtr="0" anchor="ctr" bIns="45700" lIns="91425" spcFirstLastPara="1" rIns="91425" wrap="square" tIns="45700">
+            <a:noAutofit/>
+          </a:bodyPr>
+          <a:lstStyle/>
+          <a:p>
+            <a:pPr indent="0" lvl="0" marL="0" marR="0" rtl="0" algn="ctr">
+              <a:spcBef>
+                <a:spcPts val="0"/>
+              </a:spcBef>
+              <a:spcAft>
+                <a:spcPts val="0"/>
+              </a:spcAft>
+              <a:buNone/>
+            </a:pPr>
+            <a:r>
+              <a:t/>
+            </a:r>
+            <a:endParaRPr b="0" i="0" sz="1800" u="none" cap="none" strike="noStrike">
+              <a:solidFill>
+                <a:schemeClr val="lt1"/>
+              </a:solidFill>
+              <a:latin typeface="Arial"/>
+              <a:ea typeface="Arial"/>
+              <a:cs typeface="Arial"/>
+              <a:sym typeface="Arial"/>
+            </a:endParaRPr>
+          </a:p>
+        </p:txBody>
+      </p:sp>
+      <p:sp>
+        <p:nvSpPr>
+          <p:cNvPr id="248" name="Google Shape;248;p13"/>
+          <p:cNvSpPr/>
+          <p:nvPr/>
+        </p:nvSpPr>
+        <p:spPr>
+          <a:xfrm>
+            <a:off x="517870" y="6209925"/>
+            <a:ext cx="11155680" cy="45719"/>
+          </a:xfrm>
+          <a:custGeom>
+            <a:rect b="b" l="l" r="r" t="t"/>
+            <a:pathLst>
+              <a:path extrusionOk="0" h="45719" w="8715708">
+                <a:moveTo>
+                  <a:pt x="0" y="0"/>
+                </a:moveTo>
+                <a:lnTo>
+                  <a:pt x="3694525" y="0"/>
+                </a:lnTo>
+                <a:lnTo>
+                  <a:pt x="5021183" y="0"/>
+                </a:lnTo>
+                <a:lnTo>
+                  <a:pt x="8715708" y="0"/>
+                </a:lnTo>
+                <a:lnTo>
+                  <a:pt x="8715708" y="45719"/>
+                </a:lnTo>
+                <a:lnTo>
+                  <a:pt x="5021183" y="45719"/>
+                </a:lnTo>
+                <a:lnTo>
+                  <a:pt x="3694525" y="45719"/>
+                </a:lnTo>
+                <a:lnTo>
+                  <a:pt x="0" y="45719"/>
+                </a:lnTo>
+                <a:close/>
+              </a:path>
+            </a:pathLst>
+          </a:custGeom>
+          <a:solidFill>
+            <a:schemeClr val="dk1"/>
+          </a:solidFill>
+          <a:ln>
+            <a:noFill/>
+          </a:ln>
+        </p:spPr>
+        <p:txBody>
+          <a:bodyPr anchorCtr="0" anchor="ctr" bIns="45700" lIns="91425" spcFirstLastPara="1" rIns="91425" wrap="square" tIns="45700">
+            <a:noAutofit/>
+          </a:bodyPr>
+          <a:lstStyle/>
+          <a:p>
+            <a:pPr indent="0" lvl="0" marL="0" marR="0" rtl="0" algn="ctr">
+              <a:spcBef>
+                <a:spcPts val="0"/>
+              </a:spcBef>
+              <a:spcAft>
+                <a:spcPts val="0"/>
+              </a:spcAft>
+              <a:buNone/>
+            </a:pPr>
+            <a:r>
+              <a:t/>
+            </a:r>
+            <a:endParaRPr b="0" i="0" sz="1800" u="none" cap="none" strike="noStrike">
+              <a:solidFill>
+                <a:schemeClr val="lt1"/>
+              </a:solidFill>
+              <a:latin typeface="Arial"/>
+              <a:ea typeface="Arial"/>
+              <a:cs typeface="Arial"/>
+              <a:sym typeface="Arial"/>
+            </a:endParaRPr>
+          </a:p>
+        </p:txBody>
+      </p:sp>
+      <p:sp>
+        <p:nvSpPr>
+          <p:cNvPr id="249" name="Google Shape;249;p13"/>
+          <p:cNvSpPr/>
+          <p:nvPr/>
+        </p:nvSpPr>
+        <p:spPr>
+          <a:xfrm>
+            <a:off x="0" y="0"/>
+            <a:ext cx="12192000" cy="6858000"/>
+          </a:xfrm>
+          <a:prstGeom prst="rect">
+            <a:avLst/>
+          </a:prstGeom>
+          <a:solidFill>
+            <a:srgbClr val="FFFFFF"/>
+          </a:solidFill>
+          <a:ln>
+            <a:noFill/>
+          </a:ln>
+        </p:spPr>
+        <p:txBody>
+          <a:bodyPr anchorCtr="0" anchor="ctr" bIns="45700" lIns="91425" spcFirstLastPara="1" rIns="91425" wrap="square" tIns="45700">
+            <a:noAutofit/>
+          </a:bodyPr>
+          <a:lstStyle/>
+          <a:p>
+            <a:pPr indent="0" lvl="0" marL="0" marR="0" rtl="0" algn="ctr">
+              <a:spcBef>
+                <a:spcPts val="0"/>
+              </a:spcBef>
+              <a:spcAft>
+                <a:spcPts val="0"/>
+              </a:spcAft>
+              <a:buNone/>
+            </a:pPr>
+            <a:r>
+              <a:t/>
+            </a:r>
+            <a:endParaRPr b="0" i="0" sz="1800" u="none" cap="none" strike="noStrike">
+              <a:solidFill>
+                <a:schemeClr val="lt1"/>
+              </a:solidFill>
+              <a:latin typeface="Arial"/>
+              <a:ea typeface="Arial"/>
+              <a:cs typeface="Arial"/>
+              <a:sym typeface="Arial"/>
+            </a:endParaRPr>
+          </a:p>
+        </p:txBody>
+      </p:sp>
+      <p:sp>
+        <p:nvSpPr>
+          <p:cNvPr id="250" name="Google Shape;250;p13"/>
+          <p:cNvSpPr txBox="1"/>
+          <p:nvPr>
+            <p:ph type="title"/>
+          </p:nvPr>
+        </p:nvSpPr>
+        <p:spPr>
+          <a:xfrm>
+            <a:off x="521208" y="978408"/>
+            <a:ext cx="3397649" cy="3303764"/>
+          </a:xfrm>
+          <a:prstGeom prst="rect">
+            <a:avLst/>
+          </a:prstGeom>
+          <a:noFill/>
+          <a:ln>
+            <a:noFill/>
+          </a:ln>
+        </p:spPr>
+        <p:txBody>
+          <a:bodyPr anchorCtr="0" anchor="t" bIns="45700" lIns="91425" spcFirstLastPara="1" rIns="91425" wrap="square" tIns="45700">
+            <a:normAutofit/>
+          </a:bodyPr>
+          <a:lstStyle/>
+          <a:p>
+            <a:pPr indent="0" lvl="0" marL="0" rtl="0" algn="l">
+              <a:lnSpc>
+                <a:spcPct val="90000"/>
+              </a:lnSpc>
+              <a:spcBef>
+                <a:spcPts val="0"/>
+              </a:spcBef>
+              <a:spcAft>
+                <a:spcPts val="0"/>
+              </a:spcAft>
+              <a:buClr>
+                <a:schemeClr val="dk1"/>
+              </a:buClr>
+              <a:buSzPts val="3400"/>
+              <a:buFont typeface="Arial"/>
+              <a:buNone/>
+            </a:pPr>
+            <a:r>
+              <a:rPr lang="en-US" sz="3400"/>
+              <a:t>LLM Consortium For Identifying Weird Gadgets from System Documentation</a:t>
+            </a:r>
+            <a:endParaRPr/>
+          </a:p>
+        </p:txBody>
+      </p:sp>
+      <p:sp>
+        <p:nvSpPr>
+          <p:cNvPr id="251" name="Google Shape;251;p13"/>
+          <p:cNvSpPr/>
+          <p:nvPr/>
+        </p:nvSpPr>
+        <p:spPr>
+          <a:xfrm>
+            <a:off x="517869" y="508090"/>
+            <a:ext cx="11153214" cy="149279"/>
+          </a:xfrm>
+          <a:custGeom>
+            <a:rect b="b" l="l" r="r" t="t"/>
+            <a:pathLst>
+              <a:path extrusionOk="0" h="149279" w="8085002">
+                <a:moveTo>
+                  <a:pt x="0" y="0"/>
+                </a:moveTo>
+                <a:lnTo>
+                  <a:pt x="8085002" y="0"/>
+                </a:lnTo>
+                <a:lnTo>
+                  <a:pt x="8085002" y="149279"/>
+                </a:lnTo>
+                <a:lnTo>
+                  <a:pt x="0" y="149279"/>
+                </a:lnTo>
+                <a:close/>
+              </a:path>
+            </a:pathLst>
+          </a:custGeom>
+          <a:solidFill>
+            <a:schemeClr val="dk1"/>
+          </a:solidFill>
+          <a:ln>
+            <a:noFill/>
+          </a:ln>
+        </p:spPr>
+        <p:txBody>
+          <a:bodyPr anchorCtr="0" anchor="ctr" bIns="45700" lIns="91425" spcFirstLastPara="1" rIns="91425" wrap="square" tIns="45700">
+            <a:noAutofit/>
+          </a:bodyPr>
+          <a:lstStyle/>
+          <a:p>
+            <a:pPr indent="0" lvl="0" marL="0" marR="0" rtl="0" algn="ctr">
+              <a:spcBef>
+                <a:spcPts val="0"/>
+              </a:spcBef>
+              <a:spcAft>
+                <a:spcPts val="0"/>
+              </a:spcAft>
+              <a:buNone/>
+            </a:pPr>
+            <a:r>
+              <a:t/>
+            </a:r>
+            <a:endParaRPr b="0" i="0" sz="1800" u="none" cap="none" strike="noStrike">
+              <a:solidFill>
+                <a:schemeClr val="lt1"/>
+              </a:solidFill>
+              <a:latin typeface="Arial"/>
+              <a:ea typeface="Arial"/>
+              <a:cs typeface="Arial"/>
+              <a:sym typeface="Arial"/>
+            </a:endParaRPr>
+          </a:p>
+        </p:txBody>
+      </p:sp>
+      <p:pic>
+        <p:nvPicPr>
+          <p:cNvPr id="252" name="Google Shape;252;p13"/>
+          <p:cNvPicPr preferRelativeResize="0"/>
+          <p:nvPr/>
+        </p:nvPicPr>
+        <p:blipFill rotWithShape="1">
+          <a:blip r:embed="rId3">
+            <a:alphaModFix/>
+          </a:blip>
+          <a:srcRect b="0" l="0" r="0" t="0"/>
+          <a:stretch/>
+        </p:blipFill>
+        <p:spPr>
+          <a:xfrm>
+            <a:off x="5002501" y="965741"/>
+            <a:ext cx="6159870" cy="5728678"/>
+          </a:xfrm>
+          <a:prstGeom prst="rect">
+            <a:avLst/>
+          </a:prstGeom>
+          <a:noFill/>
+          <a:ln>
+            <a:noFill/>
+          </a:ln>
+        </p:spPr>
+      </p:pic>
+      <p:sp>
+        <p:nvSpPr>
+          <p:cNvPr id="253" name="Google Shape;253;p13"/>
+          <p:cNvSpPr txBox="1"/>
+          <p:nvPr/>
+        </p:nvSpPr>
+        <p:spPr>
+          <a:xfrm>
+            <a:off x="335626" y="4024422"/>
+            <a:ext cx="3768811" cy="2585323"/>
+          </a:xfrm>
+          <a:prstGeom prst="rect">
+            <a:avLst/>
+          </a:prstGeom>
+          <a:noFill/>
+          <a:ln>
+            <a:noFill/>
+          </a:ln>
+        </p:spPr>
+        <p:txBody>
+          <a:bodyPr anchorCtr="0" anchor="t" bIns="45700" lIns="91425" spcFirstLastPara="1" rIns="91425" wrap="square" tIns="45700">
+            <a:spAutoFit/>
+          </a:bodyPr>
+          <a:lstStyle/>
+          <a:p>
+            <a:pPr indent="0" lvl="0" marL="0" marR="0" rtl="0" algn="l">
+              <a:spcBef>
+                <a:spcPts val="0"/>
+              </a:spcBef>
+              <a:spcAft>
+                <a:spcPts val="0"/>
+              </a:spcAft>
+              <a:buNone/>
+            </a:pPr>
+            <a:r>
+              <a:rPr b="0" i="0" lang="en-US" sz="1800" u="none" cap="none" strike="noStrike">
+                <a:solidFill>
+                  <a:schemeClr val="dk1"/>
+                </a:solidFill>
+                <a:latin typeface="Arial"/>
+                <a:ea typeface="Arial"/>
+                <a:cs typeface="Arial"/>
+                <a:sym typeface="Arial"/>
+              </a:rPr>
+              <a:t>Multiple fine-tuned llms independently generate responses, creating redundancy and reducing bias / hallucination</a:t>
+            </a:r>
+            <a:endParaRPr/>
+          </a:p>
+          <a:p>
+            <a:pPr indent="0" lvl="0" marL="0" marR="0" rtl="0" algn="l">
+              <a:spcBef>
+                <a:spcPts val="0"/>
+              </a:spcBef>
+              <a:spcAft>
+                <a:spcPts val="0"/>
+              </a:spcAft>
+              <a:buNone/>
+            </a:pPr>
+            <a:r>
+              <a:t/>
+            </a:r>
+            <a:endParaRPr sz="1800">
+              <a:solidFill>
+                <a:schemeClr val="dk1"/>
+              </a:solidFill>
+              <a:latin typeface="Arial"/>
+              <a:ea typeface="Arial"/>
+              <a:cs typeface="Arial"/>
+              <a:sym typeface="Arial"/>
+            </a:endParaRPr>
+          </a:p>
+          <a:p>
+            <a:pPr indent="0" lvl="0" marL="0" marR="0" rtl="0" algn="l">
+              <a:spcBef>
+                <a:spcPts val="0"/>
+              </a:spcBef>
+              <a:spcAft>
+                <a:spcPts val="0"/>
+              </a:spcAft>
+              <a:buNone/>
+            </a:pPr>
+            <a:r>
+              <a:rPr lang="en-US" sz="1800">
+                <a:solidFill>
+                  <a:schemeClr val="dk1"/>
+                </a:solidFill>
+                <a:latin typeface="Arial"/>
+                <a:ea typeface="Arial"/>
+                <a:cs typeface="Arial"/>
+                <a:sym typeface="Arial"/>
+              </a:rPr>
+              <a:t>Dedicated reasoning model compares, validates, and synthesizes these outputs into a single trusted result</a:t>
+            </a:r>
+            <a:endParaRPr/>
+          </a:p>
+        </p:txBody>
+      </p:sp>
     </p:spTree>
   </p:cSld>
   <p:clrMapOvr>
@@ -21432,21 +21752,20 @@
         <p:nvPicPr>
           <p:cNvPr id="139" name="Google Shape;139;p4"/>
           <p:cNvPicPr preferRelativeResize="0"/>
-          <p:nvPr>
-            <p:ph idx="1" type="body"/>
-          </p:nvPr>
+          <p:nvPr/>
         </p:nvPicPr>
-        <p:blipFill rotWithShape="1">
+        <p:blipFill>
           <a:blip r:embed="rId3">
             <a:alphaModFix/>
           </a:blip>
-          <a:srcRect b="0" l="0" r="0" t="0"/>
-          <a:stretch/>
+          <a:stretch>
+            <a:fillRect/>
+          </a:stretch>
         </p:blipFill>
         <p:spPr>
           <a:xfrm>
-            <a:off x="4349837" y="978408"/>
-            <a:ext cx="7500300" cy="5812800"/>
+            <a:off x="3692050" y="835100"/>
+            <a:ext cx="7366374" cy="5686651"/>
           </a:xfrm>
           <a:prstGeom prst="rect">
             <a:avLst/>
@@ -22048,13 +22367,6 @@
 <file path=ppt/slides/slide8.xml><?xml version="1.0" encoding="utf-8"?>
 <p:sld xmlns:a="http://schemas.openxmlformats.org/drawingml/2006/main" xmlns:r="http://schemas.openxmlformats.org/officeDocument/2006/relationships" xmlns:mc="http://schemas.openxmlformats.org/markup-compatibility/2006" xmlns:mv="urn:schemas-microsoft-com:mac:vml" xmlns:p="http://schemas.openxmlformats.org/presentationml/2006/main" xmlns:c="http://schemas.openxmlformats.org/drawingml/2006/chart" xmlns:dgm="http://schemas.openxmlformats.org/drawingml/2006/diagram" xmlns:o="urn:schemas-microsoft-com:office:office" xmlns:v="urn:schemas-microsoft-com:vml" xmlns:pvml="urn:schemas-microsoft-com:office:powerpoint" xmlns:com="http://schemas.openxmlformats.org/drawingml/2006/compatibility" xmlns:p14="http://schemas.microsoft.com/office/powerpoint/2010/main" xmlns:p15="http://schemas.microsoft.com/office/powerpoint/2012/main" xmlns:ahyp="http://schemas.microsoft.com/office/drawing/2018/hyperlinkcolor">
   <p:cSld>
-    <p:bg>
-      <p:bgPr>
-        <a:solidFill>
-          <a:schemeClr val="lt1"/>
-        </a:solidFill>
-      </p:bgPr>
-    </p:bg>
     <p:spTree>
       <p:nvGrpSpPr>
         <p:cNvPr id="155" name="Shape 155"/>
@@ -22071,7 +22383,536 @@
       </p:grpSpPr>
       <p:sp>
         <p:nvSpPr>
-          <p:cNvPr id="156" name="Google Shape;156;p6"/>
+          <p:cNvPr id="156" name="Google Shape;156;g3a71945877e_0_0"/>
+          <p:cNvSpPr txBox="1"/>
+          <p:nvPr>
+            <p:ph type="title"/>
+          </p:nvPr>
+        </p:nvSpPr>
+        <p:spPr>
+          <a:xfrm>
+            <a:off x="521208" y="978408"/>
+            <a:ext cx="11155800" cy="1463100"/>
+          </a:xfrm>
+          <a:prstGeom prst="rect">
+            <a:avLst/>
+          </a:prstGeom>
+        </p:spPr>
+        <p:txBody>
+          <a:bodyPr anchorCtr="0" anchor="t" bIns="45700" lIns="91425" spcFirstLastPara="1" rIns="91425" wrap="square" tIns="45700">
+            <a:normAutofit/>
+          </a:bodyPr>
+          <a:lstStyle/>
+          <a:p>
+            <a:pPr indent="0" lvl="0" marL="0" rtl="0" algn="l">
+              <a:spcBef>
+                <a:spcPts val="0"/>
+              </a:spcBef>
+              <a:spcAft>
+                <a:spcPts val="0"/>
+              </a:spcAft>
+              <a:buNone/>
+            </a:pPr>
+            <a:r>
+              <a:rPr lang="en-US"/>
+              <a:t>Weird</a:t>
+            </a:r>
+            <a:r>
+              <a:rPr lang="en-US"/>
+              <a:t> Machine Gadgets</a:t>
+            </a:r>
+            <a:endParaRPr/>
+          </a:p>
+        </p:txBody>
+      </p:sp>
+      <p:sp>
+        <p:nvSpPr>
+          <p:cNvPr id="157" name="Google Shape;157;g3a71945877e_0_0"/>
+          <p:cNvSpPr txBox="1"/>
+          <p:nvPr>
+            <p:ph idx="1" type="body"/>
+          </p:nvPr>
+        </p:nvSpPr>
+        <p:spPr>
+          <a:xfrm>
+            <a:off x="521205" y="2578600"/>
+            <a:ext cx="3937800" cy="3767400"/>
+          </a:xfrm>
+          <a:prstGeom prst="rect">
+            <a:avLst/>
+          </a:prstGeom>
+        </p:spPr>
+        <p:txBody>
+          <a:bodyPr anchorCtr="0" anchor="t" bIns="45700" lIns="91425" spcFirstLastPara="1" rIns="91425" wrap="square" tIns="45700">
+            <a:normAutofit/>
+          </a:bodyPr>
+          <a:lstStyle/>
+          <a:p>
+            <a:pPr indent="0" lvl="0" marL="0" rtl="0" algn="l">
+              <a:spcBef>
+                <a:spcPts val="1000"/>
+              </a:spcBef>
+              <a:spcAft>
+                <a:spcPts val="0"/>
+              </a:spcAft>
+              <a:buNone/>
+            </a:pPr>
+            <a:r>
+              <a:rPr b="1" lang="en-US" sz="2400"/>
+              <a:t>What is a gadget?</a:t>
+            </a:r>
+            <a:br>
+              <a:rPr lang="en-US"/>
+            </a:br>
+            <a:r>
+              <a:rPr lang="en-US"/>
+              <a:t>Set of architectural artifacts that can be composed to construct a program</a:t>
+            </a:r>
+            <a:endParaRPr/>
+          </a:p>
+          <a:p>
+            <a:pPr indent="0" lvl="0" marL="0" rtl="0" algn="l">
+              <a:spcBef>
+                <a:spcPts val="1000"/>
+              </a:spcBef>
+              <a:spcAft>
+                <a:spcPts val="0"/>
+              </a:spcAft>
+              <a:buNone/>
+            </a:pPr>
+            <a:r>
+              <a:t/>
+            </a:r>
+            <a:endParaRPr/>
+          </a:p>
+          <a:p>
+            <a:pPr indent="0" lvl="0" marL="0" rtl="0" algn="l">
+              <a:spcBef>
+                <a:spcPts val="1000"/>
+              </a:spcBef>
+              <a:spcAft>
+                <a:spcPts val="0"/>
+              </a:spcAft>
+              <a:buNone/>
+            </a:pPr>
+            <a:r>
+              <a:rPr lang="en-US"/>
+              <a:t>Architectural artifacts can be:</a:t>
+            </a:r>
+            <a:endParaRPr/>
+          </a:p>
+          <a:p>
+            <a:pPr indent="-361950" lvl="0" marL="457200" rtl="0" algn="l">
+              <a:spcBef>
+                <a:spcPts val="1000"/>
+              </a:spcBef>
+              <a:spcAft>
+                <a:spcPts val="0"/>
+              </a:spcAft>
+              <a:buSzPts val="2100"/>
+              <a:buChar char="●"/>
+            </a:pPr>
+            <a:r>
+              <a:rPr lang="en-US" sz="2100"/>
+              <a:t>Software</a:t>
+            </a:r>
+            <a:endParaRPr sz="2100"/>
+          </a:p>
+          <a:p>
+            <a:pPr indent="-361950" lvl="0" marL="457200" rtl="0" algn="l">
+              <a:spcBef>
+                <a:spcPts val="0"/>
+              </a:spcBef>
+              <a:spcAft>
+                <a:spcPts val="0"/>
+              </a:spcAft>
+              <a:buSzPts val="2100"/>
+              <a:buChar char="●"/>
+            </a:pPr>
+            <a:r>
+              <a:rPr lang="en-US" sz="2100"/>
+              <a:t>Protocols</a:t>
+            </a:r>
+            <a:endParaRPr sz="2100"/>
+          </a:p>
+          <a:p>
+            <a:pPr indent="-361950" lvl="0" marL="457200" rtl="0" algn="l">
+              <a:spcBef>
+                <a:spcPts val="0"/>
+              </a:spcBef>
+              <a:spcAft>
+                <a:spcPts val="0"/>
+              </a:spcAft>
+              <a:buSzPts val="2100"/>
+              <a:buChar char="●"/>
+            </a:pPr>
+            <a:r>
+              <a:rPr lang="en-US" sz="2100"/>
+              <a:t>Physical components</a:t>
+            </a:r>
+            <a:endParaRPr sz="2100"/>
+          </a:p>
+          <a:p>
+            <a:pPr indent="0" lvl="0" marL="0" rtl="0" algn="l">
+              <a:spcBef>
+                <a:spcPts val="1000"/>
+              </a:spcBef>
+              <a:spcAft>
+                <a:spcPts val="0"/>
+              </a:spcAft>
+              <a:buNone/>
+            </a:pPr>
+            <a:r>
+              <a:t/>
+            </a:r>
+            <a:endParaRPr/>
+          </a:p>
+        </p:txBody>
+      </p:sp>
+      <p:sp>
+        <p:nvSpPr>
+          <p:cNvPr id="158" name="Google Shape;158;g3a71945877e_0_0"/>
+          <p:cNvSpPr txBox="1"/>
+          <p:nvPr/>
+        </p:nvSpPr>
+        <p:spPr>
+          <a:xfrm>
+            <a:off x="5041600" y="2441500"/>
+            <a:ext cx="6379500" cy="3509400"/>
+          </a:xfrm>
+          <a:prstGeom prst="rect">
+            <a:avLst/>
+          </a:prstGeom>
+          <a:noFill/>
+          <a:ln>
+            <a:noFill/>
+          </a:ln>
+        </p:spPr>
+        <p:txBody>
+          <a:bodyPr anchorCtr="0" anchor="t" bIns="91425" lIns="91425" spcFirstLastPara="1" rIns="91425" wrap="square" tIns="91425">
+            <a:spAutoFit/>
+          </a:bodyPr>
+          <a:lstStyle/>
+          <a:p>
+            <a:pPr indent="0" lvl="0" marL="0" rtl="0" algn="l">
+              <a:spcBef>
+                <a:spcPts val="0"/>
+              </a:spcBef>
+              <a:spcAft>
+                <a:spcPts val="0"/>
+              </a:spcAft>
+              <a:buClr>
+                <a:schemeClr val="dk1"/>
+              </a:buClr>
+              <a:buSzPts val="1100"/>
+              <a:buFont typeface="Arial"/>
+              <a:buNone/>
+            </a:pPr>
+            <a:r>
+              <a:rPr b="1" lang="en-US" sz="1800" u="sng">
+                <a:solidFill>
+                  <a:schemeClr val="dk1"/>
+                </a:solidFill>
+              </a:rPr>
+              <a:t>Example:</a:t>
+            </a:r>
+            <a:r>
+              <a:rPr lang="en-US" sz="1800">
+                <a:solidFill>
+                  <a:schemeClr val="dk1"/>
+                </a:solidFill>
+              </a:rPr>
+              <a:t> </a:t>
+            </a:r>
+            <a:r>
+              <a:rPr lang="en-US" sz="1800">
+                <a:solidFill>
+                  <a:schemeClr val="dk1"/>
+                </a:solidFill>
+              </a:rPr>
+              <a:t>Video Game </a:t>
+            </a:r>
+            <a:r>
+              <a:rPr lang="en-US" sz="1800">
+                <a:solidFill>
+                  <a:schemeClr val="dk1"/>
+                </a:solidFill>
+              </a:rPr>
+              <a:t>Save File Corruption</a:t>
+            </a:r>
+            <a:endParaRPr sz="1800">
+              <a:solidFill>
+                <a:schemeClr val="dk1"/>
+              </a:solidFill>
+            </a:endParaRPr>
+          </a:p>
+          <a:p>
+            <a:pPr indent="0" lvl="0" marL="0" rtl="0" algn="l">
+              <a:spcBef>
+                <a:spcPts val="0"/>
+              </a:spcBef>
+              <a:spcAft>
+                <a:spcPts val="0"/>
+              </a:spcAft>
+              <a:buClr>
+                <a:schemeClr val="dk1"/>
+              </a:buClr>
+              <a:buSzPts val="1100"/>
+              <a:buFont typeface="Arial"/>
+              <a:buNone/>
+            </a:pPr>
+            <a:r>
+              <a:t/>
+            </a:r>
+            <a:endParaRPr sz="1800">
+              <a:solidFill>
+                <a:schemeClr val="dk1"/>
+              </a:solidFill>
+            </a:endParaRPr>
+          </a:p>
+          <a:p>
+            <a:pPr indent="0" lvl="0" marL="0" rtl="0" algn="l">
+              <a:spcBef>
+                <a:spcPts val="0"/>
+              </a:spcBef>
+              <a:spcAft>
+                <a:spcPts val="0"/>
+              </a:spcAft>
+              <a:buClr>
+                <a:schemeClr val="dk1"/>
+              </a:buClr>
+              <a:buSzPts val="1100"/>
+              <a:buFont typeface="Arial"/>
+              <a:buNone/>
+            </a:pPr>
+            <a:r>
+              <a:rPr b="1" lang="en-US" sz="1800" u="sng">
+                <a:solidFill>
+                  <a:schemeClr val="dk1"/>
+                </a:solidFill>
+              </a:rPr>
+              <a:t>Gadgets</a:t>
+            </a:r>
+            <a:r>
+              <a:rPr b="1" lang="en-US" sz="1800">
+                <a:solidFill>
+                  <a:schemeClr val="dk1"/>
+                </a:solidFill>
+              </a:rPr>
+              <a:t>: </a:t>
+            </a:r>
+            <a:r>
+              <a:rPr lang="en-US" sz="1800">
+                <a:solidFill>
+                  <a:schemeClr val="dk1"/>
+                </a:solidFill>
+              </a:rPr>
+              <a:t>Save file format, game state parser, memory layout</a:t>
+            </a:r>
+            <a:endParaRPr sz="1800">
+              <a:solidFill>
+                <a:schemeClr val="dk1"/>
+              </a:solidFill>
+            </a:endParaRPr>
+          </a:p>
+          <a:p>
+            <a:pPr indent="0" lvl="0" marL="0" rtl="0" algn="l">
+              <a:spcBef>
+                <a:spcPts val="0"/>
+              </a:spcBef>
+              <a:spcAft>
+                <a:spcPts val="0"/>
+              </a:spcAft>
+              <a:buClr>
+                <a:schemeClr val="dk1"/>
+              </a:buClr>
+              <a:buSzPts val="1100"/>
+              <a:buFont typeface="Arial"/>
+              <a:buNone/>
+            </a:pPr>
+            <a:r>
+              <a:t/>
+            </a:r>
+            <a:endParaRPr sz="1800">
+              <a:solidFill>
+                <a:schemeClr val="dk1"/>
+              </a:solidFill>
+            </a:endParaRPr>
+          </a:p>
+          <a:p>
+            <a:pPr indent="0" lvl="0" marL="0" rtl="0" algn="l">
+              <a:spcBef>
+                <a:spcPts val="0"/>
+              </a:spcBef>
+              <a:spcAft>
+                <a:spcPts val="0"/>
+              </a:spcAft>
+              <a:buClr>
+                <a:schemeClr val="dk1"/>
+              </a:buClr>
+              <a:buSzPts val="1100"/>
+              <a:buFont typeface="Arial"/>
+              <a:buNone/>
+            </a:pPr>
+            <a:r>
+              <a:rPr b="1" lang="en-US" sz="1800" u="sng">
+                <a:solidFill>
+                  <a:schemeClr val="dk1"/>
+                </a:solidFill>
+              </a:rPr>
+              <a:t>Composition: </a:t>
+            </a:r>
+            <a:r>
+              <a:rPr lang="en-US" sz="1800">
+                <a:solidFill>
+                  <a:schemeClr val="dk1"/>
+                </a:solidFill>
+              </a:rPr>
+              <a:t>Carefully corrupt specific bytes in the Final Fantasy VII save file to gain extra items</a:t>
+            </a:r>
+            <a:endParaRPr sz="1800">
+              <a:solidFill>
+                <a:schemeClr val="dk1"/>
+              </a:solidFill>
+            </a:endParaRPr>
+          </a:p>
+          <a:p>
+            <a:pPr indent="0" lvl="0" marL="0" rtl="0" algn="l">
+              <a:spcBef>
+                <a:spcPts val="0"/>
+              </a:spcBef>
+              <a:spcAft>
+                <a:spcPts val="0"/>
+              </a:spcAft>
+              <a:buClr>
+                <a:schemeClr val="dk1"/>
+              </a:buClr>
+              <a:buSzPts val="1100"/>
+              <a:buFont typeface="Arial"/>
+              <a:buNone/>
+            </a:pPr>
+            <a:r>
+              <a:t/>
+            </a:r>
+            <a:endParaRPr sz="1800">
+              <a:solidFill>
+                <a:schemeClr val="dk1"/>
+              </a:solidFill>
+            </a:endParaRPr>
+          </a:p>
+          <a:p>
+            <a:pPr indent="0" lvl="0" marL="0" rtl="0" algn="l">
+              <a:spcBef>
+                <a:spcPts val="0"/>
+              </a:spcBef>
+              <a:spcAft>
+                <a:spcPts val="0"/>
+              </a:spcAft>
+              <a:buClr>
+                <a:schemeClr val="dk1"/>
+              </a:buClr>
+              <a:buSzPts val="1100"/>
+              <a:buFont typeface="Arial"/>
+              <a:buNone/>
+            </a:pPr>
+            <a:r>
+              <a:rPr i="1" lang="en-US" sz="1800" u="sng">
+                <a:solidFill>
+                  <a:schemeClr val="dk1"/>
+                </a:solidFill>
+              </a:rPr>
+              <a:t>The Final Fantasy VII save file is just data, but when the parser crashes on malformed input, it becomes a lever for control.</a:t>
+            </a:r>
+            <a:endParaRPr i="1" sz="1800" u="sng">
+              <a:solidFill>
+                <a:schemeClr val="dk1"/>
+              </a:solidFill>
+            </a:endParaRPr>
+          </a:p>
+          <a:p>
+            <a:pPr indent="0" lvl="0" marL="0" rtl="0" algn="l">
+              <a:spcBef>
+                <a:spcPts val="0"/>
+              </a:spcBef>
+              <a:spcAft>
+                <a:spcPts val="0"/>
+              </a:spcAft>
+              <a:buNone/>
+            </a:pPr>
+            <a:r>
+              <a:t/>
+            </a:r>
+            <a:endParaRPr sz="1800">
+              <a:solidFill>
+                <a:schemeClr val="dk1"/>
+              </a:solidFill>
+            </a:endParaRPr>
+          </a:p>
+        </p:txBody>
+      </p:sp>
+      <p:pic>
+        <p:nvPicPr>
+          <p:cNvPr id="159" name="Google Shape;159;g3a71945877e_0_0"/>
+          <p:cNvPicPr preferRelativeResize="0"/>
+          <p:nvPr/>
+        </p:nvPicPr>
+        <p:blipFill>
+          <a:blip r:embed="rId3">
+            <a:alphaModFix/>
+          </a:blip>
+          <a:stretch>
+            <a:fillRect/>
+          </a:stretch>
+        </p:blipFill>
+        <p:spPr>
+          <a:xfrm>
+            <a:off x="9981325" y="85825"/>
+            <a:ext cx="2276451" cy="3035275"/>
+          </a:xfrm>
+          <a:prstGeom prst="rect">
+            <a:avLst/>
+          </a:prstGeom>
+          <a:noFill/>
+          <a:ln>
+            <a:noFill/>
+          </a:ln>
+        </p:spPr>
+      </p:pic>
+    </p:spTree>
+  </p:cSld>
+  <p:clrMapOvr>
+    <a:masterClrMapping/>
+  </p:clrMapOvr>
+</p:sld>
+</file>
+
+<file path=ppt/slides/slide9.xml><?xml version="1.0" encoding="utf-8"?>
+<p:sld xmlns:a="http://schemas.openxmlformats.org/drawingml/2006/main" xmlns:r="http://schemas.openxmlformats.org/officeDocument/2006/relationships" xmlns:mc="http://schemas.openxmlformats.org/markup-compatibility/2006" xmlns:mv="urn:schemas-microsoft-com:mac:vml" xmlns:p="http://schemas.openxmlformats.org/presentationml/2006/main" xmlns:c="http://schemas.openxmlformats.org/drawingml/2006/chart" xmlns:dgm="http://schemas.openxmlformats.org/drawingml/2006/diagram" xmlns:o="urn:schemas-microsoft-com:office:office" xmlns:v="urn:schemas-microsoft-com:vml" xmlns:pvml="urn:schemas-microsoft-com:office:powerpoint" xmlns:com="http://schemas.openxmlformats.org/drawingml/2006/compatibility" xmlns:p14="http://schemas.microsoft.com/office/powerpoint/2010/main" xmlns:p15="http://schemas.microsoft.com/office/powerpoint/2012/main" xmlns:ahyp="http://schemas.microsoft.com/office/drawing/2018/hyperlinkcolor">
+  <p:cSld>
+    <p:bg>
+      <p:bgPr>
+        <a:solidFill>
+          <a:schemeClr val="lt1"/>
+        </a:solidFill>
+      </p:bgPr>
+    </p:bg>
+    <p:spTree>
+      <p:nvGrpSpPr>
+        <p:cNvPr id="163" name="Shape 163"/>
+        <p:cNvGrpSpPr/>
+        <p:nvPr/>
+      </p:nvGrpSpPr>
+      <p:grpSpPr>
+        <a:xfrm>
+          <a:off x="0" y="0"/>
+          <a:ext cx="0" cy="0"/>
+          <a:chOff x="0" y="0"/>
+          <a:chExt cx="0" cy="0"/>
+        </a:xfrm>
+      </p:grpSpPr>
+      <p:sp>
+        <p:nvSpPr>
+          <p:cNvPr id="164" name="Google Shape;164;p6"/>
           <p:cNvSpPr/>
           <p:nvPr/>
         </p:nvSpPr>
@@ -22130,7 +22971,7 @@
       </p:sp>
       <p:sp>
         <p:nvSpPr>
-          <p:cNvPr id="157" name="Google Shape;157;p6"/>
+          <p:cNvPr id="165" name="Google Shape;165;p6"/>
           <p:cNvSpPr txBox="1"/>
           <p:nvPr>
             <p:ph type="title"/>
@@ -22190,7 +23031,7 @@
       </p:sp>
       <p:sp>
         <p:nvSpPr>
-          <p:cNvPr id="158" name="Google Shape;158;p6"/>
+          <p:cNvPr id="166" name="Google Shape;166;p6"/>
           <p:cNvSpPr/>
           <p:nvPr/>
         </p:nvSpPr>
@@ -22266,7 +23107,7 @@
       </p:sp>
       <p:sp>
         <p:nvSpPr>
-          <p:cNvPr id="159" name="Google Shape;159;p6"/>
+          <p:cNvPr id="167" name="Google Shape;167;p6"/>
           <p:cNvSpPr txBox="1"/>
           <p:nvPr/>
         </p:nvSpPr>
@@ -22324,7 +23165,7 @@
       </p:sp>
       <p:pic>
         <p:nvPicPr>
-          <p:cNvPr id="160" name="Google Shape;160;p6"/>
+          <p:cNvPr id="168" name="Google Shape;168;p6"/>
           <p:cNvPicPr preferRelativeResize="0"/>
           <p:nvPr>
             <p:ph idx="1" type="body"/>
@@ -22341,111 +23182,6 @@
           <a:xfrm>
             <a:off x="4136609" y="970929"/>
             <a:ext cx="7534183" cy="5375076"/>
-          </a:xfrm>
-          <a:prstGeom prst="rect">
-            <a:avLst/>
-          </a:prstGeom>
-          <a:noFill/>
-          <a:ln>
-            <a:noFill/>
-          </a:ln>
-        </p:spPr>
-      </p:pic>
-    </p:spTree>
-  </p:cSld>
-  <p:clrMapOvr>
-    <a:masterClrMapping/>
-  </p:clrMapOvr>
-</p:sld>
-</file>
-
-<file path=ppt/slides/slide9.xml><?xml version="1.0" encoding="utf-8"?>
-<p:sld xmlns:a="http://schemas.openxmlformats.org/drawingml/2006/main" xmlns:r="http://schemas.openxmlformats.org/officeDocument/2006/relationships" xmlns:mc="http://schemas.openxmlformats.org/markup-compatibility/2006" xmlns:mv="urn:schemas-microsoft-com:mac:vml" xmlns:p="http://schemas.openxmlformats.org/presentationml/2006/main" xmlns:c="http://schemas.openxmlformats.org/drawingml/2006/chart" xmlns:dgm="http://schemas.openxmlformats.org/drawingml/2006/diagram" xmlns:o="urn:schemas-microsoft-com:office:office" xmlns:v="urn:schemas-microsoft-com:vml" xmlns:pvml="urn:schemas-microsoft-com:office:powerpoint" xmlns:com="http://schemas.openxmlformats.org/drawingml/2006/compatibility" xmlns:p14="http://schemas.microsoft.com/office/powerpoint/2010/main" xmlns:p15="http://schemas.microsoft.com/office/powerpoint/2012/main" xmlns:ahyp="http://schemas.microsoft.com/office/drawing/2018/hyperlinkcolor">
-  <p:cSld>
-    <p:spTree>
-      <p:nvGrpSpPr>
-        <p:cNvPr id="164" name="Shape 164"/>
-        <p:cNvGrpSpPr/>
-        <p:nvPr/>
-      </p:nvGrpSpPr>
-      <p:grpSpPr>
-        <a:xfrm>
-          <a:off x="0" y="0"/>
-          <a:ext cx="0" cy="0"/>
-          <a:chOff x="0" y="0"/>
-          <a:chExt cx="0" cy="0"/>
-        </a:xfrm>
-      </p:grpSpPr>
-      <p:sp>
-        <p:nvSpPr>
-          <p:cNvPr id="165" name="Google Shape;165;p7"/>
-          <p:cNvSpPr txBox="1"/>
-          <p:nvPr>
-            <p:ph type="title"/>
-          </p:nvPr>
-        </p:nvSpPr>
-        <p:spPr>
-          <a:xfrm>
-            <a:off x="521208" y="978408"/>
-            <a:ext cx="11155680" cy="1463040"/>
-          </a:xfrm>
-          <a:prstGeom prst="rect">
-            <a:avLst/>
-          </a:prstGeom>
-          <a:noFill/>
-          <a:ln>
-            <a:noFill/>
-          </a:ln>
-        </p:spPr>
-        <p:txBody>
-          <a:bodyPr anchorCtr="0" anchor="t" bIns="45700" lIns="91425" spcFirstLastPara="1" rIns="91425" wrap="square" tIns="45700">
-            <a:normAutofit/>
-          </a:bodyPr>
-          <a:lstStyle/>
-          <a:p>
-            <a:pPr indent="0" lvl="0" marL="0" rtl="0" algn="l">
-              <a:lnSpc>
-                <a:spcPct val="100000"/>
-              </a:lnSpc>
-              <a:spcBef>
-                <a:spcPts val="0"/>
-              </a:spcBef>
-              <a:spcAft>
-                <a:spcPts val="0"/>
-              </a:spcAft>
-              <a:buClr>
-                <a:schemeClr val="dk1"/>
-              </a:buClr>
-              <a:buSzPts val="4400"/>
-              <a:buFont typeface="Arial"/>
-              <a:buNone/>
-            </a:pPr>
-            <a:r>
-              <a:rPr lang="en-US"/>
-              <a:t>Our Wind Energy Testbed</a:t>
-            </a:r>
-            <a:endParaRPr/>
-          </a:p>
-        </p:txBody>
-      </p:sp>
-      <p:pic>
-        <p:nvPicPr>
-          <p:cNvPr id="166" name="Google Shape;166;p7"/>
-          <p:cNvPicPr preferRelativeResize="0"/>
-          <p:nvPr/>
-        </p:nvPicPr>
-        <p:blipFill>
-          <a:blip r:embed="rId3">
-            <a:alphaModFix/>
-          </a:blip>
-          <a:stretch>
-            <a:fillRect/>
-          </a:stretch>
-        </p:blipFill>
-        <p:spPr>
-          <a:xfrm>
-            <a:off x="100325" y="1708400"/>
-            <a:ext cx="12192000" cy="5024438"/>
           </a:xfrm>
           <a:prstGeom prst="rect">
             <a:avLst/>

--- a/blog/WeirdMachinePresentation-ODU.pptx
+++ b/blog/WeirdMachinePresentation-ODU.pptx
@@ -29,16 +29,18 @@
     <p:sldId id="273" r:id="rId23"/>
     <p:sldId id="274" r:id="rId24"/>
     <p:sldId id="275" r:id="rId25"/>
+    <p:sldId id="276" r:id="rId26"/>
+    <p:sldId id="277" r:id="rId27"/>
   </p:sldIdLst>
   <p:sldSz cy="6858000" cx="12192000"/>
   <p:notesSz cx="6858000" cy="9144000"/>
   <p:embeddedFontLst>
     <p:embeddedFont>
       <p:font typeface="Roboto"/>
-      <p:regular r:id="rId26"/>
-      <p:bold r:id="rId27"/>
-      <p:italic r:id="rId28"/>
-      <p:boldItalic r:id="rId29"/>
+      <p:regular r:id="rId28"/>
+      <p:bold r:id="rId29"/>
+      <p:italic r:id="rId30"/>
+      <p:boldItalic r:id="rId31"/>
     </p:embeddedFont>
   </p:embeddedFontLst>
   <p:defaultTextStyle>
@@ -272,7 +274,7 @@
   </p:defaultTextStyle>
   <p:extLst>
     <p:ext uri="GoogleSlidesCustomDataVersion2">
-      <go:slidesCustomData xmlns:go="http://customooxmlschemas.google.com/" r:id="rId30" roundtripDataSignature="AMtx7miOkfqKv4vPITrbLCQBwBo7gK/0MQ=="/>
+      <go:slidesCustomData xmlns:go="http://customooxmlschemas.google.com/" r:id="rId32" roundtripDataSignature="AMtx7misnCCV+nO04ZbZyOZduSj9ucMgfA=="/>
     </p:ext>
   </p:extLst>
 </p:presentation>
@@ -859,7 +861,7 @@
             </a:pPr>
             <a:r>
               <a:rPr lang="en-US"/>
-              <a:t>The wind energy test bed is built as a scaled-down wind farm that connects physical turbines, industrial controllers, and a SCADA system into a single cyber‑physical environment. At a high level, the slide shows how device‑level control, field networks, secure gateways, and the Rapid SCADA server fit together into that architecture.​</a:t>
+              <a:t>The wind energy test bed operates as a scaled-down cyber‑physical wind farm, integrating turbines, industrial controllers, and a SCADA system into a unified environment.</a:t>
             </a:r>
             <a:endParaRPr/>
           </a:p>
@@ -900,130 +902,7 @@
             </a:pPr>
             <a:r>
               <a:rPr lang="en-US"/>
-              <a:t>At the edge, scaled and emulated wind turbines are instrumented with motors and sensors, then controlled by a mix of industrial PLCs and Raspberry Pi units. These controllers handle local logic such as RPM limits and shutdown routines, and expose their data and commands over industrial protocols like Modbus TCP and other vendor‑specific fieldbuses.​</a:t>
-            </a:r>
-            <a:endParaRPr/>
-          </a:p>
-          <a:p>
-            <a:pPr indent="0" lvl="0" marL="0" rtl="0" algn="l">
-              <a:spcBef>
-                <a:spcPts val="0"/>
-              </a:spcBef>
-              <a:spcAft>
-                <a:spcPts val="0"/>
-              </a:spcAft>
-              <a:buClr>
-                <a:schemeClr val="dk1"/>
-              </a:buClr>
-              <a:buSzPts val="1100"/>
-              <a:buFont typeface="Arial"/>
-              <a:buNone/>
-            </a:pPr>
-            <a:r>
-              <a:t/>
-            </a:r>
-            <a:endParaRPr/>
-          </a:p>
-          <a:p>
-            <a:pPr indent="0" lvl="0" marL="0" rtl="0" algn="l">
-              <a:spcBef>
-                <a:spcPts val="0"/>
-              </a:spcBef>
-              <a:spcAft>
-                <a:spcPts val="0"/>
-              </a:spcAft>
-              <a:buClr>
-                <a:schemeClr val="dk1"/>
-              </a:buClr>
-              <a:buSzPts val="1100"/>
-              <a:buFont typeface="Arial"/>
-              <a:buNone/>
-            </a:pPr>
-            <a:r>
-              <a:rPr lang="en-US"/>
-              <a:t>The PLCs and emulated PLCs connect over Ethernet to the test bed network, where traffic is segmented and routed toward the SCADA environment. A Python‑based proxy with certificates and credentials sits in the path of Modbus TCP, authenticating devices and only forwarding traffic for nodes that prove their identity. This effectively creates a secure Modbus gateway in front of the SCADA server.​</a:t>
-            </a:r>
-            <a:endParaRPr/>
-          </a:p>
-          <a:p>
-            <a:pPr indent="0" lvl="0" marL="0" rtl="0" algn="l">
-              <a:spcBef>
-                <a:spcPts val="0"/>
-              </a:spcBef>
-              <a:spcAft>
-                <a:spcPts val="0"/>
-              </a:spcAft>
-              <a:buClr>
-                <a:schemeClr val="dk1"/>
-              </a:buClr>
-              <a:buSzPts val="1100"/>
-              <a:buFont typeface="Arial"/>
-              <a:buNone/>
-            </a:pPr>
-            <a:r>
-              <a:t/>
-            </a:r>
-            <a:endParaRPr/>
-          </a:p>
-          <a:p>
-            <a:pPr indent="0" lvl="0" marL="0" rtl="0" algn="l">
-              <a:spcBef>
-                <a:spcPts val="0"/>
-              </a:spcBef>
-              <a:spcAft>
-                <a:spcPts val="0"/>
-              </a:spcAft>
-              <a:buClr>
-                <a:schemeClr val="dk1"/>
-              </a:buClr>
-              <a:buSzPts val="1100"/>
-              <a:buFont typeface="Arial"/>
-              <a:buNone/>
-            </a:pPr>
-            <a:r>
-              <a:rPr lang="en-US"/>
-              <a:t>The Rapid SCADA server is configured with multiple communication lines, simultaneously polling and controlling devices using Modbus and a REST API. These lines connect to PLCs, simulation servers, and an ambient weather station, with each line mapped into channels, devices, and logs.</a:t>
-            </a:r>
-            <a:endParaRPr/>
-          </a:p>
-          <a:p>
-            <a:pPr indent="0" lvl="0" marL="0" rtl="0" algn="l">
-              <a:spcBef>
-                <a:spcPts val="0"/>
-              </a:spcBef>
-              <a:spcAft>
-                <a:spcPts val="0"/>
-              </a:spcAft>
-              <a:buClr>
-                <a:schemeClr val="dk1"/>
-              </a:buClr>
-              <a:buSzPts val="1100"/>
-              <a:buFont typeface="Arial"/>
-              <a:buNone/>
-            </a:pPr>
-            <a:r>
-              <a:t/>
-            </a:r>
-            <a:endParaRPr/>
-          </a:p>
-          <a:p>
-            <a:pPr indent="0" lvl="0" marL="0" rtl="0" algn="l">
-              <a:spcBef>
-                <a:spcPts val="0"/>
-              </a:spcBef>
-              <a:spcAft>
-                <a:spcPts val="0"/>
-              </a:spcAft>
-              <a:buClr>
-                <a:schemeClr val="dk1"/>
-              </a:buClr>
-              <a:buSzPts val="1100"/>
-              <a:buFont typeface="Arial"/>
-              <a:buNone/>
-            </a:pPr>
-            <a:r>
-              <a:rPr lang="en-US"/>
-              <a:t>Operators interact with the system through Rapid SCADA’s web‑based interface, which presents turbine status, weather measurements, control commands, and alarms in dashboards. This architecture allows experiments that closely mirror how a real wind farm’s supervisory control and cybersecurity stack would be organized.</a:t>
+              <a:t>The architecture centers on Modbus TCP interconnections. Edge controllers (PLCs and Raspberry Pis) expose turbine data and command interfaces via Modbus, which are routed through a custom Python‑based proxy. This proxy inspects Modbus traffic to authenticate devices, effectively acting as a secure gateway before forwarding data. The Rapid SCADA server is configured to poll and control these networked devices simultaneously using Modbus commands, mapping specific registers to system logs. This design replicates the Modbus‑driven supervisory control and cybersecurity stack of a production wind farm.</a:t>
             </a:r>
             <a:endParaRPr/>
           </a:p>
@@ -1092,7 +971,7 @@
   <p:cSld>
     <p:spTree>
       <p:nvGrpSpPr>
-        <p:cNvPr id="175" name="Shape 175"/>
+        <p:cNvPr id="180" name="Shape 180"/>
         <p:cNvGrpSpPr/>
         <p:nvPr/>
       </p:nvGrpSpPr>
@@ -1106,7 +985,504 @@
       </p:grpSpPr>
       <p:sp>
         <p:nvSpPr>
-          <p:cNvPr id="176" name="Google Shape;176;g3b0d07ae252_9_2:notes"/>
+          <p:cNvPr id="181" name="Google Shape;181;g3a71d4f651d_2_0:notes"/>
+          <p:cNvSpPr/>
+          <p:nvPr>
+            <p:ph idx="2" type="sldImg"/>
+          </p:nvPr>
+        </p:nvSpPr>
+        <p:spPr>
+          <a:xfrm>
+            <a:off x="1143225" y="685800"/>
+            <a:ext cx="4572300" cy="3429000"/>
+          </a:xfrm>
+          <a:custGeom>
+            <a:rect b="b" l="l" r="r" t="t"/>
+            <a:pathLst>
+              <a:path extrusionOk="0" h="120000" w="120000">
+                <a:moveTo>
+                  <a:pt x="0" y="0"/>
+                </a:moveTo>
+                <a:lnTo>
+                  <a:pt x="120000" y="0"/>
+                </a:lnTo>
+                <a:lnTo>
+                  <a:pt x="120000" y="120000"/>
+                </a:lnTo>
+                <a:lnTo>
+                  <a:pt x="0" y="120000"/>
+                </a:lnTo>
+                <a:close/>
+              </a:path>
+            </a:pathLst>
+          </a:custGeom>
+        </p:spPr>
+      </p:sp>
+      <p:sp>
+        <p:nvSpPr>
+          <p:cNvPr id="182" name="Google Shape;182;g3a71d4f651d_2_0:notes"/>
+          <p:cNvSpPr txBox="1"/>
+          <p:nvPr>
+            <p:ph idx="1" type="body"/>
+          </p:nvPr>
+        </p:nvSpPr>
+        <p:spPr>
+          <a:xfrm>
+            <a:off x="685800" y="4343400"/>
+            <a:ext cx="5486400" cy="4114800"/>
+          </a:xfrm>
+          <a:prstGeom prst="rect">
+            <a:avLst/>
+          </a:prstGeom>
+        </p:spPr>
+        <p:txBody>
+          <a:bodyPr anchorCtr="0" anchor="t" bIns="91425" lIns="91425" spcFirstLastPara="1" rIns="91425" wrap="square" tIns="91425">
+            <a:noAutofit/>
+          </a:bodyPr>
+          <a:lstStyle/>
+          <a:p>
+            <a:pPr indent="0" lvl="0" marL="0" rtl="0" algn="l">
+              <a:spcBef>
+                <a:spcPts val="0"/>
+              </a:spcBef>
+              <a:spcAft>
+                <a:spcPts val="0"/>
+              </a:spcAft>
+              <a:buNone/>
+            </a:pPr>
+            <a:r>
+              <a:rPr lang="en-US"/>
+              <a:t>Modbus defines how everything communicates in the test bed. It uses two simple building blocks: coils, which are like on-off switches, and registers, which store numbers. Every sensor and every control device gets assigned an address. When a turbine's wind sensor measures the wind speed, that number shows up in a specific register. When the SCADA server wants to shut down a turbine, it flips a specific coil. A key feature is that same register can be read by multiple systems at the same time. This shared address space is really the connective tissue of the whole system. Every device in the wind farm—sensors, controllers, the SCADA server—they're all reading from and writing to the same set of addresses. It's elegant, but it also means that any device connected to the network could potentially access any register.</a:t>
+            </a:r>
+            <a:endParaRPr/>
+          </a:p>
+        </p:txBody>
+      </p:sp>
+    </p:spTree>
+  </p:cSld>
+  <p:clrMapOvr>
+    <a:masterClrMapping/>
+  </p:clrMapOvr>
+</p:notes>
+</file>
+
+<file path=ppt/notesSlides/notesSlide12.xml><?xml version="1.0" encoding="utf-8"?>
+<p:notes xmlns:a="http://schemas.openxmlformats.org/drawingml/2006/main" xmlns:r="http://schemas.openxmlformats.org/officeDocument/2006/relationships" xmlns:mc="http://schemas.openxmlformats.org/markup-compatibility/2006" xmlns:mv="urn:schemas-microsoft-com:mac:vml" xmlns:p="http://schemas.openxmlformats.org/presentationml/2006/main" xmlns:c="http://schemas.openxmlformats.org/drawingml/2006/chart" xmlns:dgm="http://schemas.openxmlformats.org/drawingml/2006/diagram" xmlns:o="urn:schemas-microsoft-com:office:office" xmlns:v="urn:schemas-microsoft-com:vml" xmlns:pvml="urn:schemas-microsoft-com:office:powerpoint" xmlns:com="http://schemas.openxmlformats.org/drawingml/2006/compatibility" xmlns:p14="http://schemas.microsoft.com/office/powerpoint/2010/main" xmlns:p15="http://schemas.microsoft.com/office/powerpoint/2012/main" xmlns:ahyp="http://schemas.microsoft.com/office/drawing/2018/hyperlinkcolor" showMasterPhAnim="0" showMasterSp="0">
+  <p:cSld>
+    <p:spTree>
+      <p:nvGrpSpPr>
+        <p:cNvPr id="187" name="Shape 187"/>
+        <p:cNvGrpSpPr/>
+        <p:nvPr/>
+      </p:nvGrpSpPr>
+      <p:grpSpPr>
+        <a:xfrm>
+          <a:off x="0" y="0"/>
+          <a:ext cx="0" cy="0"/>
+          <a:chOff x="0" y="0"/>
+          <a:chExt cx="0" cy="0"/>
+        </a:xfrm>
+      </p:grpSpPr>
+      <p:sp>
+        <p:nvSpPr>
+          <p:cNvPr id="188" name="Google Shape;188;p9:notes"/>
+          <p:cNvSpPr txBox="1"/>
+          <p:nvPr>
+            <p:ph idx="1" type="body"/>
+          </p:nvPr>
+        </p:nvSpPr>
+        <p:spPr>
+          <a:xfrm>
+            <a:off x="685800" y="4343400"/>
+            <a:ext cx="5486400" cy="4114800"/>
+          </a:xfrm>
+          <a:prstGeom prst="rect">
+            <a:avLst/>
+          </a:prstGeom>
+        </p:spPr>
+        <p:txBody>
+          <a:bodyPr anchorCtr="0" anchor="t" bIns="91425" lIns="91425" spcFirstLastPara="1" rIns="91425" wrap="square" tIns="91425">
+            <a:noAutofit/>
+          </a:bodyPr>
+          <a:lstStyle/>
+          <a:p>
+            <a:pPr indent="0" lvl="0" marL="0" rtl="0" algn="l">
+              <a:spcBef>
+                <a:spcPts val="0"/>
+              </a:spcBef>
+              <a:spcAft>
+                <a:spcPts val="0"/>
+              </a:spcAft>
+              <a:buClr>
+                <a:schemeClr val="dk1"/>
+              </a:buClr>
+              <a:buSzPts val="1100"/>
+              <a:buFont typeface="Arial"/>
+              <a:buNone/>
+            </a:pPr>
+            <a:r>
+              <a:rPr lang="en-US">
+                <a:solidFill>
+                  <a:schemeClr val="dk1"/>
+                </a:solidFill>
+              </a:rPr>
+              <a:t>Coming from a traditional software mindset, we expect systems to behave according to their APIs, inputs go in, outputs come out, and anything unexpected is treated as a bug.</a:t>
+            </a:r>
+            <a:endParaRPr>
+              <a:solidFill>
+                <a:schemeClr val="dk1"/>
+              </a:solidFill>
+            </a:endParaRPr>
+          </a:p>
+          <a:p>
+            <a:pPr indent="0" lvl="0" marL="0" rtl="0" algn="l">
+              <a:spcBef>
+                <a:spcPts val="0"/>
+              </a:spcBef>
+              <a:spcAft>
+                <a:spcPts val="0"/>
+              </a:spcAft>
+              <a:buClr>
+                <a:schemeClr val="dk1"/>
+              </a:buClr>
+              <a:buSzPts val="1100"/>
+              <a:buFont typeface="Arial"/>
+              <a:buNone/>
+            </a:pPr>
+            <a:r>
+              <a:t/>
+            </a:r>
+            <a:endParaRPr>
+              <a:solidFill>
+                <a:schemeClr val="dk1"/>
+              </a:solidFill>
+            </a:endParaRPr>
+          </a:p>
+          <a:p>
+            <a:pPr indent="0" lvl="0" marL="0" rtl="0" algn="l">
+              <a:spcBef>
+                <a:spcPts val="0"/>
+              </a:spcBef>
+              <a:spcAft>
+                <a:spcPts val="0"/>
+              </a:spcAft>
+              <a:buClr>
+                <a:schemeClr val="dk1"/>
+              </a:buClr>
+              <a:buSzPts val="1100"/>
+              <a:buFont typeface="Arial"/>
+              <a:buNone/>
+            </a:pPr>
+            <a:r>
+              <a:rPr lang="en-US">
+                <a:solidFill>
+                  <a:schemeClr val="dk1"/>
+                </a:solidFill>
+              </a:rPr>
+              <a:t>That assumption breaks down in cyber-physical systems, where software doesn’t just compute, it directly controls hardware.</a:t>
+            </a:r>
+            <a:endParaRPr>
+              <a:solidFill>
+                <a:schemeClr val="dk1"/>
+              </a:solidFill>
+            </a:endParaRPr>
+          </a:p>
+          <a:p>
+            <a:pPr indent="0" lvl="0" marL="0" rtl="0" algn="l">
+              <a:spcBef>
+                <a:spcPts val="0"/>
+              </a:spcBef>
+              <a:spcAft>
+                <a:spcPts val="0"/>
+              </a:spcAft>
+              <a:buClr>
+                <a:schemeClr val="dk1"/>
+              </a:buClr>
+              <a:buSzPts val="1100"/>
+              <a:buFont typeface="Arial"/>
+              <a:buNone/>
+            </a:pPr>
+            <a:r>
+              <a:t/>
+            </a:r>
+            <a:endParaRPr>
+              <a:solidFill>
+                <a:schemeClr val="dk1"/>
+              </a:solidFill>
+            </a:endParaRPr>
+          </a:p>
+          <a:p>
+            <a:pPr indent="0" lvl="0" marL="0" rtl="0" algn="l">
+              <a:spcBef>
+                <a:spcPts val="0"/>
+              </a:spcBef>
+              <a:spcAft>
+                <a:spcPts val="0"/>
+              </a:spcAft>
+              <a:buClr>
+                <a:schemeClr val="dk1"/>
+              </a:buClr>
+              <a:buSzPts val="1100"/>
+              <a:buFont typeface="Arial"/>
+              <a:buNone/>
+            </a:pPr>
+            <a:r>
+              <a:rPr lang="en-US">
+                <a:solidFill>
+                  <a:schemeClr val="dk1"/>
+                </a:solidFill>
+              </a:rPr>
+              <a:t>In our wind-energy testbed, PLC logic and control software affect physical turbines, sensors, and actuators. Timing delays, protocol retries, and feedback loops introduce behaviors that simply don’t exist in software-only systems.</a:t>
+            </a:r>
+            <a:endParaRPr>
+              <a:solidFill>
+                <a:schemeClr val="dk1"/>
+              </a:solidFill>
+            </a:endParaRPr>
+          </a:p>
+          <a:p>
+            <a:pPr indent="0" lvl="0" marL="0" rtl="0" algn="l">
+              <a:spcBef>
+                <a:spcPts val="0"/>
+              </a:spcBef>
+              <a:spcAft>
+                <a:spcPts val="0"/>
+              </a:spcAft>
+              <a:buClr>
+                <a:schemeClr val="dk1"/>
+              </a:buClr>
+              <a:buSzPts val="1100"/>
+              <a:buFont typeface="Arial"/>
+              <a:buNone/>
+            </a:pPr>
+            <a:r>
+              <a:t/>
+            </a:r>
+            <a:endParaRPr>
+              <a:solidFill>
+                <a:schemeClr val="dk1"/>
+              </a:solidFill>
+            </a:endParaRPr>
+          </a:p>
+          <a:p>
+            <a:pPr indent="0" lvl="0" marL="0" rtl="0" algn="l">
+              <a:spcBef>
+                <a:spcPts val="0"/>
+              </a:spcBef>
+              <a:spcAft>
+                <a:spcPts val="0"/>
+              </a:spcAft>
+              <a:buClr>
+                <a:schemeClr val="dk1"/>
+              </a:buClr>
+              <a:buSzPts val="1100"/>
+              <a:buFont typeface="Arial"/>
+              <a:buNone/>
+            </a:pPr>
+            <a:r>
+              <a:rPr lang="en-US">
+                <a:solidFill>
+                  <a:schemeClr val="dk1"/>
+                </a:solidFill>
+              </a:rPr>
+              <a:t>This is where weird machines emerge – not purely in code or hardware, but in their interaction.</a:t>
+            </a:r>
+            <a:endParaRPr>
+              <a:solidFill>
+                <a:schemeClr val="dk1"/>
+              </a:solidFill>
+            </a:endParaRPr>
+          </a:p>
+          <a:p>
+            <a:pPr indent="0" lvl="0" marL="0" rtl="0" algn="l">
+              <a:spcBef>
+                <a:spcPts val="0"/>
+              </a:spcBef>
+              <a:spcAft>
+                <a:spcPts val="0"/>
+              </a:spcAft>
+              <a:buClr>
+                <a:schemeClr val="dk1"/>
+              </a:buClr>
+              <a:buSzPts val="1100"/>
+              <a:buFont typeface="Arial"/>
+              <a:buNone/>
+            </a:pPr>
+            <a:r>
+              <a:t/>
+            </a:r>
+            <a:endParaRPr>
+              <a:solidFill>
+                <a:schemeClr val="dk1"/>
+              </a:solidFill>
+            </a:endParaRPr>
+          </a:p>
+          <a:p>
+            <a:pPr indent="0" lvl="0" marL="0" rtl="0" algn="l">
+              <a:spcBef>
+                <a:spcPts val="0"/>
+              </a:spcBef>
+              <a:spcAft>
+                <a:spcPts val="0"/>
+              </a:spcAft>
+              <a:buClr>
+                <a:schemeClr val="dk1"/>
+              </a:buClr>
+              <a:buSzPts val="1100"/>
+              <a:buFont typeface="Arial"/>
+              <a:buNone/>
+            </a:pPr>
+            <a:r>
+              <a:rPr lang="en-US">
+                <a:solidFill>
+                  <a:schemeClr val="dk1"/>
+                </a:solidFill>
+              </a:rPr>
+              <a:t>Because we’re not energy engineers or PLC experts, we built a Python API that abstracts Modbus registers, PLC state, and timing behavior into composable software primitives. This let us explore the architecture as software engineers and ask: what unintended machines already exist here?</a:t>
+            </a:r>
+            <a:endParaRPr>
+              <a:solidFill>
+                <a:schemeClr val="dk1"/>
+              </a:solidFill>
+            </a:endParaRPr>
+          </a:p>
+          <a:p>
+            <a:pPr indent="0" lvl="0" marL="0" rtl="0" algn="l">
+              <a:spcBef>
+                <a:spcPts val="0"/>
+              </a:spcBef>
+              <a:spcAft>
+                <a:spcPts val="0"/>
+              </a:spcAft>
+              <a:buClr>
+                <a:schemeClr val="dk1"/>
+              </a:buClr>
+              <a:buSzPts val="1100"/>
+              <a:buFont typeface="Arial"/>
+              <a:buNone/>
+            </a:pPr>
+            <a:r>
+              <a:t/>
+            </a:r>
+            <a:endParaRPr>
+              <a:solidFill>
+                <a:schemeClr val="dk1"/>
+              </a:solidFill>
+            </a:endParaRPr>
+          </a:p>
+          <a:p>
+            <a:pPr indent="0" lvl="0" marL="0" rtl="0" algn="l">
+              <a:spcBef>
+                <a:spcPts val="0"/>
+              </a:spcBef>
+              <a:spcAft>
+                <a:spcPts val="0"/>
+              </a:spcAft>
+              <a:buClr>
+                <a:schemeClr val="dk1"/>
+              </a:buClr>
+              <a:buSzPts val="1100"/>
+              <a:buFont typeface="Arial"/>
+              <a:buNone/>
+            </a:pPr>
+            <a:r>
+              <a:rPr lang="en-US">
+                <a:solidFill>
+                  <a:schemeClr val="dk1"/>
+                </a:solidFill>
+              </a:rPr>
+              <a:t>Using these gadgets, we could intentionally compose and discover cyber-physical weird machines in software. In future work, these models will be deployed onto the actual hardware to evaluate how much of this behavior can run in the background of a live system.</a:t>
+            </a:r>
+            <a:endParaRPr>
+              <a:solidFill>
+                <a:schemeClr val="dk1"/>
+              </a:solidFill>
+            </a:endParaRPr>
+          </a:p>
+          <a:p>
+            <a:pPr indent="0" lvl="0" marL="0" rtl="0" algn="l">
+              <a:spcBef>
+                <a:spcPts val="0"/>
+              </a:spcBef>
+              <a:spcAft>
+                <a:spcPts val="0"/>
+              </a:spcAft>
+              <a:buNone/>
+            </a:pPr>
+            <a:r>
+              <a:t/>
+            </a:r>
+            <a:endParaRPr>
+              <a:solidFill>
+                <a:schemeClr val="dk1"/>
+              </a:solidFill>
+            </a:endParaRPr>
+          </a:p>
+        </p:txBody>
+      </p:sp>
+      <p:sp>
+        <p:nvSpPr>
+          <p:cNvPr id="189" name="Google Shape;189;p9:notes"/>
+          <p:cNvSpPr/>
+          <p:nvPr>
+            <p:ph idx="2" type="sldImg"/>
+          </p:nvPr>
+        </p:nvSpPr>
+        <p:spPr>
+          <a:xfrm>
+            <a:off x="1143225" y="685800"/>
+            <a:ext cx="4572225" cy="3429000"/>
+          </a:xfrm>
+          <a:custGeom>
+            <a:rect b="b" l="l" r="r" t="t"/>
+            <a:pathLst>
+              <a:path extrusionOk="0" h="120000" w="120000">
+                <a:moveTo>
+                  <a:pt x="0" y="0"/>
+                </a:moveTo>
+                <a:lnTo>
+                  <a:pt x="120000" y="0"/>
+                </a:lnTo>
+                <a:lnTo>
+                  <a:pt x="120000" y="120000"/>
+                </a:lnTo>
+                <a:lnTo>
+                  <a:pt x="0" y="120000"/>
+                </a:lnTo>
+                <a:close/>
+              </a:path>
+            </a:pathLst>
+          </a:custGeom>
+        </p:spPr>
+      </p:sp>
+    </p:spTree>
+  </p:cSld>
+  <p:clrMapOvr>
+    <a:masterClrMapping/>
+  </p:clrMapOvr>
+</p:notes>
+</file>
+
+<file path=ppt/notesSlides/notesSlide13.xml><?xml version="1.0" encoding="utf-8"?>
+<p:notes xmlns:a="http://schemas.openxmlformats.org/drawingml/2006/main" xmlns:r="http://schemas.openxmlformats.org/officeDocument/2006/relationships" xmlns:mc="http://schemas.openxmlformats.org/markup-compatibility/2006" xmlns:mv="urn:schemas-microsoft-com:mac:vml" xmlns:p="http://schemas.openxmlformats.org/presentationml/2006/main" xmlns:c="http://schemas.openxmlformats.org/drawingml/2006/chart" xmlns:dgm="http://schemas.openxmlformats.org/drawingml/2006/diagram" xmlns:o="urn:schemas-microsoft-com:office:office" xmlns:v="urn:schemas-microsoft-com:vml" xmlns:pvml="urn:schemas-microsoft-com:office:powerpoint" xmlns:com="http://schemas.openxmlformats.org/drawingml/2006/compatibility" xmlns:p14="http://schemas.microsoft.com/office/powerpoint/2010/main" xmlns:p15="http://schemas.microsoft.com/office/powerpoint/2012/main" xmlns:ahyp="http://schemas.microsoft.com/office/drawing/2018/hyperlinkcolor" showMasterPhAnim="0" showMasterSp="0">
+  <p:cSld>
+    <p:spTree>
+      <p:nvGrpSpPr>
+        <p:cNvPr id="197" name="Shape 197"/>
+        <p:cNvGrpSpPr/>
+        <p:nvPr/>
+      </p:nvGrpSpPr>
+      <p:grpSpPr>
+        <a:xfrm>
+          <a:off x="0" y="0"/>
+          <a:ext cx="0" cy="0"/>
+          <a:chOff x="0" y="0"/>
+          <a:chExt cx="0" cy="0"/>
+        </a:xfrm>
+      </p:grpSpPr>
+      <p:sp>
+        <p:nvSpPr>
+          <p:cNvPr id="198" name="Google Shape;198;g3b0d07ae252_9_2:notes"/>
           <p:cNvSpPr txBox="1"/>
           <p:nvPr>
             <p:ph idx="1" type="body"/>
@@ -1153,7 +1529,7 @@
       </p:sp>
       <p:sp>
         <p:nvSpPr>
-          <p:cNvPr id="177" name="Google Shape;177;g3b0d07ae252_9_2:notes"/>
+          <p:cNvPr id="199" name="Google Shape;199;g3b0d07ae252_9_2:notes"/>
           <p:cNvSpPr/>
           <p:nvPr>
             <p:ph idx="2" type="sldImg"/>
@@ -1204,12 +1580,12 @@
 </p:notes>
 </file>
 
-<file path=ppt/notesSlides/notesSlide12.xml><?xml version="1.0" encoding="utf-8"?>
+<file path=ppt/notesSlides/notesSlide14.xml><?xml version="1.0" encoding="utf-8"?>
 <p:notes xmlns:a="http://schemas.openxmlformats.org/drawingml/2006/main" xmlns:r="http://schemas.openxmlformats.org/officeDocument/2006/relationships" xmlns:mc="http://schemas.openxmlformats.org/markup-compatibility/2006" xmlns:mv="urn:schemas-microsoft-com:mac:vml" xmlns:p="http://schemas.openxmlformats.org/presentationml/2006/main" xmlns:c="http://schemas.openxmlformats.org/drawingml/2006/chart" xmlns:dgm="http://schemas.openxmlformats.org/drawingml/2006/diagram" xmlns:o="urn:schemas-microsoft-com:office:office" xmlns:v="urn:schemas-microsoft-com:vml" xmlns:pvml="urn:schemas-microsoft-com:office:powerpoint" xmlns:com="http://schemas.openxmlformats.org/drawingml/2006/compatibility" xmlns:p14="http://schemas.microsoft.com/office/powerpoint/2010/main" xmlns:p15="http://schemas.microsoft.com/office/powerpoint/2012/main" xmlns:ahyp="http://schemas.microsoft.com/office/drawing/2018/hyperlinkcolor" showMasterPhAnim="0" showMasterSp="0">
   <p:cSld>
     <p:spTree>
       <p:nvGrpSpPr>
-        <p:cNvPr id="182" name="Shape 182"/>
+        <p:cNvPr id="204" name="Shape 204"/>
         <p:cNvGrpSpPr/>
         <p:nvPr/>
       </p:nvGrpSpPr>
@@ -1223,7 +1599,7 @@
       </p:grpSpPr>
       <p:sp>
         <p:nvSpPr>
-          <p:cNvPr id="183" name="Google Shape;183;g3b0d07ae252_5_0:notes"/>
+          <p:cNvPr id="205" name="Google Shape;205;g3b0d07ae252_5_0:notes"/>
           <p:cNvSpPr txBox="1"/>
           <p:nvPr>
             <p:ph idx="1" type="body"/>
@@ -1335,7 +1711,7 @@
       </p:sp>
       <p:sp>
         <p:nvSpPr>
-          <p:cNvPr id="184" name="Google Shape;184;g3b0d07ae252_5_0:notes"/>
+          <p:cNvPr id="206" name="Google Shape;206;g3b0d07ae252_5_0:notes"/>
           <p:cNvSpPr/>
           <p:nvPr>
             <p:ph idx="2" type="sldImg"/>
@@ -1386,12 +1762,12 @@
 </p:notes>
 </file>
 
-<file path=ppt/notesSlides/notesSlide13.xml><?xml version="1.0" encoding="utf-8"?>
+<file path=ppt/notesSlides/notesSlide15.xml><?xml version="1.0" encoding="utf-8"?>
 <p:notes xmlns:a="http://schemas.openxmlformats.org/drawingml/2006/main" xmlns:r="http://schemas.openxmlformats.org/officeDocument/2006/relationships" xmlns:mc="http://schemas.openxmlformats.org/markup-compatibility/2006" xmlns:mv="urn:schemas-microsoft-com:mac:vml" xmlns:p="http://schemas.openxmlformats.org/presentationml/2006/main" xmlns:c="http://schemas.openxmlformats.org/drawingml/2006/chart" xmlns:dgm="http://schemas.openxmlformats.org/drawingml/2006/diagram" xmlns:o="urn:schemas-microsoft-com:office:office" xmlns:v="urn:schemas-microsoft-com:vml" xmlns:pvml="urn:schemas-microsoft-com:office:powerpoint" xmlns:com="http://schemas.openxmlformats.org/drawingml/2006/compatibility" xmlns:p14="http://schemas.microsoft.com/office/powerpoint/2010/main" xmlns:p15="http://schemas.microsoft.com/office/powerpoint/2012/main" xmlns:ahyp="http://schemas.microsoft.com/office/drawing/2018/hyperlinkcolor" showMasterPhAnim="0" showMasterSp="0">
   <p:cSld>
     <p:spTree>
       <p:nvGrpSpPr>
-        <p:cNvPr id="189" name="Shape 189"/>
+        <p:cNvPr id="211" name="Shape 211"/>
         <p:cNvGrpSpPr/>
         <p:nvPr/>
       </p:nvGrpSpPr>
@@ -1405,7 +1781,7 @@
       </p:grpSpPr>
       <p:sp>
         <p:nvSpPr>
-          <p:cNvPr id="190" name="Google Shape;190;p9:notes"/>
+          <p:cNvPr id="212" name="Google Shape;212;p10:notes"/>
           <p:cNvSpPr txBox="1"/>
           <p:nvPr>
             <p:ph idx="1" type="body"/>
@@ -1427,248 +1803,8 @@
           <a:lstStyle/>
           <a:p>
             <a:pPr indent="0" lvl="0" marL="0" rtl="0" algn="l">
-              <a:lnSpc>
-                <a:spcPct val="115000"/>
-              </a:lnSpc>
-              <a:spcBef>
-                <a:spcPts val="1200"/>
-              </a:spcBef>
-              <a:spcAft>
-                <a:spcPts val="0"/>
-              </a:spcAft>
-              <a:buClr>
-                <a:schemeClr val="dk1"/>
-              </a:buClr>
-              <a:buSzPts val="1100"/>
-              <a:buFont typeface="Arial"/>
-              <a:buNone/>
-            </a:pPr>
-            <a:r>
-              <a:rPr lang="en-US">
-                <a:solidFill>
-                  <a:schemeClr val="dk1"/>
-                </a:solidFill>
-              </a:rPr>
-              <a:t>Coming from a traditional software mindset, we expect systems to behave according to their APIs, inputs go in, outputs come out, and side effects or unintended outcomes are seen as “bugs” and documented.</a:t>
-            </a:r>
-            <a:endParaRPr>
-              <a:solidFill>
-                <a:schemeClr val="dk1"/>
-              </a:solidFill>
-            </a:endParaRPr>
-          </a:p>
-          <a:p>
-            <a:pPr indent="0" lvl="0" marL="0" rtl="0" algn="l">
-              <a:lnSpc>
-                <a:spcPct val="115000"/>
-              </a:lnSpc>
-              <a:spcBef>
-                <a:spcPts val="1200"/>
-              </a:spcBef>
-              <a:spcAft>
-                <a:spcPts val="0"/>
-              </a:spcAft>
-              <a:buClr>
-                <a:schemeClr val="dk1"/>
-              </a:buClr>
-              <a:buSzPts val="1100"/>
-              <a:buFont typeface="Arial"/>
-              <a:buNone/>
-            </a:pPr>
-            <a:r>
-              <a:rPr lang="en-US">
-                <a:solidFill>
-                  <a:schemeClr val="dk1"/>
-                </a:solidFill>
-              </a:rPr>
-              <a:t>Weird machines violate that expectation, but this problem becomes much harder in cyber-physical systems, where software doesn’t only just compute, it also controls hardware.</a:t>
-            </a:r>
-            <a:endParaRPr>
-              <a:solidFill>
-                <a:schemeClr val="dk1"/>
-              </a:solidFill>
-            </a:endParaRPr>
-          </a:p>
-          <a:p>
-            <a:pPr indent="0" lvl="0" marL="0" rtl="0" algn="l">
-              <a:lnSpc>
-                <a:spcPct val="115000"/>
-              </a:lnSpc>
-              <a:spcBef>
-                <a:spcPts val="1200"/>
-              </a:spcBef>
-              <a:spcAft>
-                <a:spcPts val="0"/>
-              </a:spcAft>
-              <a:buClr>
-                <a:schemeClr val="dk1"/>
-              </a:buClr>
-              <a:buSzPts val="1100"/>
-              <a:buFont typeface="Arial"/>
-              <a:buNone/>
-            </a:pPr>
-            <a:r>
-              <a:rPr lang="en-US">
-                <a:solidFill>
-                  <a:schemeClr val="dk1"/>
-                </a:solidFill>
-              </a:rPr>
-              <a:t>In our wind-energy testbed, software running on PLCs and controllers directly affects physical components like turbines, sensors, and actuators. Timing delays, protocol retries, and control feedback loops introduce behaviors that don’t exist in software-only systems.</a:t>
-            </a:r>
-            <a:endParaRPr>
-              <a:solidFill>
-                <a:schemeClr val="dk1"/>
-              </a:solidFill>
-            </a:endParaRPr>
-          </a:p>
-          <a:p>
-            <a:pPr indent="0" lvl="0" marL="0" rtl="0" algn="l">
-              <a:lnSpc>
-                <a:spcPct val="115000"/>
-              </a:lnSpc>
-              <a:spcBef>
-                <a:spcPts val="1200"/>
-              </a:spcBef>
-              <a:spcAft>
-                <a:spcPts val="0"/>
-              </a:spcAft>
-              <a:buClr>
-                <a:schemeClr val="dk1"/>
-              </a:buClr>
-              <a:buSzPts val="1100"/>
-              <a:buFont typeface="Arial"/>
-              <a:buNone/>
-            </a:pPr>
-            <a:r>
-              <a:rPr lang="en-US">
-                <a:solidFill>
-                  <a:schemeClr val="dk1"/>
-                </a:solidFill>
-              </a:rPr>
-              <a:t>This is where weird machines really emerge not purely just in code or hardware, but in their interaction.</a:t>
-            </a:r>
-            <a:endParaRPr>
-              <a:solidFill>
-                <a:schemeClr val="dk1"/>
-              </a:solidFill>
-            </a:endParaRPr>
-          </a:p>
-          <a:p>
-            <a:pPr indent="0" lvl="0" marL="0" rtl="0" algn="l">
-              <a:lnSpc>
-                <a:spcPct val="115000"/>
-              </a:lnSpc>
-              <a:spcBef>
-                <a:spcPts val="1200"/>
-              </a:spcBef>
-              <a:spcAft>
-                <a:spcPts val="0"/>
-              </a:spcAft>
-              <a:buClr>
-                <a:schemeClr val="dk1"/>
-              </a:buClr>
-              <a:buSzPts val="1100"/>
-              <a:buFont typeface="Arial"/>
-              <a:buNone/>
-            </a:pPr>
-            <a:r>
-              <a:rPr lang="en-US">
-                <a:solidFill>
-                  <a:schemeClr val="dk1"/>
-                </a:solidFill>
-              </a:rPr>
-              <a:t>The Python gadget libraries were critical because they abstracted low-level details like Modbus registers, PLC state, and timing behavior into composable primitives. That allowed us to think like software engineers </a:t>
-            </a:r>
-            <a:r>
-              <a:rPr i="1" lang="en-US">
-                <a:solidFill>
-                  <a:schemeClr val="dk1"/>
-                </a:solidFill>
-              </a:rPr>
-              <a:t>while still manipulating physical state</a:t>
-            </a:r>
-            <a:r>
-              <a:rPr lang="en-US">
-                <a:solidFill>
-                  <a:schemeClr val="dk1"/>
-                </a:solidFill>
-              </a:rPr>
-              <a:t>.</a:t>
-            </a:r>
-            <a:endParaRPr>
-              <a:solidFill>
-                <a:schemeClr val="dk1"/>
-              </a:solidFill>
-            </a:endParaRPr>
-          </a:p>
-          <a:p>
-            <a:pPr indent="0" lvl="0" marL="0" rtl="0" algn="l">
-              <a:lnSpc>
-                <a:spcPct val="115000"/>
-              </a:lnSpc>
-              <a:spcBef>
-                <a:spcPts val="1200"/>
-              </a:spcBef>
-              <a:spcAft>
-                <a:spcPts val="0"/>
-              </a:spcAft>
-              <a:buClr>
-                <a:schemeClr val="dk1"/>
-              </a:buClr>
-              <a:buSzPts val="1100"/>
-              <a:buFont typeface="Arial"/>
-              <a:buNone/>
-            </a:pPr>
-            <a:r>
-              <a:rPr lang="en-US">
-                <a:solidFill>
-                  <a:schemeClr val="dk1"/>
-                </a:solidFill>
-              </a:rPr>
-              <a:t>Instead of wiring diagrams or ladder logic, we composed gadgets out of the control protocol that our Wind Energy Turbines rely on and through that composition, we were able to intentionally discover and build cyber-physical weird machines.</a:t>
-            </a:r>
-            <a:endParaRPr>
-              <a:solidFill>
-                <a:schemeClr val="dk1"/>
-              </a:solidFill>
-            </a:endParaRPr>
-          </a:p>
-          <a:p>
-            <a:pPr indent="0" lvl="0" marL="0" rtl="0" algn="l">
-              <a:lnSpc>
-                <a:spcPct val="115000"/>
-              </a:lnSpc>
-              <a:spcBef>
-                <a:spcPts val="1200"/>
-              </a:spcBef>
-              <a:spcAft>
-                <a:spcPts val="0"/>
-              </a:spcAft>
-              <a:buClr>
-                <a:schemeClr val="dk1"/>
-              </a:buClr>
-              <a:buSzPts val="1100"/>
-              <a:buFont typeface="Arial"/>
-              <a:buNone/>
-            </a:pPr>
-            <a:r>
-              <a:rPr lang="en-US">
-                <a:solidFill>
-                  <a:schemeClr val="dk1"/>
-                </a:solidFill>
-              </a:rPr>
-              <a:t>The repository linked here contains the gadget implementations used throughout the project.</a:t>
-            </a:r>
-            <a:endParaRPr>
-              <a:solidFill>
-                <a:schemeClr val="dk1"/>
-              </a:solidFill>
-            </a:endParaRPr>
-          </a:p>
-          <a:p>
-            <a:pPr indent="0" lvl="0" marL="0" rtl="0" algn="l">
-              <a:spcBef>
-                <a:spcPts val="1200"/>
+              <a:spcBef>
+                <a:spcPts val="0"/>
               </a:spcBef>
               <a:spcAft>
                 <a:spcPts val="0"/>
@@ -1678,17 +1814,13 @@
             <a:r>
               <a:t/>
             </a:r>
-            <a:endParaRPr>
-              <a:solidFill>
-                <a:schemeClr val="dk1"/>
-              </a:solidFill>
-            </a:endParaRPr>
+            <a:endParaRPr/>
           </a:p>
         </p:txBody>
       </p:sp>
       <p:sp>
         <p:nvSpPr>
-          <p:cNvPr id="191" name="Google Shape;191;p9:notes"/>
+          <p:cNvPr id="213" name="Google Shape;213;p10:notes"/>
           <p:cNvSpPr/>
           <p:nvPr>
             <p:ph idx="2" type="sldImg"/>
@@ -1729,12 +1861,12 @@
 </p:notes>
 </file>
 
-<file path=ppt/notesSlides/notesSlide14.xml><?xml version="1.0" encoding="utf-8"?>
+<file path=ppt/notesSlides/notesSlide16.xml><?xml version="1.0" encoding="utf-8"?>
 <p:notes xmlns:a="http://schemas.openxmlformats.org/drawingml/2006/main" xmlns:r="http://schemas.openxmlformats.org/officeDocument/2006/relationships" xmlns:mc="http://schemas.openxmlformats.org/markup-compatibility/2006" xmlns:mv="urn:schemas-microsoft-com:mac:vml" xmlns:p="http://schemas.openxmlformats.org/presentationml/2006/main" xmlns:c="http://schemas.openxmlformats.org/drawingml/2006/chart" xmlns:dgm="http://schemas.openxmlformats.org/drawingml/2006/diagram" xmlns:o="urn:schemas-microsoft-com:office:office" xmlns:v="urn:schemas-microsoft-com:vml" xmlns:pvml="urn:schemas-microsoft-com:office:powerpoint" xmlns:com="http://schemas.openxmlformats.org/drawingml/2006/compatibility" xmlns:p14="http://schemas.microsoft.com/office/powerpoint/2010/main" xmlns:p15="http://schemas.microsoft.com/office/powerpoint/2012/main" xmlns:ahyp="http://schemas.microsoft.com/office/drawing/2018/hyperlinkcolor" showMasterPhAnim="0" showMasterSp="0">
   <p:cSld>
     <p:spTree>
       <p:nvGrpSpPr>
-        <p:cNvPr id="199" name="Shape 199"/>
+        <p:cNvPr id="219" name="Shape 219"/>
         <p:cNvGrpSpPr/>
         <p:nvPr/>
       </p:nvGrpSpPr>
@@ -1748,7 +1880,7 @@
       </p:grpSpPr>
       <p:sp>
         <p:nvSpPr>
-          <p:cNvPr id="200" name="Google Shape;200;p10:notes"/>
+          <p:cNvPr id="220" name="Google Shape;220;g3b0d07ae252_3_0:notes"/>
           <p:cNvSpPr txBox="1"/>
           <p:nvPr>
             <p:ph idx="1" type="body"/>
@@ -1779,7 +1911,16 @@
               <a:buNone/>
             </a:pPr>
             <a:r>
-              <a:t/>
+              <a:rPr lang="en-US"/>
+              <a:t>Using the modbus features I created a counter that relayed codewords only if a coil was flipped as true. These codewords would be signaled in intervals, writing strings to register addresses, and then finally modifying the initial coil to return back to false after completing. As mentioned previously, modbus coils naturally flip in changes to the machines operation. A simple program like this would allow for an outsider to not only monitor but also exploit vulnerable states, as this would only execute from naturally </a:t>
+            </a:r>
+            <a:r>
+              <a:rPr lang="en-US"/>
+              <a:t>occurring</a:t>
+            </a:r>
+            <a:r>
+              <a:rPr lang="en-US"/>
+              <a:t> conditions in the machines intended state. </a:t>
             </a:r>
             <a:endParaRPr/>
           </a:p>
@@ -1787,298 +1928,7 @@
       </p:sp>
       <p:sp>
         <p:nvSpPr>
-          <p:cNvPr id="201" name="Google Shape;201;p10:notes"/>
-          <p:cNvSpPr/>
-          <p:nvPr>
-            <p:ph idx="2" type="sldImg"/>
-          </p:nvPr>
-        </p:nvSpPr>
-        <p:spPr>
-          <a:xfrm>
-            <a:off x="1143225" y="685800"/>
-            <a:ext cx="4572225" cy="3429000"/>
-          </a:xfrm>
-          <a:custGeom>
-            <a:rect b="b" l="l" r="r" t="t"/>
-            <a:pathLst>
-              <a:path extrusionOk="0" h="120000" w="120000">
-                <a:moveTo>
-                  <a:pt x="0" y="0"/>
-                </a:moveTo>
-                <a:lnTo>
-                  <a:pt x="120000" y="0"/>
-                </a:lnTo>
-                <a:lnTo>
-                  <a:pt x="120000" y="120000"/>
-                </a:lnTo>
-                <a:lnTo>
-                  <a:pt x="0" y="120000"/>
-                </a:lnTo>
-                <a:close/>
-              </a:path>
-            </a:pathLst>
-          </a:custGeom>
-        </p:spPr>
-      </p:sp>
-    </p:spTree>
-  </p:cSld>
-  <p:clrMapOvr>
-    <a:masterClrMapping/>
-  </p:clrMapOvr>
-</p:notes>
-</file>
-
-<file path=ppt/notesSlides/notesSlide15.xml><?xml version="1.0" encoding="utf-8"?>
-<p:notes xmlns:a="http://schemas.openxmlformats.org/drawingml/2006/main" xmlns:r="http://schemas.openxmlformats.org/officeDocument/2006/relationships" xmlns:mc="http://schemas.openxmlformats.org/markup-compatibility/2006" xmlns:mv="urn:schemas-microsoft-com:mac:vml" xmlns:p="http://schemas.openxmlformats.org/presentationml/2006/main" xmlns:c="http://schemas.openxmlformats.org/drawingml/2006/chart" xmlns:dgm="http://schemas.openxmlformats.org/drawingml/2006/diagram" xmlns:o="urn:schemas-microsoft-com:office:office" xmlns:v="urn:schemas-microsoft-com:vml" xmlns:pvml="urn:schemas-microsoft-com:office:powerpoint" xmlns:com="http://schemas.openxmlformats.org/drawingml/2006/compatibility" xmlns:p14="http://schemas.microsoft.com/office/powerpoint/2010/main" xmlns:p15="http://schemas.microsoft.com/office/powerpoint/2012/main" xmlns:ahyp="http://schemas.microsoft.com/office/drawing/2018/hyperlinkcolor" showMasterPhAnim="0" showMasterSp="0">
-  <p:cSld>
-    <p:spTree>
-      <p:nvGrpSpPr>
-        <p:cNvPr id="206" name="Shape 206"/>
-        <p:cNvGrpSpPr/>
-        <p:nvPr/>
-      </p:nvGrpSpPr>
-      <p:grpSpPr>
-        <a:xfrm>
-          <a:off x="0" y="0"/>
-          <a:ext cx="0" cy="0"/>
-          <a:chOff x="0" y="0"/>
-          <a:chExt cx="0" cy="0"/>
-        </a:xfrm>
-      </p:grpSpPr>
-      <p:sp>
-        <p:nvSpPr>
-          <p:cNvPr id="207" name="Google Shape;207;g3b0d07ae252_3_0:notes"/>
-          <p:cNvSpPr txBox="1"/>
-          <p:nvPr>
-            <p:ph idx="1" type="body"/>
-          </p:nvPr>
-        </p:nvSpPr>
-        <p:spPr>
-          <a:xfrm>
-            <a:off x="685800" y="4343400"/>
-            <a:ext cx="5486400" cy="4114800"/>
-          </a:xfrm>
-          <a:prstGeom prst="rect">
-            <a:avLst/>
-          </a:prstGeom>
-        </p:spPr>
-        <p:txBody>
-          <a:bodyPr anchorCtr="0" anchor="t" bIns="91425" lIns="91425" spcFirstLastPara="1" rIns="91425" wrap="square" tIns="91425">
-            <a:noAutofit/>
-          </a:bodyPr>
-          <a:lstStyle/>
-          <a:p>
-            <a:pPr indent="0" lvl="0" marL="0" rtl="0" algn="l">
-              <a:spcBef>
-                <a:spcPts val="0"/>
-              </a:spcBef>
-              <a:spcAft>
-                <a:spcPts val="0"/>
-              </a:spcAft>
-              <a:buNone/>
-            </a:pPr>
-            <a:r>
-              <a:t/>
-            </a:r>
-            <a:endParaRPr/>
-          </a:p>
-        </p:txBody>
-      </p:sp>
-      <p:sp>
-        <p:nvSpPr>
-          <p:cNvPr id="208" name="Google Shape;208;g3b0d07ae252_3_0:notes"/>
-          <p:cNvSpPr/>
-          <p:nvPr>
-            <p:ph idx="2" type="sldImg"/>
-          </p:nvPr>
-        </p:nvSpPr>
-        <p:spPr>
-          <a:xfrm>
-            <a:off x="1143225" y="685800"/>
-            <a:ext cx="4572300" cy="3429000"/>
-          </a:xfrm>
-          <a:custGeom>
-            <a:rect b="b" l="l" r="r" t="t"/>
-            <a:pathLst>
-              <a:path extrusionOk="0" h="120000" w="120000">
-                <a:moveTo>
-                  <a:pt x="0" y="0"/>
-                </a:moveTo>
-                <a:lnTo>
-                  <a:pt x="120000" y="0"/>
-                </a:lnTo>
-                <a:lnTo>
-                  <a:pt x="120000" y="120000"/>
-                </a:lnTo>
-                <a:lnTo>
-                  <a:pt x="0" y="120000"/>
-                </a:lnTo>
-                <a:close/>
-              </a:path>
-            </a:pathLst>
-          </a:custGeom>
-        </p:spPr>
-      </p:sp>
-    </p:spTree>
-  </p:cSld>
-  <p:clrMapOvr>
-    <a:masterClrMapping/>
-  </p:clrMapOvr>
-</p:notes>
-</file>
-
-<file path=ppt/notesSlides/notesSlide16.xml><?xml version="1.0" encoding="utf-8"?>
-<p:notes xmlns:a="http://schemas.openxmlformats.org/drawingml/2006/main" xmlns:r="http://schemas.openxmlformats.org/officeDocument/2006/relationships" xmlns:mc="http://schemas.openxmlformats.org/markup-compatibility/2006" xmlns:mv="urn:schemas-microsoft-com:mac:vml" xmlns:p="http://schemas.openxmlformats.org/presentationml/2006/main" xmlns:c="http://schemas.openxmlformats.org/drawingml/2006/chart" xmlns:dgm="http://schemas.openxmlformats.org/drawingml/2006/diagram" xmlns:o="urn:schemas-microsoft-com:office:office" xmlns:v="urn:schemas-microsoft-com:vml" xmlns:pvml="urn:schemas-microsoft-com:office:powerpoint" xmlns:com="http://schemas.openxmlformats.org/drawingml/2006/compatibility" xmlns:p14="http://schemas.microsoft.com/office/powerpoint/2010/main" xmlns:p15="http://schemas.microsoft.com/office/powerpoint/2012/main" xmlns:ahyp="http://schemas.microsoft.com/office/drawing/2018/hyperlinkcolor" showMasterPhAnim="0" showMasterSp="0">
-  <p:cSld>
-    <p:spTree>
-      <p:nvGrpSpPr>
-        <p:cNvPr id="213" name="Shape 213"/>
-        <p:cNvGrpSpPr/>
-        <p:nvPr/>
-      </p:nvGrpSpPr>
-      <p:grpSpPr>
-        <a:xfrm>
-          <a:off x="0" y="0"/>
-          <a:ext cx="0" cy="0"/>
-          <a:chOff x="0" y="0"/>
-          <a:chExt cx="0" cy="0"/>
-        </a:xfrm>
-      </p:grpSpPr>
-      <p:sp>
-        <p:nvSpPr>
-          <p:cNvPr id="214" name="Google Shape;214;g3b0d07ae252_2_20:notes"/>
-          <p:cNvSpPr txBox="1"/>
-          <p:nvPr>
-            <p:ph idx="1" type="body"/>
-          </p:nvPr>
-        </p:nvSpPr>
-        <p:spPr>
-          <a:xfrm>
-            <a:off x="685800" y="4343400"/>
-            <a:ext cx="5486400" cy="4114800"/>
-          </a:xfrm>
-          <a:prstGeom prst="rect">
-            <a:avLst/>
-          </a:prstGeom>
-        </p:spPr>
-        <p:txBody>
-          <a:bodyPr anchorCtr="0" anchor="t" bIns="91425" lIns="91425" spcFirstLastPara="1" rIns="91425" wrap="square" tIns="91425">
-            <a:noAutofit/>
-          </a:bodyPr>
-          <a:lstStyle/>
-          <a:p>
-            <a:pPr indent="0" lvl="0" marL="0" rtl="0" algn="l">
-              <a:spcBef>
-                <a:spcPts val="0"/>
-              </a:spcBef>
-              <a:spcAft>
-                <a:spcPts val="0"/>
-              </a:spcAft>
-              <a:buNone/>
-            </a:pPr>
-            <a:r>
-              <a:rPr lang="en-US"/>
-              <a:t>This implementation of the Weird Gadgets creates a remote mailbox system where messages can be read and written. There is a segmented implementation, where messages of arbitrary size can be sent one character at a time, and an unsegmented implementation, where messages less than some memory size are converted to raw bytes and stored for retrieval. Both pseudo programs make use of conditionals and read/write functions with both integer registers and binary foils. The segmented program also uses loops to iterate through each character of the message. </a:t>
-            </a:r>
-            <a:endParaRPr/>
-          </a:p>
-          <a:p>
-            <a:pPr indent="0" lvl="0" marL="0" rtl="0" algn="l">
-              <a:spcBef>
-                <a:spcPts val="0"/>
-              </a:spcBef>
-              <a:spcAft>
-                <a:spcPts val="0"/>
-              </a:spcAft>
-              <a:buNone/>
-            </a:pPr>
-            <a:r>
-              <a:t/>
-            </a:r>
-            <a:endParaRPr/>
-          </a:p>
-          <a:p>
-            <a:pPr indent="0" lvl="0" marL="0" rtl="0" algn="l">
-              <a:spcBef>
-                <a:spcPts val="0"/>
-              </a:spcBef>
-              <a:spcAft>
-                <a:spcPts val="0"/>
-              </a:spcAft>
-              <a:buNone/>
-            </a:pPr>
-            <a:r>
-              <a:rPr lang="en-US"/>
-              <a:t>The included screenshot shows one iteration of the segmented messaging system. One system starts by writing a character ASCII value to the specified integer register and changing the “unread message” coil to “On” (logically, “True”). The host checks to see if there is a message by reading the “unread message” coil and goes to read the associated message register if it is on. The character is output to the screen and the “unread message” coil is turned off to mark the message as read. This occurs for each letter in the message, terminating when there are no more characters left to send.</a:t>
-            </a:r>
-            <a:endParaRPr/>
-          </a:p>
-          <a:p>
-            <a:pPr indent="0" lvl="0" marL="0" rtl="0" algn="l">
-              <a:spcBef>
-                <a:spcPts val="0"/>
-              </a:spcBef>
-              <a:spcAft>
-                <a:spcPts val="0"/>
-              </a:spcAft>
-              <a:buNone/>
-            </a:pPr>
-            <a:r>
-              <a:t/>
-            </a:r>
-            <a:endParaRPr/>
-          </a:p>
-          <a:p>
-            <a:pPr indent="0" lvl="0" marL="0" rtl="0" algn="l">
-              <a:spcBef>
-                <a:spcPts val="0"/>
-              </a:spcBef>
-              <a:spcAft>
-                <a:spcPts val="0"/>
-              </a:spcAft>
-              <a:buNone/>
-            </a:pPr>
-            <a:r>
-              <a:rPr lang="en-US"/>
-              <a:t>These two programs demonstrate the flexibility of Weird Machines and Architectural Gadgets to create functionality outside of the intended set. </a:t>
-            </a:r>
-            <a:endParaRPr/>
-          </a:p>
-          <a:p>
-            <a:pPr indent="0" lvl="0" marL="0" rtl="0" algn="l">
-              <a:spcBef>
-                <a:spcPts val="0"/>
-              </a:spcBef>
-              <a:spcAft>
-                <a:spcPts val="0"/>
-              </a:spcAft>
-              <a:buNone/>
-            </a:pPr>
-            <a:r>
-              <a:t/>
-            </a:r>
-            <a:endParaRPr/>
-          </a:p>
-          <a:p>
-            <a:pPr indent="0" lvl="0" marL="0" rtl="0" algn="l">
-              <a:spcBef>
-                <a:spcPts val="0"/>
-              </a:spcBef>
-              <a:spcAft>
-                <a:spcPts val="0"/>
-              </a:spcAft>
-              <a:buNone/>
-            </a:pPr>
-            <a:r>
-              <a:t/>
-            </a:r>
-            <a:endParaRPr/>
-          </a:p>
-        </p:txBody>
-      </p:sp>
-      <p:sp>
-        <p:nvSpPr>
-          <p:cNvPr id="215" name="Google Shape;215;g3b0d07ae252_2_20:notes"/>
+          <p:cNvPr id="221" name="Google Shape;221;g3b0d07ae252_3_0:notes"/>
           <p:cNvSpPr/>
           <p:nvPr>
             <p:ph idx="2" type="sldImg"/>
@@ -2124,7 +1974,7 @@
   <p:cSld>
     <p:spTree>
       <p:nvGrpSpPr>
-        <p:cNvPr id="220" name="Shape 220"/>
+        <p:cNvPr id="228" name="Shape 228"/>
         <p:cNvGrpSpPr/>
         <p:nvPr/>
       </p:nvGrpSpPr>
@@ -2138,7 +1988,199 @@
       </p:grpSpPr>
       <p:sp>
         <p:nvSpPr>
-          <p:cNvPr id="221" name="Google Shape;221;g3b0d07ae252_2_10:notes"/>
+          <p:cNvPr id="229" name="Google Shape;229;g3b0d07ae252_2_20:notes"/>
+          <p:cNvSpPr txBox="1"/>
+          <p:nvPr>
+            <p:ph idx="1" type="body"/>
+          </p:nvPr>
+        </p:nvSpPr>
+        <p:spPr>
+          <a:xfrm>
+            <a:off x="685800" y="4343400"/>
+            <a:ext cx="5486400" cy="4114800"/>
+          </a:xfrm>
+          <a:prstGeom prst="rect">
+            <a:avLst/>
+          </a:prstGeom>
+        </p:spPr>
+        <p:txBody>
+          <a:bodyPr anchorCtr="0" anchor="t" bIns="91425" lIns="91425" spcFirstLastPara="1" rIns="91425" wrap="square" tIns="91425">
+            <a:noAutofit/>
+          </a:bodyPr>
+          <a:lstStyle/>
+          <a:p>
+            <a:pPr indent="0" lvl="0" marL="0" rtl="0" algn="l">
+              <a:spcBef>
+                <a:spcPts val="0"/>
+              </a:spcBef>
+              <a:spcAft>
+                <a:spcPts val="0"/>
+              </a:spcAft>
+              <a:buNone/>
+            </a:pPr>
+            <a:r>
+              <a:rPr lang="en-US"/>
+              <a:t>This implementation of the Weird Gadgets creates a remote mailbox system where messages can be read and written. There is a segmented implementation, where messages of arbitrary size can be sent one character at a time, and an unsegmented implementation, where messages less than some memory size are converted to raw bytes and stored for retrieval. Both pseudo programs make use of conditionals and read/write functions with both integer registers and binary foils. The segmented program also uses loops to iterate through each character of the message. </a:t>
+            </a:r>
+            <a:endParaRPr/>
+          </a:p>
+          <a:p>
+            <a:pPr indent="0" lvl="0" marL="0" rtl="0" algn="l">
+              <a:spcBef>
+                <a:spcPts val="0"/>
+              </a:spcBef>
+              <a:spcAft>
+                <a:spcPts val="0"/>
+              </a:spcAft>
+              <a:buNone/>
+            </a:pPr>
+            <a:r>
+              <a:t/>
+            </a:r>
+            <a:endParaRPr/>
+          </a:p>
+          <a:p>
+            <a:pPr indent="0" lvl="0" marL="0" rtl="0" algn="l">
+              <a:spcBef>
+                <a:spcPts val="0"/>
+              </a:spcBef>
+              <a:spcAft>
+                <a:spcPts val="0"/>
+              </a:spcAft>
+              <a:buNone/>
+            </a:pPr>
+            <a:r>
+              <a:rPr lang="en-US"/>
+              <a:t>The included screenshot shows one iteration of the segmented messaging system. One system starts by writing a character ASCII value to the specified integer register and changing the “unread message” coil to “On” (logically, “True”). The host checks to see if there is a message by reading the “unread message” coil and goes to read the associated message register if it is on. The character is output to the screen and the “unread message” coil is turned off to mark the message as read. This occurs for each letter in the message, terminating when there are no more characters left to send.</a:t>
+            </a:r>
+            <a:endParaRPr/>
+          </a:p>
+          <a:p>
+            <a:pPr indent="0" lvl="0" marL="0" rtl="0" algn="l">
+              <a:spcBef>
+                <a:spcPts val="0"/>
+              </a:spcBef>
+              <a:spcAft>
+                <a:spcPts val="0"/>
+              </a:spcAft>
+              <a:buNone/>
+            </a:pPr>
+            <a:r>
+              <a:t/>
+            </a:r>
+            <a:endParaRPr/>
+          </a:p>
+          <a:p>
+            <a:pPr indent="0" lvl="0" marL="0" rtl="0" algn="l">
+              <a:spcBef>
+                <a:spcPts val="0"/>
+              </a:spcBef>
+              <a:spcAft>
+                <a:spcPts val="0"/>
+              </a:spcAft>
+              <a:buNone/>
+            </a:pPr>
+            <a:r>
+              <a:rPr lang="en-US"/>
+              <a:t>These two programs demonstrate the flexibility of Weird Machines and Architectural Gadgets to create functionality outside of the intended set. </a:t>
+            </a:r>
+            <a:endParaRPr/>
+          </a:p>
+          <a:p>
+            <a:pPr indent="0" lvl="0" marL="0" rtl="0" algn="l">
+              <a:spcBef>
+                <a:spcPts val="0"/>
+              </a:spcBef>
+              <a:spcAft>
+                <a:spcPts val="0"/>
+              </a:spcAft>
+              <a:buNone/>
+            </a:pPr>
+            <a:r>
+              <a:t/>
+            </a:r>
+            <a:endParaRPr/>
+          </a:p>
+          <a:p>
+            <a:pPr indent="0" lvl="0" marL="0" rtl="0" algn="l">
+              <a:spcBef>
+                <a:spcPts val="0"/>
+              </a:spcBef>
+              <a:spcAft>
+                <a:spcPts val="0"/>
+              </a:spcAft>
+              <a:buNone/>
+            </a:pPr>
+            <a:r>
+              <a:t/>
+            </a:r>
+            <a:endParaRPr/>
+          </a:p>
+        </p:txBody>
+      </p:sp>
+      <p:sp>
+        <p:nvSpPr>
+          <p:cNvPr id="230" name="Google Shape;230;g3b0d07ae252_2_20:notes"/>
+          <p:cNvSpPr/>
+          <p:nvPr>
+            <p:ph idx="2" type="sldImg"/>
+          </p:nvPr>
+        </p:nvSpPr>
+        <p:spPr>
+          <a:xfrm>
+            <a:off x="1143225" y="685800"/>
+            <a:ext cx="4572300" cy="3429000"/>
+          </a:xfrm>
+          <a:custGeom>
+            <a:rect b="b" l="l" r="r" t="t"/>
+            <a:pathLst>
+              <a:path extrusionOk="0" h="120000" w="120000">
+                <a:moveTo>
+                  <a:pt x="0" y="0"/>
+                </a:moveTo>
+                <a:lnTo>
+                  <a:pt x="120000" y="0"/>
+                </a:lnTo>
+                <a:lnTo>
+                  <a:pt x="120000" y="120000"/>
+                </a:lnTo>
+                <a:lnTo>
+                  <a:pt x="0" y="120000"/>
+                </a:lnTo>
+                <a:close/>
+              </a:path>
+            </a:pathLst>
+          </a:custGeom>
+        </p:spPr>
+      </p:sp>
+    </p:spTree>
+  </p:cSld>
+  <p:clrMapOvr>
+    <a:masterClrMapping/>
+  </p:clrMapOvr>
+</p:notes>
+</file>
+
+<file path=ppt/notesSlides/notesSlide18.xml><?xml version="1.0" encoding="utf-8"?>
+<p:notes xmlns:a="http://schemas.openxmlformats.org/drawingml/2006/main" xmlns:r="http://schemas.openxmlformats.org/officeDocument/2006/relationships" xmlns:mc="http://schemas.openxmlformats.org/markup-compatibility/2006" xmlns:mv="urn:schemas-microsoft-com:mac:vml" xmlns:p="http://schemas.openxmlformats.org/presentationml/2006/main" xmlns:c="http://schemas.openxmlformats.org/drawingml/2006/chart" xmlns:dgm="http://schemas.openxmlformats.org/drawingml/2006/diagram" xmlns:o="urn:schemas-microsoft-com:office:office" xmlns:v="urn:schemas-microsoft-com:vml" xmlns:pvml="urn:schemas-microsoft-com:office:powerpoint" xmlns:com="http://schemas.openxmlformats.org/drawingml/2006/compatibility" xmlns:p14="http://schemas.microsoft.com/office/powerpoint/2010/main" xmlns:p15="http://schemas.microsoft.com/office/powerpoint/2012/main" xmlns:ahyp="http://schemas.microsoft.com/office/drawing/2018/hyperlinkcolor" showMasterPhAnim="0" showMasterSp="0">
+  <p:cSld>
+    <p:spTree>
+      <p:nvGrpSpPr>
+        <p:cNvPr id="235" name="Shape 235"/>
+        <p:cNvGrpSpPr/>
+        <p:nvPr/>
+      </p:nvGrpSpPr>
+      <p:grpSpPr>
+        <a:xfrm>
+          <a:off x="0" y="0"/>
+          <a:ext cx="0" cy="0"/>
+          <a:chOff x="0" y="0"/>
+          <a:chExt cx="0" cy="0"/>
+        </a:xfrm>
+      </p:grpSpPr>
+      <p:sp>
+        <p:nvSpPr>
+          <p:cNvPr id="236" name="Google Shape;236;g3b0d07ae252_2_10:notes"/>
           <p:cNvSpPr/>
           <p:nvPr>
             <p:ph idx="2" type="sldImg"/>
@@ -2173,7 +2215,7 @@
       </p:sp>
       <p:sp>
         <p:nvSpPr>
-          <p:cNvPr id="222" name="Google Shape;222;g3b0d07ae252_2_10:notes"/>
+          <p:cNvPr id="237" name="Google Shape;237;g3b0d07ae252_2_10:notes"/>
           <p:cNvSpPr txBox="1"/>
           <p:nvPr>
             <p:ph idx="1" type="body"/>
@@ -2266,12 +2308,12 @@
 </p:notes>
 </file>
 
-<file path=ppt/notesSlides/notesSlide18.xml><?xml version="1.0" encoding="utf-8"?>
+<file path=ppt/notesSlides/notesSlide19.xml><?xml version="1.0" encoding="utf-8"?>
 <p:notes xmlns:a="http://schemas.openxmlformats.org/drawingml/2006/main" xmlns:r="http://schemas.openxmlformats.org/officeDocument/2006/relationships" xmlns:mc="http://schemas.openxmlformats.org/markup-compatibility/2006" xmlns:mv="urn:schemas-microsoft-com:mac:vml" xmlns:p="http://schemas.openxmlformats.org/presentationml/2006/main" xmlns:c="http://schemas.openxmlformats.org/drawingml/2006/chart" xmlns:dgm="http://schemas.openxmlformats.org/drawingml/2006/diagram" xmlns:o="urn:schemas-microsoft-com:office:office" xmlns:v="urn:schemas-microsoft-com:vml" xmlns:pvml="urn:schemas-microsoft-com:office:powerpoint" xmlns:com="http://schemas.openxmlformats.org/drawingml/2006/compatibility" xmlns:p14="http://schemas.microsoft.com/office/powerpoint/2010/main" xmlns:p15="http://schemas.microsoft.com/office/powerpoint/2012/main" xmlns:ahyp="http://schemas.microsoft.com/office/drawing/2018/hyperlinkcolor" showMasterPhAnim="0" showMasterSp="0">
   <p:cSld>
     <p:spTree>
       <p:nvGrpSpPr>
-        <p:cNvPr id="230" name="Shape 230"/>
+        <p:cNvPr id="245" name="Shape 245"/>
         <p:cNvGrpSpPr/>
         <p:nvPr/>
       </p:nvGrpSpPr>
@@ -2285,7 +2327,7 @@
       </p:grpSpPr>
       <p:sp>
         <p:nvSpPr>
-          <p:cNvPr id="231" name="Google Shape;231;p11:notes"/>
+          <p:cNvPr id="246" name="Google Shape;246;p11:notes"/>
           <p:cNvSpPr txBox="1"/>
           <p:nvPr>
             <p:ph idx="1" type="body"/>
@@ -2324,144 +2366,7 @@
       </p:sp>
       <p:sp>
         <p:nvSpPr>
-          <p:cNvPr id="232" name="Google Shape;232;p11:notes"/>
-          <p:cNvSpPr/>
-          <p:nvPr>
-            <p:ph idx="2" type="sldImg"/>
-          </p:nvPr>
-        </p:nvSpPr>
-        <p:spPr>
-          <a:xfrm>
-            <a:off x="1143225" y="685800"/>
-            <a:ext cx="4572225" cy="3429000"/>
-          </a:xfrm>
-          <a:custGeom>
-            <a:rect b="b" l="l" r="r" t="t"/>
-            <a:pathLst>
-              <a:path extrusionOk="0" h="120000" w="120000">
-                <a:moveTo>
-                  <a:pt x="0" y="0"/>
-                </a:moveTo>
-                <a:lnTo>
-                  <a:pt x="120000" y="0"/>
-                </a:lnTo>
-                <a:lnTo>
-                  <a:pt x="120000" y="120000"/>
-                </a:lnTo>
-                <a:lnTo>
-                  <a:pt x="0" y="120000"/>
-                </a:lnTo>
-                <a:close/>
-              </a:path>
-            </a:pathLst>
-          </a:custGeom>
-        </p:spPr>
-      </p:sp>
-    </p:spTree>
-  </p:cSld>
-  <p:clrMapOvr>
-    <a:masterClrMapping/>
-  </p:clrMapOvr>
-</p:notes>
-</file>
-
-<file path=ppt/notesSlides/notesSlide19.xml><?xml version="1.0" encoding="utf-8"?>
-<p:notes xmlns:a="http://schemas.openxmlformats.org/drawingml/2006/main" xmlns:r="http://schemas.openxmlformats.org/officeDocument/2006/relationships" xmlns:mc="http://schemas.openxmlformats.org/markup-compatibility/2006" xmlns:mv="urn:schemas-microsoft-com:mac:vml" xmlns:p="http://schemas.openxmlformats.org/presentationml/2006/main" xmlns:c="http://schemas.openxmlformats.org/drawingml/2006/chart" xmlns:dgm="http://schemas.openxmlformats.org/drawingml/2006/diagram" xmlns:o="urn:schemas-microsoft-com:office:office" xmlns:v="urn:schemas-microsoft-com:vml" xmlns:pvml="urn:schemas-microsoft-com:office:powerpoint" xmlns:com="http://schemas.openxmlformats.org/drawingml/2006/compatibility" xmlns:p14="http://schemas.microsoft.com/office/powerpoint/2010/main" xmlns:p15="http://schemas.microsoft.com/office/powerpoint/2012/main" xmlns:ahyp="http://schemas.microsoft.com/office/drawing/2018/hyperlinkcolor" showMasterPhAnim="0" showMasterSp="0">
-  <p:cSld>
-    <p:spTree>
-      <p:nvGrpSpPr>
-        <p:cNvPr id="237" name="Shape 237"/>
-        <p:cNvGrpSpPr/>
-        <p:nvPr/>
-      </p:nvGrpSpPr>
-      <p:grpSpPr>
-        <a:xfrm>
-          <a:off x="0" y="0"/>
-          <a:ext cx="0" cy="0"/>
-          <a:chOff x="0" y="0"/>
-          <a:chExt cx="0" cy="0"/>
-        </a:xfrm>
-      </p:grpSpPr>
-      <p:sp>
-        <p:nvSpPr>
-          <p:cNvPr id="238" name="Google Shape;238;p12:notes"/>
-          <p:cNvSpPr txBox="1"/>
-          <p:nvPr>
-            <p:ph idx="1" type="body"/>
-          </p:nvPr>
-        </p:nvSpPr>
-        <p:spPr>
-          <a:xfrm>
-            <a:off x="685800" y="4343400"/>
-            <a:ext cx="5486400" cy="4114800"/>
-          </a:xfrm>
-          <a:prstGeom prst="rect">
-            <a:avLst/>
-          </a:prstGeom>
-        </p:spPr>
-        <p:txBody>
-          <a:bodyPr anchorCtr="0" anchor="t" bIns="91425" lIns="91425" spcFirstLastPara="1" rIns="91425" wrap="square" tIns="91425">
-            <a:noAutofit/>
-          </a:bodyPr>
-          <a:lstStyle/>
-          <a:p>
-            <a:pPr indent="0" lvl="0" marL="0" marR="381000" rtl="0" algn="l">
-              <a:lnSpc>
-                <a:spcPct val="200000"/>
-              </a:lnSpc>
-              <a:spcBef>
-                <a:spcPts val="1200"/>
-              </a:spcBef>
-              <a:spcAft>
-                <a:spcPts val="0"/>
-              </a:spcAft>
-              <a:buNone/>
-            </a:pPr>
-            <a:r>
-              <a:rPr lang="en-US"/>
-              <a:t>This work doesn’t end with the prototype gadgets we built. The next step is formalizing the research, reflecting on the tooling that enabled it, </a:t>
-            </a:r>
-            <a:endParaRPr/>
-          </a:p>
-          <a:p>
-            <a:pPr indent="0" lvl="0" marL="0" marR="381000" rtl="0" algn="l">
-              <a:lnSpc>
-                <a:spcPct val="200000"/>
-              </a:lnSpc>
-              <a:spcBef>
-                <a:spcPts val="1200"/>
-              </a:spcBef>
-              <a:spcAft>
-                <a:spcPts val="0"/>
-              </a:spcAft>
-              <a:buNone/>
-            </a:pPr>
-            <a:r>
-              <a:rPr lang="en-US"/>
-              <a:t>and exploring how LLMs could help scale weird-machine discovery across cyber physical systems such as our Wind Energy Testbed.</a:t>
-            </a:r>
-            <a:endParaRPr/>
-          </a:p>
-          <a:p>
-            <a:pPr indent="0" lvl="0" marL="0" rtl="0" algn="l">
-              <a:spcBef>
-                <a:spcPts val="1200"/>
-              </a:spcBef>
-              <a:spcAft>
-                <a:spcPts val="0"/>
-              </a:spcAft>
-              <a:buNone/>
-            </a:pPr>
-            <a:r>
-              <a:t/>
-            </a:r>
-            <a:endParaRPr/>
-          </a:p>
-        </p:txBody>
-      </p:sp>
-      <p:sp>
-        <p:nvSpPr>
-          <p:cNvPr id="239" name="Google Shape;239;p12:notes"/>
+          <p:cNvPr id="247" name="Google Shape;247;p11:notes"/>
           <p:cNvSpPr/>
           <p:nvPr>
             <p:ph idx="2" type="sldImg"/>
@@ -2639,7 +2544,7 @@
   <p:cSld>
     <p:spTree>
       <p:nvGrpSpPr>
-        <p:cNvPr id="243" name="Shape 243"/>
+        <p:cNvPr id="252" name="Shape 252"/>
         <p:cNvGrpSpPr/>
         <p:nvPr/>
       </p:nvGrpSpPr>
@@ -2653,7 +2558,7 @@
       </p:grpSpPr>
       <p:sp>
         <p:nvSpPr>
-          <p:cNvPr id="244" name="Google Shape;244;p13:notes"/>
+          <p:cNvPr id="253" name="Google Shape;253;p12:notes"/>
           <p:cNvSpPr txBox="1"/>
           <p:nvPr>
             <p:ph idx="1" type="body"/>
@@ -2674,6 +2579,143 @@
           </a:bodyPr>
           <a:lstStyle/>
           <a:p>
+            <a:pPr indent="0" lvl="0" marL="0" marR="381000" rtl="0" algn="l">
+              <a:lnSpc>
+                <a:spcPct val="200000"/>
+              </a:lnSpc>
+              <a:spcBef>
+                <a:spcPts val="1200"/>
+              </a:spcBef>
+              <a:spcAft>
+                <a:spcPts val="0"/>
+              </a:spcAft>
+              <a:buNone/>
+            </a:pPr>
+            <a:r>
+              <a:rPr lang="en-US"/>
+              <a:t>This work doesn’t end with the prototype gadgets we built. The next step is formalizing the research, reflecting on the tooling that enabled it, </a:t>
+            </a:r>
+            <a:endParaRPr/>
+          </a:p>
+          <a:p>
+            <a:pPr indent="0" lvl="0" marL="0" marR="381000" rtl="0" algn="l">
+              <a:lnSpc>
+                <a:spcPct val="200000"/>
+              </a:lnSpc>
+              <a:spcBef>
+                <a:spcPts val="1200"/>
+              </a:spcBef>
+              <a:spcAft>
+                <a:spcPts val="0"/>
+              </a:spcAft>
+              <a:buNone/>
+            </a:pPr>
+            <a:r>
+              <a:rPr lang="en-US"/>
+              <a:t>and exploring how LLMs could help scale weird-machine discovery across cyber physical systems such as our Wind Energy Testbed.</a:t>
+            </a:r>
+            <a:endParaRPr/>
+          </a:p>
+          <a:p>
+            <a:pPr indent="0" lvl="0" marL="0" rtl="0" algn="l">
+              <a:spcBef>
+                <a:spcPts val="1200"/>
+              </a:spcBef>
+              <a:spcAft>
+                <a:spcPts val="0"/>
+              </a:spcAft>
+              <a:buNone/>
+            </a:pPr>
+            <a:r>
+              <a:t/>
+            </a:r>
+            <a:endParaRPr/>
+          </a:p>
+        </p:txBody>
+      </p:sp>
+      <p:sp>
+        <p:nvSpPr>
+          <p:cNvPr id="254" name="Google Shape;254;p12:notes"/>
+          <p:cNvSpPr/>
+          <p:nvPr>
+            <p:ph idx="2" type="sldImg"/>
+          </p:nvPr>
+        </p:nvSpPr>
+        <p:spPr>
+          <a:xfrm>
+            <a:off x="1143225" y="685800"/>
+            <a:ext cx="4572225" cy="3429000"/>
+          </a:xfrm>
+          <a:custGeom>
+            <a:rect b="b" l="l" r="r" t="t"/>
+            <a:pathLst>
+              <a:path extrusionOk="0" h="120000" w="120000">
+                <a:moveTo>
+                  <a:pt x="0" y="0"/>
+                </a:moveTo>
+                <a:lnTo>
+                  <a:pt x="120000" y="0"/>
+                </a:lnTo>
+                <a:lnTo>
+                  <a:pt x="120000" y="120000"/>
+                </a:lnTo>
+                <a:lnTo>
+                  <a:pt x="0" y="120000"/>
+                </a:lnTo>
+                <a:close/>
+              </a:path>
+            </a:pathLst>
+          </a:custGeom>
+        </p:spPr>
+      </p:sp>
+    </p:spTree>
+  </p:cSld>
+  <p:clrMapOvr>
+    <a:masterClrMapping/>
+  </p:clrMapOvr>
+</p:notes>
+</file>
+
+<file path=ppt/notesSlides/notesSlide21.xml><?xml version="1.0" encoding="utf-8"?>
+<p:notes xmlns:a="http://schemas.openxmlformats.org/drawingml/2006/main" xmlns:r="http://schemas.openxmlformats.org/officeDocument/2006/relationships" xmlns:mc="http://schemas.openxmlformats.org/markup-compatibility/2006" xmlns:mv="urn:schemas-microsoft-com:mac:vml" xmlns:p="http://schemas.openxmlformats.org/presentationml/2006/main" xmlns:c="http://schemas.openxmlformats.org/drawingml/2006/chart" xmlns:dgm="http://schemas.openxmlformats.org/drawingml/2006/diagram" xmlns:o="urn:schemas-microsoft-com:office:office" xmlns:v="urn:schemas-microsoft-com:vml" xmlns:pvml="urn:schemas-microsoft-com:office:powerpoint" xmlns:com="http://schemas.openxmlformats.org/drawingml/2006/compatibility" xmlns:p14="http://schemas.microsoft.com/office/powerpoint/2010/main" xmlns:p15="http://schemas.microsoft.com/office/powerpoint/2012/main" xmlns:ahyp="http://schemas.microsoft.com/office/drawing/2018/hyperlinkcolor" showMasterPhAnim="0" showMasterSp="0">
+  <p:cSld>
+    <p:spTree>
+      <p:nvGrpSpPr>
+        <p:cNvPr id="258" name="Shape 258"/>
+        <p:cNvGrpSpPr/>
+        <p:nvPr/>
+      </p:nvGrpSpPr>
+      <p:grpSpPr>
+        <a:xfrm>
+          <a:off x="0" y="0"/>
+          <a:ext cx="0" cy="0"/>
+          <a:chOff x="0" y="0"/>
+          <a:chExt cx="0" cy="0"/>
+        </a:xfrm>
+      </p:grpSpPr>
+      <p:sp>
+        <p:nvSpPr>
+          <p:cNvPr id="259" name="Google Shape;259;p13:notes"/>
+          <p:cNvSpPr txBox="1"/>
+          <p:nvPr>
+            <p:ph idx="1" type="body"/>
+          </p:nvPr>
+        </p:nvSpPr>
+        <p:spPr>
+          <a:xfrm>
+            <a:off x="685800" y="4343400"/>
+            <a:ext cx="5486400" cy="4114800"/>
+          </a:xfrm>
+          <a:prstGeom prst="rect">
+            <a:avLst/>
+          </a:prstGeom>
+        </p:spPr>
+        <p:txBody>
+          <a:bodyPr anchorCtr="0" anchor="t" bIns="91425" lIns="91425" spcFirstLastPara="1" rIns="91425" wrap="square" tIns="91425">
+            <a:noAutofit/>
+          </a:bodyPr>
+          <a:lstStyle/>
+          <a:p>
             <a:pPr indent="0" lvl="0" marL="0" rtl="0" algn="l">
               <a:spcBef>
                 <a:spcPts val="0"/>
@@ -2698,7 +2740,7 @@
                 <a:cs typeface="Roboto"/>
                 <a:sym typeface="Roboto"/>
               </a:rPr>
-              <a:t>A consortium LLM is essentially a team of specialized models plus a reasoning “conductor” that turns many opinions into one justified decision.​</a:t>
+              <a:t>A consortium LLM is a team of specialized models plus a reasoning “conductor” that turns many opinions into one justified decision. It lets us replace a single general model with a coordinated group that can explain what it decided and why.</a:t>
             </a:r>
             <a:endParaRPr sz="1200">
               <a:solidFill>
@@ -2763,7 +2805,7 @@
                 <a:cs typeface="Roboto"/>
                 <a:sym typeface="Roboto"/>
               </a:rPr>
-              <a:t>Instead of relying on a single large language model to make important decisions, we can build a consortium: several smaller, specialized models that each look at the same input from a slightly different perspective. This ensemble mimics a team of experts in a case conference, where diversity of views leads to better, more reliable answers than any one expert working alone.​</a:t>
+              <a:t>Instead of relying on one large language model, we use several smaller, specialized models that all read the same technical manual from different perspectives. This setup mimics a case conference: each “expert” notices different clues, and together they give a more reliable answer than any one model alone.</a:t>
             </a:r>
             <a:endParaRPr sz="1200">
               <a:solidFill>
@@ -2828,7 +2870,7 @@
                 <a:cs typeface="Roboto"/>
                 <a:sym typeface="Roboto"/>
               </a:rPr>
-              <a:t>Each member of the consortium starts as a general‑purpose model, but then gets fine‑tuned on domain‑specific data and task‑specific output formats. In our case this is fine tuning the models on identifying weird gadgets based on system architecture documentation and descriptions. This is just like we did manually for our wind energy test bed. That fine‑tuning is what teaches a model to speak the local language of the domain.​</a:t>
+              <a:t>Each member starts as a general‑purpose model, then is fine‑tuned on domain‑specific data and task‑specific outputs. In our case, that means fine‑tuning on the weird‑machine gadget work we already did by hand on the wind energy test bed, using its technical manuals and our labeled gadget examples. That training teaches each model to “speak the local language” of registers, coils, state machines, protocol bridges, and security checks in exactly the way we analyzed them manually.</a:t>
             </a:r>
             <a:endParaRPr sz="1200">
               <a:solidFill>
@@ -2893,7 +2935,7 @@
                 <a:cs typeface="Roboto"/>
                 <a:sym typeface="Roboto"/>
               </a:rPr>
-              <a:t>On top of these models sits a reasoning LLM that acts as the orchestrator. It receives the individual outputs, compares them, detects agreement and disagreement, and then applies explicit step‑by‑step deliberation to synthesize a final answer with an accompanying rationale.​</a:t>
+              <a:t>On top of these specialists sits a reasoning LLM that acts as the orchestrator. It takes their proposed gadgets, compares where they agree or disagree, and then walks through an explicit step‑by‑step argument to choose a final answer and rationale. This turns raw diversity into structured consensus, makes the process transparent, and lets the system know when to hand a hard case back to a human because disagreement remains high.</a:t>
             </a:r>
             <a:endParaRPr sz="1200">
               <a:solidFill>
@@ -2958,35 +3000,7 @@
                 <a:cs typeface="Roboto"/>
                 <a:sym typeface="Roboto"/>
               </a:rPr>
-              <a:t>This reasoner is critical for three reasons. First, it turns raw diversity into structured consensus, improving accuracy and robustness over simple voting or averaging. Second, it makes the process more transparent: because it sees all intermediate outputs, it can explain why a particular conclusion was chosen and when the ensemble is uncertain. Third, it enables escalating to a human when disagreement stays high.​</a:t>
-            </a:r>
-            <a:endParaRPr sz="1200">
-              <a:solidFill>
-                <a:schemeClr val="dk1"/>
-              </a:solidFill>
-              <a:latin typeface="Roboto"/>
-              <a:ea typeface="Roboto"/>
-              <a:cs typeface="Roboto"/>
-              <a:sym typeface="Roboto"/>
-            </a:endParaRPr>
-          </a:p>
-          <a:p>
-            <a:pPr indent="0" lvl="0" marL="0" rtl="0" algn="l">
-              <a:spcBef>
-                <a:spcPts val="0"/>
-              </a:spcBef>
-              <a:spcAft>
-                <a:spcPts val="0"/>
-              </a:spcAft>
-              <a:buClr>
-                <a:schemeClr val="dk1"/>
-              </a:buClr>
-              <a:buSzPts val="1100"/>
-              <a:buFont typeface="Arial"/>
-              <a:buNone/>
-            </a:pPr>
-            <a:r>
-              <a:t/>
+              <a:t>What the output looks like</a:t>
             </a:r>
             <a:endParaRPr sz="1200">
               <a:solidFill>
@@ -3023,7 +3037,7 @@
                 <a:cs typeface="Roboto"/>
                 <a:sym typeface="Roboto"/>
               </a:rPr>
-              <a:t>Detecting weird machine gadgets from architecture documentation and description decisions into structured outputs efficiently requires a consortium with targeted fine‑tuning and an explicit reasoning layer. These capabilities deliver more reliable, interpretable, and domain‑aligned results than a single monolithic model.</a:t>
+              <a:t>For example, the consortium might produce an output like:</a:t>
             </a:r>
             <a:endParaRPr sz="1200">
               <a:solidFill>
@@ -3046,7 +3060,16 @@
               <a:buNone/>
             </a:pPr>
             <a:r>
-              <a:t/>
+              <a:rPr lang="en-US" sz="1200">
+                <a:solidFill>
+                  <a:schemeClr val="dk1"/>
+                </a:solidFill>
+                <a:latin typeface="Roboto"/>
+                <a:ea typeface="Roboto"/>
+                <a:cs typeface="Roboto"/>
+                <a:sym typeface="Roboto"/>
+              </a:rPr>
+              <a:t>“Type: Read/Write gadget. Location: Modbus holding register 40001, accessed via FC03/FC06 in the turbine technical manual. Explanation: By issuing a sequence of legitimate writes and reads to 40001 each control cycle, one can implement a counter variable for use in a weird machine.</a:t>
             </a:r>
             <a:endParaRPr sz="1200">
               <a:solidFill>
@@ -3062,7 +3085,7 @@
       </p:sp>
       <p:sp>
         <p:nvSpPr>
-          <p:cNvPr id="245" name="Google Shape;245;p13:notes"/>
+          <p:cNvPr id="260" name="Google Shape;260;p13:notes"/>
           <p:cNvSpPr/>
           <p:nvPr>
             <p:ph idx="2" type="sldImg"/>
@@ -3072,6 +3095,143 @@
           <a:xfrm>
             <a:off x="1143225" y="685800"/>
             <a:ext cx="4572225" cy="3429000"/>
+          </a:xfrm>
+          <a:custGeom>
+            <a:rect b="b" l="l" r="r" t="t"/>
+            <a:pathLst>
+              <a:path extrusionOk="0" h="120000" w="120000">
+                <a:moveTo>
+                  <a:pt x="0" y="0"/>
+                </a:moveTo>
+                <a:lnTo>
+                  <a:pt x="120000" y="0"/>
+                </a:lnTo>
+                <a:lnTo>
+                  <a:pt x="120000" y="120000"/>
+                </a:lnTo>
+                <a:lnTo>
+                  <a:pt x="0" y="120000"/>
+                </a:lnTo>
+                <a:close/>
+              </a:path>
+            </a:pathLst>
+          </a:custGeom>
+        </p:spPr>
+      </p:sp>
+    </p:spTree>
+  </p:cSld>
+  <p:clrMapOvr>
+    <a:masterClrMapping/>
+  </p:clrMapOvr>
+</p:notes>
+</file>
+
+<file path=ppt/notesSlides/notesSlide22.xml><?xml version="1.0" encoding="utf-8"?>
+<p:notes xmlns:a="http://schemas.openxmlformats.org/drawingml/2006/main" xmlns:r="http://schemas.openxmlformats.org/officeDocument/2006/relationships" xmlns:mc="http://schemas.openxmlformats.org/markup-compatibility/2006" xmlns:mv="urn:schemas-microsoft-com:mac:vml" xmlns:p="http://schemas.openxmlformats.org/presentationml/2006/main" xmlns:c="http://schemas.openxmlformats.org/drawingml/2006/chart" xmlns:dgm="http://schemas.openxmlformats.org/drawingml/2006/diagram" xmlns:o="urn:schemas-microsoft-com:office:office" xmlns:v="urn:schemas-microsoft-com:vml" xmlns:pvml="urn:schemas-microsoft-com:office:powerpoint" xmlns:com="http://schemas.openxmlformats.org/drawingml/2006/compatibility" xmlns:p14="http://schemas.microsoft.com/office/powerpoint/2010/main" xmlns:p15="http://schemas.microsoft.com/office/powerpoint/2012/main" xmlns:ahyp="http://schemas.microsoft.com/office/drawing/2018/hyperlinkcolor" showMasterPhAnim="0" showMasterSp="0">
+  <p:cSld>
+    <p:spTree>
+      <p:nvGrpSpPr>
+        <p:cNvPr id="269" name="Shape 269"/>
+        <p:cNvGrpSpPr/>
+        <p:nvPr/>
+      </p:nvGrpSpPr>
+      <p:grpSpPr>
+        <a:xfrm>
+          <a:off x="0" y="0"/>
+          <a:ext cx="0" cy="0"/>
+          <a:chOff x="0" y="0"/>
+          <a:chExt cx="0" cy="0"/>
+        </a:xfrm>
+      </p:grpSpPr>
+      <p:sp>
+        <p:nvSpPr>
+          <p:cNvPr id="270" name="Google Shape;270;g3a71d4f651d_0_0:notes"/>
+          <p:cNvSpPr txBox="1"/>
+          <p:nvPr>
+            <p:ph idx="1" type="body"/>
+          </p:nvPr>
+        </p:nvSpPr>
+        <p:spPr>
+          <a:xfrm>
+            <a:off x="685800" y="4343400"/>
+            <a:ext cx="5486400" cy="4114800"/>
+          </a:xfrm>
+          <a:prstGeom prst="rect">
+            <a:avLst/>
+          </a:prstGeom>
+        </p:spPr>
+        <p:txBody>
+          <a:bodyPr anchorCtr="0" anchor="t" bIns="91425" lIns="91425" spcFirstLastPara="1" rIns="91425" wrap="square" tIns="91425">
+            <a:noAutofit/>
+          </a:bodyPr>
+          <a:lstStyle/>
+          <a:p>
+            <a:pPr indent="0" lvl="0" marL="0" marR="381000" rtl="0" algn="l">
+              <a:lnSpc>
+                <a:spcPct val="200000"/>
+              </a:lnSpc>
+              <a:spcBef>
+                <a:spcPts val="1200"/>
+              </a:spcBef>
+              <a:spcAft>
+                <a:spcPts val="0"/>
+              </a:spcAft>
+              <a:buNone/>
+            </a:pPr>
+            <a:r>
+              <a:rPr lang="en-US"/>
+              <a:t>This work doesn’t end with the prototype gadgets we built. The next step is formalizing the research, reflecting on the tooling that enabled it, </a:t>
+            </a:r>
+            <a:endParaRPr/>
+          </a:p>
+          <a:p>
+            <a:pPr indent="0" lvl="0" marL="0" marR="381000" rtl="0" algn="l">
+              <a:lnSpc>
+                <a:spcPct val="200000"/>
+              </a:lnSpc>
+              <a:spcBef>
+                <a:spcPts val="1200"/>
+              </a:spcBef>
+              <a:spcAft>
+                <a:spcPts val="0"/>
+              </a:spcAft>
+              <a:buNone/>
+            </a:pPr>
+            <a:r>
+              <a:rPr lang="en-US"/>
+              <a:t>and exploring how LLMs could help scale weird-machine discovery across cyber physical systems such as our Wind Energy Testbed.</a:t>
+            </a:r>
+            <a:endParaRPr/>
+          </a:p>
+          <a:p>
+            <a:pPr indent="0" lvl="0" marL="0" rtl="0" algn="l">
+              <a:spcBef>
+                <a:spcPts val="1200"/>
+              </a:spcBef>
+              <a:spcAft>
+                <a:spcPts val="0"/>
+              </a:spcAft>
+              <a:buNone/>
+            </a:pPr>
+            <a:r>
+              <a:t/>
+            </a:r>
+            <a:endParaRPr/>
+          </a:p>
+        </p:txBody>
+      </p:sp>
+      <p:sp>
+        <p:nvSpPr>
+          <p:cNvPr id="271" name="Google Shape;271;g3a71d4f651d_0_0:notes"/>
+          <p:cNvSpPr/>
+          <p:nvPr>
+            <p:ph idx="2" type="sldImg"/>
+          </p:nvPr>
+        </p:nvSpPr>
+        <p:spPr>
+          <a:xfrm>
+            <a:off x="1143225" y="685800"/>
+            <a:ext cx="4572300" cy="3429000"/>
           </a:xfrm>
           <a:custGeom>
             <a:rect b="b" l="l" r="r" t="t"/>
@@ -3420,6 +3580,83 @@
             </a:r>
             <a:endParaRPr/>
           </a:p>
+          <a:p>
+            <a:pPr indent="0" lvl="0" marL="0" rtl="0" algn="l">
+              <a:spcBef>
+                <a:spcPts val="0"/>
+              </a:spcBef>
+              <a:spcAft>
+                <a:spcPts val="0"/>
+              </a:spcAft>
+              <a:buClr>
+                <a:schemeClr val="dk1"/>
+              </a:buClr>
+              <a:buSzPts val="1100"/>
+              <a:buFont typeface="Arial"/>
+              <a:buNone/>
+            </a:pPr>
+            <a:r>
+              <a:t/>
+            </a:r>
+            <a:endParaRPr/>
+          </a:p>
+          <a:p>
+            <a:pPr indent="0" lvl="0" marL="0" rtl="0" algn="l">
+              <a:spcBef>
+                <a:spcPts val="0"/>
+              </a:spcBef>
+              <a:spcAft>
+                <a:spcPts val="0"/>
+              </a:spcAft>
+              <a:buClr>
+                <a:schemeClr val="dk1"/>
+              </a:buClr>
+              <a:buSzPts val="1100"/>
+              <a:buFont typeface="Arial"/>
+              <a:buNone/>
+            </a:pPr>
+            <a:r>
+              <a:rPr lang="en-US"/>
+              <a:t>Bri - </a:t>
+            </a:r>
+            <a:r>
+              <a:rPr i="1" lang="en-US"/>
+              <a:t>Hacking &amp; Computer Science by Bratus</a:t>
+            </a:r>
+            <a:r>
+              <a:rPr lang="en-US"/>
+              <a:t> introduced that security complexity can be a detriment in many systems even when organized within layers. It suggested that every system operated on some layer of trust, inviting exploitation a complex environment a weird machine would thrive in. Additionally, </a:t>
+            </a:r>
+            <a:r>
+              <a:rPr i="1" lang="en-US"/>
+              <a:t>Weird Machines, Exploitability, and Provable Unexploitability </a:t>
+            </a:r>
+            <a:r>
+              <a:rPr lang="en-US"/>
+              <a:t>by Dullien helped in defining a weird machine as a unintended, but functional state existing between a system’s normal operations. </a:t>
+            </a:r>
+            <a:endParaRPr/>
+          </a:p>
+          <a:p>
+            <a:pPr indent="0" lvl="0" marL="0" rtl="0" algn="l">
+              <a:spcBef>
+                <a:spcPts val="0"/>
+              </a:spcBef>
+              <a:spcAft>
+                <a:spcPts val="0"/>
+              </a:spcAft>
+              <a:buClr>
+                <a:schemeClr val="dk1"/>
+              </a:buClr>
+              <a:buSzPts val="1100"/>
+              <a:buFont typeface="Arial"/>
+              <a:buNone/>
+            </a:pPr>
+            <a:r>
+              <a:t/>
+            </a:r>
+            <a:endParaRPr/>
+          </a:p>
         </p:txBody>
       </p:sp>
       <p:sp>
@@ -3560,39 +3797,7 @@
                   <a:schemeClr val="dk1"/>
                 </a:solidFill>
               </a:rPr>
-              <a:t>It starts with the  Apollo 13 Mailbox, arguably the first beneficial cyber-physical weird machine, astronauts repurposed constrained hardware and procedures to compute a life-saving solution under failure conditions.</a:t>
-            </a:r>
-            <a:endParaRPr>
-              <a:solidFill>
-                <a:schemeClr val="dk1"/>
-              </a:solidFill>
-            </a:endParaRPr>
-          </a:p>
-          <a:p>
-            <a:pPr indent="0" lvl="0" marL="0" rtl="0" algn="l">
-              <a:lnSpc>
-                <a:spcPct val="115000"/>
-              </a:lnSpc>
-              <a:spcBef>
-                <a:spcPts val="1200"/>
-              </a:spcBef>
-              <a:spcAft>
-                <a:spcPts val="0"/>
-              </a:spcAft>
-              <a:buClr>
-                <a:schemeClr val="dk1"/>
-              </a:buClr>
-              <a:buSzPts val="1100"/>
-              <a:buFont typeface="Arial"/>
-              <a:buNone/>
-            </a:pPr>
-            <a:r>
-              <a:rPr lang="en-US">
-                <a:solidFill>
-                  <a:schemeClr val="dk1"/>
-                </a:solidFill>
-              </a:rPr>
-              <a:t>Early theoretical work in the 1970s showed that ambiguity and access-control mechanisms can unintentionally become computationally powerful.</a:t>
+              <a:t>An early weird machine example is the Apollo 13 Mailbox, arguably one of the first recorded beneficial cyber-physical weird machine, astronauts repurposed constrained hardware and procedures to compute a life-saving solution under failure conditions.</a:t>
             </a:r>
             <a:endParaRPr>
               <a:solidFill>
@@ -3897,7 +4102,8 @@
               <a:buNone/>
             </a:pPr>
             <a:r>
-              <a:t/>
+              <a:rPr lang="en-US"/>
+              <a:t>My personal experience of a weird machine came from a fighting game, Tekken 8, where through using unexpected inputs, players were able to give male characters access to a slapping move only intended for female characters. Users then exploited this further by building a syntax upon it when introducing other factors like specific stance changes and timing. As a result, movesets that had hardly changed for decades, became variables as characters began swapping movelists entirely, even allowing players to discover data tables for characters not yet in the game. </a:t>
             </a:r>
             <a:endParaRPr/>
           </a:p>
@@ -17480,6 +17686,244 @@
           </a:ln>
         </p:spPr>
       </p:pic>
+      <p:sp>
+        <p:nvSpPr>
+          <p:cNvPr id="175" name="Google Shape;175;p7"/>
+          <p:cNvSpPr/>
+          <p:nvPr/>
+        </p:nvSpPr>
+        <p:spPr>
+          <a:xfrm>
+            <a:off x="5043350" y="5565300"/>
+            <a:ext cx="1456500" cy="758700"/>
+          </a:xfrm>
+          <a:prstGeom prst="flowChartConnector">
+            <a:avLst/>
+          </a:prstGeom>
+          <a:noFill/>
+          <a:ln cap="flat" cmpd="sng" w="38100">
+            <a:solidFill>
+              <a:schemeClr val="dk2"/>
+            </a:solidFill>
+            <a:prstDash val="solid"/>
+            <a:round/>
+            <a:headEnd len="sm" w="sm" type="none"/>
+            <a:tailEnd len="sm" w="sm" type="none"/>
+          </a:ln>
+        </p:spPr>
+        <p:txBody>
+          <a:bodyPr anchorCtr="0" anchor="ctr" bIns="91425" lIns="91425" spcFirstLastPara="1" rIns="91425" wrap="square" tIns="91425">
+            <a:noAutofit/>
+          </a:bodyPr>
+          <a:lstStyle/>
+          <a:p>
+            <a:pPr indent="0" lvl="0" marL="0" rtl="0" algn="ctr">
+              <a:spcBef>
+                <a:spcPts val="0"/>
+              </a:spcBef>
+              <a:spcAft>
+                <a:spcPts val="0"/>
+              </a:spcAft>
+              <a:buNone/>
+            </a:pPr>
+            <a:r>
+              <a:t/>
+            </a:r>
+            <a:endParaRPr/>
+          </a:p>
+        </p:txBody>
+      </p:sp>
+      <p:sp>
+        <p:nvSpPr>
+          <p:cNvPr id="176" name="Google Shape;176;p7"/>
+          <p:cNvSpPr/>
+          <p:nvPr/>
+        </p:nvSpPr>
+        <p:spPr>
+          <a:xfrm>
+            <a:off x="1159850" y="5565300"/>
+            <a:ext cx="1456500" cy="758700"/>
+          </a:xfrm>
+          <a:prstGeom prst="flowChartConnector">
+            <a:avLst/>
+          </a:prstGeom>
+          <a:noFill/>
+          <a:ln cap="flat" cmpd="sng" w="38100">
+            <a:solidFill>
+              <a:schemeClr val="dk2"/>
+            </a:solidFill>
+            <a:prstDash val="solid"/>
+            <a:round/>
+            <a:headEnd len="sm" w="sm" type="none"/>
+            <a:tailEnd len="sm" w="sm" type="none"/>
+          </a:ln>
+        </p:spPr>
+        <p:txBody>
+          <a:bodyPr anchorCtr="0" anchor="ctr" bIns="91425" lIns="91425" spcFirstLastPara="1" rIns="91425" wrap="square" tIns="91425">
+            <a:noAutofit/>
+          </a:bodyPr>
+          <a:lstStyle/>
+          <a:p>
+            <a:pPr indent="0" lvl="0" marL="0" rtl="0" algn="ctr">
+              <a:spcBef>
+                <a:spcPts val="0"/>
+              </a:spcBef>
+              <a:spcAft>
+                <a:spcPts val="0"/>
+              </a:spcAft>
+              <a:buNone/>
+            </a:pPr>
+            <a:r>
+              <a:t/>
+            </a:r>
+            <a:endParaRPr/>
+          </a:p>
+        </p:txBody>
+      </p:sp>
+      <p:sp>
+        <p:nvSpPr>
+          <p:cNvPr id="177" name="Google Shape;177;p7"/>
+          <p:cNvSpPr/>
+          <p:nvPr/>
+        </p:nvSpPr>
+        <p:spPr>
+          <a:xfrm>
+            <a:off x="6499850" y="4413525"/>
+            <a:ext cx="1456500" cy="758700"/>
+          </a:xfrm>
+          <a:prstGeom prst="flowChartConnector">
+            <a:avLst/>
+          </a:prstGeom>
+          <a:noFill/>
+          <a:ln cap="flat" cmpd="sng" w="38100">
+            <a:solidFill>
+              <a:schemeClr val="dk2"/>
+            </a:solidFill>
+            <a:prstDash val="solid"/>
+            <a:round/>
+            <a:headEnd len="sm" w="sm" type="none"/>
+            <a:tailEnd len="sm" w="sm" type="none"/>
+          </a:ln>
+        </p:spPr>
+        <p:txBody>
+          <a:bodyPr anchorCtr="0" anchor="ctr" bIns="91425" lIns="91425" spcFirstLastPara="1" rIns="91425" wrap="square" tIns="91425">
+            <a:noAutofit/>
+          </a:bodyPr>
+          <a:lstStyle/>
+          <a:p>
+            <a:pPr indent="0" lvl="0" marL="0" rtl="0" algn="ctr">
+              <a:spcBef>
+                <a:spcPts val="0"/>
+              </a:spcBef>
+              <a:spcAft>
+                <a:spcPts val="0"/>
+              </a:spcAft>
+              <a:buNone/>
+            </a:pPr>
+            <a:r>
+              <a:t/>
+            </a:r>
+            <a:endParaRPr/>
+          </a:p>
+        </p:txBody>
+      </p:sp>
+      <p:sp>
+        <p:nvSpPr>
+          <p:cNvPr id="178" name="Google Shape;178;p7"/>
+          <p:cNvSpPr/>
+          <p:nvPr/>
+        </p:nvSpPr>
+        <p:spPr>
+          <a:xfrm>
+            <a:off x="8776400" y="978400"/>
+            <a:ext cx="940200" cy="729900"/>
+          </a:xfrm>
+          <a:prstGeom prst="flowChartConnector">
+            <a:avLst/>
+          </a:prstGeom>
+          <a:noFill/>
+          <a:ln cap="flat" cmpd="sng" w="38100">
+            <a:solidFill>
+              <a:schemeClr val="dk2"/>
+            </a:solidFill>
+            <a:prstDash val="solid"/>
+            <a:round/>
+            <a:headEnd len="sm" w="sm" type="none"/>
+            <a:tailEnd len="sm" w="sm" type="none"/>
+          </a:ln>
+        </p:spPr>
+        <p:txBody>
+          <a:bodyPr anchorCtr="0" anchor="ctr" bIns="91425" lIns="91425" spcFirstLastPara="1" rIns="91425" wrap="square" tIns="91425">
+            <a:noAutofit/>
+          </a:bodyPr>
+          <a:lstStyle/>
+          <a:p>
+            <a:pPr indent="0" lvl="0" marL="0" rtl="0" algn="ctr">
+              <a:spcBef>
+                <a:spcPts val="0"/>
+              </a:spcBef>
+              <a:spcAft>
+                <a:spcPts val="0"/>
+              </a:spcAft>
+              <a:buNone/>
+            </a:pPr>
+            <a:r>
+              <a:t/>
+            </a:r>
+            <a:endParaRPr/>
+          </a:p>
+        </p:txBody>
+      </p:sp>
+      <p:sp>
+        <p:nvSpPr>
+          <p:cNvPr id="179" name="Google Shape;179;p7"/>
+          <p:cNvSpPr txBox="1"/>
+          <p:nvPr/>
+        </p:nvSpPr>
+        <p:spPr>
+          <a:xfrm>
+            <a:off x="9898575" y="973900"/>
+            <a:ext cx="1905600" cy="738900"/>
+          </a:xfrm>
+          <a:prstGeom prst="rect">
+            <a:avLst/>
+          </a:prstGeom>
+          <a:noFill/>
+          <a:ln>
+            <a:noFill/>
+          </a:ln>
+        </p:spPr>
+        <p:txBody>
+          <a:bodyPr anchorCtr="0" anchor="t" bIns="91425" lIns="91425" spcFirstLastPara="1" rIns="91425" wrap="square" tIns="91425">
+            <a:spAutoFit/>
+          </a:bodyPr>
+          <a:lstStyle/>
+          <a:p>
+            <a:pPr indent="0" lvl="0" marL="0" rtl="0" algn="l">
+              <a:spcBef>
+                <a:spcPts val="0"/>
+              </a:spcBef>
+              <a:spcAft>
+                <a:spcPts val="0"/>
+              </a:spcAft>
+              <a:buNone/>
+            </a:pPr>
+            <a:r>
+              <a:rPr lang="en-US" sz="1800">
+                <a:solidFill>
+                  <a:schemeClr val="dk1"/>
+                </a:solidFill>
+              </a:rPr>
+              <a:t>Modbus Connection</a:t>
+            </a:r>
+            <a:endParaRPr sz="1800">
+              <a:solidFill>
+                <a:schemeClr val="dk1"/>
+              </a:solidFill>
+            </a:endParaRPr>
+          </a:p>
+        </p:txBody>
+      </p:sp>
     </p:spTree>
   </p:cSld>
   <p:clrMapOvr>
@@ -17493,7 +17937,7 @@
   <p:cSld>
     <p:spTree>
       <p:nvGrpSpPr>
-        <p:cNvPr id="178" name="Shape 178"/>
+        <p:cNvPr id="183" name="Shape 183"/>
         <p:cNvGrpSpPr/>
         <p:nvPr/>
       </p:nvGrpSpPr>
@@ -17507,7 +17951,874 @@
       </p:grpSpPr>
       <p:sp>
         <p:nvSpPr>
-          <p:cNvPr id="179" name="Google Shape;179;g3b0d07ae252_9_2"/>
+          <p:cNvPr id="184" name="Google Shape;184;g3a71d4f651d_2_0"/>
+          <p:cNvSpPr txBox="1"/>
+          <p:nvPr>
+            <p:ph type="title"/>
+          </p:nvPr>
+        </p:nvSpPr>
+        <p:spPr>
+          <a:xfrm>
+            <a:off x="521208" y="978408"/>
+            <a:ext cx="11155800" cy="1463100"/>
+          </a:xfrm>
+          <a:prstGeom prst="rect">
+            <a:avLst/>
+          </a:prstGeom>
+        </p:spPr>
+        <p:txBody>
+          <a:bodyPr anchorCtr="0" anchor="t" bIns="45700" lIns="91425" spcFirstLastPara="1" rIns="91425" wrap="square" tIns="45700">
+            <a:normAutofit/>
+          </a:bodyPr>
+          <a:lstStyle/>
+          <a:p>
+            <a:pPr indent="0" lvl="0" marL="0" rtl="0" algn="l">
+              <a:spcBef>
+                <a:spcPts val="0"/>
+              </a:spcBef>
+              <a:spcAft>
+                <a:spcPts val="0"/>
+              </a:spcAft>
+              <a:buNone/>
+            </a:pPr>
+            <a:r>
+              <a:rPr lang="en-US"/>
+              <a:t>Modbus is the connective tissue</a:t>
+            </a:r>
+            <a:endParaRPr/>
+          </a:p>
+        </p:txBody>
+      </p:sp>
+      <p:sp>
+        <p:nvSpPr>
+          <p:cNvPr id="185" name="Google Shape;185;g3a71d4f651d_2_0"/>
+          <p:cNvSpPr txBox="1"/>
+          <p:nvPr>
+            <p:ph idx="1" type="body"/>
+          </p:nvPr>
+        </p:nvSpPr>
+        <p:spPr>
+          <a:xfrm>
+            <a:off x="217754" y="2289538"/>
+            <a:ext cx="5413500" cy="3767400"/>
+          </a:xfrm>
+          <a:prstGeom prst="rect">
+            <a:avLst/>
+          </a:prstGeom>
+        </p:spPr>
+        <p:txBody>
+          <a:bodyPr anchorCtr="0" anchor="t" bIns="45700" lIns="91425" spcFirstLastPara="1" rIns="91425" wrap="square" tIns="45700">
+            <a:normAutofit lnSpcReduction="10000"/>
+          </a:bodyPr>
+          <a:lstStyle/>
+          <a:p>
+            <a:pPr indent="-419100" lvl="0" marL="457200" rtl="0" algn="l">
+              <a:spcBef>
+                <a:spcPts val="1000"/>
+              </a:spcBef>
+              <a:spcAft>
+                <a:spcPts val="0"/>
+              </a:spcAft>
+              <a:buSzPts val="3000"/>
+              <a:buChar char="●"/>
+            </a:pPr>
+            <a:r>
+              <a:rPr lang="en-US" sz="3000"/>
+              <a:t>Building blocks: </a:t>
+            </a:r>
+            <a:br>
+              <a:rPr lang="en-US" sz="3000"/>
+            </a:br>
+            <a:r>
+              <a:rPr lang="en-US" sz="3000"/>
+              <a:t>Coils (on-off) &amp; </a:t>
+            </a:r>
+            <a:br>
+              <a:rPr lang="en-US" sz="3000"/>
+            </a:br>
+            <a:r>
+              <a:rPr lang="en-US" sz="3000"/>
+              <a:t>Registers (numeric values)</a:t>
+            </a:r>
+            <a:endParaRPr sz="3000"/>
+          </a:p>
+          <a:p>
+            <a:pPr indent="-419100" lvl="0" marL="457200" rtl="0" algn="l">
+              <a:spcBef>
+                <a:spcPts val="0"/>
+              </a:spcBef>
+              <a:spcAft>
+                <a:spcPts val="0"/>
+              </a:spcAft>
+              <a:buSzPts val="3000"/>
+              <a:buChar char="●"/>
+            </a:pPr>
+            <a:r>
+              <a:rPr lang="en-US" sz="3000"/>
+              <a:t>Shared access enables real-time coordination</a:t>
+            </a:r>
+            <a:endParaRPr sz="3000"/>
+          </a:p>
+          <a:p>
+            <a:pPr indent="-419100" lvl="0" marL="457200" rtl="0" algn="l">
+              <a:spcBef>
+                <a:spcPts val="0"/>
+              </a:spcBef>
+              <a:spcAft>
+                <a:spcPts val="0"/>
+              </a:spcAft>
+              <a:buSzPts val="3000"/>
+              <a:buChar char="●"/>
+            </a:pPr>
+            <a:r>
+              <a:rPr lang="en-US" sz="3000"/>
+              <a:t>Simplicity creates "</a:t>
+            </a:r>
+            <a:r>
+              <a:rPr lang="en-US" sz="3000"/>
+              <a:t>opportunity</a:t>
+            </a:r>
+            <a:r>
+              <a:rPr lang="en-US" sz="3000"/>
+              <a:t>"</a:t>
+            </a:r>
+            <a:endParaRPr sz="3000"/>
+          </a:p>
+          <a:p>
+            <a:pPr indent="0" lvl="0" marL="0" rtl="0" algn="l">
+              <a:spcBef>
+                <a:spcPts val="1000"/>
+              </a:spcBef>
+              <a:spcAft>
+                <a:spcPts val="0"/>
+              </a:spcAft>
+              <a:buNone/>
+            </a:pPr>
+            <a:r>
+              <a:t/>
+            </a:r>
+            <a:endParaRPr/>
+          </a:p>
+        </p:txBody>
+      </p:sp>
+      <p:pic>
+        <p:nvPicPr>
+          <p:cNvPr id="186" name="Google Shape;186;g3a71d4f651d_2_0"/>
+          <p:cNvPicPr preferRelativeResize="0"/>
+          <p:nvPr/>
+        </p:nvPicPr>
+        <p:blipFill>
+          <a:blip r:embed="rId3">
+            <a:alphaModFix/>
+          </a:blip>
+          <a:stretch>
+            <a:fillRect/>
+          </a:stretch>
+        </p:blipFill>
+        <p:spPr>
+          <a:xfrm>
+            <a:off x="5813122" y="2441499"/>
+            <a:ext cx="6226478" cy="3463475"/>
+          </a:xfrm>
+          <a:prstGeom prst="rect">
+            <a:avLst/>
+          </a:prstGeom>
+          <a:noFill/>
+          <a:ln>
+            <a:noFill/>
+          </a:ln>
+        </p:spPr>
+      </p:pic>
+    </p:spTree>
+  </p:cSld>
+  <p:clrMapOvr>
+    <a:masterClrMapping/>
+  </p:clrMapOvr>
+</p:sld>
+</file>
+
+<file path=ppt/slides/slide12.xml><?xml version="1.0" encoding="utf-8"?>
+<p:sld xmlns:a="http://schemas.openxmlformats.org/drawingml/2006/main" xmlns:r="http://schemas.openxmlformats.org/officeDocument/2006/relationships" xmlns:mc="http://schemas.openxmlformats.org/markup-compatibility/2006" xmlns:mv="urn:schemas-microsoft-com:mac:vml" xmlns:p="http://schemas.openxmlformats.org/presentationml/2006/main" xmlns:c="http://schemas.openxmlformats.org/drawingml/2006/chart" xmlns:dgm="http://schemas.openxmlformats.org/drawingml/2006/diagram" xmlns:o="urn:schemas-microsoft-com:office:office" xmlns:v="urn:schemas-microsoft-com:vml" xmlns:pvml="urn:schemas-microsoft-com:office:powerpoint" xmlns:com="http://schemas.openxmlformats.org/drawingml/2006/compatibility" xmlns:p14="http://schemas.microsoft.com/office/powerpoint/2010/main" xmlns:p15="http://schemas.microsoft.com/office/powerpoint/2012/main" xmlns:ahyp="http://schemas.microsoft.com/office/drawing/2018/hyperlinkcolor">
+  <p:cSld>
+    <p:spTree>
+      <p:nvGrpSpPr>
+        <p:cNvPr id="190" name="Shape 190"/>
+        <p:cNvGrpSpPr/>
+        <p:nvPr/>
+      </p:nvGrpSpPr>
+      <p:grpSpPr>
+        <a:xfrm>
+          <a:off x="0" y="0"/>
+          <a:ext cx="0" cy="0"/>
+          <a:chOff x="0" y="0"/>
+          <a:chExt cx="0" cy="0"/>
+        </a:xfrm>
+      </p:grpSpPr>
+      <p:sp>
+        <p:nvSpPr>
+          <p:cNvPr id="191" name="Google Shape;191;p9"/>
+          <p:cNvSpPr txBox="1"/>
+          <p:nvPr/>
+        </p:nvSpPr>
+        <p:spPr>
+          <a:xfrm>
+            <a:off x="215850" y="630875"/>
+            <a:ext cx="11760300" cy="1463100"/>
+          </a:xfrm>
+          <a:prstGeom prst="rect">
+            <a:avLst/>
+          </a:prstGeom>
+          <a:noFill/>
+          <a:ln>
+            <a:noFill/>
+          </a:ln>
+        </p:spPr>
+        <p:txBody>
+          <a:bodyPr anchorCtr="0" anchor="t" bIns="45700" lIns="91425" spcFirstLastPara="1" rIns="91425" wrap="square" tIns="45700">
+            <a:normAutofit fontScale="85000" lnSpcReduction="20000"/>
+          </a:bodyPr>
+          <a:lstStyle/>
+          <a:p>
+            <a:pPr indent="0" lvl="0" marL="0" rtl="0" algn="l">
+              <a:spcBef>
+                <a:spcPts val="0"/>
+              </a:spcBef>
+              <a:spcAft>
+                <a:spcPts val="0"/>
+              </a:spcAft>
+              <a:buNone/>
+            </a:pPr>
+            <a:r>
+              <a:rPr b="1" lang="en-US" sz="4400">
+                <a:solidFill>
+                  <a:srgbClr val="000000"/>
+                </a:solidFill>
+              </a:rPr>
+              <a:t>Building weird machines using </a:t>
+            </a:r>
+            <a:r>
+              <a:rPr b="1" lang="en-US" sz="4400"/>
+              <a:t>components like modbus</a:t>
+            </a:r>
+            <a:r>
+              <a:rPr b="1" lang="en-US" sz="4400">
+                <a:solidFill>
+                  <a:srgbClr val="000000"/>
+                </a:solidFill>
+              </a:rPr>
+              <a:t> can be hard when you have a software mindset</a:t>
+            </a:r>
+            <a:endParaRPr b="1" sz="4400">
+              <a:solidFill>
+                <a:srgbClr val="000000"/>
+              </a:solidFill>
+            </a:endParaRPr>
+          </a:p>
+        </p:txBody>
+      </p:sp>
+      <p:sp>
+        <p:nvSpPr>
+          <p:cNvPr id="192" name="Google Shape;192;p9"/>
+          <p:cNvSpPr txBox="1"/>
+          <p:nvPr/>
+        </p:nvSpPr>
+        <p:spPr>
+          <a:xfrm>
+            <a:off x="232225" y="2093975"/>
+            <a:ext cx="3670500" cy="1749000"/>
+          </a:xfrm>
+          <a:prstGeom prst="rect">
+            <a:avLst/>
+          </a:prstGeom>
+          <a:noFill/>
+          <a:ln>
+            <a:noFill/>
+          </a:ln>
+        </p:spPr>
+        <p:txBody>
+          <a:bodyPr anchorCtr="0" anchor="t" bIns="45700" lIns="91425" spcFirstLastPara="1" rIns="91425" wrap="square" tIns="45700">
+            <a:normAutofit/>
+          </a:bodyPr>
+          <a:lstStyle/>
+          <a:p>
+            <a:pPr indent="0" lvl="0" marL="0" rtl="0" algn="l">
+              <a:lnSpc>
+                <a:spcPct val="110000"/>
+              </a:lnSpc>
+              <a:spcBef>
+                <a:spcPts val="0"/>
+              </a:spcBef>
+              <a:spcAft>
+                <a:spcPts val="0"/>
+              </a:spcAft>
+              <a:buNone/>
+            </a:pPr>
+            <a:r>
+              <a:rPr b="1" lang="en-US" sz="1800">
+                <a:solidFill>
+                  <a:srgbClr val="000000"/>
+                </a:solidFill>
+              </a:rPr>
+              <a:t>Software mindset assumes:</a:t>
+            </a:r>
+            <a:endParaRPr b="1" sz="1800">
+              <a:solidFill>
+                <a:srgbClr val="000000"/>
+              </a:solidFill>
+            </a:endParaRPr>
+          </a:p>
+          <a:p>
+            <a:pPr indent="-336550" lvl="1" marL="914400" rtl="0" algn="l">
+              <a:lnSpc>
+                <a:spcPct val="110000"/>
+              </a:lnSpc>
+              <a:spcBef>
+                <a:spcPts val="0"/>
+              </a:spcBef>
+              <a:spcAft>
+                <a:spcPts val="0"/>
+              </a:spcAft>
+              <a:buClr>
+                <a:srgbClr val="000000"/>
+              </a:buClr>
+              <a:buSzPts val="1700"/>
+              <a:buChar char="•"/>
+            </a:pPr>
+            <a:r>
+              <a:rPr lang="en-US" sz="1500">
+                <a:solidFill>
+                  <a:srgbClr val="000000"/>
+                </a:solidFill>
+              </a:rPr>
+              <a:t>Clear APIs</a:t>
+            </a:r>
+            <a:endParaRPr sz="1500">
+              <a:solidFill>
+                <a:srgbClr val="000000"/>
+              </a:solidFill>
+            </a:endParaRPr>
+          </a:p>
+          <a:p>
+            <a:pPr indent="-336550" lvl="1" marL="914400" rtl="0" algn="l">
+              <a:lnSpc>
+                <a:spcPct val="110000"/>
+              </a:lnSpc>
+              <a:spcBef>
+                <a:spcPts val="0"/>
+              </a:spcBef>
+              <a:spcAft>
+                <a:spcPts val="0"/>
+              </a:spcAft>
+              <a:buClr>
+                <a:srgbClr val="000000"/>
+              </a:buClr>
+              <a:buSzPts val="1700"/>
+              <a:buChar char="•"/>
+            </a:pPr>
+            <a:r>
+              <a:rPr lang="en-US" sz="1500">
+                <a:solidFill>
+                  <a:srgbClr val="000000"/>
+                </a:solidFill>
+              </a:rPr>
+              <a:t>Deterministic behavior</a:t>
+            </a:r>
+            <a:endParaRPr sz="1500">
+              <a:solidFill>
+                <a:srgbClr val="000000"/>
+              </a:solidFill>
+            </a:endParaRPr>
+          </a:p>
+          <a:p>
+            <a:pPr indent="-336550" lvl="1" marL="914400" rtl="0" algn="l">
+              <a:lnSpc>
+                <a:spcPct val="110000"/>
+              </a:lnSpc>
+              <a:spcBef>
+                <a:spcPts val="0"/>
+              </a:spcBef>
+              <a:spcAft>
+                <a:spcPts val="0"/>
+              </a:spcAft>
+              <a:buClr>
+                <a:srgbClr val="000000"/>
+              </a:buClr>
+              <a:buSzPts val="1700"/>
+              <a:buChar char="•"/>
+            </a:pPr>
+            <a:r>
+              <a:rPr lang="en-US" sz="1500">
+                <a:solidFill>
+                  <a:srgbClr val="000000"/>
+                </a:solidFill>
+              </a:rPr>
+              <a:t>Separation between control and execution</a:t>
+            </a:r>
+            <a:endParaRPr sz="1500">
+              <a:solidFill>
+                <a:srgbClr val="000000"/>
+              </a:solidFill>
+            </a:endParaRPr>
+          </a:p>
+        </p:txBody>
+      </p:sp>
+      <p:sp>
+        <p:nvSpPr>
+          <p:cNvPr id="193" name="Google Shape;193;p9"/>
+          <p:cNvSpPr txBox="1"/>
+          <p:nvPr/>
+        </p:nvSpPr>
+        <p:spPr>
+          <a:xfrm>
+            <a:off x="4494847" y="6240243"/>
+            <a:ext cx="7864500" cy="643500"/>
+          </a:xfrm>
+          <a:prstGeom prst="rect">
+            <a:avLst/>
+          </a:prstGeom>
+          <a:noFill/>
+          <a:ln>
+            <a:noFill/>
+          </a:ln>
+        </p:spPr>
+        <p:txBody>
+          <a:bodyPr anchorCtr="0" anchor="t" bIns="91425" lIns="91425" spcFirstLastPara="1" rIns="91425" wrap="square" tIns="91425">
+            <a:noAutofit/>
+          </a:bodyPr>
+          <a:lstStyle/>
+          <a:p>
+            <a:pPr indent="0" lvl="0" marL="0" rtl="0" algn="l">
+              <a:lnSpc>
+                <a:spcPct val="110000"/>
+              </a:lnSpc>
+              <a:spcBef>
+                <a:spcPts val="1000"/>
+              </a:spcBef>
+              <a:spcAft>
+                <a:spcPts val="0"/>
+              </a:spcAft>
+              <a:buNone/>
+            </a:pPr>
+            <a:r>
+              <a:rPr lang="en-US" sz="1800">
+                <a:solidFill>
+                  <a:srgbClr val="000000"/>
+                </a:solidFill>
+              </a:rPr>
+              <a:t>GitHub Repository: https://github.com/rossgore/weird_machine_gadgets</a:t>
+            </a:r>
+            <a:endParaRPr sz="1800">
+              <a:solidFill>
+                <a:srgbClr val="000000"/>
+              </a:solidFill>
+            </a:endParaRPr>
+          </a:p>
+        </p:txBody>
+      </p:sp>
+      <p:sp>
+        <p:nvSpPr>
+          <p:cNvPr id="194" name="Google Shape;194;p9"/>
+          <p:cNvSpPr txBox="1"/>
+          <p:nvPr/>
+        </p:nvSpPr>
+        <p:spPr>
+          <a:xfrm>
+            <a:off x="3902725" y="2093975"/>
+            <a:ext cx="4271700" cy="1749000"/>
+          </a:xfrm>
+          <a:prstGeom prst="rect">
+            <a:avLst/>
+          </a:prstGeom>
+          <a:noFill/>
+          <a:ln>
+            <a:noFill/>
+          </a:ln>
+        </p:spPr>
+        <p:txBody>
+          <a:bodyPr anchorCtr="0" anchor="t" bIns="45700" lIns="91425" spcFirstLastPara="1" rIns="91425" wrap="square" tIns="45700">
+            <a:normAutofit lnSpcReduction="20000"/>
+          </a:bodyPr>
+          <a:lstStyle/>
+          <a:p>
+            <a:pPr indent="0" lvl="0" marL="0" rtl="0" algn="l">
+              <a:lnSpc>
+                <a:spcPct val="110000"/>
+              </a:lnSpc>
+              <a:spcBef>
+                <a:spcPts val="0"/>
+              </a:spcBef>
+              <a:spcAft>
+                <a:spcPts val="0"/>
+              </a:spcAft>
+              <a:buNone/>
+            </a:pPr>
+            <a:r>
+              <a:rPr b="1" lang="en-US" sz="1800">
+                <a:solidFill>
+                  <a:srgbClr val="000000"/>
+                </a:solidFill>
+              </a:rPr>
+              <a:t>Cyber-physical reality breaks those assumptions:</a:t>
+            </a:r>
+            <a:endParaRPr b="1" sz="1800">
+              <a:solidFill>
+                <a:srgbClr val="000000"/>
+              </a:solidFill>
+            </a:endParaRPr>
+          </a:p>
+          <a:p>
+            <a:pPr indent="-336550" lvl="1" marL="914400" rtl="0" algn="l">
+              <a:lnSpc>
+                <a:spcPct val="110000"/>
+              </a:lnSpc>
+              <a:spcBef>
+                <a:spcPts val="0"/>
+              </a:spcBef>
+              <a:spcAft>
+                <a:spcPts val="0"/>
+              </a:spcAft>
+              <a:buClr>
+                <a:srgbClr val="000000"/>
+              </a:buClr>
+              <a:buSzPts val="1700"/>
+              <a:buChar char="•"/>
+            </a:pPr>
+            <a:r>
+              <a:rPr lang="en-US" sz="1500">
+                <a:solidFill>
+                  <a:srgbClr val="000000"/>
+                </a:solidFill>
+              </a:rPr>
+              <a:t>Software decisions directly affect physical state</a:t>
+            </a:r>
+            <a:endParaRPr sz="1500">
+              <a:solidFill>
+                <a:srgbClr val="000000"/>
+              </a:solidFill>
+            </a:endParaRPr>
+          </a:p>
+          <a:p>
+            <a:pPr indent="-336550" lvl="1" marL="914400" rtl="0" algn="l">
+              <a:lnSpc>
+                <a:spcPct val="110000"/>
+              </a:lnSpc>
+              <a:spcBef>
+                <a:spcPts val="0"/>
+              </a:spcBef>
+              <a:spcAft>
+                <a:spcPts val="0"/>
+              </a:spcAft>
+              <a:buClr>
+                <a:srgbClr val="000000"/>
+              </a:buClr>
+              <a:buSzPts val="1700"/>
+              <a:buChar char="•"/>
+            </a:pPr>
+            <a:r>
+              <a:rPr lang="en-US" sz="1500">
+                <a:solidFill>
+                  <a:srgbClr val="000000"/>
+                </a:solidFill>
+              </a:rPr>
+              <a:t>Hardware timing, sensors, and actuators introduce tangible side effects</a:t>
+            </a:r>
+            <a:endParaRPr sz="1500">
+              <a:solidFill>
+                <a:srgbClr val="000000"/>
+              </a:solidFill>
+            </a:endParaRPr>
+          </a:p>
+        </p:txBody>
+      </p:sp>
+      <p:sp>
+        <p:nvSpPr>
+          <p:cNvPr id="195" name="Google Shape;195;p9"/>
+          <p:cNvSpPr txBox="1"/>
+          <p:nvPr/>
+        </p:nvSpPr>
+        <p:spPr>
+          <a:xfrm>
+            <a:off x="8237400" y="2124425"/>
+            <a:ext cx="3436500" cy="1688100"/>
+          </a:xfrm>
+          <a:prstGeom prst="rect">
+            <a:avLst/>
+          </a:prstGeom>
+          <a:noFill/>
+          <a:ln>
+            <a:noFill/>
+          </a:ln>
+        </p:spPr>
+        <p:txBody>
+          <a:bodyPr anchorCtr="0" anchor="t" bIns="45700" lIns="91425" spcFirstLastPara="1" rIns="91425" wrap="square" tIns="45700">
+            <a:normAutofit/>
+          </a:bodyPr>
+          <a:lstStyle/>
+          <a:p>
+            <a:pPr indent="0" lvl="0" marL="0" rtl="0" algn="l">
+              <a:lnSpc>
+                <a:spcPct val="110000"/>
+              </a:lnSpc>
+              <a:spcBef>
+                <a:spcPts val="1000"/>
+              </a:spcBef>
+              <a:spcAft>
+                <a:spcPts val="0"/>
+              </a:spcAft>
+              <a:buNone/>
+            </a:pPr>
+            <a:r>
+              <a:rPr b="1" lang="en-US" sz="1800">
+                <a:solidFill>
+                  <a:srgbClr val="000000"/>
+                </a:solidFill>
+              </a:rPr>
+              <a:t>Weird machines Emerge:</a:t>
+            </a:r>
+            <a:endParaRPr b="1" sz="1800">
+              <a:solidFill>
+                <a:srgbClr val="000000"/>
+              </a:solidFill>
+            </a:endParaRPr>
+          </a:p>
+          <a:p>
+            <a:pPr indent="-323850" lvl="0" marL="457200" rtl="0" algn="l">
+              <a:lnSpc>
+                <a:spcPct val="110000"/>
+              </a:lnSpc>
+              <a:spcBef>
+                <a:spcPts val="1000"/>
+              </a:spcBef>
+              <a:spcAft>
+                <a:spcPts val="0"/>
+              </a:spcAft>
+              <a:buClr>
+                <a:srgbClr val="000000"/>
+              </a:buClr>
+              <a:buSzPts val="1500"/>
+              <a:buChar char="•"/>
+            </a:pPr>
+            <a:r>
+              <a:rPr lang="en-US" sz="1500">
+                <a:solidFill>
+                  <a:srgbClr val="000000"/>
+                </a:solidFill>
+              </a:rPr>
+              <a:t>From composition, side effects, and misused assumptions</a:t>
+            </a:r>
+            <a:endParaRPr sz="1500">
+              <a:solidFill>
+                <a:srgbClr val="000000"/>
+              </a:solidFill>
+            </a:endParaRPr>
+          </a:p>
+        </p:txBody>
+      </p:sp>
+      <p:sp>
+        <p:nvSpPr>
+          <p:cNvPr id="196" name="Google Shape;196;p9"/>
+          <p:cNvSpPr txBox="1"/>
+          <p:nvPr/>
+        </p:nvSpPr>
+        <p:spPr>
+          <a:xfrm>
+            <a:off x="0" y="3842975"/>
+            <a:ext cx="9218100" cy="2365800"/>
+          </a:xfrm>
+          <a:prstGeom prst="rect">
+            <a:avLst/>
+          </a:prstGeom>
+          <a:noFill/>
+          <a:ln>
+            <a:noFill/>
+          </a:ln>
+        </p:spPr>
+        <p:txBody>
+          <a:bodyPr anchorCtr="0" anchor="t" bIns="45700" lIns="91425" spcFirstLastPara="1" rIns="91425" wrap="square" tIns="45700">
+            <a:normAutofit/>
+          </a:bodyPr>
+          <a:lstStyle/>
+          <a:p>
+            <a:pPr indent="0" lvl="0" marL="0" rtl="0" algn="l">
+              <a:lnSpc>
+                <a:spcPct val="110000"/>
+              </a:lnSpc>
+              <a:spcBef>
+                <a:spcPts val="1000"/>
+              </a:spcBef>
+              <a:spcAft>
+                <a:spcPts val="0"/>
+              </a:spcAft>
+              <a:buNone/>
+            </a:pPr>
+            <a:r>
+              <a:rPr b="1" lang="en-US" sz="1800">
+                <a:solidFill>
+                  <a:srgbClr val="000000"/>
+                </a:solidFill>
+              </a:rPr>
+              <a:t>Python gadget libraries helped bridge this gap by:</a:t>
+            </a:r>
+            <a:endParaRPr b="1" sz="1800">
+              <a:solidFill>
+                <a:srgbClr val="000000"/>
+              </a:solidFill>
+            </a:endParaRPr>
+          </a:p>
+          <a:p>
+            <a:pPr indent="-323850" lvl="1" marL="914400" rtl="0" algn="l">
+              <a:lnSpc>
+                <a:spcPct val="110000"/>
+              </a:lnSpc>
+              <a:spcBef>
+                <a:spcPts val="1000"/>
+              </a:spcBef>
+              <a:spcAft>
+                <a:spcPts val="0"/>
+              </a:spcAft>
+              <a:buClr>
+                <a:srgbClr val="000000"/>
+              </a:buClr>
+              <a:buSzPts val="1500"/>
+              <a:buChar char="•"/>
+            </a:pPr>
+            <a:r>
+              <a:rPr lang="en-US" sz="1500">
+                <a:solidFill>
+                  <a:srgbClr val="000000"/>
+                </a:solidFill>
+              </a:rPr>
+              <a:t>Abstracting low-level hardware and protocol details</a:t>
+            </a:r>
+            <a:endParaRPr sz="1500">
+              <a:solidFill>
+                <a:srgbClr val="000000"/>
+              </a:solidFill>
+            </a:endParaRPr>
+          </a:p>
+          <a:p>
+            <a:pPr indent="-323850" lvl="1" marL="914400" rtl="0" algn="l">
+              <a:lnSpc>
+                <a:spcPct val="110000"/>
+              </a:lnSpc>
+              <a:spcBef>
+                <a:spcPts val="1000"/>
+              </a:spcBef>
+              <a:spcAft>
+                <a:spcPts val="0"/>
+              </a:spcAft>
+              <a:buClr>
+                <a:srgbClr val="000000"/>
+              </a:buClr>
+              <a:buSzPts val="1500"/>
+              <a:buChar char="•"/>
+            </a:pPr>
+            <a:r>
+              <a:rPr lang="en-US" sz="1500">
+                <a:solidFill>
+                  <a:srgbClr val="000000"/>
+                </a:solidFill>
+              </a:rPr>
+              <a:t>Exposing simpler, composable primitives</a:t>
+            </a:r>
+            <a:endParaRPr sz="1500">
+              <a:solidFill>
+                <a:srgbClr val="000000"/>
+              </a:solidFill>
+            </a:endParaRPr>
+          </a:p>
+          <a:p>
+            <a:pPr indent="-323850" lvl="1" marL="914400" rtl="0" algn="l">
+              <a:lnSpc>
+                <a:spcPct val="110000"/>
+              </a:lnSpc>
+              <a:spcBef>
+                <a:spcPts val="1000"/>
+              </a:spcBef>
+              <a:spcAft>
+                <a:spcPts val="0"/>
+              </a:spcAft>
+              <a:buClr>
+                <a:srgbClr val="000000"/>
+              </a:buClr>
+              <a:buSzPts val="1500"/>
+              <a:buChar char="•"/>
+            </a:pPr>
+            <a:r>
+              <a:rPr lang="en-US" sz="1500">
+                <a:solidFill>
+                  <a:srgbClr val="000000"/>
+                </a:solidFill>
+              </a:rPr>
+              <a:t>Enabling rapid experimentation with unintended behaviors</a:t>
+            </a:r>
+            <a:endParaRPr sz="1500">
+              <a:solidFill>
+                <a:srgbClr val="000000"/>
+              </a:solidFill>
+            </a:endParaRPr>
+          </a:p>
+          <a:p>
+            <a:pPr indent="-323850" lvl="0" marL="457200" rtl="0" algn="l">
+              <a:lnSpc>
+                <a:spcPct val="110000"/>
+              </a:lnSpc>
+              <a:spcBef>
+                <a:spcPts val="1000"/>
+              </a:spcBef>
+              <a:spcAft>
+                <a:spcPts val="0"/>
+              </a:spcAft>
+              <a:buClr>
+                <a:srgbClr val="000000"/>
+              </a:buClr>
+              <a:buSzPts val="1500"/>
+              <a:buChar char="•"/>
+            </a:pPr>
+            <a:r>
+              <a:rPr lang="en-US" sz="1500">
+                <a:solidFill>
+                  <a:srgbClr val="000000"/>
+                </a:solidFill>
+              </a:rPr>
+              <a:t>Result: easier exploration of emergent control and computation</a:t>
+            </a:r>
+            <a:endParaRPr sz="1500">
+              <a:solidFill>
+                <a:srgbClr val="000000"/>
+              </a:solidFill>
+            </a:endParaRPr>
+          </a:p>
+        </p:txBody>
+      </p:sp>
+    </p:spTree>
+  </p:cSld>
+  <p:clrMapOvr>
+    <a:masterClrMapping/>
+  </p:clrMapOvr>
+</p:sld>
+</file>
+
+<file path=ppt/slides/slide13.xml><?xml version="1.0" encoding="utf-8"?>
+<p:sld xmlns:a="http://schemas.openxmlformats.org/drawingml/2006/main" xmlns:r="http://schemas.openxmlformats.org/officeDocument/2006/relationships" xmlns:mc="http://schemas.openxmlformats.org/markup-compatibility/2006" xmlns:mv="urn:schemas-microsoft-com:mac:vml" xmlns:p="http://schemas.openxmlformats.org/presentationml/2006/main" xmlns:c="http://schemas.openxmlformats.org/drawingml/2006/chart" xmlns:dgm="http://schemas.openxmlformats.org/drawingml/2006/diagram" xmlns:o="urn:schemas-microsoft-com:office:office" xmlns:v="urn:schemas-microsoft-com:vml" xmlns:pvml="urn:schemas-microsoft-com:office:powerpoint" xmlns:com="http://schemas.openxmlformats.org/drawingml/2006/compatibility" xmlns:p14="http://schemas.microsoft.com/office/powerpoint/2010/main" xmlns:p15="http://schemas.microsoft.com/office/powerpoint/2012/main" xmlns:ahyp="http://schemas.microsoft.com/office/drawing/2018/hyperlinkcolor">
+  <p:cSld>
+    <p:spTree>
+      <p:nvGrpSpPr>
+        <p:cNvPr id="200" name="Shape 200"/>
+        <p:cNvGrpSpPr/>
+        <p:nvPr/>
+      </p:nvGrpSpPr>
+      <p:grpSpPr>
+        <a:xfrm>
+          <a:off x="0" y="0"/>
+          <a:ext cx="0" cy="0"/>
+          <a:chOff x="0" y="0"/>
+          <a:chExt cx="0" cy="0"/>
+        </a:xfrm>
+      </p:grpSpPr>
+      <p:sp>
+        <p:nvSpPr>
+          <p:cNvPr id="201" name="Google Shape;201;g3b0d07ae252_9_2"/>
           <p:cNvSpPr txBox="1"/>
           <p:nvPr>
             <p:ph type="title"/>
@@ -17559,7 +18870,7 @@
       </p:sp>
       <p:sp>
         <p:nvSpPr>
-          <p:cNvPr id="180" name="Google Shape;180;g3b0d07ae252_9_2"/>
+          <p:cNvPr id="202" name="Google Shape;202;g3b0d07ae252_9_2"/>
           <p:cNvSpPr txBox="1"/>
           <p:nvPr>
             <p:ph idx="1" type="body"/>
@@ -17716,7 +19027,7 @@
       </p:sp>
       <p:pic>
         <p:nvPicPr>
-          <p:cNvPr id="181" name="Google Shape;181;g3b0d07ae252_9_2"/>
+          <p:cNvPr id="203" name="Google Shape;203;g3b0d07ae252_9_2"/>
           <p:cNvPicPr preferRelativeResize="0"/>
           <p:nvPr/>
         </p:nvPicPr>
@@ -17750,12 +19061,12 @@
 </p:sld>
 </file>
 
-<file path=ppt/slides/slide12.xml><?xml version="1.0" encoding="utf-8"?>
+<file path=ppt/slides/slide14.xml><?xml version="1.0" encoding="utf-8"?>
 <p:sld xmlns:a="http://schemas.openxmlformats.org/drawingml/2006/main" xmlns:r="http://schemas.openxmlformats.org/officeDocument/2006/relationships" xmlns:mc="http://schemas.openxmlformats.org/markup-compatibility/2006" xmlns:mv="urn:schemas-microsoft-com:mac:vml" xmlns:p="http://schemas.openxmlformats.org/presentationml/2006/main" xmlns:c="http://schemas.openxmlformats.org/drawingml/2006/chart" xmlns:dgm="http://schemas.openxmlformats.org/drawingml/2006/diagram" xmlns:o="urn:schemas-microsoft-com:office:office" xmlns:v="urn:schemas-microsoft-com:vml" xmlns:pvml="urn:schemas-microsoft-com:office:powerpoint" xmlns:com="http://schemas.openxmlformats.org/drawingml/2006/compatibility" xmlns:p14="http://schemas.microsoft.com/office/powerpoint/2010/main" xmlns:p15="http://schemas.microsoft.com/office/powerpoint/2012/main" xmlns:ahyp="http://schemas.microsoft.com/office/drawing/2018/hyperlinkcolor">
   <p:cSld>
     <p:spTree>
       <p:nvGrpSpPr>
-        <p:cNvPr id="185" name="Shape 185"/>
+        <p:cNvPr id="207" name="Shape 207"/>
         <p:cNvGrpSpPr/>
         <p:nvPr/>
       </p:nvGrpSpPr>
@@ -17769,7 +19080,7 @@
       </p:grpSpPr>
       <p:sp>
         <p:nvSpPr>
-          <p:cNvPr id="186" name="Google Shape;186;g3b0d07ae252_5_0"/>
+          <p:cNvPr id="208" name="Google Shape;208;g3b0d07ae252_5_0"/>
           <p:cNvSpPr txBox="1"/>
           <p:nvPr>
             <p:ph type="title"/>
@@ -17821,7 +19132,7 @@
       </p:sp>
       <p:sp>
         <p:nvSpPr>
-          <p:cNvPr id="187" name="Google Shape;187;g3b0d07ae252_5_0"/>
+          <p:cNvPr id="209" name="Google Shape;209;g3b0d07ae252_5_0"/>
           <p:cNvSpPr txBox="1"/>
           <p:nvPr>
             <p:ph idx="1" type="body"/>
@@ -18020,7 +19331,7 @@
       </p:sp>
       <p:pic>
         <p:nvPicPr>
-          <p:cNvPr id="188" name="Google Shape;188;g3b0d07ae252_5_0"/>
+          <p:cNvPr id="210" name="Google Shape;210;g3b0d07ae252_5_0"/>
           <p:cNvPicPr preferRelativeResize="0"/>
           <p:nvPr/>
         </p:nvPicPr>
@@ -18054,12 +19365,12 @@
 </p:sld>
 </file>
 
-<file path=ppt/slides/slide13.xml><?xml version="1.0" encoding="utf-8"?>
+<file path=ppt/slides/slide15.xml><?xml version="1.0" encoding="utf-8"?>
 <p:sld xmlns:a="http://schemas.openxmlformats.org/drawingml/2006/main" xmlns:r="http://schemas.openxmlformats.org/officeDocument/2006/relationships" xmlns:mc="http://schemas.openxmlformats.org/markup-compatibility/2006" xmlns:mv="urn:schemas-microsoft-com:mac:vml" xmlns:p="http://schemas.openxmlformats.org/presentationml/2006/main" xmlns:c="http://schemas.openxmlformats.org/drawingml/2006/chart" xmlns:dgm="http://schemas.openxmlformats.org/drawingml/2006/diagram" xmlns:o="urn:schemas-microsoft-com:office:office" xmlns:v="urn:schemas-microsoft-com:vml" xmlns:pvml="urn:schemas-microsoft-com:office:powerpoint" xmlns:com="http://schemas.openxmlformats.org/drawingml/2006/compatibility" xmlns:p14="http://schemas.microsoft.com/office/powerpoint/2010/main" xmlns:p15="http://schemas.microsoft.com/office/powerpoint/2012/main" xmlns:ahyp="http://schemas.microsoft.com/office/drawing/2018/hyperlinkcolor">
   <p:cSld>
     <p:spTree>
       <p:nvGrpSpPr>
-        <p:cNvPr id="192" name="Shape 192"/>
+        <p:cNvPr id="214" name="Shape 214"/>
         <p:cNvGrpSpPr/>
         <p:nvPr/>
       </p:nvGrpSpPr>
@@ -18073,657 +19384,7 @@
       </p:grpSpPr>
       <p:sp>
         <p:nvSpPr>
-          <p:cNvPr id="193" name="Google Shape;193;p9"/>
-          <p:cNvSpPr txBox="1"/>
-          <p:nvPr/>
-        </p:nvSpPr>
-        <p:spPr>
-          <a:xfrm>
-            <a:off x="518108" y="630883"/>
-            <a:ext cx="11155800" cy="1463100"/>
-          </a:xfrm>
-          <a:prstGeom prst="rect">
-            <a:avLst/>
-          </a:prstGeom>
-          <a:noFill/>
-          <a:ln>
-            <a:noFill/>
-          </a:ln>
-        </p:spPr>
-        <p:txBody>
-          <a:bodyPr anchorCtr="0" anchor="t" bIns="45700" lIns="91425" spcFirstLastPara="1" rIns="91425" wrap="square" tIns="45700">
-            <a:normAutofit/>
-          </a:bodyPr>
-          <a:lstStyle/>
-          <a:p>
-            <a:pPr indent="0" lvl="0" marL="0" rtl="0" algn="l">
-              <a:spcBef>
-                <a:spcPts val="0"/>
-              </a:spcBef>
-              <a:spcAft>
-                <a:spcPts val="0"/>
-              </a:spcAft>
-              <a:buNone/>
-            </a:pPr>
-            <a:r>
-              <a:rPr b="1" lang="en-US" sz="4400">
-                <a:solidFill>
-                  <a:srgbClr val="000000"/>
-                </a:solidFill>
-              </a:rPr>
-              <a:t>Building weird machines can be hard when you have a software mindset</a:t>
-            </a:r>
-            <a:endParaRPr b="1" sz="4400">
-              <a:solidFill>
-                <a:srgbClr val="000000"/>
-              </a:solidFill>
-            </a:endParaRPr>
-          </a:p>
-        </p:txBody>
-      </p:sp>
-      <p:sp>
-        <p:nvSpPr>
-          <p:cNvPr id="194" name="Google Shape;194;p9"/>
-          <p:cNvSpPr txBox="1"/>
-          <p:nvPr/>
-        </p:nvSpPr>
-        <p:spPr>
-          <a:xfrm>
-            <a:off x="232225" y="2093975"/>
-            <a:ext cx="3670500" cy="1749000"/>
-          </a:xfrm>
-          <a:prstGeom prst="rect">
-            <a:avLst/>
-          </a:prstGeom>
-          <a:noFill/>
-          <a:ln>
-            <a:noFill/>
-          </a:ln>
-        </p:spPr>
-        <p:txBody>
-          <a:bodyPr anchorCtr="0" anchor="t" bIns="45700" lIns="91425" spcFirstLastPara="1" rIns="91425" wrap="square" tIns="45700">
-            <a:normAutofit/>
-          </a:bodyPr>
-          <a:lstStyle/>
-          <a:p>
-            <a:pPr indent="0" lvl="0" marL="0" rtl="0" algn="l">
-              <a:lnSpc>
-                <a:spcPct val="110000"/>
-              </a:lnSpc>
-              <a:spcBef>
-                <a:spcPts val="0"/>
-              </a:spcBef>
-              <a:spcAft>
-                <a:spcPts val="0"/>
-              </a:spcAft>
-              <a:buNone/>
-            </a:pPr>
-            <a:r>
-              <a:rPr b="1" lang="en-US" sz="1800">
-                <a:solidFill>
-                  <a:srgbClr val="000000"/>
-                </a:solidFill>
-              </a:rPr>
-              <a:t>Software mindset assumes:</a:t>
-            </a:r>
-            <a:endParaRPr b="1" sz="1800">
-              <a:solidFill>
-                <a:srgbClr val="000000"/>
-              </a:solidFill>
-            </a:endParaRPr>
-          </a:p>
-          <a:p>
-            <a:pPr indent="-336550" lvl="1" marL="914400" rtl="0" algn="l">
-              <a:lnSpc>
-                <a:spcPct val="110000"/>
-              </a:lnSpc>
-              <a:spcBef>
-                <a:spcPts val="0"/>
-              </a:spcBef>
-              <a:spcAft>
-                <a:spcPts val="0"/>
-              </a:spcAft>
-              <a:buClr>
-                <a:srgbClr val="000000"/>
-              </a:buClr>
-              <a:buSzPts val="1700"/>
-              <a:buChar char="•"/>
-            </a:pPr>
-            <a:r>
-              <a:rPr lang="en-US" sz="1500">
-                <a:solidFill>
-                  <a:srgbClr val="000000"/>
-                </a:solidFill>
-              </a:rPr>
-              <a:t>Clear APIs</a:t>
-            </a:r>
-            <a:endParaRPr sz="1500">
-              <a:solidFill>
-                <a:srgbClr val="000000"/>
-              </a:solidFill>
-            </a:endParaRPr>
-          </a:p>
-          <a:p>
-            <a:pPr indent="-336550" lvl="1" marL="914400" rtl="0" algn="l">
-              <a:lnSpc>
-                <a:spcPct val="110000"/>
-              </a:lnSpc>
-              <a:spcBef>
-                <a:spcPts val="0"/>
-              </a:spcBef>
-              <a:spcAft>
-                <a:spcPts val="0"/>
-              </a:spcAft>
-              <a:buClr>
-                <a:srgbClr val="000000"/>
-              </a:buClr>
-              <a:buSzPts val="1700"/>
-              <a:buChar char="•"/>
-            </a:pPr>
-            <a:r>
-              <a:rPr lang="en-US" sz="1500">
-                <a:solidFill>
-                  <a:srgbClr val="000000"/>
-                </a:solidFill>
-              </a:rPr>
-              <a:t>Deterministic behavior</a:t>
-            </a:r>
-            <a:endParaRPr sz="1500">
-              <a:solidFill>
-                <a:srgbClr val="000000"/>
-              </a:solidFill>
-            </a:endParaRPr>
-          </a:p>
-          <a:p>
-            <a:pPr indent="-336550" lvl="1" marL="914400" rtl="0" algn="l">
-              <a:lnSpc>
-                <a:spcPct val="110000"/>
-              </a:lnSpc>
-              <a:spcBef>
-                <a:spcPts val="0"/>
-              </a:spcBef>
-              <a:spcAft>
-                <a:spcPts val="0"/>
-              </a:spcAft>
-              <a:buClr>
-                <a:srgbClr val="000000"/>
-              </a:buClr>
-              <a:buSzPts val="1700"/>
-              <a:buChar char="•"/>
-            </a:pPr>
-            <a:r>
-              <a:rPr lang="en-US" sz="1500">
-                <a:solidFill>
-                  <a:srgbClr val="000000"/>
-                </a:solidFill>
-              </a:rPr>
-              <a:t>Separation between control and execution</a:t>
-            </a:r>
-            <a:endParaRPr sz="1500">
-              <a:solidFill>
-                <a:srgbClr val="000000"/>
-              </a:solidFill>
-            </a:endParaRPr>
-          </a:p>
-        </p:txBody>
-      </p:sp>
-      <p:sp>
-        <p:nvSpPr>
-          <p:cNvPr id="195" name="Google Shape;195;p9"/>
-          <p:cNvSpPr txBox="1"/>
-          <p:nvPr/>
-        </p:nvSpPr>
-        <p:spPr>
-          <a:xfrm>
-            <a:off x="4494847" y="6240243"/>
-            <a:ext cx="7864500" cy="643500"/>
-          </a:xfrm>
-          <a:prstGeom prst="rect">
-            <a:avLst/>
-          </a:prstGeom>
-          <a:noFill/>
-          <a:ln>
-            <a:noFill/>
-          </a:ln>
-        </p:spPr>
-        <p:txBody>
-          <a:bodyPr anchorCtr="0" anchor="t" bIns="91425" lIns="91425" spcFirstLastPara="1" rIns="91425" wrap="square" tIns="91425">
-            <a:noAutofit/>
-          </a:bodyPr>
-          <a:lstStyle/>
-          <a:p>
-            <a:pPr indent="0" lvl="0" marL="0" rtl="0" algn="l">
-              <a:lnSpc>
-                <a:spcPct val="110000"/>
-              </a:lnSpc>
-              <a:spcBef>
-                <a:spcPts val="1000"/>
-              </a:spcBef>
-              <a:spcAft>
-                <a:spcPts val="0"/>
-              </a:spcAft>
-              <a:buNone/>
-            </a:pPr>
-            <a:r>
-              <a:rPr lang="en-US" sz="1800">
-                <a:solidFill>
-                  <a:srgbClr val="000000"/>
-                </a:solidFill>
-              </a:rPr>
-              <a:t>GitHub Repository: https://github.com/rossgore/weird_machine_gadgets</a:t>
-            </a:r>
-            <a:endParaRPr sz="1800">
-              <a:solidFill>
-                <a:srgbClr val="000000"/>
-              </a:solidFill>
-            </a:endParaRPr>
-          </a:p>
-        </p:txBody>
-      </p:sp>
-      <p:sp>
-        <p:nvSpPr>
-          <p:cNvPr id="196" name="Google Shape;196;p9"/>
-          <p:cNvSpPr txBox="1"/>
-          <p:nvPr/>
-        </p:nvSpPr>
-        <p:spPr>
-          <a:xfrm>
-            <a:off x="3902725" y="2093975"/>
-            <a:ext cx="4271700" cy="1749000"/>
-          </a:xfrm>
-          <a:prstGeom prst="rect">
-            <a:avLst/>
-          </a:prstGeom>
-          <a:noFill/>
-          <a:ln>
-            <a:noFill/>
-          </a:ln>
-        </p:spPr>
-        <p:txBody>
-          <a:bodyPr anchorCtr="0" anchor="t" bIns="45700" lIns="91425" spcFirstLastPara="1" rIns="91425" wrap="square" tIns="45700">
-            <a:normAutofit lnSpcReduction="20000"/>
-          </a:bodyPr>
-          <a:lstStyle/>
-          <a:p>
-            <a:pPr indent="0" lvl="0" marL="0" rtl="0" algn="l">
-              <a:lnSpc>
-                <a:spcPct val="110000"/>
-              </a:lnSpc>
-              <a:spcBef>
-                <a:spcPts val="0"/>
-              </a:spcBef>
-              <a:spcAft>
-                <a:spcPts val="0"/>
-              </a:spcAft>
-              <a:buNone/>
-            </a:pPr>
-            <a:r>
-              <a:rPr b="1" lang="en-US" sz="1800">
-                <a:solidFill>
-                  <a:srgbClr val="000000"/>
-                </a:solidFill>
-              </a:rPr>
-              <a:t>Cyber-physical reality breaks those assumptions:</a:t>
-            </a:r>
-            <a:endParaRPr b="1" sz="1800">
-              <a:solidFill>
-                <a:srgbClr val="000000"/>
-              </a:solidFill>
-            </a:endParaRPr>
-          </a:p>
-          <a:p>
-            <a:pPr indent="-336550" lvl="1" marL="914400" rtl="0" algn="l">
-              <a:lnSpc>
-                <a:spcPct val="110000"/>
-              </a:lnSpc>
-              <a:spcBef>
-                <a:spcPts val="0"/>
-              </a:spcBef>
-              <a:spcAft>
-                <a:spcPts val="0"/>
-              </a:spcAft>
-              <a:buClr>
-                <a:srgbClr val="000000"/>
-              </a:buClr>
-              <a:buSzPts val="1700"/>
-              <a:buChar char="•"/>
-            </a:pPr>
-            <a:r>
-              <a:rPr lang="en-US" sz="1500">
-                <a:solidFill>
-                  <a:srgbClr val="000000"/>
-                </a:solidFill>
-              </a:rPr>
-              <a:t>Software decisions directly affect physical state</a:t>
-            </a:r>
-            <a:endParaRPr sz="1500">
-              <a:solidFill>
-                <a:srgbClr val="000000"/>
-              </a:solidFill>
-            </a:endParaRPr>
-          </a:p>
-          <a:p>
-            <a:pPr indent="-336550" lvl="1" marL="914400" rtl="0" algn="l">
-              <a:lnSpc>
-                <a:spcPct val="110000"/>
-              </a:lnSpc>
-              <a:spcBef>
-                <a:spcPts val="0"/>
-              </a:spcBef>
-              <a:spcAft>
-                <a:spcPts val="0"/>
-              </a:spcAft>
-              <a:buClr>
-                <a:srgbClr val="000000"/>
-              </a:buClr>
-              <a:buSzPts val="1700"/>
-              <a:buChar char="•"/>
-            </a:pPr>
-            <a:r>
-              <a:rPr lang="en-US" sz="1500">
-                <a:solidFill>
-                  <a:srgbClr val="000000"/>
-                </a:solidFill>
-              </a:rPr>
-              <a:t>Hardware timing, sensors, and actuators introduce tangible side effects</a:t>
-            </a:r>
-            <a:endParaRPr sz="1500">
-              <a:solidFill>
-                <a:srgbClr val="000000"/>
-              </a:solidFill>
-            </a:endParaRPr>
-          </a:p>
-        </p:txBody>
-      </p:sp>
-      <p:sp>
-        <p:nvSpPr>
-          <p:cNvPr id="197" name="Google Shape;197;p9"/>
-          <p:cNvSpPr txBox="1"/>
-          <p:nvPr/>
-        </p:nvSpPr>
-        <p:spPr>
-          <a:xfrm>
-            <a:off x="8237400" y="2124425"/>
-            <a:ext cx="3436500" cy="1688100"/>
-          </a:xfrm>
-          <a:prstGeom prst="rect">
-            <a:avLst/>
-          </a:prstGeom>
-          <a:noFill/>
-          <a:ln>
-            <a:noFill/>
-          </a:ln>
-        </p:spPr>
-        <p:txBody>
-          <a:bodyPr anchorCtr="0" anchor="t" bIns="45700" lIns="91425" spcFirstLastPara="1" rIns="91425" wrap="square" tIns="45700">
-            <a:normAutofit/>
-          </a:bodyPr>
-          <a:lstStyle/>
-          <a:p>
-            <a:pPr indent="0" lvl="0" marL="0" rtl="0" algn="l">
-              <a:lnSpc>
-                <a:spcPct val="110000"/>
-              </a:lnSpc>
-              <a:spcBef>
-                <a:spcPts val="1000"/>
-              </a:spcBef>
-              <a:spcAft>
-                <a:spcPts val="0"/>
-              </a:spcAft>
-              <a:buNone/>
-            </a:pPr>
-            <a:r>
-              <a:rPr b="1" lang="en-US" sz="1800">
-                <a:solidFill>
-                  <a:srgbClr val="000000"/>
-                </a:solidFill>
-              </a:rPr>
-              <a:t>Weird machines Emerge:</a:t>
-            </a:r>
-            <a:endParaRPr b="1" sz="1800">
-              <a:solidFill>
-                <a:srgbClr val="000000"/>
-              </a:solidFill>
-            </a:endParaRPr>
-          </a:p>
-          <a:p>
-            <a:pPr indent="-323850" lvl="0" marL="457200" rtl="0" algn="l">
-              <a:lnSpc>
-                <a:spcPct val="110000"/>
-              </a:lnSpc>
-              <a:spcBef>
-                <a:spcPts val="1000"/>
-              </a:spcBef>
-              <a:spcAft>
-                <a:spcPts val="0"/>
-              </a:spcAft>
-              <a:buClr>
-                <a:srgbClr val="000000"/>
-              </a:buClr>
-              <a:buSzPts val="1500"/>
-              <a:buChar char="•"/>
-            </a:pPr>
-            <a:r>
-              <a:rPr lang="en-US" sz="1500">
-                <a:solidFill>
-                  <a:srgbClr val="000000"/>
-                </a:solidFill>
-              </a:rPr>
-              <a:t>From composition, side effects, and misused assumptions</a:t>
-            </a:r>
-            <a:endParaRPr sz="1500">
-              <a:solidFill>
-                <a:srgbClr val="000000"/>
-              </a:solidFill>
-            </a:endParaRPr>
-          </a:p>
-        </p:txBody>
-      </p:sp>
-      <p:sp>
-        <p:nvSpPr>
-          <p:cNvPr id="198" name="Google Shape;198;p9"/>
-          <p:cNvSpPr txBox="1"/>
-          <p:nvPr/>
-        </p:nvSpPr>
-        <p:spPr>
-          <a:xfrm>
-            <a:off x="0" y="3842975"/>
-            <a:ext cx="9218100" cy="2365800"/>
-          </a:xfrm>
-          <a:prstGeom prst="rect">
-            <a:avLst/>
-          </a:prstGeom>
-          <a:noFill/>
-          <a:ln>
-            <a:noFill/>
-          </a:ln>
-        </p:spPr>
-        <p:txBody>
-          <a:bodyPr anchorCtr="0" anchor="t" bIns="45700" lIns="91425" spcFirstLastPara="1" rIns="91425" wrap="square" tIns="45700">
-            <a:normAutofit/>
-          </a:bodyPr>
-          <a:lstStyle/>
-          <a:p>
-            <a:pPr indent="0" lvl="0" marL="0" rtl="0" algn="l">
-              <a:lnSpc>
-                <a:spcPct val="110000"/>
-              </a:lnSpc>
-              <a:spcBef>
-                <a:spcPts val="1000"/>
-              </a:spcBef>
-              <a:spcAft>
-                <a:spcPts val="0"/>
-              </a:spcAft>
-              <a:buNone/>
-            </a:pPr>
-            <a:r>
-              <a:rPr b="1" lang="en-US" sz="1800">
-                <a:solidFill>
-                  <a:srgbClr val="000000"/>
-                </a:solidFill>
-              </a:rPr>
-              <a:t>Python gadget libraries helped bridge this gap by:</a:t>
-            </a:r>
-            <a:endParaRPr b="1" sz="1800">
-              <a:solidFill>
-                <a:srgbClr val="000000"/>
-              </a:solidFill>
-            </a:endParaRPr>
-          </a:p>
-          <a:p>
-            <a:pPr indent="-323850" lvl="1" marL="914400" rtl="0" algn="l">
-              <a:lnSpc>
-                <a:spcPct val="110000"/>
-              </a:lnSpc>
-              <a:spcBef>
-                <a:spcPts val="1000"/>
-              </a:spcBef>
-              <a:spcAft>
-                <a:spcPts val="0"/>
-              </a:spcAft>
-              <a:buClr>
-                <a:srgbClr val="000000"/>
-              </a:buClr>
-              <a:buSzPts val="1500"/>
-              <a:buChar char="•"/>
-            </a:pPr>
-            <a:r>
-              <a:rPr lang="en-US" sz="1500">
-                <a:solidFill>
-                  <a:srgbClr val="000000"/>
-                </a:solidFill>
-              </a:rPr>
-              <a:t>Abstracting low-level hardware and protocol details</a:t>
-            </a:r>
-            <a:endParaRPr sz="1500">
-              <a:solidFill>
-                <a:srgbClr val="000000"/>
-              </a:solidFill>
-            </a:endParaRPr>
-          </a:p>
-          <a:p>
-            <a:pPr indent="-323850" lvl="1" marL="914400" rtl="0" algn="l">
-              <a:lnSpc>
-                <a:spcPct val="110000"/>
-              </a:lnSpc>
-              <a:spcBef>
-                <a:spcPts val="1000"/>
-              </a:spcBef>
-              <a:spcAft>
-                <a:spcPts val="0"/>
-              </a:spcAft>
-              <a:buClr>
-                <a:srgbClr val="000000"/>
-              </a:buClr>
-              <a:buSzPts val="1500"/>
-              <a:buChar char="•"/>
-            </a:pPr>
-            <a:r>
-              <a:rPr lang="en-US" sz="1500">
-                <a:solidFill>
-                  <a:srgbClr val="000000"/>
-                </a:solidFill>
-              </a:rPr>
-              <a:t>Exposing simpler, composable primitives</a:t>
-            </a:r>
-            <a:endParaRPr sz="1500">
-              <a:solidFill>
-                <a:srgbClr val="000000"/>
-              </a:solidFill>
-            </a:endParaRPr>
-          </a:p>
-          <a:p>
-            <a:pPr indent="-323850" lvl="1" marL="914400" rtl="0" algn="l">
-              <a:lnSpc>
-                <a:spcPct val="110000"/>
-              </a:lnSpc>
-              <a:spcBef>
-                <a:spcPts val="1000"/>
-              </a:spcBef>
-              <a:spcAft>
-                <a:spcPts val="0"/>
-              </a:spcAft>
-              <a:buClr>
-                <a:srgbClr val="000000"/>
-              </a:buClr>
-              <a:buSzPts val="1500"/>
-              <a:buChar char="•"/>
-            </a:pPr>
-            <a:r>
-              <a:rPr lang="en-US" sz="1500">
-                <a:solidFill>
-                  <a:srgbClr val="000000"/>
-                </a:solidFill>
-              </a:rPr>
-              <a:t>Enabling rapid experimentation with unintended behaviors</a:t>
-            </a:r>
-            <a:endParaRPr sz="1500">
-              <a:solidFill>
-                <a:srgbClr val="000000"/>
-              </a:solidFill>
-            </a:endParaRPr>
-          </a:p>
-          <a:p>
-            <a:pPr indent="-323850" lvl="0" marL="457200" rtl="0" algn="l">
-              <a:lnSpc>
-                <a:spcPct val="110000"/>
-              </a:lnSpc>
-              <a:spcBef>
-                <a:spcPts val="1000"/>
-              </a:spcBef>
-              <a:spcAft>
-                <a:spcPts val="0"/>
-              </a:spcAft>
-              <a:buClr>
-                <a:srgbClr val="000000"/>
-              </a:buClr>
-              <a:buSzPts val="1500"/>
-              <a:buChar char="•"/>
-            </a:pPr>
-            <a:r>
-              <a:rPr lang="en-US" sz="1500">
-                <a:solidFill>
-                  <a:srgbClr val="000000"/>
-                </a:solidFill>
-              </a:rPr>
-              <a:t>Result: easier exploration of emergent control and computation</a:t>
-            </a:r>
-            <a:endParaRPr sz="1500">
-              <a:solidFill>
-                <a:srgbClr val="000000"/>
-              </a:solidFill>
-            </a:endParaRPr>
-          </a:p>
-        </p:txBody>
-      </p:sp>
-    </p:spTree>
-  </p:cSld>
-  <p:clrMapOvr>
-    <a:masterClrMapping/>
-  </p:clrMapOvr>
-</p:sld>
-</file>
-
-<file path=ppt/slides/slide14.xml><?xml version="1.0" encoding="utf-8"?>
-<p:sld xmlns:a="http://schemas.openxmlformats.org/drawingml/2006/main" xmlns:r="http://schemas.openxmlformats.org/officeDocument/2006/relationships" xmlns:mc="http://schemas.openxmlformats.org/markup-compatibility/2006" xmlns:mv="urn:schemas-microsoft-com:mac:vml" xmlns:p="http://schemas.openxmlformats.org/presentationml/2006/main" xmlns:c="http://schemas.openxmlformats.org/drawingml/2006/chart" xmlns:dgm="http://schemas.openxmlformats.org/drawingml/2006/diagram" xmlns:o="urn:schemas-microsoft-com:office:office" xmlns:v="urn:schemas-microsoft-com:vml" xmlns:pvml="urn:schemas-microsoft-com:office:powerpoint" xmlns:com="http://schemas.openxmlformats.org/drawingml/2006/compatibility" xmlns:p14="http://schemas.microsoft.com/office/powerpoint/2010/main" xmlns:p15="http://schemas.microsoft.com/office/powerpoint/2012/main" xmlns:ahyp="http://schemas.microsoft.com/office/drawing/2018/hyperlinkcolor">
-  <p:cSld>
-    <p:spTree>
-      <p:nvGrpSpPr>
-        <p:cNvPr id="202" name="Shape 202"/>
-        <p:cNvGrpSpPr/>
-        <p:nvPr/>
-      </p:nvGrpSpPr>
-      <p:grpSpPr>
-        <a:xfrm>
-          <a:off x="0" y="0"/>
-          <a:ext cx="0" cy="0"/>
-          <a:chOff x="0" y="0"/>
-          <a:chExt cx="0" cy="0"/>
-        </a:xfrm>
-      </p:grpSpPr>
-      <p:sp>
-        <p:nvSpPr>
-          <p:cNvPr id="203" name="Google Shape;203;p10"/>
+          <p:cNvPr id="215" name="Google Shape;215;p10"/>
           <p:cNvSpPr txBox="1"/>
           <p:nvPr>
             <p:ph type="title"/>
@@ -18775,7 +19436,7 @@
       </p:sp>
       <p:sp>
         <p:nvSpPr>
-          <p:cNvPr id="204" name="Google Shape;204;p10"/>
+          <p:cNvPr id="216" name="Google Shape;216;p10"/>
           <p:cNvSpPr txBox="1"/>
           <p:nvPr>
             <p:ph idx="1" type="body"/>
@@ -18783,8 +19444,8 @@
         </p:nvSpPr>
         <p:spPr>
           <a:xfrm>
-            <a:off x="452353" y="2532750"/>
-            <a:ext cx="7115700" cy="3767400"/>
+            <a:off x="148900" y="2107925"/>
+            <a:ext cx="5643600" cy="4305000"/>
           </a:xfrm>
           <a:prstGeom prst="rect">
             <a:avLst/>
@@ -18894,7 +19555,7 @@
       </p:sp>
       <p:pic>
         <p:nvPicPr>
-          <p:cNvPr id="205" name="Google Shape;205;p10"/>
+          <p:cNvPr id="217" name="Google Shape;217;p10"/>
           <p:cNvPicPr preferRelativeResize="0"/>
           <p:nvPr/>
         </p:nvPicPr>
@@ -18908,8 +19569,36 @@
         </p:blipFill>
         <p:spPr>
           <a:xfrm>
-            <a:off x="7185088" y="4596488"/>
+            <a:off x="7060813" y="4724088"/>
             <a:ext cx="4676775" cy="1819275"/>
+          </a:xfrm>
+          <a:prstGeom prst="rect">
+            <a:avLst/>
+          </a:prstGeom>
+          <a:noFill/>
+          <a:ln>
+            <a:noFill/>
+          </a:ln>
+        </p:spPr>
+      </p:pic>
+      <p:pic>
+        <p:nvPicPr>
+          <p:cNvPr id="218" name="Google Shape;218;p10"/>
+          <p:cNvPicPr preferRelativeResize="0"/>
+          <p:nvPr/>
+        </p:nvPicPr>
+        <p:blipFill>
+          <a:blip r:embed="rId4">
+            <a:alphaModFix/>
+          </a:blip>
+          <a:stretch>
+            <a:fillRect/>
+          </a:stretch>
+        </p:blipFill>
+        <p:spPr>
+          <a:xfrm>
+            <a:off x="6152900" y="1919750"/>
+            <a:ext cx="5775125" cy="2644200"/>
           </a:xfrm>
           <a:prstGeom prst="rect">
             <a:avLst/>
@@ -18928,12 +19617,12 @@
 </p:sld>
 </file>
 
-<file path=ppt/slides/slide15.xml><?xml version="1.0" encoding="utf-8"?>
+<file path=ppt/slides/slide16.xml><?xml version="1.0" encoding="utf-8"?>
 <p:sld xmlns:a="http://schemas.openxmlformats.org/drawingml/2006/main" xmlns:r="http://schemas.openxmlformats.org/officeDocument/2006/relationships" xmlns:mc="http://schemas.openxmlformats.org/markup-compatibility/2006" xmlns:mv="urn:schemas-microsoft-com:mac:vml" xmlns:p="http://schemas.openxmlformats.org/presentationml/2006/main" xmlns:c="http://schemas.openxmlformats.org/drawingml/2006/chart" xmlns:dgm="http://schemas.openxmlformats.org/drawingml/2006/diagram" xmlns:o="urn:schemas-microsoft-com:office:office" xmlns:v="urn:schemas-microsoft-com:vml" xmlns:pvml="urn:schemas-microsoft-com:office:powerpoint" xmlns:com="http://schemas.openxmlformats.org/drawingml/2006/compatibility" xmlns:p14="http://schemas.microsoft.com/office/powerpoint/2010/main" xmlns:p15="http://schemas.microsoft.com/office/powerpoint/2012/main" xmlns:ahyp="http://schemas.microsoft.com/office/drawing/2018/hyperlinkcolor">
   <p:cSld>
     <p:spTree>
       <p:nvGrpSpPr>
-        <p:cNvPr id="209" name="Shape 209"/>
+        <p:cNvPr id="222" name="Shape 222"/>
         <p:cNvGrpSpPr/>
         <p:nvPr/>
       </p:nvGrpSpPr>
@@ -18947,7 +19636,7 @@
       </p:grpSpPr>
       <p:sp>
         <p:nvSpPr>
-          <p:cNvPr id="210" name="Google Shape;210;g3b0d07ae252_3_0"/>
+          <p:cNvPr id="223" name="Google Shape;223;g3b0d07ae252_3_0"/>
           <p:cNvSpPr txBox="1"/>
           <p:nvPr>
             <p:ph type="title"/>
@@ -18999,7 +19688,7 @@
       </p:sp>
       <p:sp>
         <p:nvSpPr>
-          <p:cNvPr id="211" name="Google Shape;211;g3b0d07ae252_3_0"/>
+          <p:cNvPr id="224" name="Google Shape;224;g3b0d07ae252_3_0"/>
           <p:cNvSpPr txBox="1"/>
           <p:nvPr>
             <p:ph idx="1" type="body"/>
@@ -19129,48 +19818,6 @@
             <a:endParaRPr/>
           </a:p>
           <a:p>
-            <a:pPr indent="-228600" lvl="1" marL="685800" rtl="0" algn="l">
-              <a:spcBef>
-                <a:spcPts val="0"/>
-              </a:spcBef>
-              <a:spcAft>
-                <a:spcPts val="0"/>
-              </a:spcAft>
-              <a:buSzPts val="1800"/>
-              <a:buChar char="•"/>
-            </a:pPr>
-            <a:r>
-              <a:rPr b="1" lang="en-US"/>
-              <a:t>Implications</a:t>
-            </a:r>
-            <a:endParaRPr b="1"/>
-          </a:p>
-          <a:p>
-            <a:pPr indent="-228600" lvl="2" marL="1143000" rtl="0" algn="l">
-              <a:spcBef>
-                <a:spcPts val="0"/>
-              </a:spcBef>
-              <a:spcAft>
-                <a:spcPts val="0"/>
-              </a:spcAft>
-              <a:buSzPts val="1800"/>
-              <a:buChar char="•"/>
-            </a:pPr>
-            <a:r>
-              <a:rPr lang="en-US"/>
-              <a:t>Allows monitoring of outside </a:t>
-            </a:r>
-            <a:r>
-              <a:rPr lang="en-US"/>
-              <a:t>factors</a:t>
-            </a:r>
-            <a:r>
-              <a:rPr lang="en-US"/>
-              <a:t> to determine vulnerable state</a:t>
-            </a:r>
-            <a:endParaRPr/>
-          </a:p>
-          <a:p>
             <a:pPr indent="0" lvl="0" marL="0" rtl="0" algn="l">
               <a:spcBef>
                 <a:spcPts val="0"/>
@@ -19190,7 +19837,7 @@
       </p:sp>
       <p:pic>
         <p:nvPicPr>
-          <p:cNvPr id="212" name="Google Shape;212;g3b0d07ae252_3_0"/>
+          <p:cNvPr id="225" name="Google Shape;225;g3b0d07ae252_3_0"/>
           <p:cNvPicPr preferRelativeResize="0"/>
           <p:nvPr/>
         </p:nvPicPr>
@@ -19204,8 +19851,62 @@
         </p:blipFill>
         <p:spPr>
           <a:xfrm>
-            <a:off x="8748439" y="2127275"/>
+            <a:off x="8674589" y="2380350"/>
             <a:ext cx="3443560" cy="3767400"/>
+          </a:xfrm>
+          <a:prstGeom prst="rect">
+            <a:avLst/>
+          </a:prstGeom>
+          <a:noFill/>
+          <a:ln>
+            <a:noFill/>
+          </a:ln>
+        </p:spPr>
+      </p:pic>
+      <p:cxnSp>
+        <p:nvCxnSpPr>
+          <p:cNvPr id="226" name="Google Shape;226;g3b0d07ae252_3_0"/>
+          <p:cNvCxnSpPr/>
+          <p:nvPr/>
+        </p:nvCxnSpPr>
+        <p:spPr>
+          <a:xfrm flipH="1">
+            <a:off x="7351150" y="4989600"/>
+            <a:ext cx="1264800" cy="1005900"/>
+          </a:xfrm>
+          <a:prstGeom prst="straightConnector1">
+            <a:avLst/>
+          </a:prstGeom>
+          <a:noFill/>
+          <a:ln cap="flat" cmpd="sng" w="76200">
+            <a:solidFill>
+              <a:srgbClr val="00FF00"/>
+            </a:solidFill>
+            <a:prstDash val="solid"/>
+            <a:round/>
+            <a:headEnd len="med" w="med" type="none"/>
+            <a:tailEnd len="med" w="med" type="none"/>
+          </a:ln>
+        </p:spPr>
+      </p:cxnSp>
+      <p:pic>
+        <p:nvPicPr>
+          <p:cNvPr id="227" name="Google Shape;227;g3b0d07ae252_3_0"/>
+          <p:cNvPicPr preferRelativeResize="0"/>
+          <p:nvPr/>
+        </p:nvPicPr>
+        <p:blipFill>
+          <a:blip r:embed="rId4">
+            <a:alphaModFix/>
+          </a:blip>
+          <a:stretch>
+            <a:fillRect/>
+          </a:stretch>
+        </p:blipFill>
+        <p:spPr>
+          <a:xfrm>
+            <a:off x="3218000" y="5690624"/>
+            <a:ext cx="4133150" cy="817201"/>
           </a:xfrm>
           <a:prstGeom prst="rect">
             <a:avLst/>
@@ -19224,12 +19925,12 @@
 </p:sld>
 </file>
 
-<file path=ppt/slides/slide16.xml><?xml version="1.0" encoding="utf-8"?>
+<file path=ppt/slides/slide17.xml><?xml version="1.0" encoding="utf-8"?>
 <p:sld xmlns:a="http://schemas.openxmlformats.org/drawingml/2006/main" xmlns:r="http://schemas.openxmlformats.org/officeDocument/2006/relationships" xmlns:mc="http://schemas.openxmlformats.org/markup-compatibility/2006" xmlns:mv="urn:schemas-microsoft-com:mac:vml" xmlns:p="http://schemas.openxmlformats.org/presentationml/2006/main" xmlns:c="http://schemas.openxmlformats.org/drawingml/2006/chart" xmlns:dgm="http://schemas.openxmlformats.org/drawingml/2006/diagram" xmlns:o="urn:schemas-microsoft-com:office:office" xmlns:v="urn:schemas-microsoft-com:vml" xmlns:pvml="urn:schemas-microsoft-com:office:powerpoint" xmlns:com="http://schemas.openxmlformats.org/drawingml/2006/compatibility" xmlns:p14="http://schemas.microsoft.com/office/powerpoint/2010/main" xmlns:p15="http://schemas.microsoft.com/office/powerpoint/2012/main" xmlns:ahyp="http://schemas.microsoft.com/office/drawing/2018/hyperlinkcolor">
   <p:cSld>
     <p:spTree>
       <p:nvGrpSpPr>
-        <p:cNvPr id="216" name="Shape 216"/>
+        <p:cNvPr id="231" name="Shape 231"/>
         <p:cNvGrpSpPr/>
         <p:nvPr/>
       </p:nvGrpSpPr>
@@ -19243,7 +19944,7 @@
       </p:grpSpPr>
       <p:sp>
         <p:nvSpPr>
-          <p:cNvPr id="217" name="Google Shape;217;g3b0d07ae252_2_20"/>
+          <p:cNvPr id="232" name="Google Shape;232;g3b0d07ae252_2_20"/>
           <p:cNvSpPr txBox="1"/>
           <p:nvPr>
             <p:ph type="title"/>
@@ -19295,7 +19996,7 @@
       </p:sp>
       <p:sp>
         <p:nvSpPr>
-          <p:cNvPr id="218" name="Google Shape;218;g3b0d07ae252_2_20"/>
+          <p:cNvPr id="233" name="Google Shape;233;g3b0d07ae252_2_20"/>
           <p:cNvSpPr txBox="1"/>
           <p:nvPr>
             <p:ph idx="1" type="body"/>
@@ -19399,7 +20100,7 @@
       </p:sp>
       <p:pic>
         <p:nvPicPr>
-          <p:cNvPr id="219" name="Google Shape;219;g3b0d07ae252_2_20"/>
+          <p:cNvPr id="234" name="Google Shape;234;g3b0d07ae252_2_20"/>
           <p:cNvPicPr preferRelativeResize="0"/>
           <p:nvPr/>
         </p:nvPicPr>
@@ -19433,12 +20134,12 @@
 </p:sld>
 </file>
 
-<file path=ppt/slides/slide17.xml><?xml version="1.0" encoding="utf-8"?>
+<file path=ppt/slides/slide18.xml><?xml version="1.0" encoding="utf-8"?>
 <p:sld xmlns:a="http://schemas.openxmlformats.org/drawingml/2006/main" xmlns:r="http://schemas.openxmlformats.org/officeDocument/2006/relationships" xmlns:mc="http://schemas.openxmlformats.org/markup-compatibility/2006" xmlns:mv="urn:schemas-microsoft-com:mac:vml" xmlns:p="http://schemas.openxmlformats.org/presentationml/2006/main" xmlns:c="http://schemas.openxmlformats.org/drawingml/2006/chart" xmlns:dgm="http://schemas.openxmlformats.org/drawingml/2006/diagram" xmlns:o="urn:schemas-microsoft-com:office:office" xmlns:v="urn:schemas-microsoft-com:vml" xmlns:pvml="urn:schemas-microsoft-com:office:powerpoint" xmlns:com="http://schemas.openxmlformats.org/drawingml/2006/compatibility" xmlns:p14="http://schemas.microsoft.com/office/powerpoint/2010/main" xmlns:p15="http://schemas.microsoft.com/office/powerpoint/2012/main" xmlns:ahyp="http://schemas.microsoft.com/office/drawing/2018/hyperlinkcolor">
   <p:cSld>
     <p:spTree>
       <p:nvGrpSpPr>
-        <p:cNvPr id="223" name="Shape 223"/>
+        <p:cNvPr id="238" name="Shape 238"/>
         <p:cNvGrpSpPr/>
         <p:nvPr/>
       </p:nvGrpSpPr>
@@ -19452,7 +20153,7 @@
       </p:grpSpPr>
       <p:sp>
         <p:nvSpPr>
-          <p:cNvPr id="224" name="Google Shape;224;g3b0d07ae252_2_10"/>
+          <p:cNvPr id="239" name="Google Shape;239;g3b0d07ae252_2_10"/>
           <p:cNvSpPr txBox="1"/>
           <p:nvPr>
             <p:ph idx="1" type="body"/>
@@ -19556,7 +20257,7 @@
       </p:sp>
       <p:sp>
         <p:nvSpPr>
-          <p:cNvPr id="225" name="Google Shape;225;g3b0d07ae252_2_10"/>
+          <p:cNvPr id="240" name="Google Shape;240;g3b0d07ae252_2_10"/>
           <p:cNvSpPr txBox="1"/>
           <p:nvPr>
             <p:ph type="title"/>
@@ -19596,7 +20297,7 @@
       </p:sp>
       <p:pic>
         <p:nvPicPr>
-          <p:cNvPr descr="a blue and yellow python logo is shown on a white background (Provided by Tenor)" id="226" name="Google Shape;226;g3b0d07ae252_2_10"/>
+          <p:cNvPr descr="a blue and yellow python logo is shown on a white background (Provided by Tenor)" id="241" name="Google Shape;241;g3b0d07ae252_2_10"/>
           <p:cNvPicPr preferRelativeResize="0"/>
           <p:nvPr/>
         </p:nvPicPr>
@@ -19623,7 +20324,7 @@
       </p:pic>
       <p:pic>
         <p:nvPicPr>
-          <p:cNvPr descr="a blue hexagon with the letter c on it (Provided by Tenor)" id="227" name="Google Shape;227;g3b0d07ae252_2_10"/>
+          <p:cNvPr descr="a blue hexagon with the letter c on it (Provided by Tenor)" id="242" name="Google Shape;242;g3b0d07ae252_2_10"/>
           <p:cNvPicPr preferRelativeResize="0"/>
           <p:nvPr/>
         </p:nvPicPr>
@@ -19651,7 +20352,7 @@
       </p:pic>
       <p:pic>
         <p:nvPicPr>
-          <p:cNvPr descr="a logo for java with a cup of coffee and smoke (Provided by Tenor)" id="228" name="Google Shape;228;g3b0d07ae252_2_10"/>
+          <p:cNvPr descr="a logo for java with a cup of coffee and smoke (Provided by Tenor)" id="243" name="Google Shape;243;g3b0d07ae252_2_10"/>
           <p:cNvPicPr preferRelativeResize="0"/>
           <p:nvPr/>
         </p:nvPicPr>
@@ -19679,7 +20380,7 @@
       </p:pic>
       <p:pic>
         <p:nvPicPr>
-          <p:cNvPr descr="File:JavaScript-logo.png - Wikimedia Commons" id="229" name="Google Shape;229;g3b0d07ae252_2_10"/>
+          <p:cNvPr descr="File:JavaScript-logo.png - Wikimedia Commons" id="244" name="Google Shape;244;g3b0d07ae252_2_10"/>
           <p:cNvPicPr preferRelativeResize="0"/>
           <p:nvPr/>
         </p:nvPicPr>
@@ -19713,12 +20414,12 @@
 </p:sld>
 </file>
 
-<file path=ppt/slides/slide18.xml><?xml version="1.0" encoding="utf-8"?>
+<file path=ppt/slides/slide19.xml><?xml version="1.0" encoding="utf-8"?>
 <p:sld xmlns:a="http://schemas.openxmlformats.org/drawingml/2006/main" xmlns:r="http://schemas.openxmlformats.org/officeDocument/2006/relationships" xmlns:mc="http://schemas.openxmlformats.org/markup-compatibility/2006" xmlns:mv="urn:schemas-microsoft-com:mac:vml" xmlns:p="http://schemas.openxmlformats.org/presentationml/2006/main" xmlns:c="http://schemas.openxmlformats.org/drawingml/2006/chart" xmlns:dgm="http://schemas.openxmlformats.org/drawingml/2006/diagram" xmlns:o="urn:schemas-microsoft-com:office:office" xmlns:v="urn:schemas-microsoft-com:vml" xmlns:pvml="urn:schemas-microsoft-com:office:powerpoint" xmlns:com="http://schemas.openxmlformats.org/drawingml/2006/compatibility" xmlns:p14="http://schemas.microsoft.com/office/powerpoint/2010/main" xmlns:p15="http://schemas.microsoft.com/office/powerpoint/2012/main" xmlns:ahyp="http://schemas.microsoft.com/office/drawing/2018/hyperlinkcolor">
   <p:cSld>
     <p:spTree>
       <p:nvGrpSpPr>
-        <p:cNvPr id="233" name="Shape 233"/>
+        <p:cNvPr id="248" name="Shape 248"/>
         <p:cNvGrpSpPr/>
         <p:nvPr/>
       </p:nvGrpSpPr>
@@ -19732,7 +20433,7 @@
       </p:grpSpPr>
       <p:sp>
         <p:nvSpPr>
-          <p:cNvPr id="234" name="Google Shape;234;p11"/>
+          <p:cNvPr id="249" name="Google Shape;249;p11"/>
           <p:cNvSpPr txBox="1"/>
           <p:nvPr>
             <p:ph type="title"/>
@@ -19784,7 +20485,7 @@
       </p:sp>
       <p:sp>
         <p:nvSpPr>
-          <p:cNvPr id="235" name="Google Shape;235;p11"/>
+          <p:cNvPr id="250" name="Google Shape;250;p11"/>
           <p:cNvSpPr txBox="1"/>
           <p:nvPr>
             <p:ph idx="1" type="body"/>
@@ -19927,7 +20628,7 @@
       </p:sp>
       <p:sp>
         <p:nvSpPr>
-          <p:cNvPr id="236" name="Google Shape;236;p11"/>
+          <p:cNvPr id="251" name="Google Shape;251;p11"/>
           <p:cNvSpPr txBox="1"/>
           <p:nvPr/>
         </p:nvSpPr>
@@ -19988,269 +20689,6 @@
                 <a:schemeClr val="dk1"/>
               </a:solidFill>
             </a:endParaRPr>
-          </a:p>
-        </p:txBody>
-      </p:sp>
-    </p:spTree>
-  </p:cSld>
-  <p:clrMapOvr>
-    <a:masterClrMapping/>
-  </p:clrMapOvr>
-</p:sld>
-</file>
-
-<file path=ppt/slides/slide19.xml><?xml version="1.0" encoding="utf-8"?>
-<p:sld xmlns:a="http://schemas.openxmlformats.org/drawingml/2006/main" xmlns:r="http://schemas.openxmlformats.org/officeDocument/2006/relationships" xmlns:mc="http://schemas.openxmlformats.org/markup-compatibility/2006" xmlns:mv="urn:schemas-microsoft-com:mac:vml" xmlns:p="http://schemas.openxmlformats.org/presentationml/2006/main" xmlns:c="http://schemas.openxmlformats.org/drawingml/2006/chart" xmlns:dgm="http://schemas.openxmlformats.org/drawingml/2006/diagram" xmlns:o="urn:schemas-microsoft-com:office:office" xmlns:v="urn:schemas-microsoft-com:vml" xmlns:pvml="urn:schemas-microsoft-com:office:powerpoint" xmlns:com="http://schemas.openxmlformats.org/drawingml/2006/compatibility" xmlns:p14="http://schemas.microsoft.com/office/powerpoint/2010/main" xmlns:p15="http://schemas.microsoft.com/office/powerpoint/2012/main" xmlns:ahyp="http://schemas.microsoft.com/office/drawing/2018/hyperlinkcolor">
-  <p:cSld>
-    <p:spTree>
-      <p:nvGrpSpPr>
-        <p:cNvPr id="240" name="Shape 240"/>
-        <p:cNvGrpSpPr/>
-        <p:nvPr/>
-      </p:nvGrpSpPr>
-      <p:grpSpPr>
-        <a:xfrm>
-          <a:off x="0" y="0"/>
-          <a:ext cx="0" cy="0"/>
-          <a:chOff x="0" y="0"/>
-          <a:chExt cx="0" cy="0"/>
-        </a:xfrm>
-      </p:grpSpPr>
-      <p:sp>
-        <p:nvSpPr>
-          <p:cNvPr id="241" name="Google Shape;241;p12"/>
-          <p:cNvSpPr txBox="1"/>
-          <p:nvPr>
-            <p:ph idx="1" type="body"/>
-          </p:nvPr>
-        </p:nvSpPr>
-        <p:spPr>
-          <a:xfrm>
-            <a:off x="521208" y="2578608"/>
-            <a:ext cx="11155800" cy="3767400"/>
-          </a:xfrm>
-          <a:prstGeom prst="rect">
-            <a:avLst/>
-          </a:prstGeom>
-          <a:noFill/>
-          <a:ln>
-            <a:noFill/>
-          </a:ln>
-        </p:spPr>
-        <p:txBody>
-          <a:bodyPr anchorCtr="0" anchor="t" bIns="45700" lIns="91425" spcFirstLastPara="1" rIns="91425" wrap="square" tIns="45700">
-            <a:normAutofit fontScale="47500" lnSpcReduction="20000"/>
-          </a:bodyPr>
-          <a:lstStyle/>
-          <a:p>
-            <a:pPr indent="-208432" lvl="0" marL="228600" rtl="0" algn="l">
-              <a:lnSpc>
-                <a:spcPct val="150000"/>
-              </a:lnSpc>
-              <a:spcBef>
-                <a:spcPts val="1000"/>
-              </a:spcBef>
-              <a:spcAft>
-                <a:spcPts val="0"/>
-              </a:spcAft>
-              <a:buSzPct val="100000"/>
-              <a:buChar char="•"/>
-            </a:pPr>
-            <a:r>
-              <a:rPr b="1" lang="en-US" sz="3120"/>
-              <a:t>White Paper &amp; Research </a:t>
-            </a:r>
-            <a:r>
-              <a:rPr b="1" lang="en-US" sz="3120"/>
-              <a:t>Artifacts</a:t>
-            </a:r>
-            <a:endParaRPr b="1" sz="3120"/>
-          </a:p>
-          <a:p>
-            <a:pPr indent="-208432" lvl="1" marL="685800" rtl="0" algn="l">
-              <a:lnSpc>
-                <a:spcPct val="150000"/>
-              </a:lnSpc>
-              <a:spcBef>
-                <a:spcPts val="1000"/>
-              </a:spcBef>
-              <a:spcAft>
-                <a:spcPts val="0"/>
-              </a:spcAft>
-              <a:buSzPct val="100000"/>
-              <a:buChar char="•"/>
-            </a:pPr>
-            <a:r>
-              <a:rPr lang="en-US" sz="3120"/>
-              <a:t>Document our findings, </a:t>
-            </a:r>
-            <a:r>
-              <a:rPr lang="en-US" sz="3120"/>
-              <a:t>methodology</a:t>
-            </a:r>
-            <a:r>
-              <a:rPr lang="en-US" sz="3120"/>
-              <a:t>, and lessons learned in a formal white paper. </a:t>
-            </a:r>
-            <a:r>
-              <a:rPr lang="en-US" sz="3120"/>
-              <a:t>Publication and public release will occur only after sponsor review and approval.</a:t>
-            </a:r>
-            <a:endParaRPr sz="3120"/>
-          </a:p>
-          <a:p>
-            <a:pPr indent="-208432" lvl="0" marL="228600" rtl="0" algn="l">
-              <a:lnSpc>
-                <a:spcPct val="150000"/>
-              </a:lnSpc>
-              <a:spcBef>
-                <a:spcPts val="1000"/>
-              </a:spcBef>
-              <a:spcAft>
-                <a:spcPts val="0"/>
-              </a:spcAft>
-              <a:buSzPct val="100000"/>
-              <a:buChar char="•"/>
-            </a:pPr>
-            <a:r>
-              <a:rPr b="1" lang="en-US" sz="3120"/>
-              <a:t>Research Workflow &amp; Tooling Experience</a:t>
-            </a:r>
-            <a:endParaRPr b="1" sz="3120"/>
-          </a:p>
-          <a:p>
-            <a:pPr indent="-208432" lvl="1" marL="685800" rtl="0" algn="l">
-              <a:lnSpc>
-                <a:spcPct val="150000"/>
-              </a:lnSpc>
-              <a:spcBef>
-                <a:spcPts val="1000"/>
-              </a:spcBef>
-              <a:spcAft>
-                <a:spcPts val="0"/>
-              </a:spcAft>
-              <a:buSzPct val="100000"/>
-              <a:buChar char="•"/>
-            </a:pPr>
-            <a:r>
-              <a:rPr lang="en-US" sz="3120"/>
-              <a:t>This research project provides hands-on practice in technical writing, version control, and reproducible research workflows utilizing tools such as Overleaf, Git, and LaTeX.</a:t>
-            </a:r>
-            <a:endParaRPr sz="3120"/>
-          </a:p>
-          <a:p>
-            <a:pPr indent="-208432" lvl="0" marL="228600" rtl="0" algn="l">
-              <a:lnSpc>
-                <a:spcPct val="150000"/>
-              </a:lnSpc>
-              <a:spcBef>
-                <a:spcPts val="1000"/>
-              </a:spcBef>
-              <a:spcAft>
-                <a:spcPts val="0"/>
-              </a:spcAft>
-              <a:buSzPct val="100000"/>
-              <a:buChar char="•"/>
-            </a:pPr>
-            <a:r>
-              <a:rPr b="1" lang="en-US" sz="3120"/>
-              <a:t>Scaling Weird-Machine Discovery with LLMs</a:t>
-            </a:r>
-            <a:endParaRPr b="1" sz="3120"/>
-          </a:p>
-          <a:p>
-            <a:pPr indent="-208432" lvl="1" marL="685800" rtl="0" algn="l">
-              <a:lnSpc>
-                <a:spcPct val="150000"/>
-              </a:lnSpc>
-              <a:spcBef>
-                <a:spcPts val="1000"/>
-              </a:spcBef>
-              <a:spcAft>
-                <a:spcPts val="0"/>
-              </a:spcAft>
-              <a:buSzPct val="100000"/>
-              <a:buChar char="•"/>
-            </a:pPr>
-            <a:r>
-              <a:rPr lang="en-US" sz="3120"/>
-              <a:t>Explore a large-language-model consortium approach to assist in identifying potential weird gadgets within complex system architectures such as our Wind Energy Testbed.</a:t>
-            </a:r>
-            <a:endParaRPr sz="3120"/>
-          </a:p>
-          <a:p>
-            <a:pPr indent="-114300" lvl="0" marL="228600" rtl="0" algn="l">
-              <a:lnSpc>
-                <a:spcPct val="110000"/>
-              </a:lnSpc>
-              <a:spcBef>
-                <a:spcPts val="1000"/>
-              </a:spcBef>
-              <a:spcAft>
-                <a:spcPts val="0"/>
-              </a:spcAft>
-              <a:buClr>
-                <a:schemeClr val="dk1"/>
-              </a:buClr>
-              <a:buSzPct val="100000"/>
-              <a:buNone/>
-            </a:pPr>
-            <a:r>
-              <a:t/>
-            </a:r>
-            <a:endParaRPr/>
-          </a:p>
-        </p:txBody>
-      </p:sp>
-      <p:sp>
-        <p:nvSpPr>
-          <p:cNvPr id="242" name="Google Shape;242;p12"/>
-          <p:cNvSpPr txBox="1"/>
-          <p:nvPr>
-            <p:ph type="title"/>
-          </p:nvPr>
-        </p:nvSpPr>
-        <p:spPr>
-          <a:xfrm>
-            <a:off x="521208" y="978408"/>
-            <a:ext cx="11155680" cy="1463040"/>
-          </a:xfrm>
-          <a:prstGeom prst="rect">
-            <a:avLst/>
-          </a:prstGeom>
-          <a:noFill/>
-          <a:ln>
-            <a:noFill/>
-          </a:ln>
-        </p:spPr>
-        <p:txBody>
-          <a:bodyPr anchorCtr="0" anchor="t" bIns="45700" lIns="91425" spcFirstLastPara="1" rIns="91425" wrap="square" tIns="45700">
-            <a:normAutofit/>
-          </a:bodyPr>
-          <a:lstStyle/>
-          <a:p>
-            <a:pPr indent="0" lvl="0" marL="0" rtl="0" algn="l">
-              <a:lnSpc>
-                <a:spcPct val="100000"/>
-              </a:lnSpc>
-              <a:spcBef>
-                <a:spcPts val="0"/>
-              </a:spcBef>
-              <a:spcAft>
-                <a:spcPts val="0"/>
-              </a:spcAft>
-              <a:buClr>
-                <a:schemeClr val="dk1"/>
-              </a:buClr>
-              <a:buSzPts val="4400"/>
-              <a:buFont typeface="Arial"/>
-              <a:buNone/>
-            </a:pPr>
-            <a:r>
-              <a:rPr lang="en-US"/>
-              <a:t>What is coming next?</a:t>
-            </a:r>
-            <a:endParaRPr/>
           </a:p>
         </p:txBody>
       </p:sp>
@@ -20386,16 +20824,9 @@
 <file path=ppt/slides/slide20.xml><?xml version="1.0" encoding="utf-8"?>
 <p:sld xmlns:a="http://schemas.openxmlformats.org/drawingml/2006/main" xmlns:r="http://schemas.openxmlformats.org/officeDocument/2006/relationships" xmlns:mc="http://schemas.openxmlformats.org/markup-compatibility/2006" xmlns:mv="urn:schemas-microsoft-com:mac:vml" xmlns:p="http://schemas.openxmlformats.org/presentationml/2006/main" xmlns:c="http://schemas.openxmlformats.org/drawingml/2006/chart" xmlns:dgm="http://schemas.openxmlformats.org/drawingml/2006/diagram" xmlns:o="urn:schemas-microsoft-com:office:office" xmlns:v="urn:schemas-microsoft-com:vml" xmlns:pvml="urn:schemas-microsoft-com:office:powerpoint" xmlns:com="http://schemas.openxmlformats.org/drawingml/2006/compatibility" xmlns:p14="http://schemas.microsoft.com/office/powerpoint/2010/main" xmlns:p15="http://schemas.microsoft.com/office/powerpoint/2012/main" xmlns:ahyp="http://schemas.microsoft.com/office/drawing/2018/hyperlinkcolor">
   <p:cSld>
-    <p:bg>
-      <p:bgPr>
-        <a:solidFill>
-          <a:schemeClr val="lt1"/>
-        </a:solidFill>
-      </p:bgPr>
-    </p:bg>
     <p:spTree>
       <p:nvGrpSpPr>
-        <p:cNvPr id="246" name="Shape 246"/>
+        <p:cNvPr id="255" name="Shape 255"/>
         <p:cNvGrpSpPr/>
         <p:nvPr/>
       </p:nvGrpSpPr>
@@ -20409,7 +20840,321 @@
       </p:grpSpPr>
       <p:sp>
         <p:nvSpPr>
-          <p:cNvPr id="247" name="Google Shape;247;p13"/>
+          <p:cNvPr id="256" name="Google Shape;256;p12"/>
+          <p:cNvSpPr txBox="1"/>
+          <p:nvPr>
+            <p:ph idx="1" type="body"/>
+          </p:nvPr>
+        </p:nvSpPr>
+        <p:spPr>
+          <a:xfrm>
+            <a:off x="338325" y="1941574"/>
+            <a:ext cx="11338800" cy="4404300"/>
+          </a:xfrm>
+          <a:prstGeom prst="rect">
+            <a:avLst/>
+          </a:prstGeom>
+          <a:noFill/>
+          <a:ln>
+            <a:noFill/>
+          </a:ln>
+        </p:spPr>
+        <p:txBody>
+          <a:bodyPr anchorCtr="0" anchor="t" bIns="45700" lIns="91425" spcFirstLastPara="1" rIns="91425" wrap="square" tIns="45700">
+            <a:noAutofit/>
+          </a:bodyPr>
+          <a:lstStyle/>
+          <a:p>
+            <a:pPr indent="-216806" lvl="0" marL="228600" rtl="0" algn="l">
+              <a:lnSpc>
+                <a:spcPct val="130000"/>
+              </a:lnSpc>
+              <a:spcBef>
+                <a:spcPts val="1000"/>
+              </a:spcBef>
+              <a:spcAft>
+                <a:spcPts val="0"/>
+              </a:spcAft>
+              <a:buSzPts val="1614"/>
+              <a:buChar char="•"/>
+            </a:pPr>
+            <a:r>
+              <a:rPr b="1" lang="en-US" sz="1614"/>
+              <a:t>White Paper &amp; Research </a:t>
+            </a:r>
+            <a:r>
+              <a:rPr b="1" lang="en-US" sz="1614"/>
+              <a:t>Artifacts</a:t>
+            </a:r>
+            <a:endParaRPr b="1" sz="1614"/>
+          </a:p>
+          <a:p>
+            <a:pPr indent="-204106" lvl="1" marL="685800" rtl="0" algn="l">
+              <a:lnSpc>
+                <a:spcPct val="130000"/>
+              </a:lnSpc>
+              <a:spcBef>
+                <a:spcPts val="1000"/>
+              </a:spcBef>
+              <a:spcAft>
+                <a:spcPts val="0"/>
+              </a:spcAft>
+              <a:buSzPts val="1414"/>
+              <a:buChar char="•"/>
+            </a:pPr>
+            <a:r>
+              <a:rPr lang="en-US" sz="1414"/>
+              <a:t>Document our findings, </a:t>
+            </a:r>
+            <a:r>
+              <a:rPr lang="en-US" sz="1414"/>
+              <a:t>methodology</a:t>
+            </a:r>
+            <a:r>
+              <a:rPr lang="en-US" sz="1414"/>
+              <a:t>, and lessons learned in a formal white paper. </a:t>
+            </a:r>
+            <a:r>
+              <a:rPr lang="en-US" sz="1414"/>
+              <a:t>Publication and public release will occur only after sponsor review and approval.</a:t>
+            </a:r>
+            <a:endParaRPr sz="1414"/>
+          </a:p>
+          <a:p>
+            <a:pPr indent="-216806" lvl="0" marL="228600" rtl="0" algn="l">
+              <a:lnSpc>
+                <a:spcPct val="130000"/>
+              </a:lnSpc>
+              <a:spcBef>
+                <a:spcPts val="1000"/>
+              </a:spcBef>
+              <a:spcAft>
+                <a:spcPts val="0"/>
+              </a:spcAft>
+              <a:buSzPts val="1614"/>
+              <a:buChar char="•"/>
+            </a:pPr>
+            <a:r>
+              <a:rPr b="1" lang="en-US" sz="1614"/>
+              <a:t>Research Workflow &amp; Tooling Experience</a:t>
+            </a:r>
+            <a:endParaRPr b="1" sz="1614"/>
+          </a:p>
+          <a:p>
+            <a:pPr indent="-178706" lvl="1" marL="685800" rtl="0" algn="l">
+              <a:lnSpc>
+                <a:spcPct val="130000"/>
+              </a:lnSpc>
+              <a:spcBef>
+                <a:spcPts val="1000"/>
+              </a:spcBef>
+              <a:spcAft>
+                <a:spcPts val="0"/>
+              </a:spcAft>
+              <a:buSzPts val="1014"/>
+              <a:buChar char="•"/>
+            </a:pPr>
+            <a:r>
+              <a:rPr lang="en-US" sz="1314"/>
+              <a:t>T</a:t>
+            </a:r>
+            <a:r>
+              <a:rPr lang="en-US" sz="1414"/>
+              <a:t>his research project provides hands-on practice in technical writing, version control, and reproducible research workflows utilizing tools such as Overleaf, Git, and LaTeX.</a:t>
+            </a:r>
+            <a:endParaRPr sz="1414"/>
+          </a:p>
+          <a:p>
+            <a:pPr indent="-216806" lvl="0" marL="228600" rtl="0" algn="l">
+              <a:lnSpc>
+                <a:spcPct val="130000"/>
+              </a:lnSpc>
+              <a:spcBef>
+                <a:spcPts val="1000"/>
+              </a:spcBef>
+              <a:spcAft>
+                <a:spcPts val="0"/>
+              </a:spcAft>
+              <a:buSzPts val="1614"/>
+              <a:buChar char="•"/>
+            </a:pPr>
+            <a:r>
+              <a:rPr b="1" lang="en-US" sz="1614"/>
+              <a:t>Scaling Weird-Machine Discovery with LLMs</a:t>
+            </a:r>
+            <a:endParaRPr b="1" sz="1614"/>
+          </a:p>
+          <a:p>
+            <a:pPr indent="-204106" lvl="1" marL="685800" rtl="0" algn="l">
+              <a:lnSpc>
+                <a:spcPct val="130000"/>
+              </a:lnSpc>
+              <a:spcBef>
+                <a:spcPts val="1000"/>
+              </a:spcBef>
+              <a:spcAft>
+                <a:spcPts val="0"/>
+              </a:spcAft>
+              <a:buSzPts val="1414"/>
+              <a:buChar char="•"/>
+            </a:pPr>
+            <a:r>
+              <a:rPr lang="en-US" sz="1414"/>
+              <a:t>Explore a large-language-model consortium approach to assist in identifying potential weird gadgets within complex system architectures such as our Wind Energy Testbed.</a:t>
+            </a:r>
+            <a:endParaRPr sz="1414"/>
+          </a:p>
+          <a:p>
+            <a:pPr indent="-216806" lvl="0" marL="228600" rtl="0" algn="l">
+              <a:lnSpc>
+                <a:spcPct val="130000"/>
+              </a:lnSpc>
+              <a:spcBef>
+                <a:spcPts val="1000"/>
+              </a:spcBef>
+              <a:spcAft>
+                <a:spcPts val="0"/>
+              </a:spcAft>
+              <a:buSzPts val="1614"/>
+              <a:buChar char="•"/>
+            </a:pPr>
+            <a:r>
+              <a:rPr b="1" lang="en-US" sz="1614"/>
+              <a:t>Actualizing Our Research</a:t>
+            </a:r>
+            <a:endParaRPr b="1" sz="1614"/>
+          </a:p>
+          <a:p>
+            <a:pPr indent="-202326" lvl="1" marL="685800" rtl="0" algn="l">
+              <a:lnSpc>
+                <a:spcPct val="130000"/>
+              </a:lnSpc>
+              <a:spcBef>
+                <a:spcPts val="1000"/>
+              </a:spcBef>
+              <a:spcAft>
+                <a:spcPts val="0"/>
+              </a:spcAft>
+              <a:buSzPts val="1386"/>
+              <a:buChar char="•"/>
+            </a:pPr>
+            <a:r>
+              <a:rPr lang="en-US" sz="1386"/>
+              <a:t>In the future we will implement these weird machine models on the actual hardware and determine the extent to which they can run "in the background" of the existing system</a:t>
+            </a:r>
+            <a:endParaRPr sz="1386"/>
+          </a:p>
+          <a:p>
+            <a:pPr indent="-114300" lvl="0" marL="228600" rtl="0" algn="l">
+              <a:lnSpc>
+                <a:spcPct val="90000"/>
+              </a:lnSpc>
+              <a:spcBef>
+                <a:spcPts val="1000"/>
+              </a:spcBef>
+              <a:spcAft>
+                <a:spcPts val="0"/>
+              </a:spcAft>
+              <a:buClr>
+                <a:schemeClr val="dk1"/>
+              </a:buClr>
+              <a:buSzPts val="585"/>
+              <a:buNone/>
+            </a:pPr>
+            <a:r>
+              <a:t/>
+            </a:r>
+            <a:endParaRPr sz="585"/>
+          </a:p>
+        </p:txBody>
+      </p:sp>
+      <p:sp>
+        <p:nvSpPr>
+          <p:cNvPr id="257" name="Google Shape;257;p12"/>
+          <p:cNvSpPr txBox="1"/>
+          <p:nvPr>
+            <p:ph type="title"/>
+          </p:nvPr>
+        </p:nvSpPr>
+        <p:spPr>
+          <a:xfrm>
+            <a:off x="521208" y="978408"/>
+            <a:ext cx="11155680" cy="1463040"/>
+          </a:xfrm>
+          <a:prstGeom prst="rect">
+            <a:avLst/>
+          </a:prstGeom>
+          <a:noFill/>
+          <a:ln>
+            <a:noFill/>
+          </a:ln>
+        </p:spPr>
+        <p:txBody>
+          <a:bodyPr anchorCtr="0" anchor="t" bIns="45700" lIns="91425" spcFirstLastPara="1" rIns="91425" wrap="square" tIns="45700">
+            <a:normAutofit/>
+          </a:bodyPr>
+          <a:lstStyle/>
+          <a:p>
+            <a:pPr indent="0" lvl="0" marL="0" rtl="0" algn="l">
+              <a:lnSpc>
+                <a:spcPct val="100000"/>
+              </a:lnSpc>
+              <a:spcBef>
+                <a:spcPts val="0"/>
+              </a:spcBef>
+              <a:spcAft>
+                <a:spcPts val="0"/>
+              </a:spcAft>
+              <a:buClr>
+                <a:schemeClr val="dk1"/>
+              </a:buClr>
+              <a:buSzPts val="4400"/>
+              <a:buFont typeface="Arial"/>
+              <a:buNone/>
+            </a:pPr>
+            <a:r>
+              <a:rPr lang="en-US"/>
+              <a:t>What is coming next?</a:t>
+            </a:r>
+            <a:endParaRPr/>
+          </a:p>
+        </p:txBody>
+      </p:sp>
+    </p:spTree>
+  </p:cSld>
+  <p:clrMapOvr>
+    <a:masterClrMapping/>
+  </p:clrMapOvr>
+</p:sld>
+</file>
+
+<file path=ppt/slides/slide21.xml><?xml version="1.0" encoding="utf-8"?>
+<p:sld xmlns:a="http://schemas.openxmlformats.org/drawingml/2006/main" xmlns:r="http://schemas.openxmlformats.org/officeDocument/2006/relationships" xmlns:mc="http://schemas.openxmlformats.org/markup-compatibility/2006" xmlns:mv="urn:schemas-microsoft-com:mac:vml" xmlns:p="http://schemas.openxmlformats.org/presentationml/2006/main" xmlns:c="http://schemas.openxmlformats.org/drawingml/2006/chart" xmlns:dgm="http://schemas.openxmlformats.org/drawingml/2006/diagram" xmlns:o="urn:schemas-microsoft-com:office:office" xmlns:v="urn:schemas-microsoft-com:vml" xmlns:pvml="urn:schemas-microsoft-com:office:powerpoint" xmlns:com="http://schemas.openxmlformats.org/drawingml/2006/compatibility" xmlns:p14="http://schemas.microsoft.com/office/powerpoint/2010/main" xmlns:p15="http://schemas.microsoft.com/office/powerpoint/2012/main" xmlns:ahyp="http://schemas.microsoft.com/office/drawing/2018/hyperlinkcolor">
+  <p:cSld>
+    <p:bg>
+      <p:bgPr>
+        <a:solidFill>
+          <a:schemeClr val="lt1"/>
+        </a:solidFill>
+      </p:bgPr>
+    </p:bg>
+    <p:spTree>
+      <p:nvGrpSpPr>
+        <p:cNvPr id="261" name="Shape 261"/>
+        <p:cNvGrpSpPr/>
+        <p:nvPr/>
+      </p:nvGrpSpPr>
+      <p:grpSpPr>
+        <a:xfrm>
+          <a:off x="0" y="0"/>
+          <a:ext cx="0" cy="0"/>
+          <a:chOff x="0" y="0"/>
+          <a:chExt cx="0" cy="0"/>
+        </a:xfrm>
+      </p:grpSpPr>
+      <p:sp>
+        <p:nvSpPr>
+          <p:cNvPr id="262" name="Google Shape;262;p13"/>
           <p:cNvSpPr/>
           <p:nvPr/>
         </p:nvSpPr>
@@ -20477,7 +21222,7 @@
       </p:sp>
       <p:sp>
         <p:nvSpPr>
-          <p:cNvPr id="248" name="Google Shape;248;p13"/>
+          <p:cNvPr id="263" name="Google Shape;263;p13"/>
           <p:cNvSpPr/>
           <p:nvPr/>
         </p:nvSpPr>
@@ -20557,7 +21302,7 @@
       </p:sp>
       <p:sp>
         <p:nvSpPr>
-          <p:cNvPr id="249" name="Google Shape;249;p13"/>
+          <p:cNvPr id="264" name="Google Shape;264;p13"/>
           <p:cNvSpPr/>
           <p:nvPr/>
         </p:nvSpPr>
@@ -20608,7 +21353,7 @@
       </p:sp>
       <p:sp>
         <p:nvSpPr>
-          <p:cNvPr id="250" name="Google Shape;250;p13"/>
+          <p:cNvPr id="265" name="Google Shape;265;p13"/>
           <p:cNvSpPr txBox="1"/>
           <p:nvPr>
             <p:ph type="title"/>
@@ -20652,7 +21397,7 @@
             </a:pPr>
             <a:r>
               <a:rPr lang="en-US" sz="3400"/>
-              <a:t>LLM Consortium For Identifying Weird Gadgets from System Documentation</a:t>
+              <a:t>LLM Consortium For Identifying Weird Gadgets from Technical Manuals</a:t>
             </a:r>
             <a:endParaRPr/>
           </a:p>
@@ -20660,7 +21405,7 @@
       </p:sp>
       <p:sp>
         <p:nvSpPr>
-          <p:cNvPr id="251" name="Google Shape;251;p13"/>
+          <p:cNvPr id="266" name="Google Shape;266;p13"/>
           <p:cNvSpPr/>
           <p:nvPr/>
         </p:nvSpPr>
@@ -20728,7 +21473,7 @@
       </p:sp>
       <p:pic>
         <p:nvPicPr>
-          <p:cNvPr id="252" name="Google Shape;252;p13"/>
+          <p:cNvPr id="267" name="Google Shape;267;p13"/>
           <p:cNvPicPr preferRelativeResize="0"/>
           <p:nvPr/>
         </p:nvPicPr>
@@ -20755,7 +21500,7 @@
       </p:pic>
       <p:sp>
         <p:nvSpPr>
-          <p:cNvPr id="253" name="Google Shape;253;p13"/>
+          <p:cNvPr id="268" name="Google Shape;268;p13"/>
           <p:cNvSpPr txBox="1"/>
           <p:nvPr/>
         </p:nvSpPr>
@@ -20847,6 +21592,371 @@
               <a:t>Dedicated reasoning model compares, validates, and synthesizes these outputs into a single trusted result</a:t>
             </a:r>
             <a:endParaRPr/>
+          </a:p>
+        </p:txBody>
+      </p:sp>
+    </p:spTree>
+  </p:cSld>
+  <p:clrMapOvr>
+    <a:masterClrMapping/>
+  </p:clrMapOvr>
+</p:sld>
+</file>
+
+<file path=ppt/slides/slide22.xml><?xml version="1.0" encoding="utf-8"?>
+<p:sld xmlns:a="http://schemas.openxmlformats.org/drawingml/2006/main" xmlns:r="http://schemas.openxmlformats.org/officeDocument/2006/relationships" xmlns:mc="http://schemas.openxmlformats.org/markup-compatibility/2006" xmlns:mv="urn:schemas-microsoft-com:mac:vml" xmlns:p="http://schemas.openxmlformats.org/presentationml/2006/main" xmlns:c="http://schemas.openxmlformats.org/drawingml/2006/chart" xmlns:dgm="http://schemas.openxmlformats.org/drawingml/2006/diagram" xmlns:o="urn:schemas-microsoft-com:office:office" xmlns:v="urn:schemas-microsoft-com:vml" xmlns:pvml="urn:schemas-microsoft-com:office:powerpoint" xmlns:com="http://schemas.openxmlformats.org/drawingml/2006/compatibility" xmlns:p14="http://schemas.microsoft.com/office/powerpoint/2010/main" xmlns:p15="http://schemas.microsoft.com/office/powerpoint/2012/main" xmlns:ahyp="http://schemas.microsoft.com/office/drawing/2018/hyperlinkcolor">
+  <p:cSld>
+    <p:spTree>
+      <p:nvGrpSpPr>
+        <p:cNvPr id="272" name="Shape 272"/>
+        <p:cNvGrpSpPr/>
+        <p:nvPr/>
+      </p:nvGrpSpPr>
+      <p:grpSpPr>
+        <a:xfrm>
+          <a:off x="0" y="0"/>
+          <a:ext cx="0" cy="0"/>
+          <a:chOff x="0" y="0"/>
+          <a:chExt cx="0" cy="0"/>
+        </a:xfrm>
+      </p:grpSpPr>
+      <p:sp>
+        <p:nvSpPr>
+          <p:cNvPr id="273" name="Google Shape;273;g3a71d4f651d_0_0"/>
+          <p:cNvSpPr txBox="1"/>
+          <p:nvPr>
+            <p:ph idx="1" type="body"/>
+          </p:nvPr>
+        </p:nvSpPr>
+        <p:spPr>
+          <a:xfrm>
+            <a:off x="521200" y="2578598"/>
+            <a:ext cx="11155800" cy="2900400"/>
+          </a:xfrm>
+          <a:prstGeom prst="rect">
+            <a:avLst/>
+          </a:prstGeom>
+          <a:noFill/>
+          <a:ln>
+            <a:noFill/>
+          </a:ln>
+        </p:spPr>
+        <p:txBody>
+          <a:bodyPr anchorCtr="0" anchor="t" bIns="45700" lIns="91425" spcFirstLastPara="1" rIns="91425" wrap="square" tIns="45700">
+            <a:normAutofit fontScale="55000" lnSpcReduction="10000"/>
+          </a:bodyPr>
+          <a:lstStyle/>
+          <a:p>
+            <a:pPr indent="-223295" lvl="0" marL="228600" rtl="0" algn="l">
+              <a:lnSpc>
+                <a:spcPct val="150000"/>
+              </a:lnSpc>
+              <a:spcBef>
+                <a:spcPts val="1000"/>
+              </a:spcBef>
+              <a:spcAft>
+                <a:spcPts val="0"/>
+              </a:spcAft>
+              <a:buSzPct val="100000"/>
+              <a:buChar char="•"/>
+            </a:pPr>
+            <a:r>
+              <a:rPr b="1" lang="en-US" sz="3120"/>
+              <a:t>Points of Contact:</a:t>
+            </a:r>
+            <a:endParaRPr b="1" sz="3120"/>
+          </a:p>
+          <a:p>
+            <a:pPr indent="-223295" lvl="1" marL="685800" rtl="0" algn="l">
+              <a:lnSpc>
+                <a:spcPct val="150000"/>
+              </a:lnSpc>
+              <a:spcBef>
+                <a:spcPts val="500"/>
+              </a:spcBef>
+              <a:spcAft>
+                <a:spcPts val="0"/>
+              </a:spcAft>
+              <a:buSzPct val="100000"/>
+              <a:buChar char="•"/>
+            </a:pPr>
+            <a:r>
+              <a:rPr b="1" lang="en-US" sz="3120"/>
+              <a:t>Jada Cumberland - </a:t>
+            </a:r>
+            <a:r>
+              <a:rPr b="1" lang="en-US" sz="3120" u="sng">
+                <a:solidFill>
+                  <a:schemeClr val="hlink"/>
+                </a:solidFill>
+                <a:hlinkClick r:id="rId3"/>
+              </a:rPr>
+              <a:t>jcumb002@odu.edu</a:t>
+            </a:r>
+            <a:r>
+              <a:rPr b="1" lang="en-US" sz="3120"/>
+              <a:t> </a:t>
+            </a:r>
+            <a:endParaRPr b="1" sz="3120"/>
+          </a:p>
+          <a:p>
+            <a:pPr indent="-223295" lvl="1" marL="685800" rtl="0" algn="l">
+              <a:lnSpc>
+                <a:spcPct val="150000"/>
+              </a:lnSpc>
+              <a:spcBef>
+                <a:spcPts val="500"/>
+              </a:spcBef>
+              <a:spcAft>
+                <a:spcPts val="0"/>
+              </a:spcAft>
+              <a:buSzPct val="100000"/>
+              <a:buChar char="•"/>
+            </a:pPr>
+            <a:r>
+              <a:rPr b="1" lang="en-US" sz="3120"/>
+              <a:t>Brianne Dunn - </a:t>
+            </a:r>
+            <a:r>
+              <a:rPr b="1" lang="en-US" sz="3120" u="sng">
+                <a:solidFill>
+                  <a:schemeClr val="hlink"/>
+                </a:solidFill>
+                <a:hlinkClick r:id="rId4"/>
+              </a:rPr>
+              <a:t>bdunn003@odu.edu</a:t>
+            </a:r>
+            <a:r>
+              <a:rPr b="1" lang="en-US" sz="3120"/>
+              <a:t> </a:t>
+            </a:r>
+            <a:endParaRPr b="1" sz="3120"/>
+          </a:p>
+          <a:p>
+            <a:pPr indent="-223295" lvl="1" marL="685800" rtl="0" algn="l">
+              <a:lnSpc>
+                <a:spcPct val="150000"/>
+              </a:lnSpc>
+              <a:spcBef>
+                <a:spcPts val="500"/>
+              </a:spcBef>
+              <a:spcAft>
+                <a:spcPts val="0"/>
+              </a:spcAft>
+              <a:buSzPct val="100000"/>
+              <a:buChar char="•"/>
+            </a:pPr>
+            <a:r>
+              <a:rPr b="1" lang="en-US" sz="3120"/>
+              <a:t>Samuel Jackson - </a:t>
+            </a:r>
+            <a:r>
+              <a:rPr b="1" lang="en-US" sz="3120" u="sng">
+                <a:solidFill>
+                  <a:schemeClr val="hlink"/>
+                </a:solidFill>
+                <a:hlinkClick r:id="rId5"/>
+              </a:rPr>
+              <a:t>sjack047@odu.edu</a:t>
+            </a:r>
+            <a:r>
+              <a:rPr b="1" lang="en-US" sz="3120"/>
+              <a:t>	</a:t>
+            </a:r>
+            <a:endParaRPr b="1" sz="3120"/>
+          </a:p>
+          <a:p>
+            <a:pPr indent="-223295" lvl="1" marL="685800" rtl="0" algn="l">
+              <a:lnSpc>
+                <a:spcPct val="150000"/>
+              </a:lnSpc>
+              <a:spcBef>
+                <a:spcPts val="500"/>
+              </a:spcBef>
+              <a:spcAft>
+                <a:spcPts val="0"/>
+              </a:spcAft>
+              <a:buSzPct val="100000"/>
+              <a:buChar char="•"/>
+            </a:pPr>
+            <a:r>
+              <a:rPr b="1" lang="en-US" sz="3120"/>
+              <a:t>Dr. Ross Gore - </a:t>
+            </a:r>
+            <a:r>
+              <a:rPr b="1" lang="en-US" sz="3120" u="sng">
+                <a:solidFill>
+                  <a:schemeClr val="hlink"/>
+                </a:solidFill>
+                <a:hlinkClick r:id="rId6"/>
+              </a:rPr>
+              <a:t>rgore@odu.edu</a:t>
+            </a:r>
+            <a:r>
+              <a:rPr b="1" lang="en-US" sz="3120"/>
+              <a:t> </a:t>
+            </a:r>
+            <a:endParaRPr b="1" sz="3120"/>
+          </a:p>
+          <a:p>
+            <a:pPr indent="-223295" lvl="1" marL="685800" rtl="0" algn="l">
+              <a:lnSpc>
+                <a:spcPct val="150000"/>
+              </a:lnSpc>
+              <a:spcBef>
+                <a:spcPts val="500"/>
+              </a:spcBef>
+              <a:spcAft>
+                <a:spcPts val="0"/>
+              </a:spcAft>
+              <a:buSzPct val="100000"/>
+              <a:buChar char="•"/>
+            </a:pPr>
+            <a:r>
+              <a:rPr b="1" lang="en-US" sz="3120"/>
+              <a:t>Dr. Sachin Shetty - </a:t>
+            </a:r>
+            <a:r>
+              <a:rPr b="1" lang="en-US" sz="3120" u="sng">
+                <a:solidFill>
+                  <a:schemeClr val="hlink"/>
+                </a:solidFill>
+                <a:hlinkClick r:id="rId7"/>
+              </a:rPr>
+              <a:t>sshetty@odu.edu</a:t>
+            </a:r>
+            <a:r>
+              <a:rPr b="1" lang="en-US" sz="3120"/>
+              <a:t> </a:t>
+            </a:r>
+            <a:endParaRPr b="1" sz="3120"/>
+          </a:p>
+          <a:p>
+            <a:pPr indent="-114300" lvl="0" marL="228600" rtl="0" algn="l">
+              <a:lnSpc>
+                <a:spcPct val="110000"/>
+              </a:lnSpc>
+              <a:spcBef>
+                <a:spcPts val="1000"/>
+              </a:spcBef>
+              <a:spcAft>
+                <a:spcPts val="0"/>
+              </a:spcAft>
+              <a:buClr>
+                <a:schemeClr val="dk1"/>
+              </a:buClr>
+              <a:buSzPct val="100000"/>
+              <a:buNone/>
+            </a:pPr>
+            <a:r>
+              <a:t/>
+            </a:r>
+            <a:endParaRPr/>
+          </a:p>
+        </p:txBody>
+      </p:sp>
+      <p:sp>
+        <p:nvSpPr>
+          <p:cNvPr id="274" name="Google Shape;274;g3a71d4f651d_0_0"/>
+          <p:cNvSpPr txBox="1"/>
+          <p:nvPr>
+            <p:ph type="title"/>
+          </p:nvPr>
+        </p:nvSpPr>
+        <p:spPr>
+          <a:xfrm>
+            <a:off x="521208" y="978408"/>
+            <a:ext cx="11155800" cy="1463100"/>
+          </a:xfrm>
+          <a:prstGeom prst="rect">
+            <a:avLst/>
+          </a:prstGeom>
+          <a:noFill/>
+          <a:ln>
+            <a:noFill/>
+          </a:ln>
+        </p:spPr>
+        <p:txBody>
+          <a:bodyPr anchorCtr="0" anchor="t" bIns="45700" lIns="91425" spcFirstLastPara="1" rIns="91425" wrap="square" tIns="45700">
+            <a:normAutofit/>
+          </a:bodyPr>
+          <a:lstStyle/>
+          <a:p>
+            <a:pPr indent="0" lvl="0" marL="0" rtl="0" algn="l">
+              <a:lnSpc>
+                <a:spcPct val="100000"/>
+              </a:lnSpc>
+              <a:spcBef>
+                <a:spcPts val="0"/>
+              </a:spcBef>
+              <a:spcAft>
+                <a:spcPts val="0"/>
+              </a:spcAft>
+              <a:buClr>
+                <a:schemeClr val="dk1"/>
+              </a:buClr>
+              <a:buSzPts val="4400"/>
+              <a:buFont typeface="Arial"/>
+              <a:buNone/>
+            </a:pPr>
+            <a:r>
+              <a:rPr lang="en-US"/>
+              <a:t>Q&amp;A </a:t>
+            </a:r>
+            <a:endParaRPr/>
+          </a:p>
+        </p:txBody>
+      </p:sp>
+      <p:sp>
+        <p:nvSpPr>
+          <p:cNvPr id="275" name="Google Shape;275;g3a71d4f651d_0_0"/>
+          <p:cNvSpPr txBox="1"/>
+          <p:nvPr/>
+        </p:nvSpPr>
+        <p:spPr>
+          <a:xfrm>
+            <a:off x="4130697" y="5864018"/>
+            <a:ext cx="7864500" cy="643500"/>
+          </a:xfrm>
+          <a:prstGeom prst="rect">
+            <a:avLst/>
+          </a:prstGeom>
+          <a:noFill/>
+          <a:ln>
+            <a:noFill/>
+          </a:ln>
+        </p:spPr>
+        <p:txBody>
+          <a:bodyPr anchorCtr="0" anchor="t" bIns="91425" lIns="91425" spcFirstLastPara="1" rIns="91425" wrap="square" tIns="91425">
+            <a:noAutofit/>
+          </a:bodyPr>
+          <a:lstStyle/>
+          <a:p>
+            <a:pPr indent="0" lvl="0" marL="0" rtl="0" algn="l">
+              <a:lnSpc>
+                <a:spcPct val="110000"/>
+              </a:lnSpc>
+              <a:spcBef>
+                <a:spcPts val="1000"/>
+              </a:spcBef>
+              <a:spcAft>
+                <a:spcPts val="0"/>
+              </a:spcAft>
+              <a:buNone/>
+            </a:pPr>
+            <a:r>
+              <a:rPr lang="en-US" sz="1800">
+                <a:solidFill>
+                  <a:srgbClr val="000000"/>
+                </a:solidFill>
+              </a:rPr>
+              <a:t>GitHub Repository: https://github.com/rossgore/weird_machine_gadgets</a:t>
+            </a:r>
+            <a:endParaRPr sz="1800">
+              <a:solidFill>
+                <a:srgbClr val="000000"/>
+              </a:solidFill>
+            </a:endParaRPr>
           </a:p>
         </p:txBody>
       </p:sp>
